--- a/React.pptx
+++ b/React.pptx
@@ -282,7 +282,7 @@
           <a:p>
             <a:fld id="{EFE63C55-2C78-4637-A6E7-BF8B7B1798D2}" type="datetimeFigureOut">
               <a:rPr lang="pt-BR" smtClean="0"/>
-              <a:t>14/11/2024</a:t>
+              <a:t>14/01/2025</a:t>
             </a:fld>
             <a:endParaRPr lang="pt-BR"/>
           </a:p>
@@ -480,7 +480,7 @@
           <a:p>
             <a:fld id="{EFE63C55-2C78-4637-A6E7-BF8B7B1798D2}" type="datetimeFigureOut">
               <a:rPr lang="pt-BR" smtClean="0"/>
-              <a:t>14/11/2024</a:t>
+              <a:t>14/01/2025</a:t>
             </a:fld>
             <a:endParaRPr lang="pt-BR"/>
           </a:p>
@@ -688,7 +688,7 @@
           <a:p>
             <a:fld id="{EFE63C55-2C78-4637-A6E7-BF8B7B1798D2}" type="datetimeFigureOut">
               <a:rPr lang="pt-BR" smtClean="0"/>
-              <a:t>14/11/2024</a:t>
+              <a:t>14/01/2025</a:t>
             </a:fld>
             <a:endParaRPr lang="pt-BR"/>
           </a:p>
@@ -886,7 +886,7 @@
           <a:p>
             <a:fld id="{EFE63C55-2C78-4637-A6E7-BF8B7B1798D2}" type="datetimeFigureOut">
               <a:rPr lang="pt-BR" smtClean="0"/>
-              <a:t>14/11/2024</a:t>
+              <a:t>14/01/2025</a:t>
             </a:fld>
             <a:endParaRPr lang="pt-BR"/>
           </a:p>
@@ -1161,7 +1161,7 @@
           <a:p>
             <a:fld id="{EFE63C55-2C78-4637-A6E7-BF8B7B1798D2}" type="datetimeFigureOut">
               <a:rPr lang="pt-BR" smtClean="0"/>
-              <a:t>14/11/2024</a:t>
+              <a:t>14/01/2025</a:t>
             </a:fld>
             <a:endParaRPr lang="pt-BR"/>
           </a:p>
@@ -1426,7 +1426,7 @@
           <a:p>
             <a:fld id="{EFE63C55-2C78-4637-A6E7-BF8B7B1798D2}" type="datetimeFigureOut">
               <a:rPr lang="pt-BR" smtClean="0"/>
-              <a:t>14/11/2024</a:t>
+              <a:t>14/01/2025</a:t>
             </a:fld>
             <a:endParaRPr lang="pt-BR"/>
           </a:p>
@@ -1838,7 +1838,7 @@
           <a:p>
             <a:fld id="{EFE63C55-2C78-4637-A6E7-BF8B7B1798D2}" type="datetimeFigureOut">
               <a:rPr lang="pt-BR" smtClean="0"/>
-              <a:t>14/11/2024</a:t>
+              <a:t>14/01/2025</a:t>
             </a:fld>
             <a:endParaRPr lang="pt-BR"/>
           </a:p>
@@ -1979,7 +1979,7 @@
           <a:p>
             <a:fld id="{EFE63C55-2C78-4637-A6E7-BF8B7B1798D2}" type="datetimeFigureOut">
               <a:rPr lang="pt-BR" smtClean="0"/>
-              <a:t>14/11/2024</a:t>
+              <a:t>14/01/2025</a:t>
             </a:fld>
             <a:endParaRPr lang="pt-BR"/>
           </a:p>
@@ -2092,7 +2092,7 @@
           <a:p>
             <a:fld id="{EFE63C55-2C78-4637-A6E7-BF8B7B1798D2}" type="datetimeFigureOut">
               <a:rPr lang="pt-BR" smtClean="0"/>
-              <a:t>14/11/2024</a:t>
+              <a:t>14/01/2025</a:t>
             </a:fld>
             <a:endParaRPr lang="pt-BR"/>
           </a:p>
@@ -2403,7 +2403,7 @@
           <a:p>
             <a:fld id="{EFE63C55-2C78-4637-A6E7-BF8B7B1798D2}" type="datetimeFigureOut">
               <a:rPr lang="pt-BR" smtClean="0"/>
-              <a:t>14/11/2024</a:t>
+              <a:t>14/01/2025</a:t>
             </a:fld>
             <a:endParaRPr lang="pt-BR"/>
           </a:p>
@@ -2691,7 +2691,7 @@
           <a:p>
             <a:fld id="{EFE63C55-2C78-4637-A6E7-BF8B7B1798D2}" type="datetimeFigureOut">
               <a:rPr lang="pt-BR" smtClean="0"/>
-              <a:t>14/11/2024</a:t>
+              <a:t>14/01/2025</a:t>
             </a:fld>
             <a:endParaRPr lang="pt-BR"/>
           </a:p>
@@ -2932,7 +2932,7 @@
           <a:p>
             <a:fld id="{EFE63C55-2C78-4637-A6E7-BF8B7B1798D2}" type="datetimeFigureOut">
               <a:rPr lang="pt-BR" smtClean="0"/>
-              <a:t>14/11/2024</a:t>
+              <a:t>14/01/2025</a:t>
             </a:fld>
             <a:endParaRPr lang="pt-BR"/>
           </a:p>
@@ -5482,13 +5482,13 @@
         </p:nvSpPr>
         <p:spPr>
           <a:xfrm>
-            <a:off x="838200" y="1825624"/>
-            <a:ext cx="10515600" cy="4935393"/>
+            <a:off x="838200" y="1395856"/>
+            <a:ext cx="10515600" cy="5462144"/>
           </a:xfrm>
         </p:spPr>
         <p:txBody>
           <a:bodyPr>
-            <a:normAutofit fontScale="77500" lnSpcReduction="20000"/>
+            <a:normAutofit fontScale="70000" lnSpcReduction="20000"/>
           </a:bodyPr>
           <a:lstStyle/>
           <a:p>
@@ -5541,6 +5541,45 @@
           </a:p>
           <a:p>
             <a:endParaRPr lang="pt-BR" dirty="0"/>
+          </a:p>
+          <a:p>
+            <a:r>
+              <a:rPr lang="pt-BR" dirty="0" err="1"/>
+              <a:t>Icons</a:t>
+            </a:r>
+            <a:endParaRPr lang="pt-BR" dirty="0"/>
+          </a:p>
+          <a:p>
+            <a:pPr marL="0" indent="0">
+              <a:buNone/>
+            </a:pPr>
+            <a:r>
+              <a:rPr lang="pt-BR" b="1" dirty="0" err="1"/>
+              <a:t>npm</a:t>
+            </a:r>
+            <a:r>
+              <a:rPr lang="pt-BR" b="1" dirty="0"/>
+              <a:t> </a:t>
+            </a:r>
+            <a:r>
+              <a:rPr lang="pt-BR" b="1" dirty="0" err="1"/>
+              <a:t>install</a:t>
+            </a:r>
+            <a:r>
+              <a:rPr lang="pt-BR" b="1" dirty="0"/>
+              <a:t> </a:t>
+            </a:r>
+            <a:r>
+              <a:rPr lang="pt-BR" b="1" dirty="0" err="1"/>
+              <a:t>react-icons</a:t>
+            </a:r>
+            <a:endParaRPr lang="pt-BR" b="1" dirty="0"/>
+          </a:p>
+          <a:p>
+            <a:pPr marL="0" indent="0">
+              <a:buNone/>
+            </a:pPr>
+            <a:endParaRPr lang="pt-BR" b="1" dirty="0"/>
           </a:p>
           <a:p>
             <a:r>

--- a/React.pptx
+++ b/React.pptx
@@ -29,6 +29,10 @@
     <p:sldId id="277" r:id="rId23"/>
     <p:sldId id="278" r:id="rId24"/>
     <p:sldId id="279" r:id="rId25"/>
+    <p:sldId id="280" r:id="rId26"/>
+    <p:sldId id="281" r:id="rId27"/>
+    <p:sldId id="282" r:id="rId28"/>
+    <p:sldId id="283" r:id="rId29"/>
   </p:sldIdLst>
   <p:sldSz cx="12192000" cy="6858000"/>
   <p:notesSz cx="6858000" cy="9144000"/>
@@ -135,6 +139,3473 @@
 </p:presentation>
 </file>
 
+<file path=ppt/diagrams/colors1.xml><?xml version="1.0" encoding="utf-8"?>
+<dgm:colorsDef xmlns:dgm="http://schemas.openxmlformats.org/drawingml/2006/diagram" xmlns:a="http://schemas.openxmlformats.org/drawingml/2006/main" uniqueId="urn:microsoft.com/office/officeart/2005/8/colors/colorful2">
+  <dgm:title val=""/>
+  <dgm:desc val=""/>
+  <dgm:catLst>
+    <dgm:cat type="colorful" pri="10200"/>
+  </dgm:catLst>
+  <dgm:styleLbl name="node0">
+    <dgm:fillClrLst meth="repeat">
+      <a:schemeClr val="accent1"/>
+    </dgm:fillClrLst>
+    <dgm:linClrLst meth="repeat">
+      <a:schemeClr val="lt1"/>
+    </dgm:linClrLst>
+    <dgm:effectClrLst/>
+    <dgm:txLinClrLst/>
+    <dgm:txFillClrLst/>
+    <dgm:txEffectClrLst/>
+  </dgm:styleLbl>
+  <dgm:styleLbl name="node1">
+    <dgm:fillClrLst>
+      <a:schemeClr val="accent2"/>
+      <a:schemeClr val="accent3"/>
+    </dgm:fillClrLst>
+    <dgm:linClrLst meth="repeat">
+      <a:schemeClr val="lt1"/>
+    </dgm:linClrLst>
+    <dgm:effectClrLst/>
+    <dgm:txLinClrLst/>
+    <dgm:txFillClrLst/>
+    <dgm:txEffectClrLst/>
+  </dgm:styleLbl>
+  <dgm:styleLbl name="alignNode1">
+    <dgm:fillClrLst>
+      <a:schemeClr val="accent2"/>
+      <a:schemeClr val="accent3"/>
+    </dgm:fillClrLst>
+    <dgm:linClrLst>
+      <a:schemeClr val="accent2"/>
+      <a:schemeClr val="accent3"/>
+    </dgm:linClrLst>
+    <dgm:effectClrLst/>
+    <dgm:txLinClrLst/>
+    <dgm:txFillClrLst/>
+    <dgm:txEffectClrLst/>
+  </dgm:styleLbl>
+  <dgm:styleLbl name="lnNode1">
+    <dgm:fillClrLst>
+      <a:schemeClr val="accent2"/>
+      <a:schemeClr val="accent3"/>
+    </dgm:fillClrLst>
+    <dgm:linClrLst meth="repeat">
+      <a:schemeClr val="lt1"/>
+    </dgm:linClrLst>
+    <dgm:effectClrLst/>
+    <dgm:txLinClrLst/>
+    <dgm:txFillClrLst/>
+    <dgm:txEffectClrLst/>
+  </dgm:styleLbl>
+  <dgm:styleLbl name="vennNode1">
+    <dgm:fillClrLst>
+      <a:schemeClr val="accent2">
+        <a:alpha val="50000"/>
+      </a:schemeClr>
+      <a:schemeClr val="accent3">
+        <a:alpha val="50000"/>
+      </a:schemeClr>
+    </dgm:fillClrLst>
+    <dgm:linClrLst meth="repeat">
+      <a:schemeClr val="lt1"/>
+    </dgm:linClrLst>
+    <dgm:effectClrLst/>
+    <dgm:txLinClrLst/>
+    <dgm:txFillClrLst/>
+    <dgm:txEffectClrLst/>
+  </dgm:styleLbl>
+  <dgm:styleLbl name="node2">
+    <dgm:fillClrLst>
+      <a:schemeClr val="accent3"/>
+    </dgm:fillClrLst>
+    <dgm:linClrLst meth="repeat">
+      <a:schemeClr val="lt1"/>
+    </dgm:linClrLst>
+    <dgm:effectClrLst/>
+    <dgm:txLinClrLst/>
+    <dgm:txFillClrLst/>
+    <dgm:txEffectClrLst/>
+  </dgm:styleLbl>
+  <dgm:styleLbl name="node3">
+    <dgm:fillClrLst>
+      <a:schemeClr val="accent4"/>
+    </dgm:fillClrLst>
+    <dgm:linClrLst meth="repeat">
+      <a:schemeClr val="lt1"/>
+    </dgm:linClrLst>
+    <dgm:effectClrLst/>
+    <dgm:txLinClrLst/>
+    <dgm:txFillClrLst/>
+    <dgm:txEffectClrLst/>
+  </dgm:styleLbl>
+  <dgm:styleLbl name="node4">
+    <dgm:fillClrLst>
+      <a:schemeClr val="accent5"/>
+    </dgm:fillClrLst>
+    <dgm:linClrLst meth="repeat">
+      <a:schemeClr val="lt1"/>
+    </dgm:linClrLst>
+    <dgm:effectClrLst/>
+    <dgm:txLinClrLst/>
+    <dgm:txFillClrLst/>
+    <dgm:txEffectClrLst/>
+  </dgm:styleLbl>
+  <dgm:styleLbl name="fgImgPlace1">
+    <dgm:fillClrLst>
+      <a:schemeClr val="accent2">
+        <a:tint val="50000"/>
+      </a:schemeClr>
+      <a:schemeClr val="accent3">
+        <a:tint val="50000"/>
+      </a:schemeClr>
+    </dgm:fillClrLst>
+    <dgm:linClrLst meth="repeat">
+      <a:schemeClr val="lt1"/>
+    </dgm:linClrLst>
+    <dgm:effectClrLst/>
+    <dgm:txLinClrLst/>
+    <dgm:txFillClrLst meth="repeat">
+      <a:schemeClr val="lt1"/>
+    </dgm:txFillClrLst>
+    <dgm:txEffectClrLst/>
+  </dgm:styleLbl>
+  <dgm:styleLbl name="alignImgPlace1">
+    <dgm:fillClrLst>
+      <a:schemeClr val="accent2">
+        <a:tint val="50000"/>
+      </a:schemeClr>
+      <a:schemeClr val="accent3">
+        <a:tint val="20000"/>
+      </a:schemeClr>
+    </dgm:fillClrLst>
+    <dgm:linClrLst meth="repeat">
+      <a:schemeClr val="lt1"/>
+    </dgm:linClrLst>
+    <dgm:effectClrLst/>
+    <dgm:txLinClrLst/>
+    <dgm:txFillClrLst meth="repeat">
+      <a:schemeClr val="lt1"/>
+    </dgm:txFillClrLst>
+    <dgm:txEffectClrLst/>
+  </dgm:styleLbl>
+  <dgm:styleLbl name="bgImgPlace1">
+    <dgm:fillClrLst>
+      <a:schemeClr val="accent2">
+        <a:tint val="50000"/>
+      </a:schemeClr>
+      <a:schemeClr val="accent3">
+        <a:tint val="20000"/>
+      </a:schemeClr>
+    </dgm:fillClrLst>
+    <dgm:linClrLst meth="repeat">
+      <a:schemeClr val="lt1"/>
+    </dgm:linClrLst>
+    <dgm:effectClrLst/>
+    <dgm:txLinClrLst/>
+    <dgm:txFillClrLst meth="repeat">
+      <a:schemeClr val="lt1"/>
+    </dgm:txFillClrLst>
+    <dgm:txEffectClrLst/>
+  </dgm:styleLbl>
+  <dgm:styleLbl name="sibTrans2D1">
+    <dgm:fillClrLst>
+      <a:schemeClr val="accent2"/>
+      <a:schemeClr val="accent3"/>
+    </dgm:fillClrLst>
+    <dgm:linClrLst meth="repeat">
+      <a:schemeClr val="lt1"/>
+    </dgm:linClrLst>
+    <dgm:effectClrLst/>
+    <dgm:txLinClrLst/>
+    <dgm:txFillClrLst/>
+    <dgm:txEffectClrLst/>
+  </dgm:styleLbl>
+  <dgm:styleLbl name="fgSibTrans2D1">
+    <dgm:fillClrLst>
+      <a:schemeClr val="accent2"/>
+      <a:schemeClr val="accent3"/>
+    </dgm:fillClrLst>
+    <dgm:linClrLst meth="repeat">
+      <a:schemeClr val="lt1"/>
+    </dgm:linClrLst>
+    <dgm:effectClrLst/>
+    <dgm:txLinClrLst/>
+    <dgm:txFillClrLst meth="repeat">
+      <a:schemeClr val="lt1"/>
+    </dgm:txFillClrLst>
+    <dgm:txEffectClrLst/>
+  </dgm:styleLbl>
+  <dgm:styleLbl name="bgSibTrans2D1">
+    <dgm:fillClrLst>
+      <a:schemeClr val="accent2"/>
+      <a:schemeClr val="accent3"/>
+    </dgm:fillClrLst>
+    <dgm:linClrLst meth="repeat">
+      <a:schemeClr val="lt1"/>
+    </dgm:linClrLst>
+    <dgm:effectClrLst/>
+    <dgm:txLinClrLst/>
+    <dgm:txFillClrLst meth="repeat">
+      <a:schemeClr val="lt1"/>
+    </dgm:txFillClrLst>
+    <dgm:txEffectClrLst/>
+  </dgm:styleLbl>
+  <dgm:styleLbl name="sibTrans1D1">
+    <dgm:fillClrLst/>
+    <dgm:linClrLst>
+      <a:schemeClr val="accent2"/>
+      <a:schemeClr val="accent3"/>
+    </dgm:linClrLst>
+    <dgm:effectClrLst/>
+    <dgm:txLinClrLst/>
+    <dgm:txFillClrLst meth="repeat">
+      <a:schemeClr val="tx1"/>
+    </dgm:txFillClrLst>
+    <dgm:txEffectClrLst/>
+  </dgm:styleLbl>
+  <dgm:styleLbl name="callout">
+    <dgm:fillClrLst meth="repeat">
+      <a:schemeClr val="accent2"/>
+    </dgm:fillClrLst>
+    <dgm:linClrLst meth="repeat">
+      <a:schemeClr val="accent2">
+        <a:tint val="50000"/>
+      </a:schemeClr>
+    </dgm:linClrLst>
+    <dgm:effectClrLst/>
+    <dgm:txLinClrLst/>
+    <dgm:txFillClrLst meth="repeat">
+      <a:schemeClr val="tx1"/>
+    </dgm:txFillClrLst>
+    <dgm:txEffectClrLst/>
+  </dgm:styleLbl>
+  <dgm:styleLbl name="asst0">
+    <dgm:fillClrLst meth="repeat">
+      <a:schemeClr val="accent2"/>
+    </dgm:fillClrLst>
+    <dgm:linClrLst meth="repeat">
+      <a:schemeClr val="lt1">
+        <a:shade val="80000"/>
+      </a:schemeClr>
+    </dgm:linClrLst>
+    <dgm:effectClrLst/>
+    <dgm:txLinClrLst/>
+    <dgm:txFillClrLst/>
+    <dgm:txEffectClrLst/>
+  </dgm:styleLbl>
+  <dgm:styleLbl name="asst1">
+    <dgm:fillClrLst meth="repeat">
+      <a:schemeClr val="accent3"/>
+    </dgm:fillClrLst>
+    <dgm:linClrLst meth="repeat">
+      <a:schemeClr val="lt1">
+        <a:shade val="80000"/>
+      </a:schemeClr>
+    </dgm:linClrLst>
+    <dgm:effectClrLst/>
+    <dgm:txLinClrLst/>
+    <dgm:txFillClrLst/>
+    <dgm:txEffectClrLst/>
+  </dgm:styleLbl>
+  <dgm:styleLbl name="asst2">
+    <dgm:fillClrLst>
+      <a:schemeClr val="accent4"/>
+    </dgm:fillClrLst>
+    <dgm:linClrLst meth="repeat">
+      <a:schemeClr val="lt1"/>
+    </dgm:linClrLst>
+    <dgm:effectClrLst/>
+    <dgm:txLinClrLst/>
+    <dgm:txFillClrLst/>
+    <dgm:txEffectClrLst/>
+  </dgm:styleLbl>
+  <dgm:styleLbl name="asst3">
+    <dgm:fillClrLst>
+      <a:schemeClr val="accent5"/>
+    </dgm:fillClrLst>
+    <dgm:linClrLst meth="repeat">
+      <a:schemeClr val="lt1"/>
+    </dgm:linClrLst>
+    <dgm:effectClrLst/>
+    <dgm:txLinClrLst/>
+    <dgm:txFillClrLst/>
+    <dgm:txEffectClrLst/>
+  </dgm:styleLbl>
+  <dgm:styleLbl name="asst4">
+    <dgm:fillClrLst>
+      <a:schemeClr val="accent6"/>
+    </dgm:fillClrLst>
+    <dgm:linClrLst meth="repeat">
+      <a:schemeClr val="lt1"/>
+    </dgm:linClrLst>
+    <dgm:effectClrLst/>
+    <dgm:txLinClrLst/>
+    <dgm:txFillClrLst/>
+    <dgm:txEffectClrLst/>
+  </dgm:styleLbl>
+  <dgm:styleLbl name="parChTrans2D1">
+    <dgm:fillClrLst meth="repeat">
+      <a:schemeClr val="accent2"/>
+    </dgm:fillClrLst>
+    <dgm:linClrLst meth="repeat">
+      <a:schemeClr val="lt1"/>
+    </dgm:linClrLst>
+    <dgm:effectClrLst/>
+    <dgm:txLinClrLst/>
+    <dgm:txFillClrLst meth="repeat">
+      <a:schemeClr val="lt1"/>
+    </dgm:txFillClrLst>
+    <dgm:txEffectClrLst/>
+  </dgm:styleLbl>
+  <dgm:styleLbl name="parChTrans2D2">
+    <dgm:fillClrLst meth="repeat">
+      <a:schemeClr val="accent3"/>
+    </dgm:fillClrLst>
+    <dgm:linClrLst meth="repeat">
+      <a:schemeClr val="lt1"/>
+    </dgm:linClrLst>
+    <dgm:effectClrLst/>
+    <dgm:txLinClrLst/>
+    <dgm:txFillClrLst/>
+    <dgm:txEffectClrLst/>
+  </dgm:styleLbl>
+  <dgm:styleLbl name="parChTrans2D3">
+    <dgm:fillClrLst meth="repeat">
+      <a:schemeClr val="accent4"/>
+    </dgm:fillClrLst>
+    <dgm:linClrLst meth="repeat">
+      <a:schemeClr val="lt1"/>
+    </dgm:linClrLst>
+    <dgm:effectClrLst/>
+    <dgm:txLinClrLst/>
+    <dgm:txFillClrLst/>
+    <dgm:txEffectClrLst/>
+  </dgm:styleLbl>
+  <dgm:styleLbl name="parChTrans2D4">
+    <dgm:fillClrLst meth="repeat">
+      <a:schemeClr val="accent5"/>
+    </dgm:fillClrLst>
+    <dgm:linClrLst meth="repeat">
+      <a:schemeClr val="lt1"/>
+    </dgm:linClrLst>
+    <dgm:effectClrLst/>
+    <dgm:txLinClrLst/>
+    <dgm:txFillClrLst meth="repeat">
+      <a:schemeClr val="lt1"/>
+    </dgm:txFillClrLst>
+    <dgm:txEffectClrLst/>
+  </dgm:styleLbl>
+  <dgm:styleLbl name="parChTrans1D1">
+    <dgm:fillClrLst meth="repeat">
+      <a:schemeClr val="accent2"/>
+    </dgm:fillClrLst>
+    <dgm:linClrLst meth="repeat">
+      <a:schemeClr val="accent2"/>
+    </dgm:linClrLst>
+    <dgm:effectClrLst/>
+    <dgm:txLinClrLst/>
+    <dgm:txFillClrLst meth="repeat">
+      <a:schemeClr val="tx1"/>
+    </dgm:txFillClrLst>
+    <dgm:txEffectClrLst/>
+  </dgm:styleLbl>
+  <dgm:styleLbl name="parChTrans1D2">
+    <dgm:fillClrLst meth="repeat">
+      <a:schemeClr val="accent2">
+        <a:tint val="90000"/>
+      </a:schemeClr>
+    </dgm:fillClrLst>
+    <dgm:linClrLst meth="repeat">
+      <a:schemeClr val="accent3"/>
+    </dgm:linClrLst>
+    <dgm:effectClrLst/>
+    <dgm:txLinClrLst/>
+    <dgm:txFillClrLst meth="repeat">
+      <a:schemeClr val="tx1"/>
+    </dgm:txFillClrLst>
+    <dgm:txEffectClrLst/>
+  </dgm:styleLbl>
+  <dgm:styleLbl name="parChTrans1D3">
+    <dgm:fillClrLst meth="repeat">
+      <a:schemeClr val="accent2">
+        <a:tint val="70000"/>
+      </a:schemeClr>
+    </dgm:fillClrLst>
+    <dgm:linClrLst meth="repeat">
+      <a:schemeClr val="accent4"/>
+    </dgm:linClrLst>
+    <dgm:effectClrLst/>
+    <dgm:txLinClrLst/>
+    <dgm:txFillClrLst meth="repeat">
+      <a:schemeClr val="tx1"/>
+    </dgm:txFillClrLst>
+    <dgm:txEffectClrLst/>
+  </dgm:styleLbl>
+  <dgm:styleLbl name="parChTrans1D4">
+    <dgm:fillClrLst meth="repeat">
+      <a:schemeClr val="accent2">
+        <a:tint val="50000"/>
+      </a:schemeClr>
+    </dgm:fillClrLst>
+    <dgm:linClrLst meth="repeat">
+      <a:schemeClr val="accent5"/>
+    </dgm:linClrLst>
+    <dgm:effectClrLst/>
+    <dgm:txLinClrLst/>
+    <dgm:txFillClrLst meth="repeat">
+      <a:schemeClr val="tx1"/>
+    </dgm:txFillClrLst>
+    <dgm:txEffectClrLst/>
+  </dgm:styleLbl>
+  <dgm:styleLbl name="fgAcc1">
+    <dgm:fillClrLst meth="repeat">
+      <a:schemeClr val="lt1">
+        <a:alpha val="90000"/>
+      </a:schemeClr>
+    </dgm:fillClrLst>
+    <dgm:linClrLst>
+      <a:schemeClr val="accent2"/>
+      <a:schemeClr val="accent3"/>
+    </dgm:linClrLst>
+    <dgm:effectClrLst/>
+    <dgm:txLinClrLst/>
+    <dgm:txFillClrLst meth="repeat">
+      <a:schemeClr val="dk1"/>
+    </dgm:txFillClrLst>
+    <dgm:txEffectClrLst/>
+  </dgm:styleLbl>
+  <dgm:styleLbl name="conFgAcc1">
+    <dgm:fillClrLst meth="repeat">
+      <a:schemeClr val="lt1">
+        <a:alpha val="90000"/>
+      </a:schemeClr>
+    </dgm:fillClrLst>
+    <dgm:linClrLst>
+      <a:schemeClr val="accent2"/>
+      <a:schemeClr val="accent3"/>
+    </dgm:linClrLst>
+    <dgm:effectClrLst/>
+    <dgm:txLinClrLst/>
+    <dgm:txFillClrLst meth="repeat">
+      <a:schemeClr val="dk1"/>
+    </dgm:txFillClrLst>
+    <dgm:txEffectClrLst/>
+  </dgm:styleLbl>
+  <dgm:styleLbl name="alignAcc1">
+    <dgm:fillClrLst meth="repeat">
+      <a:schemeClr val="lt1">
+        <a:alpha val="90000"/>
+      </a:schemeClr>
+    </dgm:fillClrLst>
+    <dgm:linClrLst>
+      <a:schemeClr val="accent2"/>
+      <a:schemeClr val="accent3"/>
+    </dgm:linClrLst>
+    <dgm:effectClrLst/>
+    <dgm:txLinClrLst/>
+    <dgm:txFillClrLst meth="repeat">
+      <a:schemeClr val="dk1"/>
+    </dgm:txFillClrLst>
+    <dgm:txEffectClrLst/>
+  </dgm:styleLbl>
+  <dgm:styleLbl name="trAlignAcc1">
+    <dgm:fillClrLst meth="repeat">
+      <a:schemeClr val="lt1">
+        <a:alpha val="40000"/>
+      </a:schemeClr>
+    </dgm:fillClrLst>
+    <dgm:linClrLst meth="repeat">
+      <a:schemeClr val="accent2"/>
+    </dgm:linClrLst>
+    <dgm:effectClrLst/>
+    <dgm:txLinClrLst/>
+    <dgm:txFillClrLst meth="repeat">
+      <a:schemeClr val="dk1"/>
+    </dgm:txFillClrLst>
+    <dgm:txEffectClrLst/>
+  </dgm:styleLbl>
+  <dgm:styleLbl name="bgAcc1">
+    <dgm:fillClrLst meth="repeat">
+      <a:schemeClr val="lt1">
+        <a:alpha val="90000"/>
+      </a:schemeClr>
+    </dgm:fillClrLst>
+    <dgm:linClrLst>
+      <a:schemeClr val="accent2"/>
+      <a:schemeClr val="accent3"/>
+    </dgm:linClrLst>
+    <dgm:effectClrLst/>
+    <dgm:txLinClrLst/>
+    <dgm:txFillClrLst meth="repeat">
+      <a:schemeClr val="dk1"/>
+    </dgm:txFillClrLst>
+    <dgm:txEffectClrLst/>
+  </dgm:styleLbl>
+  <dgm:styleLbl name="solidFgAcc1">
+    <dgm:fillClrLst meth="repeat">
+      <a:schemeClr val="lt1"/>
+    </dgm:fillClrLst>
+    <dgm:linClrLst>
+      <a:schemeClr val="accent2"/>
+      <a:schemeClr val="accent3"/>
+    </dgm:linClrLst>
+    <dgm:effectClrLst/>
+    <dgm:txLinClrLst/>
+    <dgm:txFillClrLst meth="repeat">
+      <a:schemeClr val="dk1"/>
+    </dgm:txFillClrLst>
+    <dgm:txEffectClrLst/>
+  </dgm:styleLbl>
+  <dgm:styleLbl name="solidAlignAcc1">
+    <dgm:fillClrLst meth="repeat">
+      <a:schemeClr val="lt1"/>
+    </dgm:fillClrLst>
+    <dgm:linClrLst>
+      <a:schemeClr val="accent2"/>
+      <a:schemeClr val="accent3"/>
+    </dgm:linClrLst>
+    <dgm:effectClrLst/>
+    <dgm:txLinClrLst/>
+    <dgm:txFillClrLst meth="repeat">
+      <a:schemeClr val="dk1"/>
+    </dgm:txFillClrLst>
+    <dgm:txEffectClrLst/>
+  </dgm:styleLbl>
+  <dgm:styleLbl name="solidBgAcc1">
+    <dgm:fillClrLst meth="repeat">
+      <a:schemeClr val="lt1"/>
+    </dgm:fillClrLst>
+    <dgm:linClrLst>
+      <a:schemeClr val="accent2"/>
+      <a:schemeClr val="accent3"/>
+    </dgm:linClrLst>
+    <dgm:effectClrLst/>
+    <dgm:txLinClrLst/>
+    <dgm:txFillClrLst meth="repeat">
+      <a:schemeClr val="dk1"/>
+    </dgm:txFillClrLst>
+    <dgm:txEffectClrLst/>
+  </dgm:styleLbl>
+  <dgm:styleLbl name="fgAccFollowNode1">
+    <dgm:fillClrLst>
+      <a:schemeClr val="accent2">
+        <a:tint val="40000"/>
+        <a:alpha val="90000"/>
+      </a:schemeClr>
+      <a:schemeClr val="accent3">
+        <a:tint val="40000"/>
+        <a:alpha val="90000"/>
+      </a:schemeClr>
+    </dgm:fillClrLst>
+    <dgm:linClrLst>
+      <a:schemeClr val="accent2">
+        <a:tint val="40000"/>
+        <a:alpha val="90000"/>
+      </a:schemeClr>
+      <a:schemeClr val="accent3">
+        <a:tint val="40000"/>
+        <a:alpha val="90000"/>
+      </a:schemeClr>
+    </dgm:linClrLst>
+    <dgm:effectClrLst/>
+    <dgm:txLinClrLst/>
+    <dgm:txFillClrLst meth="repeat">
+      <a:schemeClr val="dk1"/>
+    </dgm:txFillClrLst>
+    <dgm:txEffectClrLst/>
+  </dgm:styleLbl>
+  <dgm:styleLbl name="alignAccFollowNode1">
+    <dgm:fillClrLst>
+      <a:schemeClr val="accent2">
+        <a:tint val="40000"/>
+        <a:alpha val="90000"/>
+      </a:schemeClr>
+      <a:schemeClr val="accent3">
+        <a:tint val="40000"/>
+        <a:alpha val="90000"/>
+      </a:schemeClr>
+    </dgm:fillClrLst>
+    <dgm:linClrLst>
+      <a:schemeClr val="accent2">
+        <a:tint val="40000"/>
+        <a:alpha val="90000"/>
+      </a:schemeClr>
+      <a:schemeClr val="accent3">
+        <a:tint val="40000"/>
+        <a:alpha val="90000"/>
+      </a:schemeClr>
+    </dgm:linClrLst>
+    <dgm:effectClrLst/>
+    <dgm:txLinClrLst/>
+    <dgm:txFillClrLst meth="repeat">
+      <a:schemeClr val="dk1"/>
+    </dgm:txFillClrLst>
+    <dgm:txEffectClrLst/>
+  </dgm:styleLbl>
+  <dgm:styleLbl name="bgAccFollowNode1">
+    <dgm:fillClrLst>
+      <a:schemeClr val="accent2">
+        <a:tint val="40000"/>
+        <a:alpha val="90000"/>
+      </a:schemeClr>
+      <a:schemeClr val="accent3">
+        <a:tint val="40000"/>
+        <a:alpha val="90000"/>
+      </a:schemeClr>
+    </dgm:fillClrLst>
+    <dgm:linClrLst>
+      <a:schemeClr val="accent2">
+        <a:tint val="40000"/>
+        <a:alpha val="90000"/>
+      </a:schemeClr>
+      <a:schemeClr val="accent3">
+        <a:tint val="40000"/>
+        <a:alpha val="90000"/>
+      </a:schemeClr>
+    </dgm:linClrLst>
+    <dgm:effectClrLst/>
+    <dgm:txLinClrLst/>
+    <dgm:txFillClrLst meth="repeat">
+      <a:schemeClr val="dk1"/>
+    </dgm:txFillClrLst>
+    <dgm:txEffectClrLst/>
+  </dgm:styleLbl>
+  <dgm:styleLbl name="fgAcc0">
+    <dgm:fillClrLst meth="repeat">
+      <a:schemeClr val="lt1">
+        <a:alpha val="90000"/>
+      </a:schemeClr>
+    </dgm:fillClrLst>
+    <dgm:linClrLst>
+      <a:schemeClr val="accent1"/>
+    </dgm:linClrLst>
+    <dgm:effectClrLst/>
+    <dgm:txLinClrLst/>
+    <dgm:txFillClrLst meth="repeat">
+      <a:schemeClr val="dk1"/>
+    </dgm:txFillClrLst>
+    <dgm:txEffectClrLst/>
+  </dgm:styleLbl>
+  <dgm:styleLbl name="fgAcc2">
+    <dgm:fillClrLst meth="repeat">
+      <a:schemeClr val="lt1">
+        <a:alpha val="90000"/>
+      </a:schemeClr>
+    </dgm:fillClrLst>
+    <dgm:linClrLst>
+      <a:schemeClr val="accent3"/>
+    </dgm:linClrLst>
+    <dgm:effectClrLst/>
+    <dgm:txLinClrLst/>
+    <dgm:txFillClrLst meth="repeat">
+      <a:schemeClr val="dk1"/>
+    </dgm:txFillClrLst>
+    <dgm:txEffectClrLst/>
+  </dgm:styleLbl>
+  <dgm:styleLbl name="fgAcc3">
+    <dgm:fillClrLst meth="repeat">
+      <a:schemeClr val="lt1">
+        <a:alpha val="90000"/>
+      </a:schemeClr>
+    </dgm:fillClrLst>
+    <dgm:linClrLst>
+      <a:schemeClr val="accent4"/>
+    </dgm:linClrLst>
+    <dgm:effectClrLst/>
+    <dgm:txLinClrLst/>
+    <dgm:txFillClrLst meth="repeat">
+      <a:schemeClr val="dk1"/>
+    </dgm:txFillClrLst>
+    <dgm:txEffectClrLst/>
+  </dgm:styleLbl>
+  <dgm:styleLbl name="fgAcc4">
+    <dgm:fillClrLst meth="repeat">
+      <a:schemeClr val="lt1">
+        <a:alpha val="90000"/>
+      </a:schemeClr>
+    </dgm:fillClrLst>
+    <dgm:linClrLst>
+      <a:schemeClr val="accent5"/>
+    </dgm:linClrLst>
+    <dgm:effectClrLst/>
+    <dgm:txLinClrLst/>
+    <dgm:txFillClrLst meth="repeat">
+      <a:schemeClr val="dk1"/>
+    </dgm:txFillClrLst>
+    <dgm:txEffectClrLst/>
+  </dgm:styleLbl>
+  <dgm:styleLbl name="bgShp">
+    <dgm:fillClrLst meth="repeat">
+      <a:schemeClr val="accent2">
+        <a:tint val="40000"/>
+      </a:schemeClr>
+    </dgm:fillClrLst>
+    <dgm:linClrLst meth="repeat">
+      <a:schemeClr val="dk1"/>
+    </dgm:linClrLst>
+    <dgm:effectClrLst/>
+    <dgm:txLinClrLst/>
+    <dgm:txFillClrLst meth="repeat">
+      <a:schemeClr val="dk1"/>
+    </dgm:txFillClrLst>
+    <dgm:txEffectClrLst/>
+  </dgm:styleLbl>
+  <dgm:styleLbl name="dkBgShp">
+    <dgm:fillClrLst meth="repeat">
+      <a:schemeClr val="accent2">
+        <a:shade val="90000"/>
+      </a:schemeClr>
+    </dgm:fillClrLst>
+    <dgm:linClrLst meth="repeat">
+      <a:schemeClr val="dk1"/>
+    </dgm:linClrLst>
+    <dgm:effectClrLst/>
+    <dgm:txLinClrLst/>
+    <dgm:txFillClrLst meth="repeat">
+      <a:schemeClr val="lt1"/>
+    </dgm:txFillClrLst>
+    <dgm:txEffectClrLst/>
+  </dgm:styleLbl>
+  <dgm:styleLbl name="trBgShp">
+    <dgm:fillClrLst meth="repeat">
+      <a:schemeClr val="accent2">
+        <a:tint val="50000"/>
+        <a:alpha val="40000"/>
+      </a:schemeClr>
+    </dgm:fillClrLst>
+    <dgm:linClrLst meth="repeat">
+      <a:schemeClr val="accent2"/>
+    </dgm:linClrLst>
+    <dgm:effectClrLst/>
+    <dgm:txLinClrLst/>
+    <dgm:txFillClrLst meth="repeat">
+      <a:schemeClr val="lt1"/>
+    </dgm:txFillClrLst>
+    <dgm:txEffectClrLst/>
+  </dgm:styleLbl>
+  <dgm:styleLbl name="fgShp">
+    <dgm:fillClrLst meth="repeat">
+      <a:schemeClr val="accent2">
+        <a:tint val="40000"/>
+      </a:schemeClr>
+    </dgm:fillClrLst>
+    <dgm:linClrLst meth="repeat">
+      <a:schemeClr val="lt1"/>
+    </dgm:linClrLst>
+    <dgm:effectClrLst/>
+    <dgm:txLinClrLst/>
+    <dgm:txFillClrLst meth="repeat">
+      <a:schemeClr val="dk1"/>
+    </dgm:txFillClrLst>
+    <dgm:txEffectClrLst/>
+  </dgm:styleLbl>
+  <dgm:styleLbl name="revTx">
+    <dgm:fillClrLst meth="repeat">
+      <a:schemeClr val="lt1">
+        <a:alpha val="0"/>
+      </a:schemeClr>
+    </dgm:fillClrLst>
+    <dgm:linClrLst meth="repeat">
+      <a:schemeClr val="dk1">
+        <a:alpha val="0"/>
+      </a:schemeClr>
+    </dgm:linClrLst>
+    <dgm:effectClrLst/>
+    <dgm:txLinClrLst/>
+    <dgm:txFillClrLst meth="repeat">
+      <a:schemeClr val="tx1"/>
+    </dgm:txFillClrLst>
+    <dgm:txEffectClrLst/>
+  </dgm:styleLbl>
+</dgm:colorsDef>
+</file>
+
+<file path=ppt/diagrams/data1.xml><?xml version="1.0" encoding="utf-8"?>
+<dgm:dataModel xmlns:dgm="http://schemas.openxmlformats.org/drawingml/2006/diagram" xmlns:a="http://schemas.openxmlformats.org/drawingml/2006/main">
+  <dgm:ptLst>
+    <dgm:pt modelId="{008D4459-6E98-4C5D-ABF8-7665546034B1}" type="doc">
+      <dgm:prSet loTypeId="urn:microsoft.com/office/officeart/2005/8/layout/vProcess5" loCatId="process" qsTypeId="urn:microsoft.com/office/officeart/2005/8/quickstyle/simple1" qsCatId="simple" csTypeId="urn:microsoft.com/office/officeart/2005/8/colors/colorful2" csCatId="colorful"/>
+      <dgm:spPr/>
+      <dgm:t>
+        <a:bodyPr/>
+        <a:lstStyle/>
+        <a:p>
+          <a:endParaRPr lang="en-US"/>
+        </a:p>
+      </dgm:t>
+    </dgm:pt>
+    <dgm:pt modelId="{B3D41713-2F22-4125-8B92-FB6B9C7591C4}">
+      <dgm:prSet/>
+      <dgm:spPr/>
+      <dgm:t>
+        <a:bodyPr/>
+        <a:lstStyle/>
+        <a:p>
+          <a:r>
+            <a:rPr lang="pt-BR"/>
+            <a:t>Dentro do projeto você deve rodar o servidor:</a:t>
+          </a:r>
+          <a:endParaRPr lang="en-US"/>
+        </a:p>
+      </dgm:t>
+    </dgm:pt>
+    <dgm:pt modelId="{5AB82252-0975-4FF2-805B-13E070DB3D26}" type="parTrans" cxnId="{13F899FB-3647-44A4-940E-2A133871C52B}">
+      <dgm:prSet/>
+      <dgm:spPr/>
+      <dgm:t>
+        <a:bodyPr/>
+        <a:lstStyle/>
+        <a:p>
+          <a:endParaRPr lang="en-US"/>
+        </a:p>
+      </dgm:t>
+    </dgm:pt>
+    <dgm:pt modelId="{02D6A083-D0ED-4863-B1FD-548289FBC0CF}" type="sibTrans" cxnId="{13F899FB-3647-44A4-940E-2A133871C52B}">
+      <dgm:prSet/>
+      <dgm:spPr/>
+      <dgm:t>
+        <a:bodyPr/>
+        <a:lstStyle/>
+        <a:p>
+          <a:endParaRPr lang="en-US"/>
+        </a:p>
+      </dgm:t>
+    </dgm:pt>
+    <dgm:pt modelId="{DA8EB2D5-3B63-4930-9CC9-2FF5A0F54755}">
+      <dgm:prSet/>
+      <dgm:spPr/>
+      <dgm:t>
+        <a:bodyPr/>
+        <a:lstStyle/>
+        <a:p>
+          <a:r>
+            <a:rPr lang="pt-BR" b="1"/>
+            <a:t>npm run server</a:t>
+          </a:r>
+          <a:endParaRPr lang="en-US"/>
+        </a:p>
+      </dgm:t>
+    </dgm:pt>
+    <dgm:pt modelId="{8673AAB8-9370-4FAB-A555-0D6AFAA11F4B}" type="parTrans" cxnId="{15A9EE75-59D4-4438-AAB4-92A2D0526A3A}">
+      <dgm:prSet/>
+      <dgm:spPr/>
+      <dgm:t>
+        <a:bodyPr/>
+        <a:lstStyle/>
+        <a:p>
+          <a:endParaRPr lang="en-US"/>
+        </a:p>
+      </dgm:t>
+    </dgm:pt>
+    <dgm:pt modelId="{662A8504-E299-41B7-B1D5-6F2A5A32C622}" type="sibTrans" cxnId="{15A9EE75-59D4-4438-AAB4-92A2D0526A3A}">
+      <dgm:prSet/>
+      <dgm:spPr/>
+      <dgm:t>
+        <a:bodyPr/>
+        <a:lstStyle/>
+        <a:p>
+          <a:endParaRPr lang="en-US"/>
+        </a:p>
+      </dgm:t>
+    </dgm:pt>
+    <dgm:pt modelId="{66E6F958-F89F-44C5-866C-1F9505DFD7DF}" type="pres">
+      <dgm:prSet presAssocID="{008D4459-6E98-4C5D-ABF8-7665546034B1}" presName="outerComposite" presStyleCnt="0">
+        <dgm:presLayoutVars>
+          <dgm:chMax val="5"/>
+          <dgm:dir/>
+          <dgm:resizeHandles val="exact"/>
+        </dgm:presLayoutVars>
+      </dgm:prSet>
+      <dgm:spPr/>
+    </dgm:pt>
+    <dgm:pt modelId="{8494A954-503D-465F-9B8E-E4D44217D380}" type="pres">
+      <dgm:prSet presAssocID="{008D4459-6E98-4C5D-ABF8-7665546034B1}" presName="dummyMaxCanvas" presStyleCnt="0">
+        <dgm:presLayoutVars/>
+      </dgm:prSet>
+      <dgm:spPr/>
+    </dgm:pt>
+    <dgm:pt modelId="{3A8167CE-FB82-4555-9B9A-85F835CDD009}" type="pres">
+      <dgm:prSet presAssocID="{008D4459-6E98-4C5D-ABF8-7665546034B1}" presName="TwoNodes_1" presStyleLbl="node1" presStyleIdx="0" presStyleCnt="2">
+        <dgm:presLayoutVars>
+          <dgm:bulletEnabled val="1"/>
+        </dgm:presLayoutVars>
+      </dgm:prSet>
+      <dgm:spPr/>
+    </dgm:pt>
+    <dgm:pt modelId="{329599B6-7A0B-4AC7-878F-7A27F7593CAF}" type="pres">
+      <dgm:prSet presAssocID="{008D4459-6E98-4C5D-ABF8-7665546034B1}" presName="TwoNodes_2" presStyleLbl="node1" presStyleIdx="1" presStyleCnt="2">
+        <dgm:presLayoutVars>
+          <dgm:bulletEnabled val="1"/>
+        </dgm:presLayoutVars>
+      </dgm:prSet>
+      <dgm:spPr/>
+    </dgm:pt>
+    <dgm:pt modelId="{8DE22EE2-658F-4C7C-B962-AF28E3E18A60}" type="pres">
+      <dgm:prSet presAssocID="{008D4459-6E98-4C5D-ABF8-7665546034B1}" presName="TwoConn_1-2" presStyleLbl="fgAccFollowNode1" presStyleIdx="0" presStyleCnt="1">
+        <dgm:presLayoutVars>
+          <dgm:bulletEnabled val="1"/>
+        </dgm:presLayoutVars>
+      </dgm:prSet>
+      <dgm:spPr/>
+    </dgm:pt>
+    <dgm:pt modelId="{E81A0734-BE9D-4990-B59F-FCE37BC3C8BA}" type="pres">
+      <dgm:prSet presAssocID="{008D4459-6E98-4C5D-ABF8-7665546034B1}" presName="TwoNodes_1_text" presStyleLbl="node1" presStyleIdx="1" presStyleCnt="2">
+        <dgm:presLayoutVars>
+          <dgm:bulletEnabled val="1"/>
+        </dgm:presLayoutVars>
+      </dgm:prSet>
+      <dgm:spPr/>
+    </dgm:pt>
+    <dgm:pt modelId="{F712B038-45F8-4D29-A143-BA46FB2C2A9E}" type="pres">
+      <dgm:prSet presAssocID="{008D4459-6E98-4C5D-ABF8-7665546034B1}" presName="TwoNodes_2_text" presStyleLbl="node1" presStyleIdx="1" presStyleCnt="2">
+        <dgm:presLayoutVars>
+          <dgm:bulletEnabled val="1"/>
+        </dgm:presLayoutVars>
+      </dgm:prSet>
+      <dgm:spPr/>
+    </dgm:pt>
+  </dgm:ptLst>
+  <dgm:cxnLst>
+    <dgm:cxn modelId="{CE8BE715-19D3-4D78-85B7-D7E2ADA4D3E2}" type="presOf" srcId="{DA8EB2D5-3B63-4930-9CC9-2FF5A0F54755}" destId="{329599B6-7A0B-4AC7-878F-7A27F7593CAF}" srcOrd="0" destOrd="0" presId="urn:microsoft.com/office/officeart/2005/8/layout/vProcess5"/>
+    <dgm:cxn modelId="{C31F495C-D487-44DD-8D4A-28F5B69B0AAE}" type="presOf" srcId="{B3D41713-2F22-4125-8B92-FB6B9C7591C4}" destId="{3A8167CE-FB82-4555-9B9A-85F835CDD009}" srcOrd="0" destOrd="0" presId="urn:microsoft.com/office/officeart/2005/8/layout/vProcess5"/>
+    <dgm:cxn modelId="{15A9EE75-59D4-4438-AAB4-92A2D0526A3A}" srcId="{008D4459-6E98-4C5D-ABF8-7665546034B1}" destId="{DA8EB2D5-3B63-4930-9CC9-2FF5A0F54755}" srcOrd="1" destOrd="0" parTransId="{8673AAB8-9370-4FAB-A555-0D6AFAA11F4B}" sibTransId="{662A8504-E299-41B7-B1D5-6F2A5A32C622}"/>
+    <dgm:cxn modelId="{08910977-7287-4DFC-9DA9-8EF18A31B3EC}" type="presOf" srcId="{02D6A083-D0ED-4863-B1FD-548289FBC0CF}" destId="{8DE22EE2-658F-4C7C-B962-AF28E3E18A60}" srcOrd="0" destOrd="0" presId="urn:microsoft.com/office/officeart/2005/8/layout/vProcess5"/>
+    <dgm:cxn modelId="{CC4AE278-4192-4CA6-9671-21D392BB1098}" type="presOf" srcId="{008D4459-6E98-4C5D-ABF8-7665546034B1}" destId="{66E6F958-F89F-44C5-866C-1F9505DFD7DF}" srcOrd="0" destOrd="0" presId="urn:microsoft.com/office/officeart/2005/8/layout/vProcess5"/>
+    <dgm:cxn modelId="{5DBAAE85-16D9-4494-BAF9-1407FE1A337E}" type="presOf" srcId="{B3D41713-2F22-4125-8B92-FB6B9C7591C4}" destId="{E81A0734-BE9D-4990-B59F-FCE37BC3C8BA}" srcOrd="1" destOrd="0" presId="urn:microsoft.com/office/officeart/2005/8/layout/vProcess5"/>
+    <dgm:cxn modelId="{9174E7B7-FF8D-4996-A033-1E805B5D7BC7}" type="presOf" srcId="{DA8EB2D5-3B63-4930-9CC9-2FF5A0F54755}" destId="{F712B038-45F8-4D29-A143-BA46FB2C2A9E}" srcOrd="1" destOrd="0" presId="urn:microsoft.com/office/officeart/2005/8/layout/vProcess5"/>
+    <dgm:cxn modelId="{13F899FB-3647-44A4-940E-2A133871C52B}" srcId="{008D4459-6E98-4C5D-ABF8-7665546034B1}" destId="{B3D41713-2F22-4125-8B92-FB6B9C7591C4}" srcOrd="0" destOrd="0" parTransId="{5AB82252-0975-4FF2-805B-13E070DB3D26}" sibTransId="{02D6A083-D0ED-4863-B1FD-548289FBC0CF}"/>
+    <dgm:cxn modelId="{7BDD62EA-DA22-41B8-8013-A30070B0E41E}" type="presParOf" srcId="{66E6F958-F89F-44C5-866C-1F9505DFD7DF}" destId="{8494A954-503D-465F-9B8E-E4D44217D380}" srcOrd="0" destOrd="0" presId="urn:microsoft.com/office/officeart/2005/8/layout/vProcess5"/>
+    <dgm:cxn modelId="{2A551B88-BD6A-4BDC-9B18-229B0C584B1F}" type="presParOf" srcId="{66E6F958-F89F-44C5-866C-1F9505DFD7DF}" destId="{3A8167CE-FB82-4555-9B9A-85F835CDD009}" srcOrd="1" destOrd="0" presId="urn:microsoft.com/office/officeart/2005/8/layout/vProcess5"/>
+    <dgm:cxn modelId="{F4D77E54-1205-4A1E-8761-261C4B984CD9}" type="presParOf" srcId="{66E6F958-F89F-44C5-866C-1F9505DFD7DF}" destId="{329599B6-7A0B-4AC7-878F-7A27F7593CAF}" srcOrd="2" destOrd="0" presId="urn:microsoft.com/office/officeart/2005/8/layout/vProcess5"/>
+    <dgm:cxn modelId="{1B8ACD45-8385-4B78-AE84-EDA1D48E5087}" type="presParOf" srcId="{66E6F958-F89F-44C5-866C-1F9505DFD7DF}" destId="{8DE22EE2-658F-4C7C-B962-AF28E3E18A60}" srcOrd="3" destOrd="0" presId="urn:microsoft.com/office/officeart/2005/8/layout/vProcess5"/>
+    <dgm:cxn modelId="{991C9B23-5FFC-401A-97A1-72F36AD90578}" type="presParOf" srcId="{66E6F958-F89F-44C5-866C-1F9505DFD7DF}" destId="{E81A0734-BE9D-4990-B59F-FCE37BC3C8BA}" srcOrd="4" destOrd="0" presId="urn:microsoft.com/office/officeart/2005/8/layout/vProcess5"/>
+    <dgm:cxn modelId="{A51B8C98-893F-45EA-9E92-81769C418F15}" type="presParOf" srcId="{66E6F958-F89F-44C5-866C-1F9505DFD7DF}" destId="{F712B038-45F8-4D29-A143-BA46FB2C2A9E}" srcOrd="5" destOrd="0" presId="urn:microsoft.com/office/officeart/2005/8/layout/vProcess5"/>
+  </dgm:cxnLst>
+  <dgm:bg/>
+  <dgm:whole/>
+  <dgm:extLst>
+    <a:ext uri="http://schemas.microsoft.com/office/drawing/2008/diagram">
+      <dsp:dataModelExt xmlns:dsp="http://schemas.microsoft.com/office/drawing/2008/diagram" relId="rId6" minVer="http://schemas.openxmlformats.org/drawingml/2006/diagram"/>
+    </a:ext>
+  </dgm:extLst>
+</dgm:dataModel>
+</file>
+
+<file path=ppt/diagrams/drawing1.xml><?xml version="1.0" encoding="utf-8"?>
+<dsp:drawing xmlns:dgm="http://schemas.openxmlformats.org/drawingml/2006/diagram" xmlns:dsp="http://schemas.microsoft.com/office/drawing/2008/diagram" xmlns:a="http://schemas.openxmlformats.org/drawingml/2006/main">
+  <dsp:spTree>
+    <dsp:nvGrpSpPr>
+      <dsp:cNvPr id="0" name=""/>
+      <dsp:cNvGrpSpPr/>
+    </dsp:nvGrpSpPr>
+    <dsp:grpSpPr/>
+    <dsp:sp modelId="{3A8167CE-FB82-4555-9B9A-85F835CDD009}">
+      <dsp:nvSpPr>
+        <dsp:cNvPr id="0" name=""/>
+        <dsp:cNvSpPr/>
+      </dsp:nvSpPr>
+      <dsp:spPr>
+        <a:xfrm>
+          <a:off x="0" y="0"/>
+          <a:ext cx="9288654" cy="1660232"/>
+        </a:xfrm>
+        <a:prstGeom prst="roundRect">
+          <a:avLst>
+            <a:gd name="adj" fmla="val 10000"/>
+          </a:avLst>
+        </a:prstGeom>
+        <a:solidFill>
+          <a:schemeClr val="accent2">
+            <a:hueOff val="0"/>
+            <a:satOff val="0"/>
+            <a:lumOff val="0"/>
+            <a:alphaOff val="0"/>
+          </a:schemeClr>
+        </a:solidFill>
+        <a:ln w="19050" cap="flat" cmpd="sng" algn="ctr">
+          <a:solidFill>
+            <a:schemeClr val="lt1">
+              <a:hueOff val="0"/>
+              <a:satOff val="0"/>
+              <a:lumOff val="0"/>
+              <a:alphaOff val="0"/>
+            </a:schemeClr>
+          </a:solidFill>
+          <a:prstDash val="solid"/>
+          <a:miter lim="800000"/>
+        </a:ln>
+        <a:effectLst/>
+      </dsp:spPr>
+      <dsp:style>
+        <a:lnRef idx="2">
+          <a:scrgbClr r="0" g="0" b="0"/>
+        </a:lnRef>
+        <a:fillRef idx="1">
+          <a:scrgbClr r="0" g="0" b="0"/>
+        </a:fillRef>
+        <a:effectRef idx="0">
+          <a:scrgbClr r="0" g="0" b="0"/>
+        </a:effectRef>
+        <a:fontRef idx="minor">
+          <a:schemeClr val="lt1"/>
+        </a:fontRef>
+      </dsp:style>
+      <dsp:txBody>
+        <a:bodyPr spcFirstLastPara="0" vert="horz" wrap="square" lIns="163830" tIns="163830" rIns="163830" bIns="163830" numCol="1" spcCol="1270" anchor="ctr" anchorCtr="0">
+          <a:noAutofit/>
+        </a:bodyPr>
+        <a:lstStyle/>
+        <a:p>
+          <a:pPr marL="0" lvl="0" indent="0" algn="l" defTabSz="1911350">
+            <a:lnSpc>
+              <a:spcPct val="90000"/>
+            </a:lnSpc>
+            <a:spcBef>
+              <a:spcPct val="0"/>
+            </a:spcBef>
+            <a:spcAft>
+              <a:spcPct val="35000"/>
+            </a:spcAft>
+            <a:buNone/>
+          </a:pPr>
+          <a:r>
+            <a:rPr lang="pt-BR" sz="4300" kern="1200"/>
+            <a:t>Dentro do projeto você deve rodar o servidor:</a:t>
+          </a:r>
+          <a:endParaRPr lang="en-US" sz="4300" kern="1200"/>
+        </a:p>
+      </dsp:txBody>
+      <dsp:txXfrm>
+        <a:off x="48627" y="48627"/>
+        <a:ext cx="7572674" cy="1562978"/>
+      </dsp:txXfrm>
+    </dsp:sp>
+    <dsp:sp modelId="{329599B6-7A0B-4AC7-878F-7A27F7593CAF}">
+      <dsp:nvSpPr>
+        <dsp:cNvPr id="0" name=""/>
+        <dsp:cNvSpPr/>
+      </dsp:nvSpPr>
+      <dsp:spPr>
+        <a:xfrm>
+          <a:off x="1639174" y="2029172"/>
+          <a:ext cx="9288654" cy="1660232"/>
+        </a:xfrm>
+        <a:prstGeom prst="roundRect">
+          <a:avLst>
+            <a:gd name="adj" fmla="val 10000"/>
+          </a:avLst>
+        </a:prstGeom>
+        <a:solidFill>
+          <a:schemeClr val="accent2">
+            <a:hueOff val="6443614"/>
+            <a:satOff val="-18493"/>
+            <a:lumOff val="-29609"/>
+            <a:alphaOff val="0"/>
+          </a:schemeClr>
+        </a:solidFill>
+        <a:ln w="19050" cap="flat" cmpd="sng" algn="ctr">
+          <a:solidFill>
+            <a:schemeClr val="lt1">
+              <a:hueOff val="0"/>
+              <a:satOff val="0"/>
+              <a:lumOff val="0"/>
+              <a:alphaOff val="0"/>
+            </a:schemeClr>
+          </a:solidFill>
+          <a:prstDash val="solid"/>
+          <a:miter lim="800000"/>
+        </a:ln>
+        <a:effectLst/>
+      </dsp:spPr>
+      <dsp:style>
+        <a:lnRef idx="2">
+          <a:scrgbClr r="0" g="0" b="0"/>
+        </a:lnRef>
+        <a:fillRef idx="1">
+          <a:scrgbClr r="0" g="0" b="0"/>
+        </a:fillRef>
+        <a:effectRef idx="0">
+          <a:scrgbClr r="0" g="0" b="0"/>
+        </a:effectRef>
+        <a:fontRef idx="minor">
+          <a:schemeClr val="lt1"/>
+        </a:fontRef>
+      </dsp:style>
+      <dsp:txBody>
+        <a:bodyPr spcFirstLastPara="0" vert="horz" wrap="square" lIns="163830" tIns="163830" rIns="163830" bIns="163830" numCol="1" spcCol="1270" anchor="ctr" anchorCtr="0">
+          <a:noAutofit/>
+        </a:bodyPr>
+        <a:lstStyle/>
+        <a:p>
+          <a:pPr marL="0" lvl="0" indent="0" algn="l" defTabSz="1911350">
+            <a:lnSpc>
+              <a:spcPct val="90000"/>
+            </a:lnSpc>
+            <a:spcBef>
+              <a:spcPct val="0"/>
+            </a:spcBef>
+            <a:spcAft>
+              <a:spcPct val="35000"/>
+            </a:spcAft>
+            <a:buNone/>
+          </a:pPr>
+          <a:r>
+            <a:rPr lang="pt-BR" sz="4300" b="1" kern="1200"/>
+            <a:t>npm run server</a:t>
+          </a:r>
+          <a:endParaRPr lang="en-US" sz="4300" kern="1200"/>
+        </a:p>
+      </dsp:txBody>
+      <dsp:txXfrm>
+        <a:off x="1687801" y="2077799"/>
+        <a:ext cx="6473075" cy="1562978"/>
+      </dsp:txXfrm>
+    </dsp:sp>
+    <dsp:sp modelId="{8DE22EE2-658F-4C7C-B962-AF28E3E18A60}">
+      <dsp:nvSpPr>
+        <dsp:cNvPr id="0" name=""/>
+        <dsp:cNvSpPr/>
+      </dsp:nvSpPr>
+      <dsp:spPr>
+        <a:xfrm>
+          <a:off x="8209503" y="1305127"/>
+          <a:ext cx="1079150" cy="1079150"/>
+        </a:xfrm>
+        <a:prstGeom prst="downArrow">
+          <a:avLst>
+            <a:gd name="adj1" fmla="val 55000"/>
+            <a:gd name="adj2" fmla="val 45000"/>
+          </a:avLst>
+        </a:prstGeom>
+        <a:solidFill>
+          <a:schemeClr val="accent2">
+            <a:tint val="40000"/>
+            <a:alpha val="90000"/>
+            <a:hueOff val="0"/>
+            <a:satOff val="0"/>
+            <a:lumOff val="0"/>
+            <a:alphaOff val="0"/>
+          </a:schemeClr>
+        </a:solidFill>
+        <a:ln w="19050" cap="flat" cmpd="sng" algn="ctr">
+          <a:solidFill>
+            <a:schemeClr val="accent2">
+              <a:tint val="40000"/>
+              <a:alpha val="90000"/>
+              <a:hueOff val="0"/>
+              <a:satOff val="0"/>
+              <a:lumOff val="0"/>
+              <a:alphaOff val="0"/>
+            </a:schemeClr>
+          </a:solidFill>
+          <a:prstDash val="solid"/>
+          <a:miter lim="800000"/>
+        </a:ln>
+        <a:effectLst/>
+      </dsp:spPr>
+      <dsp:style>
+        <a:lnRef idx="2">
+          <a:scrgbClr r="0" g="0" b="0"/>
+        </a:lnRef>
+        <a:fillRef idx="1">
+          <a:scrgbClr r="0" g="0" b="0"/>
+        </a:fillRef>
+        <a:effectRef idx="0">
+          <a:scrgbClr r="0" g="0" b="0"/>
+        </a:effectRef>
+        <a:fontRef idx="minor"/>
+      </dsp:style>
+      <dsp:txBody>
+        <a:bodyPr spcFirstLastPara="0" vert="horz" wrap="square" lIns="45720" tIns="45720" rIns="45720" bIns="45720" numCol="1" spcCol="1270" anchor="ctr" anchorCtr="0">
+          <a:noAutofit/>
+        </a:bodyPr>
+        <a:lstStyle/>
+        <a:p>
+          <a:pPr marL="0" lvl="0" indent="0" algn="ctr" defTabSz="1600200">
+            <a:lnSpc>
+              <a:spcPct val="90000"/>
+            </a:lnSpc>
+            <a:spcBef>
+              <a:spcPct val="0"/>
+            </a:spcBef>
+            <a:spcAft>
+              <a:spcPct val="35000"/>
+            </a:spcAft>
+            <a:buNone/>
+          </a:pPr>
+          <a:endParaRPr lang="en-US" sz="3600" kern="1200"/>
+        </a:p>
+      </dsp:txBody>
+      <dsp:txXfrm>
+        <a:off x="8452312" y="1305127"/>
+        <a:ext cx="593532" cy="812060"/>
+      </dsp:txXfrm>
+    </dsp:sp>
+  </dsp:spTree>
+</dsp:drawing>
+</file>
+
+<file path=ppt/diagrams/layout1.xml><?xml version="1.0" encoding="utf-8"?>
+<dgm:layoutDef xmlns:dgm="http://schemas.openxmlformats.org/drawingml/2006/diagram" xmlns:a="http://schemas.openxmlformats.org/drawingml/2006/main" uniqueId="urn:microsoft.com/office/officeart/2005/8/layout/vProcess5">
+  <dgm:title val=""/>
+  <dgm:desc val=""/>
+  <dgm:catLst>
+    <dgm:cat type="process" pri="14000"/>
+  </dgm:catLst>
+  <dgm:sampData>
+    <dgm:dataModel>
+      <dgm:ptLst>
+        <dgm:pt modelId="0" type="doc"/>
+        <dgm:pt modelId="1">
+          <dgm:prSet phldr="1"/>
+        </dgm:pt>
+        <dgm:pt modelId="2">
+          <dgm:prSet phldr="1"/>
+        </dgm:pt>
+        <dgm:pt modelId="3">
+          <dgm:prSet phldr="1"/>
+        </dgm:pt>
+      </dgm:ptLst>
+      <dgm:cxnLst>
+        <dgm:cxn modelId="5" srcId="0" destId="1" srcOrd="0" destOrd="0"/>
+        <dgm:cxn modelId="6" srcId="0" destId="2" srcOrd="1" destOrd="0"/>
+        <dgm:cxn modelId="7" srcId="0" destId="3" srcOrd="2" destOrd="0"/>
+      </dgm:cxnLst>
+      <dgm:bg/>
+      <dgm:whole/>
+    </dgm:dataModel>
+  </dgm:sampData>
+  <dgm:styleData>
+    <dgm:dataModel>
+      <dgm:ptLst>
+        <dgm:pt modelId="0" type="doc"/>
+        <dgm:pt modelId="1"/>
+        <dgm:pt modelId="2"/>
+      </dgm:ptLst>
+      <dgm:cxnLst>
+        <dgm:cxn modelId="3" srcId="0" destId="1" srcOrd="0" destOrd="0"/>
+        <dgm:cxn modelId="4" srcId="0" destId="2" srcOrd="1" destOrd="0"/>
+      </dgm:cxnLst>
+      <dgm:bg/>
+      <dgm:whole/>
+    </dgm:dataModel>
+  </dgm:styleData>
+  <dgm:clrData>
+    <dgm:dataModel>
+      <dgm:ptLst>
+        <dgm:pt modelId="0" type="doc"/>
+        <dgm:pt modelId="1"/>
+        <dgm:pt modelId="2"/>
+        <dgm:pt modelId="3"/>
+        <dgm:pt modelId="4"/>
+      </dgm:ptLst>
+      <dgm:cxnLst>
+        <dgm:cxn modelId="6" srcId="0" destId="1" srcOrd="0" destOrd="0"/>
+        <dgm:cxn modelId="7" srcId="0" destId="2" srcOrd="1" destOrd="0"/>
+        <dgm:cxn modelId="8" srcId="0" destId="3" srcOrd="2" destOrd="0"/>
+        <dgm:cxn modelId="9" srcId="0" destId="4" srcOrd="3" destOrd="0"/>
+      </dgm:cxnLst>
+      <dgm:bg/>
+      <dgm:whole/>
+    </dgm:dataModel>
+  </dgm:clrData>
+  <dgm:layoutNode name="outerComposite">
+    <dgm:varLst>
+      <dgm:chMax val="5"/>
+      <dgm:dir/>
+      <dgm:resizeHandles val="exact"/>
+    </dgm:varLst>
+    <dgm:alg type="composite"/>
+    <dgm:shape xmlns:r="http://schemas.openxmlformats.org/officeDocument/2006/relationships" r:blip="">
+      <dgm:adjLst/>
+    </dgm:shape>
+    <dgm:presOf/>
+    <dgm:choose name="Name0">
+      <dgm:if name="Name1" func="var" arg="dir" op="equ" val="norm">
+        <dgm:constrLst>
+          <dgm:constr type="primFontSz" for="ch" ptType="node" op="equ" val="65"/>
+          <dgm:constr type="w" for="ch" forName="dummyMaxCanvas" refType="w"/>
+          <dgm:constr type="h" for="ch" forName="dummyMaxCanvas" refType="h"/>
+          <dgm:constr type="w" for="ch" forName="OneNode_1" refType="w"/>
+          <dgm:constr type="h" for="ch" forName="OneNode_1" refType="h" fact="0.5"/>
+          <dgm:constr type="ctrY" for="ch" forName="OneNode_1" refType="h" fact="0.5"/>
+          <dgm:constr type="w" for="ch" forName="TwoNodes_1" refType="w" fact="0.85"/>
+          <dgm:constr type="h" for="ch" forName="TwoNodes_1" refType="h" fact="0.45"/>
+          <dgm:constr type="t" for="ch" forName="TwoNodes_1"/>
+          <dgm:constr type="l" for="ch" forName="TwoNodes_1"/>
+          <dgm:constr type="w" for="ch" forName="TwoNodes_2" refType="w" fact="0.85"/>
+          <dgm:constr type="h" for="ch" forName="TwoNodes_2" refType="h" fact="0.45"/>
+          <dgm:constr type="b" for="ch" forName="TwoNodes_2" refType="h"/>
+          <dgm:constr type="r" for="ch" forName="TwoNodes_2" refType="w"/>
+          <dgm:constr type="w" for="ch" forName="TwoConn_1-2" refType="h" refFor="ch" refForName="TwoNodes_1" fact="0.65"/>
+          <dgm:constr type="h" for="ch" forName="TwoConn_1-2" refType="h" refFor="ch" refForName="TwoNodes_1" fact="0.65"/>
+          <dgm:constr type="ctrY" for="ch" forName="TwoConn_1-2" refType="h" fact="0.5"/>
+          <dgm:constr type="r" for="ch" forName="TwoConn_1-2" refType="r" refFor="ch" refForName="TwoNodes_1"/>
+          <dgm:constr type="r" for="ch" forName="TwoNodes_1_text" refType="l" refFor="ch" refForName="TwoConn_1-2"/>
+          <dgm:constr type="rOff" for="ch" forName="TwoNodes_1_text" refType="w" refFor="ch" refForName="TwoConn_1-2" fact="-0.5"/>
+          <dgm:constr type="t" for="ch" forName="TwoNodes_1_text" refType="t" refFor="ch" refForName="TwoNodes_1"/>
+          <dgm:constr type="b" for="ch" forName="TwoNodes_1_text" refType="b" refFor="ch" refForName="TwoNodes_1"/>
+          <dgm:constr type="l" for="ch" forName="TwoNodes_1_text" refType="l" refFor="ch" refForName="TwoNodes_1"/>
+          <dgm:constr type="r" for="ch" forName="TwoNodes_2_text" refType="l" refFor="ch" refForName="TwoConn_1-2"/>
+          <dgm:constr type="t" for="ch" forName="TwoNodes_2_text" refType="t" refFor="ch" refForName="TwoNodes_2"/>
+          <dgm:constr type="b" for="ch" forName="TwoNodes_2_text" refType="b" refFor="ch" refForName="TwoNodes_2"/>
+          <dgm:constr type="l" for="ch" forName="TwoNodes_2_text" refType="l" refFor="ch" refForName="TwoNodes_2"/>
+          <dgm:constr type="w" for="ch" forName="ThreeNodes_1" refType="w" fact="0.85"/>
+          <dgm:constr type="h" for="ch" forName="ThreeNodes_1" refType="h" fact="0.3"/>
+          <dgm:constr type="t" for="ch" forName="ThreeNodes_1"/>
+          <dgm:constr type="l" for="ch" forName="ThreeNodes_1"/>
+          <dgm:constr type="w" for="ch" forName="ThreeNodes_2" refType="w" fact="0.85"/>
+          <dgm:constr type="h" for="ch" forName="ThreeNodes_2" refType="h" fact="0.3"/>
+          <dgm:constr type="ctrY" for="ch" forName="ThreeNodes_2" refType="h" fact="0.5"/>
+          <dgm:constr type="ctrX" for="ch" forName="ThreeNodes_2" refType="w" fact="0.5"/>
+          <dgm:constr type="w" for="ch" forName="ThreeNodes_3" refType="w" fact="0.85"/>
+          <dgm:constr type="h" for="ch" forName="ThreeNodes_3" refType="h" fact="0.3"/>
+          <dgm:constr type="b" for="ch" forName="ThreeNodes_3" refType="h"/>
+          <dgm:constr type="r" for="ch" forName="ThreeNodes_3" refType="w"/>
+          <dgm:constr type="w" for="ch" forName="ThreeConn_1-2" refType="h" refFor="ch" refForName="ThreeNodes_1" fact="0.65"/>
+          <dgm:constr type="h" for="ch" forName="ThreeConn_1-2" refType="h" refFor="ch" refForName="ThreeNodes_1" fact="0.65"/>
+          <dgm:constr type="ctrY" for="ch" forName="ThreeConn_1-2" refType="h" fact="0.325"/>
+          <dgm:constr type="r" for="ch" forName="ThreeConn_1-2" refType="r" refFor="ch" refForName="ThreeNodes_1"/>
+          <dgm:constr type="w" for="ch" forName="ThreeConn_2-3" refType="h" refFor="ch" refForName="ThreeNodes_2" fact="0.65"/>
+          <dgm:constr type="h" for="ch" forName="ThreeConn_2-3" refType="h" refFor="ch" refForName="ThreeNodes_2" fact="0.65"/>
+          <dgm:constr type="ctrY" for="ch" forName="ThreeConn_2-3" refType="h" fact="0.673"/>
+          <dgm:constr type="r" for="ch" forName="ThreeConn_2-3" refType="r" refFor="ch" refForName="ThreeNodes_2"/>
+          <dgm:constr type="r" for="ch" forName="ThreeNodes_1_text" refType="l" refFor="ch" refForName="ThreeConn_1-2"/>
+          <dgm:constr type="rOff" for="ch" forName="ThreeNodes_1_text" refType="w" refFor="ch" refForName="ThreeConn_1-2" fact="-0.57"/>
+          <dgm:constr type="t" for="ch" forName="ThreeNodes_1_text" refType="t" refFor="ch" refForName="ThreeNodes_1"/>
+          <dgm:constr type="b" for="ch" forName="ThreeNodes_1_text" refType="b" refFor="ch" refForName="ThreeNodes_1"/>
+          <dgm:constr type="l" for="ch" forName="ThreeNodes_1_text" refType="l" refFor="ch" refForName="ThreeNodes_1"/>
+          <dgm:constr type="r" for="ch" forName="ThreeNodes_2_text" refType="l" refFor="ch" refForName="ThreeConn_1-2"/>
+          <dgm:constr type="t" for="ch" forName="ThreeNodes_2_text" refType="t" refFor="ch" refForName="ThreeNodes_2"/>
+          <dgm:constr type="b" for="ch" forName="ThreeNodes_2_text" refType="b" refFor="ch" refForName="ThreeNodes_2"/>
+          <dgm:constr type="l" for="ch" forName="ThreeNodes_2_text" refType="l" refFor="ch" refForName="ThreeNodes_2"/>
+          <dgm:constr type="r" for="ch" forName="ThreeNodes_3_text" refType="l" refFor="ch" refForName="ThreeConn_2-3"/>
+          <dgm:constr type="t" for="ch" forName="ThreeNodes_3_text" refType="t" refFor="ch" refForName="ThreeNodes_3"/>
+          <dgm:constr type="b" for="ch" forName="ThreeNodes_3_text" refType="b" refFor="ch" refForName="ThreeNodes_3"/>
+          <dgm:constr type="l" for="ch" forName="ThreeNodes_3_text" refType="l" refFor="ch" refForName="ThreeNodes_3"/>
+          <dgm:constr type="w" for="ch" forName="FourNodes_1" refType="w" fact="0.8"/>
+          <dgm:constr type="h" for="ch" forName="FourNodes_1" refType="h" fact="0.22"/>
+          <dgm:constr type="t" for="ch" forName="FourNodes_1"/>
+          <dgm:constr type="l" for="ch" forName="FourNodes_1"/>
+          <dgm:constr type="w" for="ch" forName="FourNodes_2" refType="w" fact="0.8"/>
+          <dgm:constr type="h" for="ch" forName="FourNodes_2" refType="h" fact="0.22"/>
+          <dgm:constr type="ctrY" for="ch" forName="FourNodes_2" refType="h" fact="0.37"/>
+          <dgm:constr type="ctrX" for="ch" forName="FourNodes_2" refType="w" fact="0.467"/>
+          <dgm:constr type="w" for="ch" forName="FourNodes_3" refType="w" fact="0.8"/>
+          <dgm:constr type="h" for="ch" forName="FourNodes_3" refType="h" fact="0.22"/>
+          <dgm:constr type="ctrY" for="ch" forName="FourNodes_3" refType="h" fact="0.63"/>
+          <dgm:constr type="ctrX" for="ch" forName="FourNodes_3" refType="w" fact="0.533"/>
+          <dgm:constr type="w" for="ch" forName="FourNodes_4" refType="w" fact="0.8"/>
+          <dgm:constr type="h" for="ch" forName="FourNodes_4" refType="h" fact="0.22"/>
+          <dgm:constr type="b" for="ch" forName="FourNodes_4" refType="h"/>
+          <dgm:constr type="r" for="ch" forName="FourNodes_4" refType="w"/>
+          <dgm:constr type="w" for="ch" forName="FourConn_1-2" refType="h" refFor="ch" refForName="FourNodes_1" fact="0.65"/>
+          <dgm:constr type="h" for="ch" forName="FourConn_1-2" refType="h" refFor="ch" refForName="FourNodes_1" fact="0.65"/>
+          <dgm:constr type="ctrY" for="ch" forName="FourConn_1-2" refType="h" fact="0.24"/>
+          <dgm:constr type="r" for="ch" forName="FourConn_1-2" refType="r" refFor="ch" refForName="FourNodes_1"/>
+          <dgm:constr type="w" for="ch" forName="FourConn_2-3" refType="h" refFor="ch" refForName="FourNodes_2" fact="0.65"/>
+          <dgm:constr type="h" for="ch" forName="FourConn_2-3" refType="h" refFor="ch" refForName="FourNodes_2" fact="0.65"/>
+          <dgm:constr type="ctrY" for="ch" forName="FourConn_2-3" refType="h" fact="0.5"/>
+          <dgm:constr type="r" for="ch" forName="FourConn_2-3" refType="r" refFor="ch" refForName="FourNodes_2"/>
+          <dgm:constr type="w" for="ch" forName="FourConn_3-4" refType="h" refFor="ch" refForName="FourNodes_3" fact="0.65"/>
+          <dgm:constr type="h" for="ch" forName="FourConn_3-4" refType="h" refFor="ch" refForName="FourNodes_3" fact="0.65"/>
+          <dgm:constr type="ctrY" for="ch" forName="FourConn_3-4" refType="h" fact="0.76"/>
+          <dgm:constr type="r" for="ch" forName="FourConn_3-4" refType="r" refFor="ch" refForName="FourNodes_3"/>
+          <dgm:constr type="r" for="ch" forName="FourNodes_1_text" refType="l" refFor="ch" refForName="FourConn_1-2"/>
+          <dgm:constr type="rOff" for="ch" forName="FourNodes_1_text" refType="w" refFor="ch" refForName="FourConn_1-2" fact="-0.7"/>
+          <dgm:constr type="t" for="ch" forName="FourNodes_1_text" refType="t" refFor="ch" refForName="FourNodes_1"/>
+          <dgm:constr type="b" for="ch" forName="FourNodes_1_text" refType="b" refFor="ch" refForName="FourNodes_1"/>
+          <dgm:constr type="l" for="ch" forName="FourNodes_1_text" refType="l" refFor="ch" refForName="FourNodes_1"/>
+          <dgm:constr type="r" for="ch" forName="FourNodes_2_text" refType="l" refFor="ch" refForName="FourConn_1-2"/>
+          <dgm:constr type="t" for="ch" forName="FourNodes_2_text" refType="t" refFor="ch" refForName="FourNodes_2"/>
+          <dgm:constr type="b" for="ch" forName="FourNodes_2_text" refType="b" refFor="ch" refForName="FourNodes_2"/>
+          <dgm:constr type="l" for="ch" forName="FourNodes_2_text" refType="l" refFor="ch" refForName="FourNodes_2"/>
+          <dgm:constr type="r" for="ch" forName="FourNodes_3_text" refType="l" refFor="ch" refForName="FourConn_2-3"/>
+          <dgm:constr type="t" for="ch" forName="FourNodes_3_text" refType="t" refFor="ch" refForName="FourNodes_3"/>
+          <dgm:constr type="b" for="ch" forName="FourNodes_3_text" refType="b" refFor="ch" refForName="FourNodes_3"/>
+          <dgm:constr type="l" for="ch" forName="FourNodes_3_text" refType="l" refFor="ch" refForName="FourNodes_3"/>
+          <dgm:constr type="r" for="ch" forName="FourNodes_4_text" refType="l" refFor="ch" refForName="FourConn_3-4"/>
+          <dgm:constr type="t" for="ch" forName="FourNodes_4_text" refType="t" refFor="ch" refForName="FourNodes_4"/>
+          <dgm:constr type="b" for="ch" forName="FourNodes_4_text" refType="b" refFor="ch" refForName="FourNodes_4"/>
+          <dgm:constr type="l" for="ch" forName="FourNodes_4_text" refType="l" refFor="ch" refForName="FourNodes_4"/>
+          <dgm:constr type="w" for="ch" forName="FiveNodes_1" refType="w" fact="0.77"/>
+          <dgm:constr type="h" for="ch" forName="FiveNodes_1" refType="h" fact="0.18"/>
+          <dgm:constr type="t" for="ch" forName="FiveNodes_1"/>
+          <dgm:constr type="l" for="ch" forName="FiveNodes_1"/>
+          <dgm:constr type="w" for="ch" forName="FiveNodes_2" refType="w" fact="0.77"/>
+          <dgm:constr type="h" for="ch" forName="FiveNodes_2" refType="h" fact="0.18"/>
+          <dgm:constr type="ctrY" for="ch" forName="FiveNodes_2" refType="h" fact="0.295"/>
+          <dgm:constr type="ctrX" for="ch" forName="FiveNodes_2" refType="w" fact="0.4425"/>
+          <dgm:constr type="w" for="ch" forName="FiveNodes_3" refType="w" fact="0.77"/>
+          <dgm:constr type="h" for="ch" forName="FiveNodes_3" refType="h" fact="0.18"/>
+          <dgm:constr type="ctrY" for="ch" forName="FiveNodes_3" refType="h" fact="0.5"/>
+          <dgm:constr type="ctrX" for="ch" forName="FiveNodes_3" refType="w" fact="0.5"/>
+          <dgm:constr type="w" for="ch" forName="FiveNodes_4" refType="w" fact="0.77"/>
+          <dgm:constr type="h" for="ch" forName="FiveNodes_4" refType="h" fact="0.18"/>
+          <dgm:constr type="ctrY" for="ch" forName="FiveNodes_4" refType="h" fact="0.705"/>
+          <dgm:constr type="ctrX" for="ch" forName="FiveNodes_4" refType="w" fact="0.5575"/>
+          <dgm:constr type="w" for="ch" forName="FiveNodes_5" refType="w" fact="0.77"/>
+          <dgm:constr type="h" for="ch" forName="FiveNodes_5" refType="h" fact="0.18"/>
+          <dgm:constr type="b" for="ch" forName="FiveNodes_5" refType="h"/>
+          <dgm:constr type="r" for="ch" forName="FiveNodes_5" refType="w"/>
+          <dgm:constr type="w" for="ch" forName="FiveConn_1-2" refType="h" refFor="ch" refForName="FiveNodes_1" fact="0.65"/>
+          <dgm:constr type="h" for="ch" forName="FiveConn_1-2" refType="h" refFor="ch" refForName="FiveNodes_1" fact="0.65"/>
+          <dgm:constr type="ctrY" for="ch" forName="FiveConn_1-2" refType="h" fact="0.19"/>
+          <dgm:constr type="r" for="ch" forName="FiveConn_1-2" refType="r" refFor="ch" refForName="FiveNodes_1"/>
+          <dgm:constr type="w" for="ch" forName="FiveConn_2-3" refType="h" refFor="ch" refForName="FiveNodes_2" fact="0.65"/>
+          <dgm:constr type="h" for="ch" forName="FiveConn_2-3" refType="h" refFor="ch" refForName="FiveNodes_2" fact="0.65"/>
+          <dgm:constr type="ctrY" for="ch" forName="FiveConn_2-3" refType="h" fact="0.395"/>
+          <dgm:constr type="r" for="ch" forName="FiveConn_2-3" refType="r" refFor="ch" refForName="FiveNodes_2"/>
+          <dgm:constr type="w" for="ch" forName="FiveConn_3-4" refType="h" refFor="ch" refForName="FiveNodes_3" fact="0.65"/>
+          <dgm:constr type="h" for="ch" forName="FiveConn_3-4" refType="h" refFor="ch" refForName="FiveNodes_3" fact="0.65"/>
+          <dgm:constr type="ctrY" for="ch" forName="FiveConn_3-4" refType="h" fact="0.597"/>
+          <dgm:constr type="r" for="ch" forName="FiveConn_3-4" refType="r" refFor="ch" refForName="FiveNodes_3"/>
+          <dgm:constr type="w" for="ch" forName="FiveConn_4-5" refType="h" refFor="ch" refForName="FiveNodes_4" fact="0.65"/>
+          <dgm:constr type="h" for="ch" forName="FiveConn_4-5" refType="h" refFor="ch" refForName="FiveNodes_4" fact="0.65"/>
+          <dgm:constr type="ctrY" for="ch" forName="FiveConn_4-5" refType="h" fact="0.804"/>
+          <dgm:constr type="r" for="ch" forName="FiveConn_4-5" refType="r" refFor="ch" refForName="FiveNodes_4"/>
+          <dgm:constr type="r" for="ch" forName="FiveNodes_1_text" refType="l" refFor="ch" refForName="FiveConn_1-2"/>
+          <dgm:constr type="rOff" for="ch" forName="FiveNodes_1_text" refType="w" refFor="ch" refForName="FiveConn_1-2" fact="-0.75"/>
+          <dgm:constr type="t" for="ch" forName="FiveNodes_1_text" refType="t" refFor="ch" refForName="FiveNodes_1"/>
+          <dgm:constr type="b" for="ch" forName="FiveNodes_1_text" refType="b" refFor="ch" refForName="FiveNodes_1"/>
+          <dgm:constr type="l" for="ch" forName="FiveNodes_1_text" refType="l" refFor="ch" refForName="FiveNodes_1"/>
+          <dgm:constr type="r" for="ch" forName="FiveNodes_2_text" refType="l" refFor="ch" refForName="FiveConn_1-2"/>
+          <dgm:constr type="t" for="ch" forName="FiveNodes_2_text" refType="t" refFor="ch" refForName="FiveNodes_2"/>
+          <dgm:constr type="b" for="ch" forName="FiveNodes_2_text" refType="b" refFor="ch" refForName="FiveNodes_2"/>
+          <dgm:constr type="l" for="ch" forName="FiveNodes_2_text" refType="l" refFor="ch" refForName="FiveNodes_2"/>
+          <dgm:constr type="r" for="ch" forName="FiveNodes_3_text" refType="l" refFor="ch" refForName="FiveConn_2-3"/>
+          <dgm:constr type="t" for="ch" forName="FiveNodes_3_text" refType="t" refFor="ch" refForName="FiveNodes_3"/>
+          <dgm:constr type="b" for="ch" forName="FiveNodes_3_text" refType="b" refFor="ch" refForName="FiveNodes_3"/>
+          <dgm:constr type="l" for="ch" forName="FiveNodes_3_text" refType="l" refFor="ch" refForName="FiveNodes_3"/>
+          <dgm:constr type="r" for="ch" forName="FiveNodes_4_text" refType="l" refFor="ch" refForName="FiveConn_3-4"/>
+          <dgm:constr type="t" for="ch" forName="FiveNodes_4_text" refType="t" refFor="ch" refForName="FiveNodes_4"/>
+          <dgm:constr type="b" for="ch" forName="FiveNodes_4_text" refType="b" refFor="ch" refForName="FiveNodes_4"/>
+          <dgm:constr type="l" for="ch" forName="FiveNodes_4_text" refType="l" refFor="ch" refForName="FiveNodes_4"/>
+          <dgm:constr type="r" for="ch" forName="FiveNodes_5_text" refType="l" refFor="ch" refForName="FiveConn_4-5"/>
+          <dgm:constr type="t" for="ch" forName="FiveNodes_5_text" refType="t" refFor="ch" refForName="FiveNodes_5"/>
+          <dgm:constr type="b" for="ch" forName="FiveNodes_5_text" refType="b" refFor="ch" refForName="FiveNodes_5"/>
+          <dgm:constr type="l" for="ch" forName="FiveNodes_5_text" refType="l" refFor="ch" refForName="FiveNodes_5"/>
+        </dgm:constrLst>
+      </dgm:if>
+      <dgm:else name="Name2">
+        <dgm:constrLst>
+          <dgm:constr type="primFontSz" for="ch" ptType="node" op="equ" val="65"/>
+          <dgm:constr type="w" for="ch" forName="dummyMaxCanvas" refType="w"/>
+          <dgm:constr type="h" for="ch" forName="dummyMaxCanvas" refType="h"/>
+          <dgm:constr type="w" for="ch" forName="OneNode_1" refType="w"/>
+          <dgm:constr type="h" for="ch" forName="OneNode_1" refType="h" fact="0.5"/>
+          <dgm:constr type="ctrY" for="ch" forName="OneNode_1" refType="h" fact="0.5"/>
+          <dgm:constr type="w" for="ch" forName="TwoNodes_1" refType="w" fact="0.85"/>
+          <dgm:constr type="h" for="ch" forName="TwoNodes_1" refType="h" fact="0.45"/>
+          <dgm:constr type="t" for="ch" forName="TwoNodes_1"/>
+          <dgm:constr type="r" for="ch" forName="TwoNodes_1" refType="w"/>
+          <dgm:constr type="w" for="ch" forName="TwoNodes_2" refType="w" fact="0.85"/>
+          <dgm:constr type="h" for="ch" forName="TwoNodes_2" refType="h" fact="0.45"/>
+          <dgm:constr type="b" for="ch" forName="TwoNodes_2" refType="h"/>
+          <dgm:constr type="l" for="ch" forName="TwoNodes_2"/>
+          <dgm:constr type="w" for="ch" forName="TwoConn_1-2" refType="h" refFor="ch" refForName="TwoNodes_1" fact="0.65"/>
+          <dgm:constr type="h" for="ch" forName="TwoConn_1-2" refType="h" refFor="ch" refForName="TwoNodes_1" fact="0.65"/>
+          <dgm:constr type="ctrY" for="ch" forName="TwoConn_1-2" refType="h" fact="0.5"/>
+          <dgm:constr type="l" for="ch" forName="TwoConn_1-2" refType="l" refFor="ch" refForName="TwoNodes_1"/>
+          <dgm:constr type="l" for="ch" forName="TwoNodes_1_text" refType="r" refFor="ch" refForName="TwoConn_1-2"/>
+          <dgm:constr type="lOff" for="ch" forName="TwoNodes_1_text" refType="w" refFor="ch" refForName="TwoConn_1-2" fact="0.5"/>
+          <dgm:constr type="t" for="ch" forName="TwoNodes_1_text" refType="t" refFor="ch" refForName="TwoNodes_1"/>
+          <dgm:constr type="b" for="ch" forName="TwoNodes_1_text" refType="b" refFor="ch" refForName="TwoNodes_1"/>
+          <dgm:constr type="r" for="ch" forName="TwoNodes_1_text" refType="r" refFor="ch" refForName="TwoNodes_1"/>
+          <dgm:constr type="l" for="ch" forName="TwoNodes_2_text" refType="r" refFor="ch" refForName="TwoConn_1-2"/>
+          <dgm:constr type="t" for="ch" forName="TwoNodes_2_text" refType="t" refFor="ch" refForName="TwoNodes_2"/>
+          <dgm:constr type="b" for="ch" forName="TwoNodes_2_text" refType="b" refFor="ch" refForName="TwoNodes_2"/>
+          <dgm:constr type="r" for="ch" forName="TwoNodes_2_text" refType="r" refFor="ch" refForName="TwoNodes_2"/>
+          <dgm:constr type="w" for="ch" forName="ThreeNodes_1" refType="w" fact="0.85"/>
+          <dgm:constr type="h" for="ch" forName="ThreeNodes_1" refType="h" fact="0.3"/>
+          <dgm:constr type="t" for="ch" forName="ThreeNodes_1"/>
+          <dgm:constr type="r" for="ch" forName="ThreeNodes_1" refType="w"/>
+          <dgm:constr type="w" for="ch" forName="ThreeNodes_2" refType="w" fact="0.85"/>
+          <dgm:constr type="h" for="ch" forName="ThreeNodes_2" refType="h" fact="0.3"/>
+          <dgm:constr type="ctrY" for="ch" forName="ThreeNodes_2" refType="h" fact="0.5"/>
+          <dgm:constr type="ctrX" for="ch" forName="ThreeNodes_2" refType="w" fact="0.5"/>
+          <dgm:constr type="w" for="ch" forName="ThreeNodes_3" refType="w" fact="0.85"/>
+          <dgm:constr type="h" for="ch" forName="ThreeNodes_3" refType="h" fact="0.3"/>
+          <dgm:constr type="b" for="ch" forName="ThreeNodes_3" refType="h"/>
+          <dgm:constr type="l" for="ch" forName="ThreeNodes_3"/>
+          <dgm:constr type="w" for="ch" forName="ThreeConn_1-2" refType="h" refFor="ch" refForName="ThreeNodes_1" fact="0.65"/>
+          <dgm:constr type="h" for="ch" forName="ThreeConn_1-2" refType="h" refFor="ch" refForName="ThreeNodes_1" fact="0.65"/>
+          <dgm:constr type="ctrY" for="ch" forName="ThreeConn_1-2" refType="h" fact="0.325"/>
+          <dgm:constr type="l" for="ch" forName="ThreeConn_1-2" refType="l" refFor="ch" refForName="ThreeNodes_1"/>
+          <dgm:constr type="w" for="ch" forName="ThreeConn_2-3" refType="h" refFor="ch" refForName="ThreeNodes_2" fact="0.65"/>
+          <dgm:constr type="h" for="ch" forName="ThreeConn_2-3" refType="h" refFor="ch" refForName="ThreeNodes_2" fact="0.65"/>
+          <dgm:constr type="ctrY" for="ch" forName="ThreeConn_2-3" refType="h" fact="0.673"/>
+          <dgm:constr type="l" for="ch" forName="ThreeConn_2-3" refType="l" refFor="ch" refForName="ThreeNodes_2"/>
+          <dgm:constr type="l" for="ch" forName="ThreeNodes_1_text" refType="r" refFor="ch" refForName="ThreeConn_1-2"/>
+          <dgm:constr type="lOff" for="ch" forName="ThreeNodes_1_text" refType="w" refFor="ch" refForName="ThreeConn_1-2" fact="0.55"/>
+          <dgm:constr type="t" for="ch" forName="ThreeNodes_1_text" refType="t" refFor="ch" refForName="ThreeNodes_1"/>
+          <dgm:constr type="b" for="ch" forName="ThreeNodes_1_text" refType="b" refFor="ch" refForName="ThreeNodes_1"/>
+          <dgm:constr type="r" for="ch" forName="ThreeNodes_1_text" refType="r" refFor="ch" refForName="ThreeNodes_1"/>
+          <dgm:constr type="l" for="ch" forName="ThreeNodes_2_text" refType="r" refFor="ch" refForName="ThreeConn_1-2"/>
+          <dgm:constr type="t" for="ch" forName="ThreeNodes_2_text" refType="t" refFor="ch" refForName="ThreeNodes_2"/>
+          <dgm:constr type="b" for="ch" forName="ThreeNodes_2_text" refType="b" refFor="ch" refForName="ThreeNodes_2"/>
+          <dgm:constr type="r" for="ch" forName="ThreeNodes_2_text" refType="r" refFor="ch" refForName="ThreeNodes_2"/>
+          <dgm:constr type="l" for="ch" forName="ThreeNodes_3_text" refType="r" refFor="ch" refForName="ThreeConn_2-3"/>
+          <dgm:constr type="t" for="ch" forName="ThreeNodes_3_text" refType="t" refFor="ch" refForName="ThreeNodes_3"/>
+          <dgm:constr type="b" for="ch" forName="ThreeNodes_3_text" refType="b" refFor="ch" refForName="ThreeNodes_3"/>
+          <dgm:constr type="r" for="ch" forName="ThreeNodes_3_text" refType="r" refFor="ch" refForName="ThreeNodes_3"/>
+          <dgm:constr type="w" for="ch" forName="FourNodes_1" refType="w" fact="0.8"/>
+          <dgm:constr type="h" for="ch" forName="FourNodes_1" refType="h" fact="0.22"/>
+          <dgm:constr type="t" for="ch" forName="FourNodes_1"/>
+          <dgm:constr type="r" for="ch" forName="FourNodes_1" refType="w"/>
+          <dgm:constr type="w" for="ch" forName="FourNodes_2" refType="w" fact="0.8"/>
+          <dgm:constr type="h" for="ch" forName="FourNodes_2" refType="h" fact="0.22"/>
+          <dgm:constr type="ctrY" for="ch" forName="FourNodes_2" refType="h" fact="0.37"/>
+          <dgm:constr type="ctrX" for="ch" forName="FourNodes_2" refType="w" fact="0.533"/>
+          <dgm:constr type="w" for="ch" forName="FourNodes_3" refType="w" fact="0.8"/>
+          <dgm:constr type="h" for="ch" forName="FourNodes_3" refType="h" fact="0.22"/>
+          <dgm:constr type="ctrY" for="ch" forName="FourNodes_3" refType="h" fact="0.63"/>
+          <dgm:constr type="ctrX" for="ch" forName="FourNodes_3" refType="w" fact="0.467"/>
+          <dgm:constr type="w" for="ch" forName="FourNodes_4" refType="w" fact="0.8"/>
+          <dgm:constr type="h" for="ch" forName="FourNodes_4" refType="h" fact="0.22"/>
+          <dgm:constr type="b" for="ch" forName="FourNodes_4" refType="h"/>
+          <dgm:constr type="l" for="ch" forName="FourNodes_4"/>
+          <dgm:constr type="w" for="ch" forName="FourConn_1-2" refType="h" refFor="ch" refForName="FourNodes_1" fact="0.65"/>
+          <dgm:constr type="h" for="ch" forName="FourConn_1-2" refType="h" refFor="ch" refForName="FourNodes_1" fact="0.65"/>
+          <dgm:constr type="ctrY" for="ch" forName="FourConn_1-2" refType="h" fact="0.24"/>
+          <dgm:constr type="l" for="ch" forName="FourConn_1-2" refType="l" refFor="ch" refForName="FourNodes_1"/>
+          <dgm:constr type="w" for="ch" forName="FourConn_2-3" refType="h" refFor="ch" refForName="FourNodes_2" fact="0.65"/>
+          <dgm:constr type="h" for="ch" forName="FourConn_2-3" refType="h" refFor="ch" refForName="FourNodes_2" fact="0.65"/>
+          <dgm:constr type="ctrY" for="ch" forName="FourConn_2-3" refType="h" fact="0.5"/>
+          <dgm:constr type="l" for="ch" forName="FourConn_2-3" refType="l" refFor="ch" refForName="FourNodes_2"/>
+          <dgm:constr type="w" for="ch" forName="FourConn_3-4" refType="h" refFor="ch" refForName="FourNodes_3" fact="0.65"/>
+          <dgm:constr type="h" for="ch" forName="FourConn_3-4" refType="h" refFor="ch" refForName="FourNodes_3" fact="0.65"/>
+          <dgm:constr type="ctrY" for="ch" forName="FourConn_3-4" refType="h" fact="0.76"/>
+          <dgm:constr type="l" for="ch" forName="FourConn_3-4" refType="l" refFor="ch" refForName="FourNodes_3"/>
+          <dgm:constr type="l" for="ch" forName="FourNodes_1_text" refType="r" refFor="ch" refForName="FourConn_1-2"/>
+          <dgm:constr type="lOff" for="ch" forName="FourNodes_1_text" refType="w" refFor="ch" refForName="FourConn_1-2" fact="0.69"/>
+          <dgm:constr type="t" for="ch" forName="FourNodes_1_text" refType="t" refFor="ch" refForName="FourNodes_1"/>
+          <dgm:constr type="b" for="ch" forName="FourNodes_1_text" refType="b" refFor="ch" refForName="FourNodes_1"/>
+          <dgm:constr type="r" for="ch" forName="FourNodes_1_text" refType="r" refFor="ch" refForName="FourNodes_1"/>
+          <dgm:constr type="l" for="ch" forName="FourNodes_2_text" refType="r" refFor="ch" refForName="FourConn_1-2"/>
+          <dgm:constr type="t" for="ch" forName="FourNodes_2_text" refType="t" refFor="ch" refForName="FourNodes_2"/>
+          <dgm:constr type="b" for="ch" forName="FourNodes_2_text" refType="b" refFor="ch" refForName="FourNodes_2"/>
+          <dgm:constr type="r" for="ch" forName="FourNodes_2_text" refType="r" refFor="ch" refForName="FourNodes_2"/>
+          <dgm:constr type="l" for="ch" forName="FourNodes_3_text" refType="r" refFor="ch" refForName="FourConn_2-3"/>
+          <dgm:constr type="t" for="ch" forName="FourNodes_3_text" refType="t" refFor="ch" refForName="FourNodes_3"/>
+          <dgm:constr type="b" for="ch" forName="FourNodes_3_text" refType="b" refFor="ch" refForName="FourNodes_3"/>
+          <dgm:constr type="r" for="ch" forName="FourNodes_3_text" refType="r" refFor="ch" refForName="FourNodes_3"/>
+          <dgm:constr type="l" for="ch" forName="FourNodes_4_text" refType="r" refFor="ch" refForName="FourConn_3-4"/>
+          <dgm:constr type="t" for="ch" forName="FourNodes_4_text" refType="t" refFor="ch" refForName="FourNodes_4"/>
+          <dgm:constr type="b" for="ch" forName="FourNodes_4_text" refType="b" refFor="ch" refForName="FourNodes_4"/>
+          <dgm:constr type="r" for="ch" forName="FourNodes_4_text" refType="r" refFor="ch" refForName="FourNodes_4"/>
+          <dgm:constr type="w" for="ch" forName="FiveNodes_1" refType="w" fact="0.77"/>
+          <dgm:constr type="h" for="ch" forName="FiveNodes_1" refType="h" fact="0.18"/>
+          <dgm:constr type="t" for="ch" forName="FiveNodes_1"/>
+          <dgm:constr type="r" for="ch" forName="FiveNodes_1" refType="w"/>
+          <dgm:constr type="w" for="ch" forName="FiveNodes_2" refType="w" fact="0.77"/>
+          <dgm:constr type="h" for="ch" forName="FiveNodes_2" refType="h" fact="0.18"/>
+          <dgm:constr type="ctrY" for="ch" forName="FiveNodes_2" refType="h" fact="0.295"/>
+          <dgm:constr type="ctrX" for="ch" forName="FiveNodes_2" refType="w" fact="0.5575"/>
+          <dgm:constr type="w" for="ch" forName="FiveNodes_3" refType="w" fact="0.77"/>
+          <dgm:constr type="h" for="ch" forName="FiveNodes_3" refType="h" fact="0.18"/>
+          <dgm:constr type="ctrY" for="ch" forName="FiveNodes_3" refType="h" fact="0.5"/>
+          <dgm:constr type="ctrX" for="ch" forName="FiveNodes_3" refType="w" fact="0.5"/>
+          <dgm:constr type="w" for="ch" forName="FiveNodes_4" refType="w" fact="0.77"/>
+          <dgm:constr type="h" for="ch" forName="FiveNodes_4" refType="h" fact="0.18"/>
+          <dgm:constr type="ctrY" for="ch" forName="FiveNodes_4" refType="h" fact="0.705"/>
+          <dgm:constr type="ctrX" for="ch" forName="FiveNodes_4" refType="w" fact="0.4425"/>
+          <dgm:constr type="w" for="ch" forName="FiveNodes_5" refType="w" fact="0.77"/>
+          <dgm:constr type="h" for="ch" forName="FiveNodes_5" refType="h" fact="0.18"/>
+          <dgm:constr type="b" for="ch" forName="FiveNodes_5" refType="h"/>
+          <dgm:constr type="l" for="ch" forName="FiveNodes_5"/>
+          <dgm:constr type="w" for="ch" forName="FiveConn_1-2" refType="h" refFor="ch" refForName="FiveNodes_1" fact="0.65"/>
+          <dgm:constr type="h" for="ch" forName="FiveConn_1-2" refType="h" refFor="ch" refForName="FiveNodes_1" fact="0.65"/>
+          <dgm:constr type="ctrY" for="ch" forName="FiveConn_1-2" refType="h" fact="0.19"/>
+          <dgm:constr type="l" for="ch" forName="FiveConn_1-2" refType="l" refFor="ch" refForName="FiveNodes_1"/>
+          <dgm:constr type="w" for="ch" forName="FiveConn_2-3" refType="h" refFor="ch" refForName="FiveNodes_2" fact="0.65"/>
+          <dgm:constr type="h" for="ch" forName="FiveConn_2-3" refType="h" refFor="ch" refForName="FiveNodes_2" fact="0.65"/>
+          <dgm:constr type="ctrY" for="ch" forName="FiveConn_2-3" refType="h" fact="0.395"/>
+          <dgm:constr type="l" for="ch" forName="FiveConn_2-3" refType="l" refFor="ch" refForName="FiveNodes_2"/>
+          <dgm:constr type="w" for="ch" forName="FiveConn_3-4" refType="h" refFor="ch" refForName="FiveNodes_3" fact="0.65"/>
+          <dgm:constr type="h" for="ch" forName="FiveConn_3-4" refType="h" refFor="ch" refForName="FiveNodes_3" fact="0.65"/>
+          <dgm:constr type="ctrY" for="ch" forName="FiveConn_3-4" refType="h" fact="0.597"/>
+          <dgm:constr type="l" for="ch" forName="FiveConn_3-4" refType="l" refFor="ch" refForName="FiveNodes_3"/>
+          <dgm:constr type="w" for="ch" forName="FiveConn_4-5" refType="h" refFor="ch" refForName="FiveNodes_4" fact="0.65"/>
+          <dgm:constr type="h" for="ch" forName="FiveConn_4-5" refType="h" refFor="ch" refForName="FiveNodes_4" fact="0.65"/>
+          <dgm:constr type="ctrY" for="ch" forName="FiveConn_4-5" refType="h" fact="0.804"/>
+          <dgm:constr type="l" for="ch" forName="FiveConn_4-5" refType="l" refFor="ch" refForName="FiveNodes_4"/>
+          <dgm:constr type="l" for="ch" forName="FiveNodes_1_text" refType="r" refFor="ch" refForName="FiveConn_1-2"/>
+          <dgm:constr type="lOff" for="ch" forName="FiveNodes_1_text" refType="w" refFor="ch" refForName="FiveConn_1-2" fact="0.73"/>
+          <dgm:constr type="t" for="ch" forName="FiveNodes_1_text" refType="t" refFor="ch" refForName="FiveNodes_1"/>
+          <dgm:constr type="b" for="ch" forName="FiveNodes_1_text" refType="b" refFor="ch" refForName="FiveNodes_1"/>
+          <dgm:constr type="r" for="ch" forName="FiveNodes_1_text" refType="r" refFor="ch" refForName="FiveNodes_1"/>
+          <dgm:constr type="l" for="ch" forName="FiveNodes_2_text" refType="r" refFor="ch" refForName="FiveConn_1-2"/>
+          <dgm:constr type="t" for="ch" forName="FiveNodes_2_text" refType="t" refFor="ch" refForName="FiveNodes_2"/>
+          <dgm:constr type="b" for="ch" forName="FiveNodes_2_text" refType="b" refFor="ch" refForName="FiveNodes_2"/>
+          <dgm:constr type="r" for="ch" forName="FiveNodes_2_text" refType="r" refFor="ch" refForName="FiveNodes_2"/>
+          <dgm:constr type="l" for="ch" forName="FiveNodes_3_text" refType="r" refFor="ch" refForName="FiveConn_2-3"/>
+          <dgm:constr type="t" for="ch" forName="FiveNodes_3_text" refType="t" refFor="ch" refForName="FiveNodes_3"/>
+          <dgm:constr type="b" for="ch" forName="FiveNodes_3_text" refType="b" refFor="ch" refForName="FiveNodes_3"/>
+          <dgm:constr type="r" for="ch" forName="FiveNodes_3_text" refType="r" refFor="ch" refForName="FiveNodes_3"/>
+          <dgm:constr type="l" for="ch" forName="FiveNodes_4_text" refType="r" refFor="ch" refForName="FiveConn_3-4"/>
+          <dgm:constr type="t" for="ch" forName="FiveNodes_4_text" refType="t" refFor="ch" refForName="FiveNodes_4"/>
+          <dgm:constr type="b" for="ch" forName="FiveNodes_4_text" refType="b" refFor="ch" refForName="FiveNodes_4"/>
+          <dgm:constr type="r" for="ch" forName="FiveNodes_4_text" refType="r" refFor="ch" refForName="FiveNodes_4"/>
+          <dgm:constr type="l" for="ch" forName="FiveNodes_5_text" refType="r" refFor="ch" refForName="FiveConn_4-5"/>
+          <dgm:constr type="t" for="ch" forName="FiveNodes_5_text" refType="t" refFor="ch" refForName="FiveNodes_5"/>
+          <dgm:constr type="b" for="ch" forName="FiveNodes_5_text" refType="b" refFor="ch" refForName="FiveNodes_5"/>
+          <dgm:constr type="r" for="ch" forName="FiveNodes_5_text" refType="r" refFor="ch" refForName="FiveNodes_5"/>
+        </dgm:constrLst>
+      </dgm:else>
+    </dgm:choose>
+    <dgm:ruleLst/>
+    <dgm:layoutNode name="dummyMaxCanvas">
+      <dgm:varLst/>
+      <dgm:alg type="sp"/>
+      <dgm:shape xmlns:r="http://schemas.openxmlformats.org/officeDocument/2006/relationships" r:blip="">
+        <dgm:adjLst/>
+      </dgm:shape>
+      <dgm:presOf/>
+      <dgm:constrLst/>
+      <dgm:ruleLst/>
+    </dgm:layoutNode>
+    <dgm:choose name="Name3">
+      <dgm:if name="Name4" axis="ch" ptType="node" func="cnt" op="equ" val="1">
+        <dgm:layoutNode name="OneNode_1">
+          <dgm:varLst>
+            <dgm:bulletEnabled val="1"/>
+          </dgm:varLst>
+          <dgm:alg type="tx"/>
+          <dgm:shape xmlns:r="http://schemas.openxmlformats.org/officeDocument/2006/relationships" type="roundRect" r:blip="">
+            <dgm:adjLst>
+              <dgm:adj idx="1" val="0.1"/>
+            </dgm:adjLst>
+          </dgm:shape>
+          <dgm:presOf axis="ch desOrSelf" ptType="node node" st="1 1" cnt="1 0"/>
+          <dgm:constrLst>
+            <dgm:constr type="lMarg" refType="primFontSz" fact="0.3"/>
+            <dgm:constr type="rMarg" refType="primFontSz" fact="0.3"/>
+            <dgm:constr type="tMarg" refType="primFontSz" fact="0.3"/>
+            <dgm:constr type="bMarg" refType="primFontSz" fact="0.3"/>
+          </dgm:constrLst>
+          <dgm:ruleLst>
+            <dgm:rule type="primFontSz" val="5" fact="NaN" max="NaN"/>
+          </dgm:ruleLst>
+        </dgm:layoutNode>
+      </dgm:if>
+      <dgm:else name="Name5">
+        <dgm:choose name="Name6">
+          <dgm:if name="Name7" axis="ch" ptType="node" func="cnt" op="equ" val="2">
+            <dgm:layoutNode name="TwoNodes_1">
+              <dgm:varLst>
+                <dgm:bulletEnabled val="1"/>
+              </dgm:varLst>
+              <dgm:alg type="sp"/>
+              <dgm:shape xmlns:r="http://schemas.openxmlformats.org/officeDocument/2006/relationships" type="roundRect" r:blip="">
+                <dgm:adjLst>
+                  <dgm:adj idx="1" val="0.1"/>
+                </dgm:adjLst>
+              </dgm:shape>
+              <dgm:presOf axis="ch desOrSelf" ptType="node node" st="1 1" cnt="1 0"/>
+              <dgm:constrLst/>
+              <dgm:ruleLst/>
+            </dgm:layoutNode>
+            <dgm:layoutNode name="TwoNodes_2">
+              <dgm:varLst>
+                <dgm:bulletEnabled val="1"/>
+              </dgm:varLst>
+              <dgm:alg type="sp"/>
+              <dgm:shape xmlns:r="http://schemas.openxmlformats.org/officeDocument/2006/relationships" type="roundRect" r:blip="">
+                <dgm:adjLst>
+                  <dgm:adj idx="1" val="0.1"/>
+                </dgm:adjLst>
+              </dgm:shape>
+              <dgm:presOf axis="ch desOrSelf" ptType="node node" st="2 1" cnt="1 0"/>
+              <dgm:constrLst/>
+              <dgm:ruleLst/>
+            </dgm:layoutNode>
+            <dgm:layoutNode name="TwoConn_1-2" styleLbl="fgAccFollowNode1">
+              <dgm:varLst>
+                <dgm:bulletEnabled val="1"/>
+              </dgm:varLst>
+              <dgm:alg type="tx"/>
+              <dgm:shape xmlns:r="http://schemas.openxmlformats.org/officeDocument/2006/relationships" type="downArrow" r:blip="">
+                <dgm:adjLst>
+                  <dgm:adj idx="1" val="0.55"/>
+                  <dgm:adj idx="2" val="0.45"/>
+                </dgm:adjLst>
+              </dgm:shape>
+              <dgm:presOf axis="ch" ptType="sibTrans" cnt="1"/>
+              <dgm:constrLst>
+                <dgm:constr type="lMarg" refType="primFontSz" fact="0.1"/>
+                <dgm:constr type="rMarg" refType="primFontSz" fact="0.1"/>
+                <dgm:constr type="tMarg" refType="primFontSz" fact="0.1"/>
+                <dgm:constr type="bMarg" refType="primFontSz" fact="0.1"/>
+              </dgm:constrLst>
+              <dgm:ruleLst>
+                <dgm:rule type="primFontSz" val="5" fact="NaN" max="NaN"/>
+              </dgm:ruleLst>
+            </dgm:layoutNode>
+            <dgm:layoutNode name="TwoNodes_1_text">
+              <dgm:varLst>
+                <dgm:bulletEnabled val="1"/>
+              </dgm:varLst>
+              <dgm:alg type="tx">
+                <dgm:param type="parTxLTRAlign" val="l"/>
+                <dgm:param type="txAnchorVertCh" val="mid"/>
+              </dgm:alg>
+              <dgm:shape xmlns:r="http://schemas.openxmlformats.org/officeDocument/2006/relationships" type="roundRect" r:blip="" hideGeom="1">
+                <dgm:adjLst>
+                  <dgm:adj idx="1" val="0.1"/>
+                </dgm:adjLst>
+              </dgm:shape>
+              <dgm:presOf axis="ch desOrSelf" ptType="node node" st="1 1" cnt="1 0"/>
+              <dgm:constrLst>
+                <dgm:constr type="lMarg" refType="primFontSz" fact="0.3"/>
+                <dgm:constr type="rMarg" refType="primFontSz" fact="0.3"/>
+                <dgm:constr type="tMarg" refType="primFontSz" fact="0.3"/>
+                <dgm:constr type="bMarg" refType="primFontSz" fact="0.3"/>
+              </dgm:constrLst>
+              <dgm:ruleLst>
+                <dgm:rule type="primFontSz" val="5" fact="NaN" max="NaN"/>
+              </dgm:ruleLst>
+            </dgm:layoutNode>
+            <dgm:layoutNode name="TwoNodes_2_text">
+              <dgm:varLst>
+                <dgm:bulletEnabled val="1"/>
+              </dgm:varLst>
+              <dgm:alg type="tx">
+                <dgm:param type="parTxLTRAlign" val="l"/>
+                <dgm:param type="txAnchorVertCh" val="mid"/>
+              </dgm:alg>
+              <dgm:shape xmlns:r="http://schemas.openxmlformats.org/officeDocument/2006/relationships" type="roundRect" r:blip="" hideGeom="1">
+                <dgm:adjLst>
+                  <dgm:adj idx="1" val="0.1"/>
+                </dgm:adjLst>
+              </dgm:shape>
+              <dgm:presOf axis="ch desOrSelf" ptType="node node" st="2 1" cnt="1 0"/>
+              <dgm:constrLst>
+                <dgm:constr type="lMarg" refType="primFontSz" fact="0.3"/>
+                <dgm:constr type="rMarg" refType="primFontSz" fact="0.3"/>
+                <dgm:constr type="tMarg" refType="primFontSz" fact="0.3"/>
+                <dgm:constr type="bMarg" refType="primFontSz" fact="0.3"/>
+              </dgm:constrLst>
+              <dgm:ruleLst>
+                <dgm:rule type="primFontSz" val="5" fact="NaN" max="NaN"/>
+              </dgm:ruleLst>
+            </dgm:layoutNode>
+          </dgm:if>
+          <dgm:else name="Name8">
+            <dgm:choose name="Name9">
+              <dgm:if name="Name10" axis="ch" ptType="node" func="cnt" op="equ" val="3">
+                <dgm:layoutNode name="ThreeNodes_1">
+                  <dgm:varLst>
+                    <dgm:bulletEnabled val="1"/>
+                  </dgm:varLst>
+                  <dgm:alg type="sp"/>
+                  <dgm:shape xmlns:r="http://schemas.openxmlformats.org/officeDocument/2006/relationships" type="roundRect" r:blip="">
+                    <dgm:adjLst>
+                      <dgm:adj idx="1" val="0.1"/>
+                    </dgm:adjLst>
+                  </dgm:shape>
+                  <dgm:presOf axis="ch desOrSelf" ptType="node node" st="1 1" cnt="1 0"/>
+                  <dgm:constrLst/>
+                  <dgm:ruleLst/>
+                </dgm:layoutNode>
+                <dgm:layoutNode name="ThreeNodes_2">
+                  <dgm:varLst>
+                    <dgm:bulletEnabled val="1"/>
+                  </dgm:varLst>
+                  <dgm:alg type="sp"/>
+                  <dgm:shape xmlns:r="http://schemas.openxmlformats.org/officeDocument/2006/relationships" type="roundRect" r:blip="">
+                    <dgm:adjLst>
+                      <dgm:adj idx="1" val="0.1"/>
+                    </dgm:adjLst>
+                  </dgm:shape>
+                  <dgm:presOf axis="ch desOrSelf" ptType="node node" st="2 1" cnt="1 0"/>
+                  <dgm:constrLst/>
+                  <dgm:ruleLst/>
+                </dgm:layoutNode>
+                <dgm:layoutNode name="ThreeNodes_3">
+                  <dgm:varLst>
+                    <dgm:bulletEnabled val="1"/>
+                  </dgm:varLst>
+                  <dgm:alg type="sp"/>
+                  <dgm:shape xmlns:r="http://schemas.openxmlformats.org/officeDocument/2006/relationships" type="roundRect" r:blip="">
+                    <dgm:adjLst>
+                      <dgm:adj idx="1" val="0.1"/>
+                    </dgm:adjLst>
+                  </dgm:shape>
+                  <dgm:presOf axis="ch desOrSelf" ptType="node node" st="3 1" cnt="1 0"/>
+                  <dgm:constrLst/>
+                  <dgm:ruleLst/>
+                </dgm:layoutNode>
+                <dgm:layoutNode name="ThreeConn_1-2" styleLbl="fgAccFollowNode1">
+                  <dgm:varLst>
+                    <dgm:bulletEnabled val="1"/>
+                  </dgm:varLst>
+                  <dgm:alg type="tx"/>
+                  <dgm:shape xmlns:r="http://schemas.openxmlformats.org/officeDocument/2006/relationships" type="downArrow" r:blip="">
+                    <dgm:adjLst>
+                      <dgm:adj idx="1" val="0.55"/>
+                      <dgm:adj idx="2" val="0.45"/>
+                    </dgm:adjLst>
+                  </dgm:shape>
+                  <dgm:presOf axis="ch" ptType="sibTrans" cnt="1"/>
+                  <dgm:constrLst>
+                    <dgm:constr type="lMarg" refType="primFontSz" fact="0.1"/>
+                    <dgm:constr type="rMarg" refType="primFontSz" fact="0.1"/>
+                    <dgm:constr type="tMarg" refType="primFontSz" fact="0.1"/>
+                    <dgm:constr type="bMarg" refType="primFontSz" fact="0.1"/>
+                  </dgm:constrLst>
+                  <dgm:ruleLst>
+                    <dgm:rule type="primFontSz" val="5" fact="NaN" max="NaN"/>
+                  </dgm:ruleLst>
+                </dgm:layoutNode>
+                <dgm:layoutNode name="ThreeConn_2-3" styleLbl="fgAccFollowNode1">
+                  <dgm:varLst>
+                    <dgm:bulletEnabled val="1"/>
+                  </dgm:varLst>
+                  <dgm:alg type="tx"/>
+                  <dgm:shape xmlns:r="http://schemas.openxmlformats.org/officeDocument/2006/relationships" type="downArrow" r:blip="">
+                    <dgm:adjLst>
+                      <dgm:adj idx="1" val="0.55"/>
+                      <dgm:adj idx="2" val="0.45"/>
+                    </dgm:adjLst>
+                  </dgm:shape>
+                  <dgm:presOf axis="ch" ptType="sibTrans" st="2" cnt="1"/>
+                  <dgm:constrLst>
+                    <dgm:constr type="lMarg" refType="primFontSz" fact="0.1"/>
+                    <dgm:constr type="rMarg" refType="primFontSz" fact="0.1"/>
+                    <dgm:constr type="tMarg" refType="primFontSz" fact="0.1"/>
+                    <dgm:constr type="bMarg" refType="primFontSz" fact="0.1"/>
+                  </dgm:constrLst>
+                  <dgm:ruleLst>
+                    <dgm:rule type="primFontSz" val="5" fact="NaN" max="NaN"/>
+                  </dgm:ruleLst>
+                </dgm:layoutNode>
+                <dgm:layoutNode name="ThreeNodes_1_text">
+                  <dgm:varLst>
+                    <dgm:bulletEnabled val="1"/>
+                  </dgm:varLst>
+                  <dgm:alg type="tx">
+                    <dgm:param type="parTxLTRAlign" val="l"/>
+                    <dgm:param type="txAnchorVertCh" val="mid"/>
+                  </dgm:alg>
+                  <dgm:shape xmlns:r="http://schemas.openxmlformats.org/officeDocument/2006/relationships" type="roundRect" r:blip="" hideGeom="1">
+                    <dgm:adjLst>
+                      <dgm:adj idx="1" val="0.1"/>
+                    </dgm:adjLst>
+                  </dgm:shape>
+                  <dgm:presOf axis="ch desOrSelf" ptType="node node" st="1 1" cnt="1 0"/>
+                  <dgm:constrLst>
+                    <dgm:constr type="lMarg" refType="primFontSz" fact="0.3"/>
+                    <dgm:constr type="rMarg" refType="primFontSz" fact="0.3"/>
+                    <dgm:constr type="tMarg" refType="primFontSz" fact="0.3"/>
+                    <dgm:constr type="bMarg" refType="primFontSz" fact="0.3"/>
+                  </dgm:constrLst>
+                  <dgm:ruleLst>
+                    <dgm:rule type="primFontSz" val="5" fact="NaN" max="NaN"/>
+                  </dgm:ruleLst>
+                </dgm:layoutNode>
+                <dgm:layoutNode name="ThreeNodes_2_text">
+                  <dgm:varLst>
+                    <dgm:bulletEnabled val="1"/>
+                  </dgm:varLst>
+                  <dgm:alg type="tx">
+                    <dgm:param type="parTxLTRAlign" val="l"/>
+                    <dgm:param type="txAnchorVertCh" val="mid"/>
+                  </dgm:alg>
+                  <dgm:shape xmlns:r="http://schemas.openxmlformats.org/officeDocument/2006/relationships" type="roundRect" r:blip="" hideGeom="1">
+                    <dgm:adjLst>
+                      <dgm:adj idx="1" val="0.1"/>
+                    </dgm:adjLst>
+                  </dgm:shape>
+                  <dgm:presOf axis="ch desOrSelf" ptType="node node" st="2 1" cnt="1 0"/>
+                  <dgm:constrLst>
+                    <dgm:constr type="lMarg" refType="primFontSz" fact="0.3"/>
+                    <dgm:constr type="rMarg" refType="primFontSz" fact="0.3"/>
+                    <dgm:constr type="tMarg" refType="primFontSz" fact="0.3"/>
+                    <dgm:constr type="bMarg" refType="primFontSz" fact="0.3"/>
+                  </dgm:constrLst>
+                  <dgm:ruleLst>
+                    <dgm:rule type="primFontSz" val="5" fact="NaN" max="NaN"/>
+                  </dgm:ruleLst>
+                </dgm:layoutNode>
+                <dgm:layoutNode name="ThreeNodes_3_text">
+                  <dgm:varLst>
+                    <dgm:bulletEnabled val="1"/>
+                  </dgm:varLst>
+                  <dgm:alg type="tx">
+                    <dgm:param type="parTxLTRAlign" val="l"/>
+                    <dgm:param type="txAnchorVertCh" val="mid"/>
+                  </dgm:alg>
+                  <dgm:shape xmlns:r="http://schemas.openxmlformats.org/officeDocument/2006/relationships" type="roundRect" r:blip="" hideGeom="1">
+                    <dgm:adjLst>
+                      <dgm:adj idx="1" val="0.1"/>
+                    </dgm:adjLst>
+                  </dgm:shape>
+                  <dgm:presOf axis="ch desOrSelf" ptType="node node" st="3 1" cnt="1 0"/>
+                  <dgm:constrLst>
+                    <dgm:constr type="lMarg" refType="primFontSz" fact="0.3"/>
+                    <dgm:constr type="rMarg" refType="primFontSz" fact="0.3"/>
+                    <dgm:constr type="tMarg" refType="primFontSz" fact="0.3"/>
+                    <dgm:constr type="bMarg" refType="primFontSz" fact="0.3"/>
+                  </dgm:constrLst>
+                  <dgm:ruleLst>
+                    <dgm:rule type="primFontSz" val="5" fact="NaN" max="NaN"/>
+                  </dgm:ruleLst>
+                </dgm:layoutNode>
+              </dgm:if>
+              <dgm:else name="Name11">
+                <dgm:choose name="Name12">
+                  <dgm:if name="Name13" axis="ch" ptType="node" func="cnt" op="equ" val="4">
+                    <dgm:layoutNode name="FourNodes_1">
+                      <dgm:varLst>
+                        <dgm:bulletEnabled val="1"/>
+                      </dgm:varLst>
+                      <dgm:alg type="sp"/>
+                      <dgm:shape xmlns:r="http://schemas.openxmlformats.org/officeDocument/2006/relationships" type="roundRect" r:blip="">
+                        <dgm:adjLst>
+                          <dgm:adj idx="1" val="0.1"/>
+                        </dgm:adjLst>
+                      </dgm:shape>
+                      <dgm:presOf axis="ch desOrSelf" ptType="node node" st="1 1" cnt="1 0"/>
+                      <dgm:constrLst/>
+                      <dgm:ruleLst/>
+                    </dgm:layoutNode>
+                    <dgm:layoutNode name="FourNodes_2">
+                      <dgm:varLst>
+                        <dgm:bulletEnabled val="1"/>
+                      </dgm:varLst>
+                      <dgm:alg type="sp"/>
+                      <dgm:shape xmlns:r="http://schemas.openxmlformats.org/officeDocument/2006/relationships" type="roundRect" r:blip="">
+                        <dgm:adjLst>
+                          <dgm:adj idx="1" val="0.1"/>
+                        </dgm:adjLst>
+                      </dgm:shape>
+                      <dgm:presOf axis="ch desOrSelf" ptType="node node" st="2 1" cnt="1 0"/>
+                      <dgm:constrLst/>
+                      <dgm:ruleLst/>
+                    </dgm:layoutNode>
+                    <dgm:layoutNode name="FourNodes_3">
+                      <dgm:varLst>
+                        <dgm:bulletEnabled val="1"/>
+                      </dgm:varLst>
+                      <dgm:alg type="sp"/>
+                      <dgm:shape xmlns:r="http://schemas.openxmlformats.org/officeDocument/2006/relationships" type="roundRect" r:blip="">
+                        <dgm:adjLst>
+                          <dgm:adj idx="1" val="0.1"/>
+                        </dgm:adjLst>
+                      </dgm:shape>
+                      <dgm:presOf axis="ch desOrSelf" ptType="node node" st="3 1" cnt="1 0"/>
+                      <dgm:constrLst/>
+                      <dgm:ruleLst/>
+                    </dgm:layoutNode>
+                    <dgm:layoutNode name="FourNodes_4">
+                      <dgm:varLst>
+                        <dgm:bulletEnabled val="1"/>
+                      </dgm:varLst>
+                      <dgm:alg type="sp"/>
+                      <dgm:shape xmlns:r="http://schemas.openxmlformats.org/officeDocument/2006/relationships" type="roundRect" r:blip="">
+                        <dgm:adjLst>
+                          <dgm:adj idx="1" val="0.1"/>
+                        </dgm:adjLst>
+                      </dgm:shape>
+                      <dgm:presOf axis="ch desOrSelf" ptType="node node" st="4 1" cnt="1 0"/>
+                      <dgm:constrLst/>
+                      <dgm:ruleLst/>
+                    </dgm:layoutNode>
+                    <dgm:layoutNode name="FourConn_1-2" styleLbl="fgAccFollowNode1">
+                      <dgm:varLst>
+                        <dgm:bulletEnabled val="1"/>
+                      </dgm:varLst>
+                      <dgm:alg type="tx"/>
+                      <dgm:shape xmlns:r="http://schemas.openxmlformats.org/officeDocument/2006/relationships" type="downArrow" r:blip="">
+                        <dgm:adjLst>
+                          <dgm:adj idx="1" val="0.55"/>
+                          <dgm:adj idx="2" val="0.45"/>
+                        </dgm:adjLst>
+                      </dgm:shape>
+                      <dgm:presOf axis="ch" ptType="sibTrans" cnt="1"/>
+                      <dgm:constrLst>
+                        <dgm:constr type="lMarg" refType="primFontSz" fact="0.1"/>
+                        <dgm:constr type="rMarg" refType="primFontSz" fact="0.1"/>
+                        <dgm:constr type="tMarg" refType="primFontSz" fact="0.1"/>
+                        <dgm:constr type="bMarg" refType="primFontSz" fact="0.1"/>
+                      </dgm:constrLst>
+                      <dgm:ruleLst>
+                        <dgm:rule type="primFontSz" val="5" fact="NaN" max="NaN"/>
+                      </dgm:ruleLst>
+                    </dgm:layoutNode>
+                    <dgm:layoutNode name="FourConn_2-3" styleLbl="fgAccFollowNode1">
+                      <dgm:varLst>
+                        <dgm:bulletEnabled val="1"/>
+                      </dgm:varLst>
+                      <dgm:alg type="tx"/>
+                      <dgm:shape xmlns:r="http://schemas.openxmlformats.org/officeDocument/2006/relationships" type="downArrow" r:blip="">
+                        <dgm:adjLst>
+                          <dgm:adj idx="1" val="0.55"/>
+                          <dgm:adj idx="2" val="0.45"/>
+                        </dgm:adjLst>
+                      </dgm:shape>
+                      <dgm:presOf axis="ch" ptType="sibTrans" st="2" cnt="1"/>
+                      <dgm:constrLst>
+                        <dgm:constr type="lMarg" refType="primFontSz" fact="0.1"/>
+                        <dgm:constr type="rMarg" refType="primFontSz" fact="0.1"/>
+                        <dgm:constr type="tMarg" refType="primFontSz" fact="0.1"/>
+                        <dgm:constr type="bMarg" refType="primFontSz" fact="0.1"/>
+                      </dgm:constrLst>
+                      <dgm:ruleLst>
+                        <dgm:rule type="primFontSz" val="5" fact="NaN" max="NaN"/>
+                      </dgm:ruleLst>
+                    </dgm:layoutNode>
+                    <dgm:layoutNode name="FourConn_3-4" styleLbl="fgAccFollowNode1">
+                      <dgm:varLst>
+                        <dgm:bulletEnabled val="1"/>
+                      </dgm:varLst>
+                      <dgm:alg type="tx"/>
+                      <dgm:shape xmlns:r="http://schemas.openxmlformats.org/officeDocument/2006/relationships" type="downArrow" r:blip="">
+                        <dgm:adjLst>
+                          <dgm:adj idx="1" val="0.55"/>
+                          <dgm:adj idx="2" val="0.45"/>
+                        </dgm:adjLst>
+                      </dgm:shape>
+                      <dgm:presOf axis="ch" ptType="sibTrans" st="3" cnt="1"/>
+                      <dgm:constrLst>
+                        <dgm:constr type="lMarg" refType="primFontSz" fact="0.1"/>
+                        <dgm:constr type="rMarg" refType="primFontSz" fact="0.1"/>
+                        <dgm:constr type="tMarg" refType="primFontSz" fact="0.1"/>
+                        <dgm:constr type="bMarg" refType="primFontSz" fact="0.1"/>
+                      </dgm:constrLst>
+                      <dgm:ruleLst>
+                        <dgm:rule type="primFontSz" val="5" fact="NaN" max="NaN"/>
+                      </dgm:ruleLst>
+                    </dgm:layoutNode>
+                    <dgm:layoutNode name="FourNodes_1_text">
+                      <dgm:varLst>
+                        <dgm:bulletEnabled val="1"/>
+                      </dgm:varLst>
+                      <dgm:alg type="tx">
+                        <dgm:param type="parTxLTRAlign" val="l"/>
+                        <dgm:param type="txAnchorVertCh" val="mid"/>
+                      </dgm:alg>
+                      <dgm:shape xmlns:r="http://schemas.openxmlformats.org/officeDocument/2006/relationships" type="roundRect" r:blip="" hideGeom="1">
+                        <dgm:adjLst>
+                          <dgm:adj idx="1" val="0.1"/>
+                        </dgm:adjLst>
+                      </dgm:shape>
+                      <dgm:presOf axis="ch desOrSelf" ptType="node node" st="1 1" cnt="1 0"/>
+                      <dgm:constrLst>
+                        <dgm:constr type="lMarg" refType="primFontSz" fact="0.3"/>
+                        <dgm:constr type="rMarg" refType="primFontSz" fact="0.3"/>
+                        <dgm:constr type="tMarg" refType="primFontSz" fact="0.3"/>
+                        <dgm:constr type="bMarg" refType="primFontSz" fact="0.3"/>
+                      </dgm:constrLst>
+                      <dgm:ruleLst>
+                        <dgm:rule type="primFontSz" val="5" fact="NaN" max="NaN"/>
+                      </dgm:ruleLst>
+                    </dgm:layoutNode>
+                    <dgm:layoutNode name="FourNodes_2_text">
+                      <dgm:varLst>
+                        <dgm:bulletEnabled val="1"/>
+                      </dgm:varLst>
+                      <dgm:alg type="tx">
+                        <dgm:param type="parTxLTRAlign" val="l"/>
+                        <dgm:param type="txAnchorVertCh" val="mid"/>
+                      </dgm:alg>
+                      <dgm:shape xmlns:r="http://schemas.openxmlformats.org/officeDocument/2006/relationships" type="roundRect" r:blip="" hideGeom="1">
+                        <dgm:adjLst>
+                          <dgm:adj idx="1" val="0.1"/>
+                        </dgm:adjLst>
+                      </dgm:shape>
+                      <dgm:presOf axis="ch desOrSelf" ptType="node node" st="2 1" cnt="1 0"/>
+                      <dgm:constrLst>
+                        <dgm:constr type="lMarg" refType="primFontSz" fact="0.3"/>
+                        <dgm:constr type="rMarg" refType="primFontSz" fact="0.3"/>
+                        <dgm:constr type="tMarg" refType="primFontSz" fact="0.3"/>
+                        <dgm:constr type="bMarg" refType="primFontSz" fact="0.3"/>
+                      </dgm:constrLst>
+                      <dgm:ruleLst>
+                        <dgm:rule type="primFontSz" val="5" fact="NaN" max="NaN"/>
+                      </dgm:ruleLst>
+                    </dgm:layoutNode>
+                    <dgm:layoutNode name="FourNodes_3_text">
+                      <dgm:varLst>
+                        <dgm:bulletEnabled val="1"/>
+                      </dgm:varLst>
+                      <dgm:alg type="tx">
+                        <dgm:param type="parTxLTRAlign" val="l"/>
+                        <dgm:param type="txAnchorVertCh" val="mid"/>
+                      </dgm:alg>
+                      <dgm:shape xmlns:r="http://schemas.openxmlformats.org/officeDocument/2006/relationships" type="roundRect" r:blip="" hideGeom="1">
+                        <dgm:adjLst>
+                          <dgm:adj idx="1" val="0.1"/>
+                        </dgm:adjLst>
+                      </dgm:shape>
+                      <dgm:presOf axis="ch desOrSelf" ptType="node node" st="3 1" cnt="1 0"/>
+                      <dgm:constrLst>
+                        <dgm:constr type="lMarg" refType="primFontSz" fact="0.3"/>
+                        <dgm:constr type="rMarg" refType="primFontSz" fact="0.3"/>
+                        <dgm:constr type="tMarg" refType="primFontSz" fact="0.3"/>
+                        <dgm:constr type="bMarg" refType="primFontSz" fact="0.3"/>
+                      </dgm:constrLst>
+                      <dgm:ruleLst>
+                        <dgm:rule type="primFontSz" val="5" fact="NaN" max="NaN"/>
+                      </dgm:ruleLst>
+                    </dgm:layoutNode>
+                    <dgm:layoutNode name="FourNodes_4_text">
+                      <dgm:varLst>
+                        <dgm:bulletEnabled val="1"/>
+                      </dgm:varLst>
+                      <dgm:alg type="tx">
+                        <dgm:param type="parTxLTRAlign" val="l"/>
+                        <dgm:param type="txAnchorVertCh" val="mid"/>
+                      </dgm:alg>
+                      <dgm:shape xmlns:r="http://schemas.openxmlformats.org/officeDocument/2006/relationships" type="roundRect" r:blip="" hideGeom="1">
+                        <dgm:adjLst>
+                          <dgm:adj idx="1" val="0.1"/>
+                        </dgm:adjLst>
+                      </dgm:shape>
+                      <dgm:presOf axis="ch desOrSelf" ptType="node node" st="4 1" cnt="1 0"/>
+                      <dgm:constrLst>
+                        <dgm:constr type="lMarg" refType="primFontSz" fact="0.3"/>
+                        <dgm:constr type="rMarg" refType="primFontSz" fact="0.3"/>
+                        <dgm:constr type="tMarg" refType="primFontSz" fact="0.3"/>
+                        <dgm:constr type="bMarg" refType="primFontSz" fact="0.3"/>
+                      </dgm:constrLst>
+                      <dgm:ruleLst>
+                        <dgm:rule type="primFontSz" val="5" fact="NaN" max="NaN"/>
+                      </dgm:ruleLst>
+                    </dgm:layoutNode>
+                  </dgm:if>
+                  <dgm:else name="Name14">
+                    <dgm:choose name="Name15">
+                      <dgm:if name="Name16" axis="ch" ptType="node" func="cnt" op="gte" val="5">
+                        <dgm:layoutNode name="FiveNodes_1">
+                          <dgm:varLst>
+                            <dgm:bulletEnabled val="1"/>
+                          </dgm:varLst>
+                          <dgm:alg type="sp"/>
+                          <dgm:shape xmlns:r="http://schemas.openxmlformats.org/officeDocument/2006/relationships" type="roundRect" r:blip="">
+                            <dgm:adjLst>
+                              <dgm:adj idx="1" val="0.1"/>
+                            </dgm:adjLst>
+                          </dgm:shape>
+                          <dgm:presOf axis="ch desOrSelf" ptType="node node" st="1 1" cnt="1 0"/>
+                          <dgm:constrLst/>
+                          <dgm:ruleLst/>
+                        </dgm:layoutNode>
+                        <dgm:layoutNode name="FiveNodes_2">
+                          <dgm:varLst>
+                            <dgm:bulletEnabled val="1"/>
+                          </dgm:varLst>
+                          <dgm:alg type="sp"/>
+                          <dgm:shape xmlns:r="http://schemas.openxmlformats.org/officeDocument/2006/relationships" type="roundRect" r:blip="">
+                            <dgm:adjLst>
+                              <dgm:adj idx="1" val="0.1"/>
+                            </dgm:adjLst>
+                          </dgm:shape>
+                          <dgm:presOf axis="ch desOrSelf" ptType="node node" st="2 1" cnt="1 0"/>
+                          <dgm:constrLst/>
+                          <dgm:ruleLst/>
+                        </dgm:layoutNode>
+                        <dgm:layoutNode name="FiveNodes_3">
+                          <dgm:varLst>
+                            <dgm:bulletEnabled val="1"/>
+                          </dgm:varLst>
+                          <dgm:alg type="sp"/>
+                          <dgm:shape xmlns:r="http://schemas.openxmlformats.org/officeDocument/2006/relationships" type="roundRect" r:blip="">
+                            <dgm:adjLst>
+                              <dgm:adj idx="1" val="0.1"/>
+                            </dgm:adjLst>
+                          </dgm:shape>
+                          <dgm:presOf axis="ch desOrSelf" ptType="node node" st="3 1" cnt="1 0"/>
+                          <dgm:constrLst/>
+                          <dgm:ruleLst/>
+                        </dgm:layoutNode>
+                        <dgm:layoutNode name="FiveNodes_4">
+                          <dgm:varLst>
+                            <dgm:bulletEnabled val="1"/>
+                          </dgm:varLst>
+                          <dgm:alg type="sp"/>
+                          <dgm:shape xmlns:r="http://schemas.openxmlformats.org/officeDocument/2006/relationships" type="roundRect" r:blip="">
+                            <dgm:adjLst>
+                              <dgm:adj idx="1" val="0.1"/>
+                            </dgm:adjLst>
+                          </dgm:shape>
+                          <dgm:presOf axis="ch desOrSelf" ptType="node node" st="4 1" cnt="1 0"/>
+                          <dgm:constrLst/>
+                          <dgm:ruleLst/>
+                        </dgm:layoutNode>
+                        <dgm:layoutNode name="FiveNodes_5">
+                          <dgm:varLst>
+                            <dgm:bulletEnabled val="1"/>
+                          </dgm:varLst>
+                          <dgm:alg type="sp"/>
+                          <dgm:shape xmlns:r="http://schemas.openxmlformats.org/officeDocument/2006/relationships" type="roundRect" r:blip="">
+                            <dgm:adjLst>
+                              <dgm:adj idx="1" val="0.1"/>
+                            </dgm:adjLst>
+                          </dgm:shape>
+                          <dgm:presOf axis="ch desOrSelf" ptType="node node" st="5 1" cnt="1 0"/>
+                          <dgm:constrLst/>
+                          <dgm:ruleLst/>
+                        </dgm:layoutNode>
+                        <dgm:layoutNode name="FiveConn_1-2" styleLbl="fgAccFollowNode1">
+                          <dgm:varLst>
+                            <dgm:bulletEnabled val="1"/>
+                          </dgm:varLst>
+                          <dgm:alg type="tx"/>
+                          <dgm:shape xmlns:r="http://schemas.openxmlformats.org/officeDocument/2006/relationships" type="downArrow" r:blip="">
+                            <dgm:adjLst>
+                              <dgm:adj idx="1" val="0.55"/>
+                              <dgm:adj idx="2" val="0.45"/>
+                            </dgm:adjLst>
+                          </dgm:shape>
+                          <dgm:presOf axis="ch" ptType="sibTrans" cnt="1"/>
+                          <dgm:constrLst>
+                            <dgm:constr type="lMarg" refType="primFontSz" fact="0.1"/>
+                            <dgm:constr type="rMarg" refType="primFontSz" fact="0.1"/>
+                            <dgm:constr type="tMarg" refType="primFontSz" fact="0.1"/>
+                            <dgm:constr type="bMarg" refType="primFontSz" fact="0.1"/>
+                          </dgm:constrLst>
+                          <dgm:ruleLst>
+                            <dgm:rule type="primFontSz" val="5" fact="NaN" max="NaN"/>
+                          </dgm:ruleLst>
+                        </dgm:layoutNode>
+                        <dgm:layoutNode name="FiveConn_2-3" styleLbl="fgAccFollowNode1">
+                          <dgm:varLst>
+                            <dgm:bulletEnabled val="1"/>
+                          </dgm:varLst>
+                          <dgm:alg type="tx"/>
+                          <dgm:shape xmlns:r="http://schemas.openxmlformats.org/officeDocument/2006/relationships" type="downArrow" r:blip="">
+                            <dgm:adjLst>
+                              <dgm:adj idx="1" val="0.55"/>
+                              <dgm:adj idx="2" val="0.45"/>
+                            </dgm:adjLst>
+                          </dgm:shape>
+                          <dgm:presOf axis="ch" ptType="sibTrans" st="2" cnt="1"/>
+                          <dgm:constrLst>
+                            <dgm:constr type="lMarg" refType="primFontSz" fact="0.1"/>
+                            <dgm:constr type="rMarg" refType="primFontSz" fact="0.1"/>
+                            <dgm:constr type="tMarg" refType="primFontSz" fact="0.1"/>
+                            <dgm:constr type="bMarg" refType="primFontSz" fact="0.1"/>
+                          </dgm:constrLst>
+                          <dgm:ruleLst>
+                            <dgm:rule type="primFontSz" val="5" fact="NaN" max="NaN"/>
+                          </dgm:ruleLst>
+                        </dgm:layoutNode>
+                        <dgm:layoutNode name="FiveConn_3-4" styleLbl="fgAccFollowNode1">
+                          <dgm:varLst>
+                            <dgm:bulletEnabled val="1"/>
+                          </dgm:varLst>
+                          <dgm:alg type="tx"/>
+                          <dgm:shape xmlns:r="http://schemas.openxmlformats.org/officeDocument/2006/relationships" type="downArrow" r:blip="">
+                            <dgm:adjLst>
+                              <dgm:adj idx="1" val="0.55"/>
+                              <dgm:adj idx="2" val="0.45"/>
+                            </dgm:adjLst>
+                          </dgm:shape>
+                          <dgm:presOf axis="ch" ptType="sibTrans" st="3" cnt="1"/>
+                          <dgm:constrLst>
+                            <dgm:constr type="lMarg" refType="primFontSz" fact="0.1"/>
+                            <dgm:constr type="rMarg" refType="primFontSz" fact="0.1"/>
+                            <dgm:constr type="tMarg" refType="primFontSz" fact="0.1"/>
+                            <dgm:constr type="bMarg" refType="primFontSz" fact="0.1"/>
+                          </dgm:constrLst>
+                          <dgm:ruleLst>
+                            <dgm:rule type="primFontSz" val="5" fact="NaN" max="NaN"/>
+                          </dgm:ruleLst>
+                        </dgm:layoutNode>
+                        <dgm:layoutNode name="FiveConn_4-5" styleLbl="fgAccFollowNode1">
+                          <dgm:varLst>
+                            <dgm:bulletEnabled val="1"/>
+                          </dgm:varLst>
+                          <dgm:alg type="tx"/>
+                          <dgm:shape xmlns:r="http://schemas.openxmlformats.org/officeDocument/2006/relationships" type="downArrow" r:blip="">
+                            <dgm:adjLst>
+                              <dgm:adj idx="1" val="0.55"/>
+                              <dgm:adj idx="2" val="0.45"/>
+                            </dgm:adjLst>
+                          </dgm:shape>
+                          <dgm:presOf axis="ch" ptType="sibTrans" st="4" cnt="1"/>
+                          <dgm:constrLst>
+                            <dgm:constr type="lMarg" refType="primFontSz" fact="0.1"/>
+                            <dgm:constr type="rMarg" refType="primFontSz" fact="0.1"/>
+                            <dgm:constr type="tMarg" refType="primFontSz" fact="0.1"/>
+                            <dgm:constr type="bMarg" refType="primFontSz" fact="0.1"/>
+                          </dgm:constrLst>
+                          <dgm:ruleLst>
+                            <dgm:rule type="primFontSz" val="5" fact="NaN" max="NaN"/>
+                          </dgm:ruleLst>
+                        </dgm:layoutNode>
+                        <dgm:layoutNode name="FiveNodes_1_text">
+                          <dgm:varLst>
+                            <dgm:bulletEnabled val="1"/>
+                          </dgm:varLst>
+                          <dgm:alg type="tx">
+                            <dgm:param type="parTxLTRAlign" val="l"/>
+                            <dgm:param type="txAnchorVertCh" val="mid"/>
+                          </dgm:alg>
+                          <dgm:shape xmlns:r="http://schemas.openxmlformats.org/officeDocument/2006/relationships" type="roundRect" r:blip="" hideGeom="1">
+                            <dgm:adjLst>
+                              <dgm:adj idx="1" val="0.1"/>
+                            </dgm:adjLst>
+                          </dgm:shape>
+                          <dgm:presOf axis="ch desOrSelf" ptType="node node" st="1 1" cnt="1 0"/>
+                          <dgm:constrLst>
+                            <dgm:constr type="lMarg" refType="primFontSz" fact="0.3"/>
+                            <dgm:constr type="rMarg" refType="primFontSz" fact="0.3"/>
+                            <dgm:constr type="tMarg" refType="primFontSz" fact="0.3"/>
+                            <dgm:constr type="bMarg" refType="primFontSz" fact="0.3"/>
+                          </dgm:constrLst>
+                          <dgm:ruleLst>
+                            <dgm:rule type="primFontSz" val="5" fact="NaN" max="NaN"/>
+                          </dgm:ruleLst>
+                        </dgm:layoutNode>
+                        <dgm:layoutNode name="FiveNodes_2_text">
+                          <dgm:varLst>
+                            <dgm:bulletEnabled val="1"/>
+                          </dgm:varLst>
+                          <dgm:alg type="tx">
+                            <dgm:param type="parTxLTRAlign" val="l"/>
+                            <dgm:param type="txAnchorVertCh" val="mid"/>
+                          </dgm:alg>
+                          <dgm:shape xmlns:r="http://schemas.openxmlformats.org/officeDocument/2006/relationships" type="roundRect" r:blip="" hideGeom="1">
+                            <dgm:adjLst>
+                              <dgm:adj idx="1" val="0.1"/>
+                            </dgm:adjLst>
+                          </dgm:shape>
+                          <dgm:presOf axis="ch desOrSelf" ptType="node node" st="2 1" cnt="1 0"/>
+                          <dgm:constrLst>
+                            <dgm:constr type="lMarg" refType="primFontSz" fact="0.3"/>
+                            <dgm:constr type="rMarg" refType="primFontSz" fact="0.3"/>
+                            <dgm:constr type="tMarg" refType="primFontSz" fact="0.3"/>
+                            <dgm:constr type="bMarg" refType="primFontSz" fact="0.3"/>
+                          </dgm:constrLst>
+                          <dgm:ruleLst>
+                            <dgm:rule type="primFontSz" val="5" fact="NaN" max="NaN"/>
+                          </dgm:ruleLst>
+                        </dgm:layoutNode>
+                        <dgm:layoutNode name="FiveNodes_3_text">
+                          <dgm:varLst>
+                            <dgm:bulletEnabled val="1"/>
+                          </dgm:varLst>
+                          <dgm:alg type="tx">
+                            <dgm:param type="parTxLTRAlign" val="l"/>
+                            <dgm:param type="txAnchorVertCh" val="mid"/>
+                          </dgm:alg>
+                          <dgm:shape xmlns:r="http://schemas.openxmlformats.org/officeDocument/2006/relationships" type="roundRect" r:blip="" hideGeom="1">
+                            <dgm:adjLst>
+                              <dgm:adj idx="1" val="0.1"/>
+                            </dgm:adjLst>
+                          </dgm:shape>
+                          <dgm:presOf axis="ch desOrSelf" ptType="node node" st="3 1" cnt="1 0"/>
+                          <dgm:constrLst>
+                            <dgm:constr type="lMarg" refType="primFontSz" fact="0.3"/>
+                            <dgm:constr type="rMarg" refType="primFontSz" fact="0.3"/>
+                            <dgm:constr type="tMarg" refType="primFontSz" fact="0.3"/>
+                            <dgm:constr type="bMarg" refType="primFontSz" fact="0.3"/>
+                          </dgm:constrLst>
+                          <dgm:ruleLst>
+                            <dgm:rule type="primFontSz" val="5" fact="NaN" max="NaN"/>
+                          </dgm:ruleLst>
+                        </dgm:layoutNode>
+                        <dgm:layoutNode name="FiveNodes_4_text">
+                          <dgm:varLst>
+                            <dgm:bulletEnabled val="1"/>
+                          </dgm:varLst>
+                          <dgm:alg type="tx">
+                            <dgm:param type="parTxLTRAlign" val="l"/>
+                            <dgm:param type="txAnchorVertCh" val="mid"/>
+                          </dgm:alg>
+                          <dgm:shape xmlns:r="http://schemas.openxmlformats.org/officeDocument/2006/relationships" type="roundRect" r:blip="" hideGeom="1">
+                            <dgm:adjLst>
+                              <dgm:adj idx="1" val="0.1"/>
+                            </dgm:adjLst>
+                          </dgm:shape>
+                          <dgm:presOf axis="ch desOrSelf" ptType="node node" st="4 1" cnt="1 0"/>
+                          <dgm:constrLst>
+                            <dgm:constr type="lMarg" refType="primFontSz" fact="0.3"/>
+                            <dgm:constr type="rMarg" refType="primFontSz" fact="0.3"/>
+                            <dgm:constr type="tMarg" refType="primFontSz" fact="0.3"/>
+                            <dgm:constr type="bMarg" refType="primFontSz" fact="0.3"/>
+                          </dgm:constrLst>
+                          <dgm:ruleLst>
+                            <dgm:rule type="primFontSz" val="5" fact="NaN" max="NaN"/>
+                          </dgm:ruleLst>
+                        </dgm:layoutNode>
+                        <dgm:layoutNode name="FiveNodes_5_text">
+                          <dgm:varLst>
+                            <dgm:bulletEnabled val="1"/>
+                          </dgm:varLst>
+                          <dgm:alg type="tx">
+                            <dgm:param type="parTxLTRAlign" val="l"/>
+                            <dgm:param type="txAnchorVertCh" val="mid"/>
+                          </dgm:alg>
+                          <dgm:shape xmlns:r="http://schemas.openxmlformats.org/officeDocument/2006/relationships" type="roundRect" r:blip="" hideGeom="1">
+                            <dgm:adjLst>
+                              <dgm:adj idx="1" val="0.1"/>
+                            </dgm:adjLst>
+                          </dgm:shape>
+                          <dgm:presOf axis="ch desOrSelf" ptType="node node" st="5 1" cnt="1 0"/>
+                          <dgm:constrLst>
+                            <dgm:constr type="lMarg" refType="primFontSz" fact="0.3"/>
+                            <dgm:constr type="rMarg" refType="primFontSz" fact="0.3"/>
+                            <dgm:constr type="tMarg" refType="primFontSz" fact="0.3"/>
+                            <dgm:constr type="bMarg" refType="primFontSz" fact="0.3"/>
+                          </dgm:constrLst>
+                          <dgm:ruleLst>
+                            <dgm:rule type="primFontSz" val="5" fact="NaN" max="NaN"/>
+                          </dgm:ruleLst>
+                        </dgm:layoutNode>
+                      </dgm:if>
+                      <dgm:else name="Name17"/>
+                    </dgm:choose>
+                  </dgm:else>
+                </dgm:choose>
+              </dgm:else>
+            </dgm:choose>
+          </dgm:else>
+        </dgm:choose>
+      </dgm:else>
+    </dgm:choose>
+  </dgm:layoutNode>
+</dgm:layoutDef>
+</file>
+
+<file path=ppt/diagrams/quickStyle1.xml><?xml version="1.0" encoding="utf-8"?>
+<dgm:styleDef xmlns:dgm="http://schemas.openxmlformats.org/drawingml/2006/diagram" xmlns:a="http://schemas.openxmlformats.org/drawingml/2006/main" uniqueId="urn:microsoft.com/office/officeart/2005/8/quickstyle/simple1">
+  <dgm:title val=""/>
+  <dgm:desc val=""/>
+  <dgm:catLst>
+    <dgm:cat type="simple" pri="10100"/>
+  </dgm:catLst>
+  <dgm:scene3d>
+    <a:camera prst="orthographicFront"/>
+    <a:lightRig rig="threePt" dir="t"/>
+  </dgm:scene3d>
+  <dgm:styleLbl name="node0">
+    <dgm:scene3d>
+      <a:camera prst="orthographicFront"/>
+      <a:lightRig rig="threePt" dir="t"/>
+    </dgm:scene3d>
+    <dgm:sp3d/>
+    <dgm:txPr/>
+    <dgm:style>
+      <a:lnRef idx="2">
+        <a:scrgbClr r="0" g="0" b="0"/>
+      </a:lnRef>
+      <a:fillRef idx="1">
+        <a:scrgbClr r="0" g="0" b="0"/>
+      </a:fillRef>
+      <a:effectRef idx="0">
+        <a:scrgbClr r="0" g="0" b="0"/>
+      </a:effectRef>
+      <a:fontRef idx="minor">
+        <a:schemeClr val="lt1"/>
+      </a:fontRef>
+    </dgm:style>
+  </dgm:styleLbl>
+  <dgm:styleLbl name="lnNode1">
+    <dgm:scene3d>
+      <a:camera prst="orthographicFront"/>
+      <a:lightRig rig="threePt" dir="t"/>
+    </dgm:scene3d>
+    <dgm:sp3d/>
+    <dgm:txPr/>
+    <dgm:style>
+      <a:lnRef idx="2">
+        <a:scrgbClr r="0" g="0" b="0"/>
+      </a:lnRef>
+      <a:fillRef idx="1">
+        <a:scrgbClr r="0" g="0" b="0"/>
+      </a:fillRef>
+      <a:effectRef idx="0">
+        <a:scrgbClr r="0" g="0" b="0"/>
+      </a:effectRef>
+      <a:fontRef idx="minor">
+        <a:schemeClr val="lt1"/>
+      </a:fontRef>
+    </dgm:style>
+  </dgm:styleLbl>
+  <dgm:styleLbl name="vennNode1">
+    <dgm:scene3d>
+      <a:camera prst="orthographicFront"/>
+      <a:lightRig rig="threePt" dir="t"/>
+    </dgm:scene3d>
+    <dgm:sp3d/>
+    <dgm:txPr/>
+    <dgm:style>
+      <a:lnRef idx="2">
+        <a:scrgbClr r="0" g="0" b="0"/>
+      </a:lnRef>
+      <a:fillRef idx="1">
+        <a:scrgbClr r="0" g="0" b="0"/>
+      </a:fillRef>
+      <a:effectRef idx="0">
+        <a:scrgbClr r="0" g="0" b="0"/>
+      </a:effectRef>
+      <a:fontRef idx="minor">
+        <a:schemeClr val="tx1"/>
+      </a:fontRef>
+    </dgm:style>
+  </dgm:styleLbl>
+  <dgm:styleLbl name="alignNode1">
+    <dgm:scene3d>
+      <a:camera prst="orthographicFront"/>
+      <a:lightRig rig="threePt" dir="t"/>
+    </dgm:scene3d>
+    <dgm:sp3d/>
+    <dgm:txPr/>
+    <dgm:style>
+      <a:lnRef idx="2">
+        <a:scrgbClr r="0" g="0" b="0"/>
+      </a:lnRef>
+      <a:fillRef idx="1">
+        <a:scrgbClr r="0" g="0" b="0"/>
+      </a:fillRef>
+      <a:effectRef idx="0">
+        <a:scrgbClr r="0" g="0" b="0"/>
+      </a:effectRef>
+      <a:fontRef idx="minor">
+        <a:schemeClr val="lt1"/>
+      </a:fontRef>
+    </dgm:style>
+  </dgm:styleLbl>
+  <dgm:styleLbl name="node1">
+    <dgm:scene3d>
+      <a:camera prst="orthographicFront"/>
+      <a:lightRig rig="threePt" dir="t"/>
+    </dgm:scene3d>
+    <dgm:sp3d/>
+    <dgm:txPr/>
+    <dgm:style>
+      <a:lnRef idx="2">
+        <a:scrgbClr r="0" g="0" b="0"/>
+      </a:lnRef>
+      <a:fillRef idx="1">
+        <a:scrgbClr r="0" g="0" b="0"/>
+      </a:fillRef>
+      <a:effectRef idx="0">
+        <a:scrgbClr r="0" g="0" b="0"/>
+      </a:effectRef>
+      <a:fontRef idx="minor">
+        <a:schemeClr val="lt1"/>
+      </a:fontRef>
+    </dgm:style>
+  </dgm:styleLbl>
+  <dgm:styleLbl name="node2">
+    <dgm:scene3d>
+      <a:camera prst="orthographicFront"/>
+      <a:lightRig rig="threePt" dir="t"/>
+    </dgm:scene3d>
+    <dgm:sp3d/>
+    <dgm:txPr/>
+    <dgm:style>
+      <a:lnRef idx="2">
+        <a:scrgbClr r="0" g="0" b="0"/>
+      </a:lnRef>
+      <a:fillRef idx="1">
+        <a:scrgbClr r="0" g="0" b="0"/>
+      </a:fillRef>
+      <a:effectRef idx="0">
+        <a:scrgbClr r="0" g="0" b="0"/>
+      </a:effectRef>
+      <a:fontRef idx="minor">
+        <a:schemeClr val="lt1"/>
+      </a:fontRef>
+    </dgm:style>
+  </dgm:styleLbl>
+  <dgm:styleLbl name="node3">
+    <dgm:scene3d>
+      <a:camera prst="orthographicFront"/>
+      <a:lightRig rig="threePt" dir="t"/>
+    </dgm:scene3d>
+    <dgm:sp3d/>
+    <dgm:txPr/>
+    <dgm:style>
+      <a:lnRef idx="2">
+        <a:scrgbClr r="0" g="0" b="0"/>
+      </a:lnRef>
+      <a:fillRef idx="1">
+        <a:scrgbClr r="0" g="0" b="0"/>
+      </a:fillRef>
+      <a:effectRef idx="0">
+        <a:scrgbClr r="0" g="0" b="0"/>
+      </a:effectRef>
+      <a:fontRef idx="minor">
+        <a:schemeClr val="lt1"/>
+      </a:fontRef>
+    </dgm:style>
+  </dgm:styleLbl>
+  <dgm:styleLbl name="node4">
+    <dgm:scene3d>
+      <a:camera prst="orthographicFront"/>
+      <a:lightRig rig="threePt" dir="t"/>
+    </dgm:scene3d>
+    <dgm:sp3d/>
+    <dgm:txPr/>
+    <dgm:style>
+      <a:lnRef idx="2">
+        <a:scrgbClr r="0" g="0" b="0"/>
+      </a:lnRef>
+      <a:fillRef idx="1">
+        <a:scrgbClr r="0" g="0" b="0"/>
+      </a:fillRef>
+      <a:effectRef idx="0">
+        <a:scrgbClr r="0" g="0" b="0"/>
+      </a:effectRef>
+      <a:fontRef idx="minor">
+        <a:schemeClr val="lt1"/>
+      </a:fontRef>
+    </dgm:style>
+  </dgm:styleLbl>
+  <dgm:styleLbl name="fgImgPlace1">
+    <dgm:scene3d>
+      <a:camera prst="orthographicFront"/>
+      <a:lightRig rig="threePt" dir="t"/>
+    </dgm:scene3d>
+    <dgm:sp3d/>
+    <dgm:txPr/>
+    <dgm:style>
+      <a:lnRef idx="2">
+        <a:scrgbClr r="0" g="0" b="0"/>
+      </a:lnRef>
+      <a:fillRef idx="1">
+        <a:scrgbClr r="0" g="0" b="0"/>
+      </a:fillRef>
+      <a:effectRef idx="0">
+        <a:scrgbClr r="0" g="0" b="0"/>
+      </a:effectRef>
+      <a:fontRef idx="minor"/>
+    </dgm:style>
+  </dgm:styleLbl>
+  <dgm:styleLbl name="alignImgPlace1">
+    <dgm:scene3d>
+      <a:camera prst="orthographicFront"/>
+      <a:lightRig rig="threePt" dir="t"/>
+    </dgm:scene3d>
+    <dgm:sp3d/>
+    <dgm:txPr/>
+    <dgm:style>
+      <a:lnRef idx="2">
+        <a:scrgbClr r="0" g="0" b="0"/>
+      </a:lnRef>
+      <a:fillRef idx="1">
+        <a:scrgbClr r="0" g="0" b="0"/>
+      </a:fillRef>
+      <a:effectRef idx="0">
+        <a:scrgbClr r="0" g="0" b="0"/>
+      </a:effectRef>
+      <a:fontRef idx="minor"/>
+    </dgm:style>
+  </dgm:styleLbl>
+  <dgm:styleLbl name="bgImgPlace1">
+    <dgm:scene3d>
+      <a:camera prst="orthographicFront"/>
+      <a:lightRig rig="threePt" dir="t"/>
+    </dgm:scene3d>
+    <dgm:sp3d/>
+    <dgm:txPr/>
+    <dgm:style>
+      <a:lnRef idx="2">
+        <a:scrgbClr r="0" g="0" b="0"/>
+      </a:lnRef>
+      <a:fillRef idx="1">
+        <a:scrgbClr r="0" g="0" b="0"/>
+      </a:fillRef>
+      <a:effectRef idx="0">
+        <a:scrgbClr r="0" g="0" b="0"/>
+      </a:effectRef>
+      <a:fontRef idx="minor"/>
+    </dgm:style>
+  </dgm:styleLbl>
+  <dgm:styleLbl name="sibTrans2D1">
+    <dgm:scene3d>
+      <a:camera prst="orthographicFront"/>
+      <a:lightRig rig="threePt" dir="t"/>
+    </dgm:scene3d>
+    <dgm:sp3d/>
+    <dgm:txPr/>
+    <dgm:style>
+      <a:lnRef idx="0">
+        <a:scrgbClr r="0" g="0" b="0"/>
+      </a:lnRef>
+      <a:fillRef idx="1">
+        <a:scrgbClr r="0" g="0" b="0"/>
+      </a:fillRef>
+      <a:effectRef idx="0">
+        <a:scrgbClr r="0" g="0" b="0"/>
+      </a:effectRef>
+      <a:fontRef idx="minor">
+        <a:schemeClr val="lt1"/>
+      </a:fontRef>
+    </dgm:style>
+  </dgm:styleLbl>
+  <dgm:styleLbl name="fgSibTrans2D1">
+    <dgm:scene3d>
+      <a:camera prst="orthographicFront"/>
+      <a:lightRig rig="threePt" dir="t"/>
+    </dgm:scene3d>
+    <dgm:sp3d/>
+    <dgm:txPr/>
+    <dgm:style>
+      <a:lnRef idx="0">
+        <a:scrgbClr r="0" g="0" b="0"/>
+      </a:lnRef>
+      <a:fillRef idx="1">
+        <a:scrgbClr r="0" g="0" b="0"/>
+      </a:fillRef>
+      <a:effectRef idx="0">
+        <a:scrgbClr r="0" g="0" b="0"/>
+      </a:effectRef>
+      <a:fontRef idx="minor">
+        <a:schemeClr val="lt1"/>
+      </a:fontRef>
+    </dgm:style>
+  </dgm:styleLbl>
+  <dgm:styleLbl name="bgSibTrans2D1">
+    <dgm:scene3d>
+      <a:camera prst="orthographicFront"/>
+      <a:lightRig rig="threePt" dir="t"/>
+    </dgm:scene3d>
+    <dgm:sp3d/>
+    <dgm:txPr/>
+    <dgm:style>
+      <a:lnRef idx="0">
+        <a:scrgbClr r="0" g="0" b="0"/>
+      </a:lnRef>
+      <a:fillRef idx="1">
+        <a:scrgbClr r="0" g="0" b="0"/>
+      </a:fillRef>
+      <a:effectRef idx="0">
+        <a:scrgbClr r="0" g="0" b="0"/>
+      </a:effectRef>
+      <a:fontRef idx="minor">
+        <a:schemeClr val="lt1"/>
+      </a:fontRef>
+    </dgm:style>
+  </dgm:styleLbl>
+  <dgm:styleLbl name="sibTrans1D1">
+    <dgm:scene3d>
+      <a:camera prst="orthographicFront"/>
+      <a:lightRig rig="threePt" dir="t"/>
+    </dgm:scene3d>
+    <dgm:sp3d/>
+    <dgm:txPr/>
+    <dgm:style>
+      <a:lnRef idx="1">
+        <a:scrgbClr r="0" g="0" b="0"/>
+      </a:lnRef>
+      <a:fillRef idx="0">
+        <a:scrgbClr r="0" g="0" b="0"/>
+      </a:fillRef>
+      <a:effectRef idx="0">
+        <a:scrgbClr r="0" g="0" b="0"/>
+      </a:effectRef>
+      <a:fontRef idx="minor"/>
+    </dgm:style>
+  </dgm:styleLbl>
+  <dgm:styleLbl name="callout">
+    <dgm:scene3d>
+      <a:camera prst="orthographicFront"/>
+      <a:lightRig rig="threePt" dir="t"/>
+    </dgm:scene3d>
+    <dgm:sp3d/>
+    <dgm:txPr/>
+    <dgm:style>
+      <a:lnRef idx="2">
+        <a:scrgbClr r="0" g="0" b="0"/>
+      </a:lnRef>
+      <a:fillRef idx="1">
+        <a:scrgbClr r="0" g="0" b="0"/>
+      </a:fillRef>
+      <a:effectRef idx="0">
+        <a:scrgbClr r="0" g="0" b="0"/>
+      </a:effectRef>
+      <a:fontRef idx="minor"/>
+    </dgm:style>
+  </dgm:styleLbl>
+  <dgm:styleLbl name="asst0">
+    <dgm:scene3d>
+      <a:camera prst="orthographicFront"/>
+      <a:lightRig rig="threePt" dir="t"/>
+    </dgm:scene3d>
+    <dgm:sp3d/>
+    <dgm:txPr/>
+    <dgm:style>
+      <a:lnRef idx="2">
+        <a:scrgbClr r="0" g="0" b="0"/>
+      </a:lnRef>
+      <a:fillRef idx="1">
+        <a:scrgbClr r="0" g="0" b="0"/>
+      </a:fillRef>
+      <a:effectRef idx="0">
+        <a:scrgbClr r="0" g="0" b="0"/>
+      </a:effectRef>
+      <a:fontRef idx="minor">
+        <a:schemeClr val="lt1"/>
+      </a:fontRef>
+    </dgm:style>
+  </dgm:styleLbl>
+  <dgm:styleLbl name="asst1">
+    <dgm:scene3d>
+      <a:camera prst="orthographicFront"/>
+      <a:lightRig rig="threePt" dir="t"/>
+    </dgm:scene3d>
+    <dgm:sp3d/>
+    <dgm:txPr/>
+    <dgm:style>
+      <a:lnRef idx="2">
+        <a:scrgbClr r="0" g="0" b="0"/>
+      </a:lnRef>
+      <a:fillRef idx="1">
+        <a:scrgbClr r="0" g="0" b="0"/>
+      </a:fillRef>
+      <a:effectRef idx="0">
+        <a:scrgbClr r="0" g="0" b="0"/>
+      </a:effectRef>
+      <a:fontRef idx="minor">
+        <a:schemeClr val="lt1"/>
+      </a:fontRef>
+    </dgm:style>
+  </dgm:styleLbl>
+  <dgm:styleLbl name="asst2">
+    <dgm:scene3d>
+      <a:camera prst="orthographicFront"/>
+      <a:lightRig rig="threePt" dir="t"/>
+    </dgm:scene3d>
+    <dgm:sp3d/>
+    <dgm:txPr/>
+    <dgm:style>
+      <a:lnRef idx="2">
+        <a:scrgbClr r="0" g="0" b="0"/>
+      </a:lnRef>
+      <a:fillRef idx="1">
+        <a:scrgbClr r="0" g="0" b="0"/>
+      </a:fillRef>
+      <a:effectRef idx="0">
+        <a:scrgbClr r="0" g="0" b="0"/>
+      </a:effectRef>
+      <a:fontRef idx="minor">
+        <a:schemeClr val="lt1"/>
+      </a:fontRef>
+    </dgm:style>
+  </dgm:styleLbl>
+  <dgm:styleLbl name="asst3">
+    <dgm:scene3d>
+      <a:camera prst="orthographicFront"/>
+      <a:lightRig rig="threePt" dir="t"/>
+    </dgm:scene3d>
+    <dgm:sp3d/>
+    <dgm:txPr/>
+    <dgm:style>
+      <a:lnRef idx="2">
+        <a:scrgbClr r="0" g="0" b="0"/>
+      </a:lnRef>
+      <a:fillRef idx="1">
+        <a:scrgbClr r="0" g="0" b="0"/>
+      </a:fillRef>
+      <a:effectRef idx="0">
+        <a:scrgbClr r="0" g="0" b="0"/>
+      </a:effectRef>
+      <a:fontRef idx="minor">
+        <a:schemeClr val="lt1"/>
+      </a:fontRef>
+    </dgm:style>
+  </dgm:styleLbl>
+  <dgm:styleLbl name="asst4">
+    <dgm:scene3d>
+      <a:camera prst="orthographicFront"/>
+      <a:lightRig rig="threePt" dir="t"/>
+    </dgm:scene3d>
+    <dgm:sp3d/>
+    <dgm:txPr/>
+    <dgm:style>
+      <a:lnRef idx="2">
+        <a:scrgbClr r="0" g="0" b="0"/>
+      </a:lnRef>
+      <a:fillRef idx="1">
+        <a:scrgbClr r="0" g="0" b="0"/>
+      </a:fillRef>
+      <a:effectRef idx="0">
+        <a:scrgbClr r="0" g="0" b="0"/>
+      </a:effectRef>
+      <a:fontRef idx="minor">
+        <a:schemeClr val="lt1"/>
+      </a:fontRef>
+    </dgm:style>
+  </dgm:styleLbl>
+  <dgm:styleLbl name="parChTrans2D1">
+    <dgm:scene3d>
+      <a:camera prst="orthographicFront"/>
+      <a:lightRig rig="threePt" dir="t"/>
+    </dgm:scene3d>
+    <dgm:sp3d/>
+    <dgm:txPr/>
+    <dgm:style>
+      <a:lnRef idx="2">
+        <a:scrgbClr r="0" g="0" b="0"/>
+      </a:lnRef>
+      <a:fillRef idx="1">
+        <a:scrgbClr r="0" g="0" b="0"/>
+      </a:fillRef>
+      <a:effectRef idx="0">
+        <a:scrgbClr r="0" g="0" b="0"/>
+      </a:effectRef>
+      <a:fontRef idx="minor">
+        <a:schemeClr val="lt1"/>
+      </a:fontRef>
+    </dgm:style>
+  </dgm:styleLbl>
+  <dgm:styleLbl name="parChTrans2D2">
+    <dgm:scene3d>
+      <a:camera prst="orthographicFront"/>
+      <a:lightRig rig="threePt" dir="t"/>
+    </dgm:scene3d>
+    <dgm:sp3d/>
+    <dgm:txPr/>
+    <dgm:style>
+      <a:lnRef idx="2">
+        <a:scrgbClr r="0" g="0" b="0"/>
+      </a:lnRef>
+      <a:fillRef idx="1">
+        <a:scrgbClr r="0" g="0" b="0"/>
+      </a:fillRef>
+      <a:effectRef idx="0">
+        <a:scrgbClr r="0" g="0" b="0"/>
+      </a:effectRef>
+      <a:fontRef idx="minor">
+        <a:schemeClr val="lt1"/>
+      </a:fontRef>
+    </dgm:style>
+  </dgm:styleLbl>
+  <dgm:styleLbl name="parChTrans2D3">
+    <dgm:scene3d>
+      <a:camera prst="orthographicFront"/>
+      <a:lightRig rig="threePt" dir="t"/>
+    </dgm:scene3d>
+    <dgm:sp3d/>
+    <dgm:txPr/>
+    <dgm:style>
+      <a:lnRef idx="2">
+        <a:scrgbClr r="0" g="0" b="0"/>
+      </a:lnRef>
+      <a:fillRef idx="1">
+        <a:scrgbClr r="0" g="0" b="0"/>
+      </a:fillRef>
+      <a:effectRef idx="0">
+        <a:scrgbClr r="0" g="0" b="0"/>
+      </a:effectRef>
+      <a:fontRef idx="minor">
+        <a:schemeClr val="lt1"/>
+      </a:fontRef>
+    </dgm:style>
+  </dgm:styleLbl>
+  <dgm:styleLbl name="parChTrans2D4">
+    <dgm:scene3d>
+      <a:camera prst="orthographicFront"/>
+      <a:lightRig rig="threePt" dir="t"/>
+    </dgm:scene3d>
+    <dgm:sp3d/>
+    <dgm:txPr/>
+    <dgm:style>
+      <a:lnRef idx="2">
+        <a:scrgbClr r="0" g="0" b="0"/>
+      </a:lnRef>
+      <a:fillRef idx="1">
+        <a:scrgbClr r="0" g="0" b="0"/>
+      </a:fillRef>
+      <a:effectRef idx="0">
+        <a:scrgbClr r="0" g="0" b="0"/>
+      </a:effectRef>
+      <a:fontRef idx="minor">
+        <a:schemeClr val="lt1"/>
+      </a:fontRef>
+    </dgm:style>
+  </dgm:styleLbl>
+  <dgm:styleLbl name="parChTrans1D1">
+    <dgm:scene3d>
+      <a:camera prst="orthographicFront"/>
+      <a:lightRig rig="threePt" dir="t"/>
+    </dgm:scene3d>
+    <dgm:sp3d/>
+    <dgm:txPr/>
+    <dgm:style>
+      <a:lnRef idx="2">
+        <a:scrgbClr r="0" g="0" b="0"/>
+      </a:lnRef>
+      <a:fillRef idx="0">
+        <a:scrgbClr r="0" g="0" b="0"/>
+      </a:fillRef>
+      <a:effectRef idx="0">
+        <a:scrgbClr r="0" g="0" b="0"/>
+      </a:effectRef>
+      <a:fontRef idx="minor"/>
+    </dgm:style>
+  </dgm:styleLbl>
+  <dgm:styleLbl name="parChTrans1D2">
+    <dgm:scene3d>
+      <a:camera prst="orthographicFront"/>
+      <a:lightRig rig="threePt" dir="t"/>
+    </dgm:scene3d>
+    <dgm:sp3d/>
+    <dgm:txPr/>
+    <dgm:style>
+      <a:lnRef idx="2">
+        <a:scrgbClr r="0" g="0" b="0"/>
+      </a:lnRef>
+      <a:fillRef idx="0">
+        <a:scrgbClr r="0" g="0" b="0"/>
+      </a:fillRef>
+      <a:effectRef idx="0">
+        <a:scrgbClr r="0" g="0" b="0"/>
+      </a:effectRef>
+      <a:fontRef idx="minor"/>
+    </dgm:style>
+  </dgm:styleLbl>
+  <dgm:styleLbl name="parChTrans1D3">
+    <dgm:scene3d>
+      <a:camera prst="orthographicFront"/>
+      <a:lightRig rig="threePt" dir="t"/>
+    </dgm:scene3d>
+    <dgm:sp3d/>
+    <dgm:txPr/>
+    <dgm:style>
+      <a:lnRef idx="2">
+        <a:scrgbClr r="0" g="0" b="0"/>
+      </a:lnRef>
+      <a:fillRef idx="0">
+        <a:scrgbClr r="0" g="0" b="0"/>
+      </a:fillRef>
+      <a:effectRef idx="0">
+        <a:scrgbClr r="0" g="0" b="0"/>
+      </a:effectRef>
+      <a:fontRef idx="minor"/>
+    </dgm:style>
+  </dgm:styleLbl>
+  <dgm:styleLbl name="parChTrans1D4">
+    <dgm:scene3d>
+      <a:camera prst="orthographicFront"/>
+      <a:lightRig rig="threePt" dir="t"/>
+    </dgm:scene3d>
+    <dgm:sp3d/>
+    <dgm:txPr/>
+    <dgm:style>
+      <a:lnRef idx="2">
+        <a:scrgbClr r="0" g="0" b="0"/>
+      </a:lnRef>
+      <a:fillRef idx="0">
+        <a:scrgbClr r="0" g="0" b="0"/>
+      </a:fillRef>
+      <a:effectRef idx="0">
+        <a:scrgbClr r="0" g="0" b="0"/>
+      </a:effectRef>
+      <a:fontRef idx="minor"/>
+    </dgm:style>
+  </dgm:styleLbl>
+  <dgm:styleLbl name="fgAcc1">
+    <dgm:scene3d>
+      <a:camera prst="orthographicFront"/>
+      <a:lightRig rig="threePt" dir="t"/>
+    </dgm:scene3d>
+    <dgm:sp3d/>
+    <dgm:txPr/>
+    <dgm:style>
+      <a:lnRef idx="2">
+        <a:scrgbClr r="0" g="0" b="0"/>
+      </a:lnRef>
+      <a:fillRef idx="1">
+        <a:scrgbClr r="0" g="0" b="0"/>
+      </a:fillRef>
+      <a:effectRef idx="0">
+        <a:scrgbClr r="0" g="0" b="0"/>
+      </a:effectRef>
+      <a:fontRef idx="minor"/>
+    </dgm:style>
+  </dgm:styleLbl>
+  <dgm:styleLbl name="conFgAcc1">
+    <dgm:scene3d>
+      <a:camera prst="orthographicFront"/>
+      <a:lightRig rig="threePt" dir="t"/>
+    </dgm:scene3d>
+    <dgm:sp3d/>
+    <dgm:txPr/>
+    <dgm:style>
+      <a:lnRef idx="2">
+        <a:scrgbClr r="0" g="0" b="0"/>
+      </a:lnRef>
+      <a:fillRef idx="1">
+        <a:scrgbClr r="0" g="0" b="0"/>
+      </a:fillRef>
+      <a:effectRef idx="0">
+        <a:scrgbClr r="0" g="0" b="0"/>
+      </a:effectRef>
+      <a:fontRef idx="minor"/>
+    </dgm:style>
+  </dgm:styleLbl>
+  <dgm:styleLbl name="alignAcc1">
+    <dgm:scene3d>
+      <a:camera prst="orthographicFront"/>
+      <a:lightRig rig="threePt" dir="t"/>
+    </dgm:scene3d>
+    <dgm:sp3d/>
+    <dgm:txPr/>
+    <dgm:style>
+      <a:lnRef idx="2">
+        <a:scrgbClr r="0" g="0" b="0"/>
+      </a:lnRef>
+      <a:fillRef idx="1">
+        <a:scrgbClr r="0" g="0" b="0"/>
+      </a:fillRef>
+      <a:effectRef idx="0">
+        <a:scrgbClr r="0" g="0" b="0"/>
+      </a:effectRef>
+      <a:fontRef idx="minor"/>
+    </dgm:style>
+  </dgm:styleLbl>
+  <dgm:styleLbl name="trAlignAcc1">
+    <dgm:scene3d>
+      <a:camera prst="orthographicFront"/>
+      <a:lightRig rig="threePt" dir="t"/>
+    </dgm:scene3d>
+    <dgm:sp3d/>
+    <dgm:txPr/>
+    <dgm:style>
+      <a:lnRef idx="1">
+        <a:scrgbClr r="0" g="0" b="0"/>
+      </a:lnRef>
+      <a:fillRef idx="1">
+        <a:scrgbClr r="0" g="0" b="0"/>
+      </a:fillRef>
+      <a:effectRef idx="0">
+        <a:scrgbClr r="0" g="0" b="0"/>
+      </a:effectRef>
+      <a:fontRef idx="minor"/>
+    </dgm:style>
+  </dgm:styleLbl>
+  <dgm:styleLbl name="bgAcc1">
+    <dgm:scene3d>
+      <a:camera prst="orthographicFront"/>
+      <a:lightRig rig="threePt" dir="t"/>
+    </dgm:scene3d>
+    <dgm:sp3d/>
+    <dgm:txPr/>
+    <dgm:style>
+      <a:lnRef idx="2">
+        <a:scrgbClr r="0" g="0" b="0"/>
+      </a:lnRef>
+      <a:fillRef idx="1">
+        <a:scrgbClr r="0" g="0" b="0"/>
+      </a:fillRef>
+      <a:effectRef idx="0">
+        <a:scrgbClr r="0" g="0" b="0"/>
+      </a:effectRef>
+      <a:fontRef idx="minor"/>
+    </dgm:style>
+  </dgm:styleLbl>
+  <dgm:styleLbl name="solidFgAcc1">
+    <dgm:scene3d>
+      <a:camera prst="orthographicFront"/>
+      <a:lightRig rig="threePt" dir="t"/>
+    </dgm:scene3d>
+    <dgm:sp3d/>
+    <dgm:txPr/>
+    <dgm:style>
+      <a:lnRef idx="2">
+        <a:scrgbClr r="0" g="0" b="0"/>
+      </a:lnRef>
+      <a:fillRef idx="1">
+        <a:scrgbClr r="0" g="0" b="0"/>
+      </a:fillRef>
+      <a:effectRef idx="0">
+        <a:scrgbClr r="0" g="0" b="0"/>
+      </a:effectRef>
+      <a:fontRef idx="minor"/>
+    </dgm:style>
+  </dgm:styleLbl>
+  <dgm:styleLbl name="solidAlignAcc1">
+    <dgm:scene3d>
+      <a:camera prst="orthographicFront"/>
+      <a:lightRig rig="threePt" dir="t"/>
+    </dgm:scene3d>
+    <dgm:sp3d/>
+    <dgm:txPr/>
+    <dgm:style>
+      <a:lnRef idx="2">
+        <a:scrgbClr r="0" g="0" b="0"/>
+      </a:lnRef>
+      <a:fillRef idx="1">
+        <a:scrgbClr r="0" g="0" b="0"/>
+      </a:fillRef>
+      <a:effectRef idx="0">
+        <a:scrgbClr r="0" g="0" b="0"/>
+      </a:effectRef>
+      <a:fontRef idx="minor"/>
+    </dgm:style>
+  </dgm:styleLbl>
+  <dgm:styleLbl name="solidBgAcc1">
+    <dgm:scene3d>
+      <a:camera prst="orthographicFront"/>
+      <a:lightRig rig="threePt" dir="t"/>
+    </dgm:scene3d>
+    <dgm:sp3d/>
+    <dgm:txPr/>
+    <dgm:style>
+      <a:lnRef idx="2">
+        <a:scrgbClr r="0" g="0" b="0"/>
+      </a:lnRef>
+      <a:fillRef idx="1">
+        <a:scrgbClr r="0" g="0" b="0"/>
+      </a:fillRef>
+      <a:effectRef idx="0">
+        <a:scrgbClr r="0" g="0" b="0"/>
+      </a:effectRef>
+      <a:fontRef idx="minor"/>
+    </dgm:style>
+  </dgm:styleLbl>
+  <dgm:styleLbl name="fgAccFollowNode1">
+    <dgm:scene3d>
+      <a:camera prst="orthographicFront"/>
+      <a:lightRig rig="threePt" dir="t"/>
+    </dgm:scene3d>
+    <dgm:sp3d/>
+    <dgm:txPr/>
+    <dgm:style>
+      <a:lnRef idx="2">
+        <a:scrgbClr r="0" g="0" b="0"/>
+      </a:lnRef>
+      <a:fillRef idx="1">
+        <a:scrgbClr r="0" g="0" b="0"/>
+      </a:fillRef>
+      <a:effectRef idx="0">
+        <a:scrgbClr r="0" g="0" b="0"/>
+      </a:effectRef>
+      <a:fontRef idx="minor"/>
+    </dgm:style>
+  </dgm:styleLbl>
+  <dgm:styleLbl name="alignAccFollowNode1">
+    <dgm:scene3d>
+      <a:camera prst="orthographicFront"/>
+      <a:lightRig rig="threePt" dir="t"/>
+    </dgm:scene3d>
+    <dgm:sp3d/>
+    <dgm:txPr/>
+    <dgm:style>
+      <a:lnRef idx="2">
+        <a:scrgbClr r="0" g="0" b="0"/>
+      </a:lnRef>
+      <a:fillRef idx="1">
+        <a:scrgbClr r="0" g="0" b="0"/>
+      </a:fillRef>
+      <a:effectRef idx="0">
+        <a:scrgbClr r="0" g="0" b="0"/>
+      </a:effectRef>
+      <a:fontRef idx="minor"/>
+    </dgm:style>
+  </dgm:styleLbl>
+  <dgm:styleLbl name="bgAccFollowNode1">
+    <dgm:scene3d>
+      <a:camera prst="orthographicFront"/>
+      <a:lightRig rig="threePt" dir="t"/>
+    </dgm:scene3d>
+    <dgm:sp3d/>
+    <dgm:txPr/>
+    <dgm:style>
+      <a:lnRef idx="2">
+        <a:scrgbClr r="0" g="0" b="0"/>
+      </a:lnRef>
+      <a:fillRef idx="1">
+        <a:scrgbClr r="0" g="0" b="0"/>
+      </a:fillRef>
+      <a:effectRef idx="0">
+        <a:scrgbClr r="0" g="0" b="0"/>
+      </a:effectRef>
+      <a:fontRef idx="minor"/>
+    </dgm:style>
+  </dgm:styleLbl>
+  <dgm:styleLbl name="fgAcc0">
+    <dgm:scene3d>
+      <a:camera prst="orthographicFront"/>
+      <a:lightRig rig="threePt" dir="t"/>
+    </dgm:scene3d>
+    <dgm:sp3d/>
+    <dgm:txPr/>
+    <dgm:style>
+      <a:lnRef idx="2">
+        <a:scrgbClr r="0" g="0" b="0"/>
+      </a:lnRef>
+      <a:fillRef idx="1">
+        <a:scrgbClr r="0" g="0" b="0"/>
+      </a:fillRef>
+      <a:effectRef idx="0">
+        <a:scrgbClr r="0" g="0" b="0"/>
+      </a:effectRef>
+      <a:fontRef idx="minor"/>
+    </dgm:style>
+  </dgm:styleLbl>
+  <dgm:styleLbl name="fgAcc2">
+    <dgm:scene3d>
+      <a:camera prst="orthographicFront"/>
+      <a:lightRig rig="threePt" dir="t"/>
+    </dgm:scene3d>
+    <dgm:sp3d/>
+    <dgm:txPr/>
+    <dgm:style>
+      <a:lnRef idx="2">
+        <a:scrgbClr r="0" g="0" b="0"/>
+      </a:lnRef>
+      <a:fillRef idx="1">
+        <a:scrgbClr r="0" g="0" b="0"/>
+      </a:fillRef>
+      <a:effectRef idx="0">
+        <a:scrgbClr r="0" g="0" b="0"/>
+      </a:effectRef>
+      <a:fontRef idx="minor"/>
+    </dgm:style>
+  </dgm:styleLbl>
+  <dgm:styleLbl name="fgAcc3">
+    <dgm:scene3d>
+      <a:camera prst="orthographicFront"/>
+      <a:lightRig rig="threePt" dir="t"/>
+    </dgm:scene3d>
+    <dgm:sp3d/>
+    <dgm:txPr/>
+    <dgm:style>
+      <a:lnRef idx="2">
+        <a:scrgbClr r="0" g="0" b="0"/>
+      </a:lnRef>
+      <a:fillRef idx="1">
+        <a:scrgbClr r="0" g="0" b="0"/>
+      </a:fillRef>
+      <a:effectRef idx="0">
+        <a:scrgbClr r="0" g="0" b="0"/>
+      </a:effectRef>
+      <a:fontRef idx="minor"/>
+    </dgm:style>
+  </dgm:styleLbl>
+  <dgm:styleLbl name="fgAcc4">
+    <dgm:scene3d>
+      <a:camera prst="orthographicFront"/>
+      <a:lightRig rig="threePt" dir="t"/>
+    </dgm:scene3d>
+    <dgm:sp3d/>
+    <dgm:txPr/>
+    <dgm:style>
+      <a:lnRef idx="2">
+        <a:scrgbClr r="0" g="0" b="0"/>
+      </a:lnRef>
+      <a:fillRef idx="1">
+        <a:scrgbClr r="0" g="0" b="0"/>
+      </a:fillRef>
+      <a:effectRef idx="0">
+        <a:scrgbClr r="0" g="0" b="0"/>
+      </a:effectRef>
+      <a:fontRef idx="minor"/>
+    </dgm:style>
+  </dgm:styleLbl>
+  <dgm:styleLbl name="bgShp">
+    <dgm:scene3d>
+      <a:camera prst="orthographicFront"/>
+      <a:lightRig rig="threePt" dir="t"/>
+    </dgm:scene3d>
+    <dgm:sp3d/>
+    <dgm:txPr/>
+    <dgm:style>
+      <a:lnRef idx="0">
+        <a:scrgbClr r="0" g="0" b="0"/>
+      </a:lnRef>
+      <a:fillRef idx="1">
+        <a:scrgbClr r="0" g="0" b="0"/>
+      </a:fillRef>
+      <a:effectRef idx="0">
+        <a:scrgbClr r="0" g="0" b="0"/>
+      </a:effectRef>
+      <a:fontRef idx="minor"/>
+    </dgm:style>
+  </dgm:styleLbl>
+  <dgm:styleLbl name="dkBgShp">
+    <dgm:scene3d>
+      <a:camera prst="orthographicFront"/>
+      <a:lightRig rig="threePt" dir="t"/>
+    </dgm:scene3d>
+    <dgm:sp3d/>
+    <dgm:txPr/>
+    <dgm:style>
+      <a:lnRef idx="0">
+        <a:scrgbClr r="0" g="0" b="0"/>
+      </a:lnRef>
+      <a:fillRef idx="1">
+        <a:scrgbClr r="0" g="0" b="0"/>
+      </a:fillRef>
+      <a:effectRef idx="0">
+        <a:scrgbClr r="0" g="0" b="0"/>
+      </a:effectRef>
+      <a:fontRef idx="minor"/>
+    </dgm:style>
+  </dgm:styleLbl>
+  <dgm:styleLbl name="trBgShp">
+    <dgm:scene3d>
+      <a:camera prst="orthographicFront"/>
+      <a:lightRig rig="threePt" dir="t"/>
+    </dgm:scene3d>
+    <dgm:sp3d/>
+    <dgm:txPr/>
+    <dgm:style>
+      <a:lnRef idx="0">
+        <a:scrgbClr r="0" g="0" b="0"/>
+      </a:lnRef>
+      <a:fillRef idx="1">
+        <a:scrgbClr r="0" g="0" b="0"/>
+      </a:fillRef>
+      <a:effectRef idx="0">
+        <a:scrgbClr r="0" g="0" b="0"/>
+      </a:effectRef>
+      <a:fontRef idx="minor"/>
+    </dgm:style>
+  </dgm:styleLbl>
+  <dgm:styleLbl name="fgShp">
+    <dgm:scene3d>
+      <a:camera prst="orthographicFront"/>
+      <a:lightRig rig="threePt" dir="t"/>
+    </dgm:scene3d>
+    <dgm:sp3d/>
+    <dgm:txPr/>
+    <dgm:style>
+      <a:lnRef idx="2">
+        <a:scrgbClr r="0" g="0" b="0"/>
+      </a:lnRef>
+      <a:fillRef idx="1">
+        <a:scrgbClr r="0" g="0" b="0"/>
+      </a:fillRef>
+      <a:effectRef idx="0">
+        <a:scrgbClr r="0" g="0" b="0"/>
+      </a:effectRef>
+      <a:fontRef idx="minor"/>
+    </dgm:style>
+  </dgm:styleLbl>
+  <dgm:styleLbl name="revTx">
+    <dgm:scene3d>
+      <a:camera prst="orthographicFront"/>
+      <a:lightRig rig="threePt" dir="t"/>
+    </dgm:scene3d>
+    <dgm:sp3d/>
+    <dgm:txPr/>
+    <dgm:style>
+      <a:lnRef idx="0">
+        <a:scrgbClr r="0" g="0" b="0"/>
+      </a:lnRef>
+      <a:fillRef idx="0">
+        <a:scrgbClr r="0" g="0" b="0"/>
+      </a:fillRef>
+      <a:effectRef idx="0">
+        <a:scrgbClr r="0" g="0" b="0"/>
+      </a:effectRef>
+      <a:fontRef idx="minor"/>
+    </dgm:style>
+  </dgm:styleLbl>
+</dgm:styleDef>
+</file>
+
 <file path=ppt/slideLayouts/slideLayout1.xml><?xml version="1.0" encoding="utf-8"?>
 <p:sldLayout xmlns:a="http://schemas.openxmlformats.org/drawingml/2006/main" xmlns:r="http://schemas.openxmlformats.org/officeDocument/2006/relationships" xmlns:p="http://schemas.openxmlformats.org/presentationml/2006/main" type="title" preserve="1">
   <p:cSld name="Slide de Título">
@@ -282,7 +3753,7 @@
           <a:p>
             <a:fld id="{EFE63C55-2C78-4637-A6E7-BF8B7B1798D2}" type="datetimeFigureOut">
               <a:rPr lang="pt-BR" smtClean="0"/>
-              <a:t>14/01/2025</a:t>
+              <a:t>19/03/2025</a:t>
             </a:fld>
             <a:endParaRPr lang="pt-BR"/>
           </a:p>
@@ -480,7 +3951,7 @@
           <a:p>
             <a:fld id="{EFE63C55-2C78-4637-A6E7-BF8B7B1798D2}" type="datetimeFigureOut">
               <a:rPr lang="pt-BR" smtClean="0"/>
-              <a:t>14/01/2025</a:t>
+              <a:t>19/03/2025</a:t>
             </a:fld>
             <a:endParaRPr lang="pt-BR"/>
           </a:p>
@@ -688,7 +4159,7 @@
           <a:p>
             <a:fld id="{EFE63C55-2C78-4637-A6E7-BF8B7B1798D2}" type="datetimeFigureOut">
               <a:rPr lang="pt-BR" smtClean="0"/>
-              <a:t>14/01/2025</a:t>
+              <a:t>19/03/2025</a:t>
             </a:fld>
             <a:endParaRPr lang="pt-BR"/>
           </a:p>
@@ -886,7 +4357,7 @@
           <a:p>
             <a:fld id="{EFE63C55-2C78-4637-A6E7-BF8B7B1798D2}" type="datetimeFigureOut">
               <a:rPr lang="pt-BR" smtClean="0"/>
-              <a:t>14/01/2025</a:t>
+              <a:t>19/03/2025</a:t>
             </a:fld>
             <a:endParaRPr lang="pt-BR"/>
           </a:p>
@@ -1161,7 +4632,7 @@
           <a:p>
             <a:fld id="{EFE63C55-2C78-4637-A6E7-BF8B7B1798D2}" type="datetimeFigureOut">
               <a:rPr lang="pt-BR" smtClean="0"/>
-              <a:t>14/01/2025</a:t>
+              <a:t>19/03/2025</a:t>
             </a:fld>
             <a:endParaRPr lang="pt-BR"/>
           </a:p>
@@ -1426,7 +4897,7 @@
           <a:p>
             <a:fld id="{EFE63C55-2C78-4637-A6E7-BF8B7B1798D2}" type="datetimeFigureOut">
               <a:rPr lang="pt-BR" smtClean="0"/>
-              <a:t>14/01/2025</a:t>
+              <a:t>19/03/2025</a:t>
             </a:fld>
             <a:endParaRPr lang="pt-BR"/>
           </a:p>
@@ -1838,7 +5309,7 @@
           <a:p>
             <a:fld id="{EFE63C55-2C78-4637-A6E7-BF8B7B1798D2}" type="datetimeFigureOut">
               <a:rPr lang="pt-BR" smtClean="0"/>
-              <a:t>14/01/2025</a:t>
+              <a:t>19/03/2025</a:t>
             </a:fld>
             <a:endParaRPr lang="pt-BR"/>
           </a:p>
@@ -1979,7 +5450,7 @@
           <a:p>
             <a:fld id="{EFE63C55-2C78-4637-A6E7-BF8B7B1798D2}" type="datetimeFigureOut">
               <a:rPr lang="pt-BR" smtClean="0"/>
-              <a:t>14/01/2025</a:t>
+              <a:t>19/03/2025</a:t>
             </a:fld>
             <a:endParaRPr lang="pt-BR"/>
           </a:p>
@@ -2092,7 +5563,7 @@
           <a:p>
             <a:fld id="{EFE63C55-2C78-4637-A6E7-BF8B7B1798D2}" type="datetimeFigureOut">
               <a:rPr lang="pt-BR" smtClean="0"/>
-              <a:t>14/01/2025</a:t>
+              <a:t>19/03/2025</a:t>
             </a:fld>
             <a:endParaRPr lang="pt-BR"/>
           </a:p>
@@ -2403,7 +5874,7 @@
           <a:p>
             <a:fld id="{EFE63C55-2C78-4637-A6E7-BF8B7B1798D2}" type="datetimeFigureOut">
               <a:rPr lang="pt-BR" smtClean="0"/>
-              <a:t>14/01/2025</a:t>
+              <a:t>19/03/2025</a:t>
             </a:fld>
             <a:endParaRPr lang="pt-BR"/>
           </a:p>
@@ -2691,7 +6162,7 @@
           <a:p>
             <a:fld id="{EFE63C55-2C78-4637-A6E7-BF8B7B1798D2}" type="datetimeFigureOut">
               <a:rPr lang="pt-BR" smtClean="0"/>
-              <a:t>14/01/2025</a:t>
+              <a:t>19/03/2025</a:t>
             </a:fld>
             <a:endParaRPr lang="pt-BR"/>
           </a:p>
@@ -2932,7 +6403,7 @@
           <a:p>
             <a:fld id="{EFE63C55-2C78-4637-A6E7-BF8B7B1798D2}" type="datetimeFigureOut">
               <a:rPr lang="pt-BR" smtClean="0"/>
-              <a:t>14/01/2025</a:t>
+              <a:t>19/03/2025</a:t>
             </a:fld>
             <a:endParaRPr lang="pt-BR"/>
           </a:p>
@@ -5452,13 +8923,20 @@
             <p:ph type="title"/>
           </p:nvPr>
         </p:nvSpPr>
-        <p:spPr/>
+        <p:spPr>
+          <a:xfrm>
+            <a:off x="838200" y="0"/>
+            <a:ext cx="10515600" cy="1325563"/>
+          </a:xfrm>
+        </p:spPr>
         <p:txBody>
-          <a:bodyPr/>
+          <a:bodyPr>
+            <a:normAutofit/>
+          </a:bodyPr>
           <a:lstStyle/>
           <a:p>
             <a:r>
-              <a:rPr lang="pt-BR" dirty="0"/>
+              <a:rPr lang="pt-BR" sz="3600" dirty="0"/>
               <a:t>Comandos básicos </a:t>
             </a:r>
           </a:p>
@@ -5482,13 +8960,13 @@
         </p:nvSpPr>
         <p:spPr>
           <a:xfrm>
-            <a:off x="838200" y="1395856"/>
-            <a:ext cx="10515600" cy="5462144"/>
+            <a:off x="352425" y="1138681"/>
+            <a:ext cx="11001375" cy="5462144"/>
           </a:xfrm>
         </p:spPr>
         <p:txBody>
           <a:bodyPr>
-            <a:normAutofit fontScale="70000" lnSpcReduction="20000"/>
+            <a:normAutofit fontScale="77500" lnSpcReduction="20000"/>
           </a:bodyPr>
           <a:lstStyle/>
           <a:p>
@@ -5523,7 +9001,15 @@
             </a:r>
             <a:r>
               <a:rPr lang="pt-BR" b="1" dirty="0"/>
-              <a:t> projeto3 -- --</a:t>
+              <a:t> </a:t>
+            </a:r>
+            <a:r>
+              <a:rPr lang="pt-BR" b="1" dirty="0" err="1"/>
+              <a:t>baby_name</a:t>
+            </a:r>
+            <a:r>
+              <a:rPr lang="pt-BR" b="1" dirty="0"/>
+              <a:t> -- --</a:t>
             </a:r>
             <a:r>
               <a:rPr lang="pt-BR" b="1" dirty="0" err="1"/>
@@ -5638,36 +9124,33 @@
               <a:rPr lang="pt-BR" b="1" dirty="0" err="1"/>
               <a:t>dev</a:t>
             </a:r>
-            <a:endParaRPr lang="pt-BR" b="1" dirty="0"/>
-          </a:p>
-          <a:p>
             <a:endParaRPr lang="pt-BR" dirty="0"/>
-          </a:p>
-          <a:p>
-            <a:r>
-              <a:rPr lang="pt-BR" dirty="0"/>
-              <a:t>para parar a aplicação de um </a:t>
-            </a:r>
-            <a:r>
-              <a:rPr lang="pt-BR" b="1" dirty="0" err="1"/>
-              <a:t>control+C</a:t>
-            </a:r>
-            <a:endParaRPr lang="pt-BR" b="1" dirty="0"/>
-          </a:p>
-          <a:p>
-            <a:endParaRPr lang="pt-BR" dirty="0"/>
-          </a:p>
-          <a:p>
-            <a:r>
-              <a:rPr lang="pt-BR" dirty="0"/>
-              <a:t>Rotas:</a:t>
-            </a:r>
           </a:p>
           <a:p>
             <a:pPr marL="0" indent="0">
               <a:buNone/>
             </a:pPr>
             <a:r>
+              <a:rPr lang="pt-BR" dirty="0"/>
+              <a:t>para parar a aplicação de um </a:t>
+            </a:r>
+            <a:r>
+              <a:rPr lang="pt-BR" b="1" dirty="0" err="1"/>
+              <a:t>control+C</a:t>
+            </a:r>
+            <a:endParaRPr lang="pt-BR" dirty="0"/>
+          </a:p>
+          <a:p>
+            <a:r>
+              <a:rPr lang="pt-BR" dirty="0"/>
+              <a:t>Rotas:</a:t>
+            </a:r>
+          </a:p>
+          <a:p>
+            <a:pPr marL="0" indent="0">
+              <a:buNone/>
+            </a:pPr>
+            <a:r>
               <a:rPr lang="pt-BR" b="1" dirty="0" err="1"/>
               <a:t>npm</a:t>
             </a:r>
@@ -5690,6 +9173,27 @@
             <a:r>
               <a:rPr lang="pt-BR" b="1" dirty="0"/>
               <a:t>-dom</a:t>
+            </a:r>
+          </a:p>
+          <a:p>
+            <a:pPr marL="0" indent="0">
+              <a:buNone/>
+            </a:pPr>
+            <a:r>
+              <a:rPr lang="pt-BR" b="1" dirty="0" err="1"/>
+              <a:t>npm</a:t>
+            </a:r>
+            <a:r>
+              <a:rPr lang="pt-BR" b="1" dirty="0"/>
+              <a:t> i </a:t>
+            </a:r>
+            <a:r>
+              <a:rPr lang="pt-BR" b="1" dirty="0" err="1"/>
+              <a:t>json</a:t>
+            </a:r>
+            <a:r>
+              <a:rPr lang="pt-BR" b="1" dirty="0"/>
+              <a:t>-serve</a:t>
             </a:r>
           </a:p>
         </p:txBody>
@@ -6572,6 +10076,1639 @@
     <p:extLst>
       <p:ext uri="{BB962C8B-B14F-4D97-AF65-F5344CB8AC3E}">
         <p14:creationId xmlns:p14="http://schemas.microsoft.com/office/powerpoint/2010/main" val="259228767"/>
+      </p:ext>
+    </p:extLst>
+  </p:cSld>
+  <p:clrMapOvr>
+    <a:masterClrMapping/>
+  </p:clrMapOvr>
+</p:sld>
+</file>
+
+<file path=ppt/slides/slide25.xml><?xml version="1.0" encoding="utf-8"?>
+<p:sld xmlns:a="http://schemas.openxmlformats.org/drawingml/2006/main" xmlns:r="http://schemas.openxmlformats.org/officeDocument/2006/relationships" xmlns:p="http://schemas.openxmlformats.org/presentationml/2006/main">
+  <p:cSld>
+    <p:spTree>
+      <p:nvGrpSpPr>
+        <p:cNvPr id="1" name=""/>
+        <p:cNvGrpSpPr/>
+        <p:nvPr/>
+      </p:nvGrpSpPr>
+      <p:grpSpPr>
+        <a:xfrm>
+          <a:off x="0" y="0"/>
+          <a:ext cx="0" cy="0"/>
+          <a:chOff x="0" y="0"/>
+          <a:chExt cx="0" cy="0"/>
+        </a:xfrm>
+      </p:grpSpPr>
+      <p:sp>
+        <p:nvSpPr>
+          <p:cNvPr id="2" name="Título 1">
+            <a:extLst>
+              <a:ext uri="{FF2B5EF4-FFF2-40B4-BE49-F238E27FC236}">
+                <a16:creationId xmlns:a16="http://schemas.microsoft.com/office/drawing/2014/main" id="{96052F01-4C7A-C397-05D3-5AFD0678088F}"/>
+              </a:ext>
+            </a:extLst>
+          </p:cNvPr>
+          <p:cNvSpPr>
+            <a:spLocks noGrp="1"/>
+          </p:cNvSpPr>
+          <p:nvPr>
+            <p:ph type="title"/>
+          </p:nvPr>
+        </p:nvSpPr>
+        <p:spPr/>
+        <p:txBody>
+          <a:bodyPr/>
+          <a:lstStyle/>
+          <a:p>
+            <a:r>
+              <a:rPr lang="pt-BR" dirty="0"/>
+              <a:t>Trabalhando com JSON</a:t>
+            </a:r>
+          </a:p>
+        </p:txBody>
+      </p:sp>
+      <p:sp>
+        <p:nvSpPr>
+          <p:cNvPr id="3" name="Espaço Reservado para Conteúdo 2">
+            <a:extLst>
+              <a:ext uri="{FF2B5EF4-FFF2-40B4-BE49-F238E27FC236}">
+                <a16:creationId xmlns:a16="http://schemas.microsoft.com/office/drawing/2014/main" id="{A343291D-D3B0-4115-4F06-64191F4A1E7C}"/>
+              </a:ext>
+            </a:extLst>
+          </p:cNvPr>
+          <p:cNvSpPr>
+            <a:spLocks noGrp="1"/>
+          </p:cNvSpPr>
+          <p:nvPr>
+            <p:ph idx="1"/>
+          </p:nvPr>
+        </p:nvSpPr>
+        <p:spPr>
+          <a:xfrm>
+            <a:off x="200025" y="1825625"/>
+            <a:ext cx="9229725" cy="4667250"/>
+          </a:xfrm>
+        </p:spPr>
+        <p:txBody>
+          <a:bodyPr>
+            <a:normAutofit fontScale="92500" lnSpcReduction="20000"/>
+          </a:bodyPr>
+          <a:lstStyle/>
+          <a:p>
+            <a:r>
+              <a:rPr lang="pt-BR" dirty="0"/>
+              <a:t>Instalação </a:t>
+            </a:r>
+          </a:p>
+          <a:p>
+            <a:pPr marL="0" indent="0">
+              <a:buNone/>
+            </a:pPr>
+            <a:r>
+              <a:rPr lang="pt-BR" b="1" dirty="0" err="1"/>
+              <a:t>npm</a:t>
+            </a:r>
+            <a:r>
+              <a:rPr lang="pt-BR" b="1" dirty="0"/>
+              <a:t> i </a:t>
+            </a:r>
+            <a:r>
+              <a:rPr lang="pt-BR" b="1" dirty="0" err="1"/>
+              <a:t>json</a:t>
+            </a:r>
+            <a:r>
+              <a:rPr lang="pt-BR" b="1" dirty="0"/>
+              <a:t>-serve</a:t>
+            </a:r>
+          </a:p>
+          <a:p>
+            <a:pPr marL="0" indent="0">
+              <a:buNone/>
+            </a:pPr>
+            <a:endParaRPr lang="pt-BR" b="1" dirty="0"/>
+          </a:p>
+          <a:p>
+            <a:pPr marL="0" indent="0">
+              <a:buNone/>
+            </a:pPr>
+            <a:r>
+              <a:rPr lang="pt-BR" b="1" dirty="0"/>
+              <a:t>Configurar o </a:t>
+            </a:r>
+            <a:r>
+              <a:rPr lang="pt-BR" b="1" dirty="0" err="1"/>
+              <a:t>package.json</a:t>
+            </a:r>
+            <a:r>
+              <a:rPr lang="pt-BR" b="1" dirty="0"/>
+              <a:t>: </a:t>
+            </a:r>
+          </a:p>
+          <a:p>
+            <a:pPr>
+              <a:lnSpc>
+                <a:spcPts val="2325"/>
+              </a:lnSpc>
+              <a:buNone/>
+            </a:pPr>
+            <a:r>
+              <a:rPr lang="pt-BR" b="0" dirty="0">
+                <a:solidFill>
+                  <a:srgbClr val="9CDCFE"/>
+                </a:solidFill>
+                <a:effectLst/>
+                <a:latin typeface="Consolas" panose="020B0609020204030204" pitchFamily="49" charset="0"/>
+              </a:rPr>
+              <a:t>"scripts"</a:t>
+            </a:r>
+            <a:r>
+              <a:rPr lang="pt-BR" b="0" dirty="0">
+                <a:solidFill>
+                  <a:srgbClr val="CCCCCC"/>
+                </a:solidFill>
+                <a:effectLst/>
+                <a:latin typeface="Consolas" panose="020B0609020204030204" pitchFamily="49" charset="0"/>
+              </a:rPr>
+              <a:t>: {</a:t>
+            </a:r>
+          </a:p>
+          <a:p>
+            <a:pPr>
+              <a:lnSpc>
+                <a:spcPts val="2325"/>
+              </a:lnSpc>
+              <a:buNone/>
+            </a:pPr>
+            <a:r>
+              <a:rPr lang="pt-BR" b="0" dirty="0">
+                <a:solidFill>
+                  <a:srgbClr val="CCCCCC"/>
+                </a:solidFill>
+                <a:effectLst/>
+                <a:latin typeface="Consolas" panose="020B0609020204030204" pitchFamily="49" charset="0"/>
+              </a:rPr>
+              <a:t>    </a:t>
+            </a:r>
+            <a:r>
+              <a:rPr lang="pt-BR" b="0" dirty="0">
+                <a:solidFill>
+                  <a:srgbClr val="9CDCFE"/>
+                </a:solidFill>
+                <a:effectLst/>
+                <a:latin typeface="Consolas" panose="020B0609020204030204" pitchFamily="49" charset="0"/>
+              </a:rPr>
+              <a:t>"</a:t>
+            </a:r>
+            <a:r>
+              <a:rPr lang="pt-BR" b="0" dirty="0" err="1">
+                <a:solidFill>
+                  <a:srgbClr val="9CDCFE"/>
+                </a:solidFill>
+                <a:effectLst/>
+                <a:latin typeface="Consolas" panose="020B0609020204030204" pitchFamily="49" charset="0"/>
+              </a:rPr>
+              <a:t>dev</a:t>
+            </a:r>
+            <a:r>
+              <a:rPr lang="pt-BR" b="0" dirty="0">
+                <a:solidFill>
+                  <a:srgbClr val="9CDCFE"/>
+                </a:solidFill>
+                <a:effectLst/>
+                <a:latin typeface="Consolas" panose="020B0609020204030204" pitchFamily="49" charset="0"/>
+              </a:rPr>
+              <a:t>"</a:t>
+            </a:r>
+            <a:r>
+              <a:rPr lang="pt-BR" b="0" dirty="0">
+                <a:solidFill>
+                  <a:srgbClr val="CCCCCC"/>
+                </a:solidFill>
+                <a:effectLst/>
+                <a:latin typeface="Consolas" panose="020B0609020204030204" pitchFamily="49" charset="0"/>
+              </a:rPr>
+              <a:t>: </a:t>
+            </a:r>
+            <a:r>
+              <a:rPr lang="pt-BR" b="0" dirty="0">
+                <a:solidFill>
+                  <a:srgbClr val="CE9178"/>
+                </a:solidFill>
+                <a:effectLst/>
+                <a:latin typeface="Consolas" panose="020B0609020204030204" pitchFamily="49" charset="0"/>
+              </a:rPr>
+              <a:t>"</a:t>
+            </a:r>
+            <a:r>
+              <a:rPr lang="pt-BR" b="0" dirty="0" err="1">
+                <a:solidFill>
+                  <a:srgbClr val="CE9178"/>
+                </a:solidFill>
+                <a:effectLst/>
+                <a:latin typeface="Consolas" panose="020B0609020204030204" pitchFamily="49" charset="0"/>
+              </a:rPr>
+              <a:t>vite</a:t>
+            </a:r>
+            <a:r>
+              <a:rPr lang="pt-BR" b="0" dirty="0">
+                <a:solidFill>
+                  <a:srgbClr val="CE9178"/>
+                </a:solidFill>
+                <a:effectLst/>
+                <a:latin typeface="Consolas" panose="020B0609020204030204" pitchFamily="49" charset="0"/>
+              </a:rPr>
+              <a:t>"</a:t>
+            </a:r>
+            <a:r>
+              <a:rPr lang="pt-BR" b="0" dirty="0">
+                <a:solidFill>
+                  <a:srgbClr val="CCCCCC"/>
+                </a:solidFill>
+                <a:effectLst/>
+                <a:latin typeface="Consolas" panose="020B0609020204030204" pitchFamily="49" charset="0"/>
+              </a:rPr>
+              <a:t>,</a:t>
+            </a:r>
+          </a:p>
+          <a:p>
+            <a:pPr>
+              <a:lnSpc>
+                <a:spcPts val="2325"/>
+              </a:lnSpc>
+              <a:buNone/>
+            </a:pPr>
+            <a:r>
+              <a:rPr lang="pt-BR" b="0" dirty="0">
+                <a:solidFill>
+                  <a:srgbClr val="CCCCCC"/>
+                </a:solidFill>
+                <a:effectLst/>
+                <a:latin typeface="Consolas" panose="020B0609020204030204" pitchFamily="49" charset="0"/>
+              </a:rPr>
+              <a:t>    </a:t>
+            </a:r>
+            <a:r>
+              <a:rPr lang="pt-BR" b="0" dirty="0">
+                <a:solidFill>
+                  <a:srgbClr val="9CDCFE"/>
+                </a:solidFill>
+                <a:effectLst/>
+                <a:latin typeface="Consolas" panose="020B0609020204030204" pitchFamily="49" charset="0"/>
+              </a:rPr>
+              <a:t>"build"</a:t>
+            </a:r>
+            <a:r>
+              <a:rPr lang="pt-BR" b="0" dirty="0">
+                <a:solidFill>
+                  <a:srgbClr val="CCCCCC"/>
+                </a:solidFill>
+                <a:effectLst/>
+                <a:latin typeface="Consolas" panose="020B0609020204030204" pitchFamily="49" charset="0"/>
+              </a:rPr>
+              <a:t>: </a:t>
+            </a:r>
+            <a:r>
+              <a:rPr lang="pt-BR" b="0" dirty="0">
+                <a:solidFill>
+                  <a:srgbClr val="CE9178"/>
+                </a:solidFill>
+                <a:effectLst/>
+                <a:latin typeface="Consolas" panose="020B0609020204030204" pitchFamily="49" charset="0"/>
+              </a:rPr>
+              <a:t>"</a:t>
+            </a:r>
+            <a:r>
+              <a:rPr lang="pt-BR" b="0" dirty="0" err="1">
+                <a:solidFill>
+                  <a:srgbClr val="CE9178"/>
+                </a:solidFill>
+                <a:effectLst/>
+                <a:latin typeface="Consolas" panose="020B0609020204030204" pitchFamily="49" charset="0"/>
+              </a:rPr>
+              <a:t>vite</a:t>
+            </a:r>
+            <a:r>
+              <a:rPr lang="pt-BR" b="0" dirty="0">
+                <a:solidFill>
+                  <a:srgbClr val="CE9178"/>
+                </a:solidFill>
+                <a:effectLst/>
+                <a:latin typeface="Consolas" panose="020B0609020204030204" pitchFamily="49" charset="0"/>
+              </a:rPr>
+              <a:t> build"</a:t>
+            </a:r>
+            <a:r>
+              <a:rPr lang="pt-BR" b="0" dirty="0">
+                <a:solidFill>
+                  <a:srgbClr val="CCCCCC"/>
+                </a:solidFill>
+                <a:effectLst/>
+                <a:latin typeface="Consolas" panose="020B0609020204030204" pitchFamily="49" charset="0"/>
+              </a:rPr>
+              <a:t>,</a:t>
+            </a:r>
+          </a:p>
+          <a:p>
+            <a:pPr>
+              <a:lnSpc>
+                <a:spcPts val="2325"/>
+              </a:lnSpc>
+              <a:buNone/>
+            </a:pPr>
+            <a:r>
+              <a:rPr lang="pt-BR" b="0" dirty="0">
+                <a:solidFill>
+                  <a:srgbClr val="CCCCCC"/>
+                </a:solidFill>
+                <a:effectLst/>
+                <a:latin typeface="Consolas" panose="020B0609020204030204" pitchFamily="49" charset="0"/>
+              </a:rPr>
+              <a:t>    </a:t>
+            </a:r>
+            <a:r>
+              <a:rPr lang="pt-BR" b="0" dirty="0">
+                <a:solidFill>
+                  <a:srgbClr val="9CDCFE"/>
+                </a:solidFill>
+                <a:effectLst/>
+                <a:latin typeface="Consolas" panose="020B0609020204030204" pitchFamily="49" charset="0"/>
+              </a:rPr>
+              <a:t>"</a:t>
+            </a:r>
+            <a:r>
+              <a:rPr lang="pt-BR" b="0" dirty="0" err="1">
+                <a:solidFill>
+                  <a:srgbClr val="9CDCFE"/>
+                </a:solidFill>
+                <a:effectLst/>
+                <a:latin typeface="Consolas" panose="020B0609020204030204" pitchFamily="49" charset="0"/>
+              </a:rPr>
+              <a:t>lint</a:t>
+            </a:r>
+            <a:r>
+              <a:rPr lang="pt-BR" b="0" dirty="0">
+                <a:solidFill>
+                  <a:srgbClr val="9CDCFE"/>
+                </a:solidFill>
+                <a:effectLst/>
+                <a:latin typeface="Consolas" panose="020B0609020204030204" pitchFamily="49" charset="0"/>
+              </a:rPr>
+              <a:t>"</a:t>
+            </a:r>
+            <a:r>
+              <a:rPr lang="pt-BR" b="0" dirty="0">
+                <a:solidFill>
+                  <a:srgbClr val="CCCCCC"/>
+                </a:solidFill>
+                <a:effectLst/>
+                <a:latin typeface="Consolas" panose="020B0609020204030204" pitchFamily="49" charset="0"/>
+              </a:rPr>
+              <a:t>: </a:t>
+            </a:r>
+            <a:r>
+              <a:rPr lang="pt-BR" b="0" dirty="0">
+                <a:solidFill>
+                  <a:srgbClr val="CE9178"/>
+                </a:solidFill>
+                <a:effectLst/>
+                <a:latin typeface="Consolas" panose="020B0609020204030204" pitchFamily="49" charset="0"/>
+              </a:rPr>
+              <a:t>"</a:t>
+            </a:r>
+            <a:r>
+              <a:rPr lang="pt-BR" b="0" dirty="0" err="1">
+                <a:solidFill>
+                  <a:srgbClr val="CE9178"/>
+                </a:solidFill>
+                <a:effectLst/>
+                <a:latin typeface="Consolas" panose="020B0609020204030204" pitchFamily="49" charset="0"/>
+              </a:rPr>
+              <a:t>eslint</a:t>
+            </a:r>
+            <a:r>
+              <a:rPr lang="pt-BR" b="0" dirty="0">
+                <a:solidFill>
+                  <a:srgbClr val="CE9178"/>
+                </a:solidFill>
+                <a:effectLst/>
+                <a:latin typeface="Consolas" panose="020B0609020204030204" pitchFamily="49" charset="0"/>
+              </a:rPr>
+              <a:t> ."</a:t>
+            </a:r>
+            <a:r>
+              <a:rPr lang="pt-BR" b="0" dirty="0">
+                <a:solidFill>
+                  <a:srgbClr val="CCCCCC"/>
+                </a:solidFill>
+                <a:effectLst/>
+                <a:latin typeface="Consolas" panose="020B0609020204030204" pitchFamily="49" charset="0"/>
+              </a:rPr>
+              <a:t>,</a:t>
+            </a:r>
+          </a:p>
+          <a:p>
+            <a:pPr>
+              <a:lnSpc>
+                <a:spcPts val="2325"/>
+              </a:lnSpc>
+              <a:buNone/>
+            </a:pPr>
+            <a:r>
+              <a:rPr lang="pt-BR" b="0" dirty="0">
+                <a:solidFill>
+                  <a:srgbClr val="CCCCCC"/>
+                </a:solidFill>
+                <a:effectLst/>
+                <a:latin typeface="Consolas" panose="020B0609020204030204" pitchFamily="49" charset="0"/>
+              </a:rPr>
+              <a:t>    </a:t>
+            </a:r>
+            <a:r>
+              <a:rPr lang="pt-BR" b="0" dirty="0">
+                <a:solidFill>
+                  <a:srgbClr val="9CDCFE"/>
+                </a:solidFill>
+                <a:effectLst/>
+                <a:latin typeface="Consolas" panose="020B0609020204030204" pitchFamily="49" charset="0"/>
+              </a:rPr>
+              <a:t>"preview"</a:t>
+            </a:r>
+            <a:r>
+              <a:rPr lang="pt-BR" b="0" dirty="0">
+                <a:solidFill>
+                  <a:srgbClr val="CCCCCC"/>
+                </a:solidFill>
+                <a:effectLst/>
+                <a:latin typeface="Consolas" panose="020B0609020204030204" pitchFamily="49" charset="0"/>
+              </a:rPr>
+              <a:t>: </a:t>
+            </a:r>
+            <a:r>
+              <a:rPr lang="pt-BR" b="0" dirty="0">
+                <a:solidFill>
+                  <a:srgbClr val="CE9178"/>
+                </a:solidFill>
+                <a:effectLst/>
+                <a:latin typeface="Consolas" panose="020B0609020204030204" pitchFamily="49" charset="0"/>
+              </a:rPr>
+              <a:t>"</a:t>
+            </a:r>
+            <a:r>
+              <a:rPr lang="pt-BR" b="0" dirty="0" err="1">
+                <a:solidFill>
+                  <a:srgbClr val="CE9178"/>
+                </a:solidFill>
+                <a:effectLst/>
+                <a:latin typeface="Consolas" panose="020B0609020204030204" pitchFamily="49" charset="0"/>
+              </a:rPr>
+              <a:t>vite</a:t>
+            </a:r>
+            <a:r>
+              <a:rPr lang="pt-BR" b="0" dirty="0">
+                <a:solidFill>
+                  <a:srgbClr val="CE9178"/>
+                </a:solidFill>
+                <a:effectLst/>
+                <a:latin typeface="Consolas" panose="020B0609020204030204" pitchFamily="49" charset="0"/>
+              </a:rPr>
+              <a:t> preview"</a:t>
+            </a:r>
+            <a:r>
+              <a:rPr lang="pt-BR" b="0" dirty="0">
+                <a:solidFill>
+                  <a:srgbClr val="CCCCCC"/>
+                </a:solidFill>
+                <a:effectLst/>
+                <a:latin typeface="Consolas" panose="020B0609020204030204" pitchFamily="49" charset="0"/>
+              </a:rPr>
+              <a:t>,</a:t>
+            </a:r>
+          </a:p>
+          <a:p>
+            <a:pPr>
+              <a:lnSpc>
+                <a:spcPts val="2325"/>
+              </a:lnSpc>
+              <a:buNone/>
+            </a:pPr>
+            <a:r>
+              <a:rPr lang="pt-BR" b="0" dirty="0">
+                <a:solidFill>
+                  <a:srgbClr val="CCCCCC"/>
+                </a:solidFill>
+                <a:effectLst/>
+                <a:latin typeface="Consolas" panose="020B0609020204030204" pitchFamily="49" charset="0"/>
+              </a:rPr>
+              <a:t>    </a:t>
+            </a:r>
+            <a:r>
+              <a:rPr lang="pt-BR" b="0" dirty="0">
+                <a:solidFill>
+                  <a:srgbClr val="9CDCFE"/>
+                </a:solidFill>
+                <a:effectLst/>
+                <a:latin typeface="Consolas" panose="020B0609020204030204" pitchFamily="49" charset="0"/>
+              </a:rPr>
+              <a:t>"server"</a:t>
+            </a:r>
+            <a:r>
+              <a:rPr lang="pt-BR" b="0" dirty="0">
+                <a:solidFill>
+                  <a:srgbClr val="CCCCCC"/>
+                </a:solidFill>
+                <a:effectLst/>
+                <a:latin typeface="Consolas" panose="020B0609020204030204" pitchFamily="49" charset="0"/>
+              </a:rPr>
+              <a:t>: </a:t>
+            </a:r>
+            <a:r>
+              <a:rPr lang="pt-BR" b="0" dirty="0">
+                <a:solidFill>
+                  <a:srgbClr val="CE9178"/>
+                </a:solidFill>
+                <a:effectLst/>
+                <a:latin typeface="Consolas" panose="020B0609020204030204" pitchFamily="49" charset="0"/>
+              </a:rPr>
+              <a:t>"</a:t>
+            </a:r>
+            <a:r>
+              <a:rPr lang="pt-BR" b="0" dirty="0" err="1">
+                <a:solidFill>
+                  <a:srgbClr val="CE9178"/>
+                </a:solidFill>
+                <a:effectLst/>
+                <a:latin typeface="Consolas" panose="020B0609020204030204" pitchFamily="49" charset="0"/>
+              </a:rPr>
+              <a:t>json</a:t>
+            </a:r>
+            <a:r>
+              <a:rPr lang="pt-BR" b="0" dirty="0">
+                <a:solidFill>
+                  <a:srgbClr val="CE9178"/>
+                </a:solidFill>
+                <a:effectLst/>
+                <a:latin typeface="Consolas" panose="020B0609020204030204" pitchFamily="49" charset="0"/>
+              </a:rPr>
+              <a:t>-server --</a:t>
+            </a:r>
+            <a:r>
+              <a:rPr lang="pt-BR" b="0" dirty="0" err="1">
+                <a:solidFill>
+                  <a:srgbClr val="CE9178"/>
+                </a:solidFill>
+                <a:effectLst/>
+                <a:latin typeface="Consolas" panose="020B0609020204030204" pitchFamily="49" charset="0"/>
+              </a:rPr>
+              <a:t>watch</a:t>
+            </a:r>
+            <a:r>
+              <a:rPr lang="pt-BR" b="0" dirty="0">
+                <a:solidFill>
+                  <a:srgbClr val="CE9178"/>
+                </a:solidFill>
+                <a:effectLst/>
+                <a:latin typeface="Consolas" panose="020B0609020204030204" pitchFamily="49" charset="0"/>
+              </a:rPr>
+              <a:t> data/</a:t>
+            </a:r>
+            <a:r>
+              <a:rPr lang="pt-BR" b="0" dirty="0" err="1">
+                <a:solidFill>
+                  <a:srgbClr val="CE9178"/>
+                </a:solidFill>
+                <a:effectLst/>
+                <a:latin typeface="Consolas" panose="020B0609020204030204" pitchFamily="49" charset="0"/>
+              </a:rPr>
+              <a:t>dp.json</a:t>
+            </a:r>
+            <a:r>
+              <a:rPr lang="pt-BR" b="0" dirty="0">
+                <a:solidFill>
+                  <a:srgbClr val="CE9178"/>
+                </a:solidFill>
+                <a:effectLst/>
+                <a:latin typeface="Consolas" panose="020B0609020204030204" pitchFamily="49" charset="0"/>
+              </a:rPr>
+              <a:t>"</a:t>
+            </a:r>
+            <a:endParaRPr lang="pt-BR" b="0" dirty="0">
+              <a:solidFill>
+                <a:srgbClr val="CCCCCC"/>
+              </a:solidFill>
+              <a:effectLst/>
+              <a:latin typeface="Consolas" panose="020B0609020204030204" pitchFamily="49" charset="0"/>
+            </a:endParaRPr>
+          </a:p>
+          <a:p>
+            <a:pPr>
+              <a:lnSpc>
+                <a:spcPts val="2325"/>
+              </a:lnSpc>
+            </a:pPr>
+            <a:r>
+              <a:rPr lang="pt-BR" b="0" dirty="0">
+                <a:solidFill>
+                  <a:srgbClr val="CCCCCC"/>
+                </a:solidFill>
+                <a:effectLst/>
+                <a:latin typeface="Consolas" panose="020B0609020204030204" pitchFamily="49" charset="0"/>
+              </a:rPr>
+              <a:t>  },</a:t>
+            </a:r>
+          </a:p>
+          <a:p>
+            <a:pPr marL="0" indent="0">
+              <a:buNone/>
+            </a:pPr>
+            <a:endParaRPr lang="pt-BR" b="1" dirty="0"/>
+          </a:p>
+          <a:p>
+            <a:endParaRPr lang="pt-BR" dirty="0"/>
+          </a:p>
+        </p:txBody>
+      </p:sp>
+      <p:sp>
+        <p:nvSpPr>
+          <p:cNvPr id="4" name="Rectangle 1">
+            <a:extLst>
+              <a:ext uri="{FF2B5EF4-FFF2-40B4-BE49-F238E27FC236}">
+                <a16:creationId xmlns:a16="http://schemas.microsoft.com/office/drawing/2014/main" id="{74214E9C-DF4D-AFFE-7D79-79302E7FCDE4}"/>
+              </a:ext>
+            </a:extLst>
+          </p:cNvPr>
+          <p:cNvSpPr>
+            <a:spLocks noChangeArrowheads="1"/>
+          </p:cNvSpPr>
+          <p:nvPr/>
+        </p:nvSpPr>
+        <p:spPr bwMode="auto">
+          <a:xfrm>
+            <a:off x="7534275" y="2783870"/>
+            <a:ext cx="3819525" cy="1569660"/>
+          </a:xfrm>
+          <a:prstGeom prst="rect">
+            <a:avLst/>
+          </a:prstGeom>
+          <a:noFill/>
+          <a:ln>
+            <a:noFill/>
+          </a:ln>
+          <a:effectLst/>
+          <a:extLst>
+            <a:ext uri="{909E8E84-426E-40DD-AFC4-6F175D3DCCD1}">
+              <a14:hiddenFill xmlns:a14="http://schemas.microsoft.com/office/drawing/2010/main">
+                <a:solidFill>
+                  <a:schemeClr val="accent1"/>
+                </a:solidFill>
+              </a14:hiddenFill>
+            </a:ext>
+            <a:ext uri="{91240B29-F687-4F45-9708-019B960494DF}">
+              <a14:hiddenLine xmlns:a14="http://schemas.microsoft.com/office/drawing/2010/main" w="9525">
+                <a:solidFill>
+                  <a:schemeClr val="tx1"/>
+                </a:solidFill>
+                <a:miter lim="800000"/>
+                <a:headEnd/>
+                <a:tailEnd/>
+              </a14:hiddenLine>
+            </a:ext>
+            <a:ext uri="{AF507438-7753-43E0-B8FC-AC1667EBCBE1}">
+              <a14:hiddenEffects xmlns:a14="http://schemas.microsoft.com/office/drawing/2010/main">
+                <a:effectLst>
+                  <a:outerShdw dist="35921" dir="2700000" algn="ctr" rotWithShape="0">
+                    <a:schemeClr val="bg2"/>
+                  </a:outerShdw>
+                </a:effectLst>
+              </a14:hiddenEffects>
+            </a:ext>
+          </a:extLst>
+        </p:spPr>
+        <p:txBody>
+          <a:bodyPr vert="horz" wrap="square" lIns="91440" tIns="45720" rIns="91440" bIns="45720" numCol="1" anchor="ctr" anchorCtr="0" compatLnSpc="1">
+            <a:prstTxWarp prst="textNoShape">
+              <a:avLst/>
+            </a:prstTxWarp>
+            <a:spAutoFit/>
+          </a:bodyPr>
+          <a:lstStyle/>
+          <a:p>
+            <a:pPr marL="0" marR="0" lvl="0" indent="0" algn="l" defTabSz="914400" rtl="0" eaLnBrk="0" fontAlgn="base" latinLnBrk="0" hangingPunct="0">
+              <a:lnSpc>
+                <a:spcPct val="100000"/>
+              </a:lnSpc>
+              <a:spcBef>
+                <a:spcPct val="0"/>
+              </a:spcBef>
+              <a:spcAft>
+                <a:spcPct val="0"/>
+              </a:spcAft>
+              <a:buClrTx/>
+              <a:buSzTx/>
+              <a:buFontTx/>
+              <a:buNone/>
+              <a:tabLst/>
+            </a:pPr>
+            <a:r>
+              <a:rPr kumimoji="0" lang="pt-BR" altLang="pt-BR" sz="1600" b="0" i="0" u="none" strike="noStrike" cap="none" normalizeH="0" baseline="0" dirty="0">
+                <a:ln>
+                  <a:noFill/>
+                </a:ln>
+                <a:solidFill>
+                  <a:schemeClr val="tx1"/>
+                </a:solidFill>
+                <a:effectLst/>
+                <a:latin typeface="Arial" panose="020B0604020202020204" pitchFamily="34" charset="0"/>
+              </a:rPr>
+              <a:t>O comando diz </a:t>
+            </a:r>
+            <a:r>
+              <a:rPr kumimoji="0" lang="pt-BR" altLang="pt-BR" sz="1600" b="1" i="0" u="none" strike="noStrike" cap="none" normalizeH="0" baseline="0" dirty="0">
+                <a:ln>
+                  <a:noFill/>
+                </a:ln>
+                <a:solidFill>
+                  <a:schemeClr val="tx1"/>
+                </a:solidFill>
+                <a:effectLst/>
+                <a:latin typeface="Arial" panose="020B0604020202020204" pitchFamily="34" charset="0"/>
+              </a:rPr>
+              <a:t>ao </a:t>
+            </a:r>
+            <a:r>
+              <a:rPr kumimoji="0" lang="pt-BR" altLang="pt-BR" sz="1600" b="1" i="0" u="none" strike="noStrike" cap="none" normalizeH="0" baseline="0" dirty="0" err="1">
+                <a:ln>
+                  <a:noFill/>
+                </a:ln>
+                <a:solidFill>
+                  <a:schemeClr val="tx1"/>
+                </a:solidFill>
+                <a:effectLst/>
+                <a:latin typeface="Arial Unicode MS"/>
+              </a:rPr>
+              <a:t>json</a:t>
+            </a:r>
+            <a:r>
+              <a:rPr kumimoji="0" lang="pt-BR" altLang="pt-BR" sz="1600" b="1" i="0" u="none" strike="noStrike" cap="none" normalizeH="0" baseline="0" dirty="0">
+                <a:ln>
+                  <a:noFill/>
+                </a:ln>
+                <a:solidFill>
+                  <a:schemeClr val="tx1"/>
+                </a:solidFill>
+                <a:effectLst/>
+                <a:latin typeface="Arial Unicode MS"/>
+              </a:rPr>
+              <a:t>-server</a:t>
+            </a:r>
+            <a:r>
+              <a:rPr kumimoji="0" lang="pt-BR" altLang="pt-BR" sz="1600" b="1" i="0" u="none" strike="noStrike" cap="none" normalizeH="0" baseline="0" dirty="0">
+                <a:ln>
+                  <a:noFill/>
+                </a:ln>
+                <a:solidFill>
+                  <a:schemeClr val="tx1"/>
+                </a:solidFill>
+                <a:effectLst/>
+              </a:rPr>
+              <a:t> </a:t>
+            </a:r>
+            <a:r>
+              <a:rPr kumimoji="0" lang="pt-BR" altLang="pt-BR" sz="1600" b="0" i="0" u="none" strike="noStrike" cap="none" normalizeH="0" baseline="0" dirty="0">
+                <a:ln>
+                  <a:noFill/>
+                </a:ln>
+                <a:solidFill>
+                  <a:schemeClr val="tx1"/>
+                </a:solidFill>
+                <a:effectLst/>
+              </a:rPr>
+              <a:t>para "vigiar" (</a:t>
+            </a:r>
+            <a:r>
+              <a:rPr kumimoji="0" lang="pt-BR" altLang="pt-BR" sz="1600" b="1" i="0" u="none" strike="noStrike" cap="none" normalizeH="0" baseline="0" dirty="0" err="1">
+                <a:ln>
+                  <a:noFill/>
+                </a:ln>
+                <a:solidFill>
+                  <a:schemeClr val="tx1"/>
+                </a:solidFill>
+                <a:effectLst/>
+              </a:rPr>
+              <a:t>watch</a:t>
+            </a:r>
+            <a:r>
+              <a:rPr kumimoji="0" lang="pt-BR" altLang="pt-BR" sz="1600" b="0" i="0" u="none" strike="noStrike" cap="none" normalizeH="0" baseline="0" dirty="0">
+                <a:ln>
+                  <a:noFill/>
+                </a:ln>
+                <a:solidFill>
+                  <a:schemeClr val="tx1"/>
+                </a:solidFill>
+                <a:effectLst/>
+              </a:rPr>
+              <a:t>) o arquivo </a:t>
+            </a:r>
+            <a:r>
+              <a:rPr kumimoji="0" lang="pt-BR" altLang="pt-BR" sz="1600" b="1" i="0" u="none" strike="noStrike" cap="none" normalizeH="0" baseline="0" dirty="0">
+                <a:ln>
+                  <a:noFill/>
+                </a:ln>
+                <a:solidFill>
+                  <a:schemeClr val="tx1"/>
+                </a:solidFill>
+                <a:effectLst/>
+                <a:latin typeface="Arial Unicode MS"/>
+              </a:rPr>
+              <a:t>data/</a:t>
+            </a:r>
+            <a:r>
+              <a:rPr kumimoji="0" lang="pt-BR" altLang="pt-BR" sz="1600" b="1" i="0" u="none" strike="noStrike" cap="none" normalizeH="0" baseline="0" dirty="0" err="1">
+                <a:ln>
+                  <a:noFill/>
+                </a:ln>
+                <a:solidFill>
+                  <a:schemeClr val="tx1"/>
+                </a:solidFill>
+                <a:effectLst/>
+                <a:latin typeface="Arial Unicode MS"/>
+              </a:rPr>
+              <a:t>dp.json</a:t>
+            </a:r>
+            <a:r>
+              <a:rPr kumimoji="0" lang="pt-BR" altLang="pt-BR" sz="1600" b="1" i="0" u="none" strike="noStrike" cap="none" normalizeH="0" baseline="0" dirty="0">
+                <a:ln>
+                  <a:noFill/>
+                </a:ln>
+                <a:solidFill>
+                  <a:schemeClr val="tx1"/>
+                </a:solidFill>
+                <a:effectLst/>
+              </a:rPr>
+              <a:t>.</a:t>
+            </a:r>
+            <a:r>
+              <a:rPr kumimoji="0" lang="pt-BR" altLang="pt-BR" sz="1600" b="0" i="0" u="none" strike="noStrike" cap="none" normalizeH="0" baseline="0" dirty="0">
+                <a:ln>
+                  <a:noFill/>
+                </a:ln>
+                <a:solidFill>
+                  <a:schemeClr val="tx1"/>
+                </a:solidFill>
+                <a:effectLst/>
+              </a:rPr>
+              <a:t> Ou seja, ele vai usar esse arquivo JSON para servir como um </a:t>
+            </a:r>
+            <a:r>
+              <a:rPr kumimoji="0" lang="pt-BR" altLang="pt-BR" sz="1600" b="1" i="0" u="none" strike="noStrike" cap="none" normalizeH="0" baseline="0" dirty="0">
+                <a:ln>
+                  <a:noFill/>
+                </a:ln>
+                <a:solidFill>
+                  <a:schemeClr val="tx1"/>
+                </a:solidFill>
+                <a:effectLst/>
+              </a:rPr>
+              <a:t>banco de dados falso</a:t>
+            </a:r>
+            <a:r>
+              <a:rPr kumimoji="0" lang="pt-BR" altLang="pt-BR" sz="1600" b="0" i="0" u="none" strike="noStrike" cap="none" normalizeH="0" baseline="0" dirty="0">
+                <a:ln>
+                  <a:noFill/>
+                </a:ln>
+                <a:solidFill>
+                  <a:schemeClr val="tx1"/>
+                </a:solidFill>
+                <a:effectLst/>
+              </a:rPr>
+              <a:t> e ficará atento a qualquer mudança nesse arquivo em tempo real. </a:t>
+            </a:r>
+            <a:endParaRPr kumimoji="0" lang="pt-BR" altLang="pt-BR" sz="1600" b="0" i="0" u="none" strike="noStrike" cap="none" normalizeH="0" baseline="0" dirty="0">
+              <a:ln>
+                <a:noFill/>
+              </a:ln>
+              <a:solidFill>
+                <a:schemeClr val="tx1"/>
+              </a:solidFill>
+              <a:effectLst/>
+              <a:latin typeface="Arial" panose="020B0604020202020204" pitchFamily="34" charset="0"/>
+            </a:endParaRPr>
+          </a:p>
+        </p:txBody>
+      </p:sp>
+    </p:spTree>
+    <p:extLst>
+      <p:ext uri="{BB962C8B-B14F-4D97-AF65-F5344CB8AC3E}">
+        <p14:creationId xmlns:p14="http://schemas.microsoft.com/office/powerpoint/2010/main" val="1472354756"/>
+      </p:ext>
+    </p:extLst>
+  </p:cSld>
+  <p:clrMapOvr>
+    <a:masterClrMapping/>
+  </p:clrMapOvr>
+</p:sld>
+</file>
+
+<file path=ppt/slides/slide26.xml><?xml version="1.0" encoding="utf-8"?>
+<p:sld xmlns:a="http://schemas.openxmlformats.org/drawingml/2006/main" xmlns:r="http://schemas.openxmlformats.org/officeDocument/2006/relationships" xmlns:p="http://schemas.openxmlformats.org/presentationml/2006/main">
+  <p:cSld>
+    <p:spTree>
+      <p:nvGrpSpPr>
+        <p:cNvPr id="1" name=""/>
+        <p:cNvGrpSpPr/>
+        <p:nvPr/>
+      </p:nvGrpSpPr>
+      <p:grpSpPr>
+        <a:xfrm>
+          <a:off x="0" y="0"/>
+          <a:ext cx="0" cy="0"/>
+          <a:chOff x="0" y="0"/>
+          <a:chExt cx="0" cy="0"/>
+        </a:xfrm>
+      </p:grpSpPr>
+      <p:sp>
+        <p:nvSpPr>
+          <p:cNvPr id="2" name="Título 1">
+            <a:extLst>
+              <a:ext uri="{FF2B5EF4-FFF2-40B4-BE49-F238E27FC236}">
+                <a16:creationId xmlns:a16="http://schemas.microsoft.com/office/drawing/2014/main" id="{75013375-606D-955A-C4D8-D2F0BD614963}"/>
+              </a:ext>
+            </a:extLst>
+          </p:cNvPr>
+          <p:cNvSpPr>
+            <a:spLocks noGrp="1"/>
+          </p:cNvSpPr>
+          <p:nvPr>
+            <p:ph type="title"/>
+          </p:nvPr>
+        </p:nvSpPr>
+        <p:spPr/>
+        <p:txBody>
+          <a:bodyPr/>
+          <a:lstStyle/>
+          <a:p>
+            <a:r>
+              <a:rPr lang="pt-BR" dirty="0"/>
+              <a:t>Trabalhando com JSON</a:t>
+            </a:r>
+          </a:p>
+        </p:txBody>
+      </p:sp>
+      <p:sp>
+        <p:nvSpPr>
+          <p:cNvPr id="3" name="Espaço Reservado para Conteúdo 2">
+            <a:extLst>
+              <a:ext uri="{FF2B5EF4-FFF2-40B4-BE49-F238E27FC236}">
+                <a16:creationId xmlns:a16="http://schemas.microsoft.com/office/drawing/2014/main" id="{99335FA5-5CA6-B821-7D71-C45D4C19B39C}"/>
+              </a:ext>
+            </a:extLst>
+          </p:cNvPr>
+          <p:cNvSpPr>
+            <a:spLocks noGrp="1"/>
+          </p:cNvSpPr>
+          <p:nvPr>
+            <p:ph idx="1"/>
+          </p:nvPr>
+        </p:nvSpPr>
+        <p:spPr/>
+        <p:txBody>
+          <a:bodyPr/>
+          <a:lstStyle/>
+          <a:p>
+            <a:r>
+              <a:rPr lang="pt-BR" dirty="0"/>
+              <a:t>Precisa criar o arquivo e a pasta:</a:t>
+            </a:r>
+          </a:p>
+        </p:txBody>
+      </p:sp>
+      <p:pic>
+        <p:nvPicPr>
+          <p:cNvPr id="5" name="Imagem 4">
+            <a:extLst>
+              <a:ext uri="{FF2B5EF4-FFF2-40B4-BE49-F238E27FC236}">
+                <a16:creationId xmlns:a16="http://schemas.microsoft.com/office/drawing/2014/main" id="{1AF1E9EA-591D-6B86-ABD0-EAD7B44AC59C}"/>
+              </a:ext>
+            </a:extLst>
+          </p:cNvPr>
+          <p:cNvPicPr>
+            <a:picLocks noChangeAspect="1"/>
+          </p:cNvPicPr>
+          <p:nvPr/>
+        </p:nvPicPr>
+        <p:blipFill>
+          <a:blip r:embed="rId2"/>
+          <a:stretch>
+            <a:fillRect/>
+          </a:stretch>
+        </p:blipFill>
+        <p:spPr>
+          <a:xfrm>
+            <a:off x="5437873" y="2332316"/>
+            <a:ext cx="2753109" cy="4229690"/>
+          </a:xfrm>
+          <a:prstGeom prst="rect">
+            <a:avLst/>
+          </a:prstGeom>
+        </p:spPr>
+      </p:pic>
+    </p:spTree>
+    <p:extLst>
+      <p:ext uri="{BB962C8B-B14F-4D97-AF65-F5344CB8AC3E}">
+        <p14:creationId xmlns:p14="http://schemas.microsoft.com/office/powerpoint/2010/main" val="3023712705"/>
+      </p:ext>
+    </p:extLst>
+  </p:cSld>
+  <p:clrMapOvr>
+    <a:masterClrMapping/>
+  </p:clrMapOvr>
+</p:sld>
+</file>
+
+<file path=ppt/slides/slide27.xml><?xml version="1.0" encoding="utf-8"?>
+<p:sld xmlns:a="http://schemas.openxmlformats.org/drawingml/2006/main" xmlns:r="http://schemas.openxmlformats.org/officeDocument/2006/relationships" xmlns:p="http://schemas.openxmlformats.org/presentationml/2006/main">
+  <p:cSld>
+    <p:bg>
+      <p:bgPr>
+        <a:solidFill>
+          <a:schemeClr val="bg1"/>
+        </a:solidFill>
+        <a:effectLst/>
+      </p:bgPr>
+    </p:bg>
+    <p:spTree>
+      <p:nvGrpSpPr>
+        <p:cNvPr id="1" name=""/>
+        <p:cNvGrpSpPr/>
+        <p:nvPr/>
+      </p:nvGrpSpPr>
+      <p:grpSpPr>
+        <a:xfrm>
+          <a:off x="0" y="0"/>
+          <a:ext cx="0" cy="0"/>
+          <a:chOff x="0" y="0"/>
+          <a:chExt cx="0" cy="0"/>
+        </a:xfrm>
+      </p:grpSpPr>
+      <p:sp useBgFill="1">
+        <p:nvSpPr>
+          <p:cNvPr id="20" name="Rectangle 19">
+            <a:extLst>
+              <a:ext uri="{FF2B5EF4-FFF2-40B4-BE49-F238E27FC236}">
+                <a16:creationId xmlns:a16="http://schemas.microsoft.com/office/drawing/2014/main" id="{BACC6370-2D7E-4714-9D71-7542949D7D5D}"/>
+              </a:ext>
+              <a:ext uri="{C183D7F6-B498-43B3-948B-1728B52AA6E4}">
+                <adec:decorative xmlns:adec="http://schemas.microsoft.com/office/drawing/2017/decorative" val="1"/>
+              </a:ext>
+            </a:extLst>
+          </p:cNvPr>
+          <p:cNvSpPr>
+            <a:spLocks noGrp="1" noRot="1" noChangeAspect="1" noMove="1" noResize="1" noEditPoints="1" noAdjustHandles="1" noChangeArrowheads="1" noChangeShapeType="1" noTextEdit="1"/>
+          </p:cNvSpPr>
+          <p:nvPr>
+            <p:extLst>
+              <p:ext uri="{386F3935-93C4-4BCD-93E2-E3B085C9AB24}">
+                <p16:designElem xmlns:p16="http://schemas.microsoft.com/office/powerpoint/2015/main" val="1"/>
+              </p:ext>
+            </p:extLst>
+          </p:nvPr>
+        </p:nvSpPr>
+        <p:spPr>
+          <a:xfrm>
+            <a:off x="0" y="0"/>
+            <a:ext cx="12192000" cy="6858000"/>
+          </a:xfrm>
+          <a:prstGeom prst="rect">
+            <a:avLst/>
+          </a:prstGeom>
+          <a:ln w="12700" cap="flat" cmpd="sng" algn="ctr">
+            <a:noFill/>
+            <a:prstDash val="solid"/>
+            <a:miter lim="800000"/>
+          </a:ln>
+          <a:effectLst/>
+          <a:extLst>
+            <a:ext uri="{91240B29-F687-4F45-9708-019B960494DF}">
+              <a14:hiddenLine xmlns:a14="http://schemas.microsoft.com/office/drawing/2010/main" w="12700" cap="flat" cmpd="sng" algn="ctr">
+                <a:solidFill>
+                  <a:schemeClr val="accent1">
+                    <a:shade val="50000"/>
+                  </a:schemeClr>
+                </a:solidFill>
+                <a:prstDash val="solid"/>
+                <a:miter lim="800000"/>
+              </a14:hiddenLine>
+            </a:ext>
+          </a:extLst>
+        </p:spPr>
+        <p:style>
+          <a:lnRef idx="2">
+            <a:schemeClr val="accent1">
+              <a:shade val="50000"/>
+            </a:schemeClr>
+          </a:lnRef>
+          <a:fillRef idx="1">
+            <a:schemeClr val="accent1"/>
+          </a:fillRef>
+          <a:effectRef idx="0">
+            <a:schemeClr val="accent1"/>
+          </a:effectRef>
+          <a:fontRef idx="minor">
+            <a:schemeClr val="lt1"/>
+          </a:fontRef>
+        </p:style>
+        <p:txBody>
+          <a:bodyPr rtlCol="0" anchor="ctr"/>
+          <a:lstStyle/>
+          <a:p>
+            <a:pPr algn="ctr"/>
+            <a:endParaRPr lang="en-US"/>
+          </a:p>
+        </p:txBody>
+      </p:sp>
+      <p:sp>
+        <p:nvSpPr>
+          <p:cNvPr id="22" name="Rectangle 21">
+            <a:extLst>
+              <a:ext uri="{FF2B5EF4-FFF2-40B4-BE49-F238E27FC236}">
+                <a16:creationId xmlns:a16="http://schemas.microsoft.com/office/drawing/2014/main" id="{F68B3F68-107C-434F-AA38-110D5EA91B85}"/>
+              </a:ext>
+              <a:ext uri="{C183D7F6-B498-43B3-948B-1728B52AA6E4}">
+                <adec:decorative xmlns:adec="http://schemas.microsoft.com/office/drawing/2017/decorative" val="1"/>
+              </a:ext>
+            </a:extLst>
+          </p:cNvPr>
+          <p:cNvSpPr>
+            <a:spLocks noGrp="1" noRot="1" noChangeAspect="1" noMove="1" noResize="1" noEditPoints="1" noAdjustHandles="1" noChangeArrowheads="1" noChangeShapeType="1" noTextEdit="1"/>
+          </p:cNvSpPr>
+          <p:nvPr>
+            <p:extLst>
+              <p:ext uri="{386F3935-93C4-4BCD-93E2-E3B085C9AB24}">
+                <p16:designElem xmlns:p16="http://schemas.microsoft.com/office/powerpoint/2015/main" val="1"/>
+              </p:ext>
+            </p:extLst>
+          </p:nvPr>
+        </p:nvSpPr>
+        <p:spPr>
+          <a:xfrm flipH="1">
+            <a:off x="2" y="0"/>
+            <a:ext cx="12191998" cy="2170031"/>
+          </a:xfrm>
+          <a:prstGeom prst="rect">
+            <a:avLst/>
+          </a:prstGeom>
+          <a:gradFill>
+            <a:gsLst>
+              <a:gs pos="0">
+                <a:srgbClr val="000000">
+                  <a:alpha val="96000"/>
+                </a:srgbClr>
+              </a:gs>
+              <a:gs pos="100000">
+                <a:schemeClr val="accent1">
+                  <a:lumMod val="75000"/>
+                </a:schemeClr>
+              </a:gs>
+            </a:gsLst>
+            <a:lin ang="19800000" scaled="0"/>
+          </a:gradFill>
+          <a:ln>
+            <a:noFill/>
+          </a:ln>
+        </p:spPr>
+        <p:style>
+          <a:lnRef idx="2">
+            <a:schemeClr val="accent1">
+              <a:shade val="50000"/>
+            </a:schemeClr>
+          </a:lnRef>
+          <a:fillRef idx="1">
+            <a:schemeClr val="accent1"/>
+          </a:fillRef>
+          <a:effectRef idx="0">
+            <a:schemeClr val="accent1"/>
+          </a:effectRef>
+          <a:fontRef idx="minor">
+            <a:schemeClr val="lt1"/>
+          </a:fontRef>
+        </p:style>
+        <p:txBody>
+          <a:bodyPr rtlCol="0" anchor="ctr"/>
+          <a:lstStyle/>
+          <a:p>
+            <a:pPr algn="ctr"/>
+            <a:endParaRPr lang="en-US"/>
+          </a:p>
+        </p:txBody>
+      </p:sp>
+      <p:sp>
+        <p:nvSpPr>
+          <p:cNvPr id="24" name="Rectangle 23">
+            <a:extLst>
+              <a:ext uri="{FF2B5EF4-FFF2-40B4-BE49-F238E27FC236}">
+                <a16:creationId xmlns:a16="http://schemas.microsoft.com/office/drawing/2014/main" id="{AAD0DBB9-1A4B-4391-81D4-CB19F9AB918A}"/>
+              </a:ext>
+              <a:ext uri="{C183D7F6-B498-43B3-948B-1728B52AA6E4}">
+                <adec:decorative xmlns:adec="http://schemas.microsoft.com/office/drawing/2017/decorative" val="1"/>
+              </a:ext>
+            </a:extLst>
+          </p:cNvPr>
+          <p:cNvSpPr>
+            <a:spLocks noGrp="1" noRot="1" noChangeAspect="1" noMove="1" noResize="1" noEditPoints="1" noAdjustHandles="1" noChangeArrowheads="1" noChangeShapeType="1" noTextEdit="1"/>
+          </p:cNvSpPr>
+          <p:nvPr>
+            <p:extLst>
+              <p:ext uri="{386F3935-93C4-4BCD-93E2-E3B085C9AB24}">
+                <p16:designElem xmlns:p16="http://schemas.microsoft.com/office/powerpoint/2015/main" val="1"/>
+              </p:ext>
+            </p:extLst>
+          </p:nvPr>
+        </p:nvSpPr>
+        <p:spPr>
+          <a:xfrm flipH="1">
+            <a:off x="8082819" y="0"/>
+            <a:ext cx="4097211" cy="2170661"/>
+          </a:xfrm>
+          <a:prstGeom prst="rect">
+            <a:avLst/>
+          </a:prstGeom>
+          <a:gradFill>
+            <a:gsLst>
+              <a:gs pos="19000">
+                <a:schemeClr val="accent1">
+                  <a:lumMod val="50000"/>
+                  <a:alpha val="68000"/>
+                </a:schemeClr>
+              </a:gs>
+              <a:gs pos="100000">
+                <a:schemeClr val="accent1">
+                  <a:alpha val="48000"/>
+                </a:schemeClr>
+              </a:gs>
+            </a:gsLst>
+            <a:lin ang="19200000" scaled="0"/>
+          </a:gradFill>
+          <a:ln>
+            <a:noFill/>
+          </a:ln>
+        </p:spPr>
+        <p:style>
+          <a:lnRef idx="2">
+            <a:schemeClr val="accent1">
+              <a:shade val="50000"/>
+            </a:schemeClr>
+          </a:lnRef>
+          <a:fillRef idx="1">
+            <a:schemeClr val="accent1"/>
+          </a:fillRef>
+          <a:effectRef idx="0">
+            <a:schemeClr val="accent1"/>
+          </a:effectRef>
+          <a:fontRef idx="minor">
+            <a:schemeClr val="lt1"/>
+          </a:fontRef>
+        </p:style>
+        <p:txBody>
+          <a:bodyPr rtlCol="0" anchor="ctr"/>
+          <a:lstStyle/>
+          <a:p>
+            <a:pPr algn="ctr"/>
+            <a:endParaRPr lang="en-US"/>
+          </a:p>
+        </p:txBody>
+      </p:sp>
+      <p:sp>
+        <p:nvSpPr>
+          <p:cNvPr id="26" name="Rectangle 25">
+            <a:extLst>
+              <a:ext uri="{FF2B5EF4-FFF2-40B4-BE49-F238E27FC236}">
+                <a16:creationId xmlns:a16="http://schemas.microsoft.com/office/drawing/2014/main" id="{063BBA22-50EA-4C4D-BE05-F1CE4E63AA56}"/>
+              </a:ext>
+              <a:ext uri="{C183D7F6-B498-43B3-948B-1728B52AA6E4}">
+                <adec:decorative xmlns:adec="http://schemas.microsoft.com/office/drawing/2017/decorative" val="1"/>
+              </a:ext>
+            </a:extLst>
+          </p:cNvPr>
+          <p:cNvSpPr>
+            <a:spLocks noGrp="1" noRot="1" noChangeAspect="1" noMove="1" noResize="1" noEditPoints="1" noAdjustHandles="1" noChangeArrowheads="1" noChangeShapeType="1" noTextEdit="1"/>
+          </p:cNvSpPr>
+          <p:nvPr>
+            <p:extLst>
+              <p:ext uri="{386F3935-93C4-4BCD-93E2-E3B085C9AB24}">
+                <p16:designElem xmlns:p16="http://schemas.microsoft.com/office/powerpoint/2015/main" val="1"/>
+              </p:ext>
+            </p:extLst>
+          </p:nvPr>
+        </p:nvSpPr>
+        <p:spPr>
+          <a:xfrm rot="16200000" flipH="1">
+            <a:off x="5010646" y="-5010043"/>
+            <a:ext cx="2170709" cy="12192000"/>
+          </a:xfrm>
+          <a:prstGeom prst="rect">
+            <a:avLst/>
+          </a:prstGeom>
+          <a:gradFill>
+            <a:gsLst>
+              <a:gs pos="23000">
+                <a:schemeClr val="accent1">
+                  <a:lumMod val="75000"/>
+                  <a:alpha val="16000"/>
+                </a:schemeClr>
+              </a:gs>
+              <a:gs pos="99000">
+                <a:srgbClr val="000000">
+                  <a:alpha val="45000"/>
+                </a:srgbClr>
+              </a:gs>
+            </a:gsLst>
+            <a:lin ang="21000000" scaled="0"/>
+          </a:gradFill>
+          <a:ln>
+            <a:noFill/>
+          </a:ln>
+        </p:spPr>
+        <p:style>
+          <a:lnRef idx="2">
+            <a:schemeClr val="accent1">
+              <a:shade val="50000"/>
+            </a:schemeClr>
+          </a:lnRef>
+          <a:fillRef idx="1">
+            <a:schemeClr val="accent1"/>
+          </a:fillRef>
+          <a:effectRef idx="0">
+            <a:schemeClr val="accent1"/>
+          </a:effectRef>
+          <a:fontRef idx="minor">
+            <a:schemeClr val="lt1"/>
+          </a:fontRef>
+        </p:style>
+        <p:txBody>
+          <a:bodyPr rtlCol="0" anchor="ctr"/>
+          <a:lstStyle/>
+          <a:p>
+            <a:pPr algn="ctr"/>
+            <a:endParaRPr lang="en-US" dirty="0"/>
+          </a:p>
+        </p:txBody>
+      </p:sp>
+      <p:sp>
+        <p:nvSpPr>
+          <p:cNvPr id="2" name="Título 1">
+            <a:extLst>
+              <a:ext uri="{FF2B5EF4-FFF2-40B4-BE49-F238E27FC236}">
+                <a16:creationId xmlns:a16="http://schemas.microsoft.com/office/drawing/2014/main" id="{35859361-C9A7-15C5-68B6-B49BEFE87EC0}"/>
+              </a:ext>
+            </a:extLst>
+          </p:cNvPr>
+          <p:cNvSpPr>
+            <a:spLocks noGrp="1"/>
+          </p:cNvSpPr>
+          <p:nvPr>
+            <p:ph type="title"/>
+          </p:nvPr>
+        </p:nvSpPr>
+        <p:spPr>
+          <a:xfrm>
+            <a:off x="1383564" y="348865"/>
+            <a:ext cx="9718111" cy="1576446"/>
+          </a:xfrm>
+        </p:spPr>
+        <p:txBody>
+          <a:bodyPr anchor="ctr">
+            <a:normAutofit/>
+          </a:bodyPr>
+          <a:lstStyle/>
+          <a:p>
+            <a:r>
+              <a:rPr lang="pt-BR" sz="4000">
+                <a:solidFill>
+                  <a:srgbClr val="FFFFFF"/>
+                </a:solidFill>
+              </a:rPr>
+              <a:t>Abrindo o servidor</a:t>
+            </a:r>
+          </a:p>
+        </p:txBody>
+      </p:sp>
+      <p:graphicFrame>
+        <p:nvGraphicFramePr>
+          <p:cNvPr id="5" name="Espaço Reservado para Conteúdo 2">
+            <a:extLst>
+              <a:ext uri="{FF2B5EF4-FFF2-40B4-BE49-F238E27FC236}">
+                <a16:creationId xmlns:a16="http://schemas.microsoft.com/office/drawing/2014/main" id="{F7EF1959-E606-DAC1-FEB4-FF3CFA581528}"/>
+              </a:ext>
+            </a:extLst>
+          </p:cNvPr>
+          <p:cNvGraphicFramePr>
+            <a:graphicFrameLocks noGrp="1"/>
+          </p:cNvGraphicFramePr>
+          <p:nvPr>
+            <p:ph idx="1"/>
+            <p:extLst>
+              <p:ext uri="{D42A27DB-BD31-4B8C-83A1-F6EECF244321}">
+                <p14:modId xmlns:p14="http://schemas.microsoft.com/office/powerpoint/2010/main" val="3433577118"/>
+              </p:ext>
+            </p:extLst>
+          </p:nvPr>
+        </p:nvGraphicFramePr>
+        <p:xfrm>
+          <a:off x="644056" y="2615979"/>
+          <a:ext cx="10927829" cy="3689405"/>
+        </p:xfrm>
+        <a:graphic>
+          <a:graphicData uri="http://schemas.openxmlformats.org/drawingml/2006/diagram">
+            <dgm:relIds xmlns:dgm="http://schemas.openxmlformats.org/drawingml/2006/diagram" xmlns:r="http://schemas.openxmlformats.org/officeDocument/2006/relationships" r:dm="rId2" r:lo="rId3" r:qs="rId4" r:cs="rId5"/>
+          </a:graphicData>
+        </a:graphic>
+      </p:graphicFrame>
+      <p:sp>
+        <p:nvSpPr>
+          <p:cNvPr id="6" name="CaixaDeTexto 5">
+            <a:extLst>
+              <a:ext uri="{FF2B5EF4-FFF2-40B4-BE49-F238E27FC236}">
+                <a16:creationId xmlns:a16="http://schemas.microsoft.com/office/drawing/2014/main" id="{2896C1F2-29AA-25C0-29FE-C8FEE047CE28}"/>
+              </a:ext>
+            </a:extLst>
+          </p:cNvPr>
+          <p:cNvSpPr txBox="1"/>
+          <p:nvPr/>
+        </p:nvSpPr>
+        <p:spPr>
+          <a:xfrm>
+            <a:off x="390525" y="6426362"/>
+            <a:ext cx="9658349" cy="369332"/>
+          </a:xfrm>
+          <a:prstGeom prst="rect">
+            <a:avLst/>
+          </a:prstGeom>
+          <a:noFill/>
+        </p:spPr>
+        <p:txBody>
+          <a:bodyPr wrap="square">
+            <a:spAutoFit/>
+          </a:bodyPr>
+          <a:lstStyle/>
+          <a:p>
+            <a:r>
+              <a:rPr lang="pt-BR" b="1" dirty="0"/>
+              <a:t>Quer saber mais: </a:t>
+            </a:r>
+            <a:r>
+              <a:rPr lang="pt-BR" dirty="0"/>
+              <a:t>https://www.npmjs.com/package/json-server</a:t>
+            </a:r>
+          </a:p>
+        </p:txBody>
+      </p:sp>
+    </p:spTree>
+    <p:extLst>
+      <p:ext uri="{BB962C8B-B14F-4D97-AF65-F5344CB8AC3E}">
+        <p14:creationId xmlns:p14="http://schemas.microsoft.com/office/powerpoint/2010/main" val="271159331"/>
+      </p:ext>
+    </p:extLst>
+  </p:cSld>
+  <p:clrMapOvr>
+    <a:masterClrMapping/>
+  </p:clrMapOvr>
+</p:sld>
+</file>
+
+<file path=ppt/slides/slide28.xml><?xml version="1.0" encoding="utf-8"?>
+<p:sld xmlns:a="http://schemas.openxmlformats.org/drawingml/2006/main" xmlns:r="http://schemas.openxmlformats.org/officeDocument/2006/relationships" xmlns:p="http://schemas.openxmlformats.org/presentationml/2006/main">
+  <p:cSld>
+    <p:spTree>
+      <p:nvGrpSpPr>
+        <p:cNvPr id="1" name=""/>
+        <p:cNvGrpSpPr/>
+        <p:nvPr/>
+      </p:nvGrpSpPr>
+      <p:grpSpPr>
+        <a:xfrm>
+          <a:off x="0" y="0"/>
+          <a:ext cx="0" cy="0"/>
+          <a:chOff x="0" y="0"/>
+          <a:chExt cx="0" cy="0"/>
+        </a:xfrm>
+      </p:grpSpPr>
+      <p:sp>
+        <p:nvSpPr>
+          <p:cNvPr id="2" name="Título 1">
+            <a:extLst>
+              <a:ext uri="{FF2B5EF4-FFF2-40B4-BE49-F238E27FC236}">
+                <a16:creationId xmlns:a16="http://schemas.microsoft.com/office/drawing/2014/main" id="{ACF1DB13-542A-CA0A-6FD1-6B0258C9890A}"/>
+              </a:ext>
+            </a:extLst>
+          </p:cNvPr>
+          <p:cNvSpPr>
+            <a:spLocks noGrp="1"/>
+          </p:cNvSpPr>
+          <p:nvPr>
+            <p:ph type="title"/>
+          </p:nvPr>
+        </p:nvSpPr>
+        <p:spPr/>
+        <p:txBody>
+          <a:bodyPr/>
+          <a:lstStyle/>
+          <a:p>
+            <a:r>
+              <a:rPr lang="pt-BR" dirty="0"/>
+              <a:t>Importar </a:t>
+            </a:r>
+            <a:r>
+              <a:rPr lang="pt-BR" dirty="0" err="1"/>
+              <a:t>useEffect</a:t>
+            </a:r>
+            <a:endParaRPr lang="pt-BR" dirty="0"/>
+          </a:p>
+        </p:txBody>
+      </p:sp>
+      <p:sp>
+        <p:nvSpPr>
+          <p:cNvPr id="3" name="Espaço Reservado para Conteúdo 2">
+            <a:extLst>
+              <a:ext uri="{FF2B5EF4-FFF2-40B4-BE49-F238E27FC236}">
+                <a16:creationId xmlns:a16="http://schemas.microsoft.com/office/drawing/2014/main" id="{A4460BD6-6F9F-D49E-66F8-BCC5A179D2DD}"/>
+              </a:ext>
+            </a:extLst>
+          </p:cNvPr>
+          <p:cNvSpPr>
+            <a:spLocks noGrp="1"/>
+          </p:cNvSpPr>
+          <p:nvPr>
+            <p:ph idx="1"/>
+          </p:nvPr>
+        </p:nvSpPr>
+        <p:spPr/>
+        <p:txBody>
+          <a:bodyPr/>
+          <a:lstStyle/>
+          <a:p>
+            <a:r>
+              <a:rPr lang="pt-BR" dirty="0"/>
+              <a:t>Faz com que seja possível controlar a execução de uma ação;</a:t>
+            </a:r>
+          </a:p>
+          <a:p>
+            <a:r>
+              <a:rPr lang="pt-BR" dirty="0"/>
+              <a:t>Isso é importante pois se não o utilizamos o recurso pode ser reexecutados a cada </a:t>
+            </a:r>
+            <a:r>
+              <a:rPr lang="pt-BR" dirty="0" err="1"/>
+              <a:t>re-renderização</a:t>
+            </a:r>
+            <a:r>
+              <a:rPr lang="pt-BR" dirty="0"/>
+              <a:t>;</a:t>
+            </a:r>
+          </a:p>
+          <a:p>
+            <a:r>
+              <a:rPr lang="pt-BR" dirty="0"/>
+              <a:t>O </a:t>
+            </a:r>
+            <a:r>
+              <a:rPr lang="pt-BR" dirty="0" err="1"/>
+              <a:t>useEffect</a:t>
+            </a:r>
+            <a:r>
+              <a:rPr lang="pt-BR" dirty="0"/>
+              <a:t> possui um </a:t>
+            </a:r>
+            <a:r>
+              <a:rPr lang="pt-BR" dirty="0" err="1"/>
+              <a:t>array</a:t>
+            </a:r>
+            <a:r>
+              <a:rPr lang="pt-BR" dirty="0"/>
+              <a:t> de dependências que coordena o que permite a execução do código;</a:t>
+            </a:r>
+          </a:p>
+          <a:p>
+            <a:r>
+              <a:rPr lang="pt-BR" dirty="0"/>
+              <a:t>O </a:t>
+            </a:r>
+            <a:r>
+              <a:rPr lang="pt-BR" dirty="0" err="1"/>
+              <a:t>useEffect</a:t>
+            </a:r>
+            <a:r>
+              <a:rPr lang="pt-BR" dirty="0"/>
+              <a:t> é comum nas requisições HTTP</a:t>
+            </a:r>
+          </a:p>
+        </p:txBody>
+      </p:sp>
+    </p:spTree>
+    <p:extLst>
+      <p:ext uri="{BB962C8B-B14F-4D97-AF65-F5344CB8AC3E}">
+        <p14:creationId xmlns:p14="http://schemas.microsoft.com/office/powerpoint/2010/main" val="1841657080"/>
       </p:ext>
     </p:extLst>
   </p:cSld>

--- a/React.pptx
+++ b/React.pptx
@@ -33,6 +33,9 @@
     <p:sldId id="281" r:id="rId27"/>
     <p:sldId id="282" r:id="rId28"/>
     <p:sldId id="283" r:id="rId29"/>
+    <p:sldId id="284" r:id="rId30"/>
+    <p:sldId id="285" r:id="rId31"/>
+    <p:sldId id="286" r:id="rId32"/>
   </p:sldIdLst>
   <p:sldSz cx="12192000" cy="6858000"/>
   <p:notesSz cx="6858000" cy="9144000"/>
@@ -3753,7 +3756,7 @@
           <a:p>
             <a:fld id="{EFE63C55-2C78-4637-A6E7-BF8B7B1798D2}" type="datetimeFigureOut">
               <a:rPr lang="pt-BR" smtClean="0"/>
-              <a:t>19/03/2025</a:t>
+              <a:t>20/03/2025</a:t>
             </a:fld>
             <a:endParaRPr lang="pt-BR"/>
           </a:p>
@@ -3951,7 +3954,7 @@
           <a:p>
             <a:fld id="{EFE63C55-2C78-4637-A6E7-BF8B7B1798D2}" type="datetimeFigureOut">
               <a:rPr lang="pt-BR" smtClean="0"/>
-              <a:t>19/03/2025</a:t>
+              <a:t>20/03/2025</a:t>
             </a:fld>
             <a:endParaRPr lang="pt-BR"/>
           </a:p>
@@ -4159,7 +4162,7 @@
           <a:p>
             <a:fld id="{EFE63C55-2C78-4637-A6E7-BF8B7B1798D2}" type="datetimeFigureOut">
               <a:rPr lang="pt-BR" smtClean="0"/>
-              <a:t>19/03/2025</a:t>
+              <a:t>20/03/2025</a:t>
             </a:fld>
             <a:endParaRPr lang="pt-BR"/>
           </a:p>
@@ -4357,7 +4360,7 @@
           <a:p>
             <a:fld id="{EFE63C55-2C78-4637-A6E7-BF8B7B1798D2}" type="datetimeFigureOut">
               <a:rPr lang="pt-BR" smtClean="0"/>
-              <a:t>19/03/2025</a:t>
+              <a:t>20/03/2025</a:t>
             </a:fld>
             <a:endParaRPr lang="pt-BR"/>
           </a:p>
@@ -4632,7 +4635,7 @@
           <a:p>
             <a:fld id="{EFE63C55-2C78-4637-A6E7-BF8B7B1798D2}" type="datetimeFigureOut">
               <a:rPr lang="pt-BR" smtClean="0"/>
-              <a:t>19/03/2025</a:t>
+              <a:t>20/03/2025</a:t>
             </a:fld>
             <a:endParaRPr lang="pt-BR"/>
           </a:p>
@@ -4897,7 +4900,7 @@
           <a:p>
             <a:fld id="{EFE63C55-2C78-4637-A6E7-BF8B7B1798D2}" type="datetimeFigureOut">
               <a:rPr lang="pt-BR" smtClean="0"/>
-              <a:t>19/03/2025</a:t>
+              <a:t>20/03/2025</a:t>
             </a:fld>
             <a:endParaRPr lang="pt-BR"/>
           </a:p>
@@ -5309,7 +5312,7 @@
           <a:p>
             <a:fld id="{EFE63C55-2C78-4637-A6E7-BF8B7B1798D2}" type="datetimeFigureOut">
               <a:rPr lang="pt-BR" smtClean="0"/>
-              <a:t>19/03/2025</a:t>
+              <a:t>20/03/2025</a:t>
             </a:fld>
             <a:endParaRPr lang="pt-BR"/>
           </a:p>
@@ -5450,7 +5453,7 @@
           <a:p>
             <a:fld id="{EFE63C55-2C78-4637-A6E7-BF8B7B1798D2}" type="datetimeFigureOut">
               <a:rPr lang="pt-BR" smtClean="0"/>
-              <a:t>19/03/2025</a:t>
+              <a:t>20/03/2025</a:t>
             </a:fld>
             <a:endParaRPr lang="pt-BR"/>
           </a:p>
@@ -5563,7 +5566,7 @@
           <a:p>
             <a:fld id="{EFE63C55-2C78-4637-A6E7-BF8B7B1798D2}" type="datetimeFigureOut">
               <a:rPr lang="pt-BR" smtClean="0"/>
-              <a:t>19/03/2025</a:t>
+              <a:t>20/03/2025</a:t>
             </a:fld>
             <a:endParaRPr lang="pt-BR"/>
           </a:p>
@@ -5874,7 +5877,7 @@
           <a:p>
             <a:fld id="{EFE63C55-2C78-4637-A6E7-BF8B7B1798D2}" type="datetimeFigureOut">
               <a:rPr lang="pt-BR" smtClean="0"/>
-              <a:t>19/03/2025</a:t>
+              <a:t>20/03/2025</a:t>
             </a:fld>
             <a:endParaRPr lang="pt-BR"/>
           </a:p>
@@ -6162,7 +6165,7 @@
           <a:p>
             <a:fld id="{EFE63C55-2C78-4637-A6E7-BF8B7B1798D2}" type="datetimeFigureOut">
               <a:rPr lang="pt-BR" smtClean="0"/>
-              <a:t>19/03/2025</a:t>
+              <a:t>20/03/2025</a:t>
             </a:fld>
             <a:endParaRPr lang="pt-BR"/>
           </a:p>
@@ -6403,7 +6406,7 @@
           <a:p>
             <a:fld id="{EFE63C55-2C78-4637-A6E7-BF8B7B1798D2}" type="datetimeFigureOut">
               <a:rPr lang="pt-BR" smtClean="0"/>
-              <a:t>19/03/2025</a:t>
+              <a:t>20/03/2025</a:t>
             </a:fld>
             <a:endParaRPr lang="pt-BR"/>
           </a:p>
@@ -11718,6 +11721,868 @@
 </p:sld>
 </file>
 
+<file path=ppt/slides/slide29.xml><?xml version="1.0" encoding="utf-8"?>
+<p:sld xmlns:a="http://schemas.openxmlformats.org/drawingml/2006/main" xmlns:r="http://schemas.openxmlformats.org/officeDocument/2006/relationships" xmlns:p="http://schemas.openxmlformats.org/presentationml/2006/main">
+  <p:cSld>
+    <p:bg>
+      <p:bgPr>
+        <a:solidFill>
+          <a:schemeClr val="bg1"/>
+        </a:solidFill>
+        <a:effectLst/>
+      </p:bgPr>
+    </p:bg>
+    <p:spTree>
+      <p:nvGrpSpPr>
+        <p:cNvPr id="1" name=""/>
+        <p:cNvGrpSpPr/>
+        <p:nvPr/>
+      </p:nvGrpSpPr>
+      <p:grpSpPr>
+        <a:xfrm>
+          <a:off x="0" y="0"/>
+          <a:ext cx="0" cy="0"/>
+          <a:chOff x="0" y="0"/>
+          <a:chExt cx="0" cy="0"/>
+        </a:xfrm>
+      </p:grpSpPr>
+      <p:sp useBgFill="1">
+        <p:nvSpPr>
+          <p:cNvPr id="20" name="Rectangle 19">
+            <a:extLst>
+              <a:ext uri="{FF2B5EF4-FFF2-40B4-BE49-F238E27FC236}">
+                <a16:creationId xmlns:a16="http://schemas.microsoft.com/office/drawing/2014/main" id="{BACC6370-2D7E-4714-9D71-7542949D7D5D}"/>
+              </a:ext>
+              <a:ext uri="{C183D7F6-B498-43B3-948B-1728B52AA6E4}">
+                <adec:decorative xmlns:adec="http://schemas.microsoft.com/office/drawing/2017/decorative" val="1"/>
+              </a:ext>
+            </a:extLst>
+          </p:cNvPr>
+          <p:cNvSpPr>
+            <a:spLocks noGrp="1" noRot="1" noChangeAspect="1" noMove="1" noResize="1" noEditPoints="1" noAdjustHandles="1" noChangeArrowheads="1" noChangeShapeType="1" noTextEdit="1"/>
+          </p:cNvSpPr>
+          <p:nvPr>
+            <p:extLst>
+              <p:ext uri="{386F3935-93C4-4BCD-93E2-E3B085C9AB24}">
+                <p16:designElem xmlns:p16="http://schemas.microsoft.com/office/powerpoint/2015/main" val="1"/>
+              </p:ext>
+            </p:extLst>
+          </p:nvPr>
+        </p:nvSpPr>
+        <p:spPr>
+          <a:xfrm>
+            <a:off x="0" y="0"/>
+            <a:ext cx="12192000" cy="6858000"/>
+          </a:xfrm>
+          <a:prstGeom prst="rect">
+            <a:avLst/>
+          </a:prstGeom>
+          <a:ln w="12700" cap="flat" cmpd="sng" algn="ctr">
+            <a:noFill/>
+            <a:prstDash val="solid"/>
+            <a:miter lim="800000"/>
+          </a:ln>
+          <a:effectLst/>
+          <a:extLst>
+            <a:ext uri="{91240B29-F687-4F45-9708-019B960494DF}">
+              <a14:hiddenLine xmlns:a14="http://schemas.microsoft.com/office/drawing/2010/main" w="12700" cap="flat" cmpd="sng" algn="ctr">
+                <a:solidFill>
+                  <a:schemeClr val="accent1">
+                    <a:shade val="50000"/>
+                  </a:schemeClr>
+                </a:solidFill>
+                <a:prstDash val="solid"/>
+                <a:miter lim="800000"/>
+              </a14:hiddenLine>
+            </a:ext>
+          </a:extLst>
+        </p:spPr>
+        <p:style>
+          <a:lnRef idx="2">
+            <a:schemeClr val="accent1">
+              <a:shade val="50000"/>
+            </a:schemeClr>
+          </a:lnRef>
+          <a:fillRef idx="1">
+            <a:schemeClr val="accent1"/>
+          </a:fillRef>
+          <a:effectRef idx="0">
+            <a:schemeClr val="accent1"/>
+          </a:effectRef>
+          <a:fontRef idx="minor">
+            <a:schemeClr val="lt1"/>
+          </a:fontRef>
+        </p:style>
+        <p:txBody>
+          <a:bodyPr rtlCol="0" anchor="ctr"/>
+          <a:lstStyle/>
+          <a:p>
+            <a:pPr algn="ctr"/>
+            <a:endParaRPr lang="en-US"/>
+          </a:p>
+        </p:txBody>
+      </p:sp>
+      <p:sp>
+        <p:nvSpPr>
+          <p:cNvPr id="22" name="Rectangle 21">
+            <a:extLst>
+              <a:ext uri="{FF2B5EF4-FFF2-40B4-BE49-F238E27FC236}">
+                <a16:creationId xmlns:a16="http://schemas.microsoft.com/office/drawing/2014/main" id="{F68B3F68-107C-434F-AA38-110D5EA91B85}"/>
+              </a:ext>
+              <a:ext uri="{C183D7F6-B498-43B3-948B-1728B52AA6E4}">
+                <adec:decorative xmlns:adec="http://schemas.microsoft.com/office/drawing/2017/decorative" val="1"/>
+              </a:ext>
+            </a:extLst>
+          </p:cNvPr>
+          <p:cNvSpPr>
+            <a:spLocks noGrp="1" noRot="1" noChangeAspect="1" noMove="1" noResize="1" noEditPoints="1" noAdjustHandles="1" noChangeArrowheads="1" noChangeShapeType="1" noTextEdit="1"/>
+          </p:cNvSpPr>
+          <p:nvPr>
+            <p:extLst>
+              <p:ext uri="{386F3935-93C4-4BCD-93E2-E3B085C9AB24}">
+                <p16:designElem xmlns:p16="http://schemas.microsoft.com/office/powerpoint/2015/main" val="1"/>
+              </p:ext>
+            </p:extLst>
+          </p:nvPr>
+        </p:nvSpPr>
+        <p:spPr>
+          <a:xfrm flipH="1">
+            <a:off x="2" y="0"/>
+            <a:ext cx="12191998" cy="2170031"/>
+          </a:xfrm>
+          <a:prstGeom prst="rect">
+            <a:avLst/>
+          </a:prstGeom>
+          <a:gradFill>
+            <a:gsLst>
+              <a:gs pos="0">
+                <a:srgbClr val="000000">
+                  <a:alpha val="96000"/>
+                </a:srgbClr>
+              </a:gs>
+              <a:gs pos="100000">
+                <a:schemeClr val="accent1">
+                  <a:lumMod val="75000"/>
+                </a:schemeClr>
+              </a:gs>
+            </a:gsLst>
+            <a:lin ang="19800000" scaled="0"/>
+          </a:gradFill>
+          <a:ln>
+            <a:noFill/>
+          </a:ln>
+        </p:spPr>
+        <p:style>
+          <a:lnRef idx="2">
+            <a:schemeClr val="accent1">
+              <a:shade val="50000"/>
+            </a:schemeClr>
+          </a:lnRef>
+          <a:fillRef idx="1">
+            <a:schemeClr val="accent1"/>
+          </a:fillRef>
+          <a:effectRef idx="0">
+            <a:schemeClr val="accent1"/>
+          </a:effectRef>
+          <a:fontRef idx="minor">
+            <a:schemeClr val="lt1"/>
+          </a:fontRef>
+        </p:style>
+        <p:txBody>
+          <a:bodyPr rtlCol="0" anchor="ctr"/>
+          <a:lstStyle/>
+          <a:p>
+            <a:pPr algn="ctr"/>
+            <a:endParaRPr lang="en-US"/>
+          </a:p>
+        </p:txBody>
+      </p:sp>
+      <p:sp>
+        <p:nvSpPr>
+          <p:cNvPr id="24" name="Rectangle 23">
+            <a:extLst>
+              <a:ext uri="{FF2B5EF4-FFF2-40B4-BE49-F238E27FC236}">
+                <a16:creationId xmlns:a16="http://schemas.microsoft.com/office/drawing/2014/main" id="{AAD0DBB9-1A4B-4391-81D4-CB19F9AB918A}"/>
+              </a:ext>
+              <a:ext uri="{C183D7F6-B498-43B3-948B-1728B52AA6E4}">
+                <adec:decorative xmlns:adec="http://schemas.microsoft.com/office/drawing/2017/decorative" val="1"/>
+              </a:ext>
+            </a:extLst>
+          </p:cNvPr>
+          <p:cNvSpPr>
+            <a:spLocks noGrp="1" noRot="1" noChangeAspect="1" noMove="1" noResize="1" noEditPoints="1" noAdjustHandles="1" noChangeArrowheads="1" noChangeShapeType="1" noTextEdit="1"/>
+          </p:cNvSpPr>
+          <p:nvPr>
+            <p:extLst>
+              <p:ext uri="{386F3935-93C4-4BCD-93E2-E3B085C9AB24}">
+                <p16:designElem xmlns:p16="http://schemas.microsoft.com/office/powerpoint/2015/main" val="1"/>
+              </p:ext>
+            </p:extLst>
+          </p:nvPr>
+        </p:nvSpPr>
+        <p:spPr>
+          <a:xfrm flipH="1">
+            <a:off x="8082819" y="0"/>
+            <a:ext cx="4097211" cy="2170661"/>
+          </a:xfrm>
+          <a:prstGeom prst="rect">
+            <a:avLst/>
+          </a:prstGeom>
+          <a:gradFill>
+            <a:gsLst>
+              <a:gs pos="19000">
+                <a:schemeClr val="accent1">
+                  <a:lumMod val="50000"/>
+                  <a:alpha val="68000"/>
+                </a:schemeClr>
+              </a:gs>
+              <a:gs pos="100000">
+                <a:schemeClr val="accent1">
+                  <a:alpha val="48000"/>
+                </a:schemeClr>
+              </a:gs>
+            </a:gsLst>
+            <a:lin ang="19200000" scaled="0"/>
+          </a:gradFill>
+          <a:ln>
+            <a:noFill/>
+          </a:ln>
+        </p:spPr>
+        <p:style>
+          <a:lnRef idx="2">
+            <a:schemeClr val="accent1">
+              <a:shade val="50000"/>
+            </a:schemeClr>
+          </a:lnRef>
+          <a:fillRef idx="1">
+            <a:schemeClr val="accent1"/>
+          </a:fillRef>
+          <a:effectRef idx="0">
+            <a:schemeClr val="accent1"/>
+          </a:effectRef>
+          <a:fontRef idx="minor">
+            <a:schemeClr val="lt1"/>
+          </a:fontRef>
+        </p:style>
+        <p:txBody>
+          <a:bodyPr rtlCol="0" anchor="ctr"/>
+          <a:lstStyle/>
+          <a:p>
+            <a:pPr algn="ctr"/>
+            <a:endParaRPr lang="en-US"/>
+          </a:p>
+        </p:txBody>
+      </p:sp>
+      <p:sp>
+        <p:nvSpPr>
+          <p:cNvPr id="26" name="Rectangle 25">
+            <a:extLst>
+              <a:ext uri="{FF2B5EF4-FFF2-40B4-BE49-F238E27FC236}">
+                <a16:creationId xmlns:a16="http://schemas.microsoft.com/office/drawing/2014/main" id="{063BBA22-50EA-4C4D-BE05-F1CE4E63AA56}"/>
+              </a:ext>
+              <a:ext uri="{C183D7F6-B498-43B3-948B-1728B52AA6E4}">
+                <adec:decorative xmlns:adec="http://schemas.microsoft.com/office/drawing/2017/decorative" val="1"/>
+              </a:ext>
+            </a:extLst>
+          </p:cNvPr>
+          <p:cNvSpPr>
+            <a:spLocks noGrp="1" noRot="1" noChangeAspect="1" noMove="1" noResize="1" noEditPoints="1" noAdjustHandles="1" noChangeArrowheads="1" noChangeShapeType="1" noTextEdit="1"/>
+          </p:cNvSpPr>
+          <p:nvPr>
+            <p:extLst>
+              <p:ext uri="{386F3935-93C4-4BCD-93E2-E3B085C9AB24}">
+                <p16:designElem xmlns:p16="http://schemas.microsoft.com/office/powerpoint/2015/main" val="1"/>
+              </p:ext>
+            </p:extLst>
+          </p:nvPr>
+        </p:nvSpPr>
+        <p:spPr>
+          <a:xfrm rot="16200000" flipH="1">
+            <a:off x="5010646" y="-5010043"/>
+            <a:ext cx="2170709" cy="12192000"/>
+          </a:xfrm>
+          <a:prstGeom prst="rect">
+            <a:avLst/>
+          </a:prstGeom>
+          <a:gradFill>
+            <a:gsLst>
+              <a:gs pos="23000">
+                <a:schemeClr val="accent1">
+                  <a:lumMod val="75000"/>
+                  <a:alpha val="16000"/>
+                </a:schemeClr>
+              </a:gs>
+              <a:gs pos="99000">
+                <a:srgbClr val="000000">
+                  <a:alpha val="45000"/>
+                </a:srgbClr>
+              </a:gs>
+            </a:gsLst>
+            <a:lin ang="21000000" scaled="0"/>
+          </a:gradFill>
+          <a:ln>
+            <a:noFill/>
+          </a:ln>
+        </p:spPr>
+        <p:style>
+          <a:lnRef idx="2">
+            <a:schemeClr val="accent1">
+              <a:shade val="50000"/>
+            </a:schemeClr>
+          </a:lnRef>
+          <a:fillRef idx="1">
+            <a:schemeClr val="accent1"/>
+          </a:fillRef>
+          <a:effectRef idx="0">
+            <a:schemeClr val="accent1"/>
+          </a:effectRef>
+          <a:fontRef idx="minor">
+            <a:schemeClr val="lt1"/>
+          </a:fontRef>
+        </p:style>
+        <p:txBody>
+          <a:bodyPr rtlCol="0" anchor="ctr"/>
+          <a:lstStyle/>
+          <a:p>
+            <a:pPr algn="ctr"/>
+            <a:endParaRPr lang="en-US" dirty="0"/>
+          </a:p>
+        </p:txBody>
+      </p:sp>
+      <p:sp>
+        <p:nvSpPr>
+          <p:cNvPr id="2" name="Título 1">
+            <a:extLst>
+              <a:ext uri="{FF2B5EF4-FFF2-40B4-BE49-F238E27FC236}">
+                <a16:creationId xmlns:a16="http://schemas.microsoft.com/office/drawing/2014/main" id="{9377AE83-FC56-81FA-AB5F-9EEE9E21DB45}"/>
+              </a:ext>
+            </a:extLst>
+          </p:cNvPr>
+          <p:cNvSpPr>
+            <a:spLocks noGrp="1"/>
+          </p:cNvSpPr>
+          <p:nvPr>
+            <p:ph type="title"/>
+          </p:nvPr>
+        </p:nvSpPr>
+        <p:spPr>
+          <a:xfrm>
+            <a:off x="1383564" y="348865"/>
+            <a:ext cx="9718111" cy="1576446"/>
+          </a:xfrm>
+        </p:spPr>
+        <p:txBody>
+          <a:bodyPr anchor="ctr">
+            <a:normAutofit/>
+          </a:bodyPr>
+          <a:lstStyle/>
+          <a:p>
+            <a:pPr algn="ctr"/>
+            <a:r>
+              <a:rPr lang="pt-BR" sz="4800" b="1" u="none" strike="noStrike" dirty="0" err="1">
+                <a:solidFill>
+                  <a:schemeClr val="bg1"/>
+                </a:solidFill>
+                <a:effectLst/>
+              </a:rPr>
+              <a:t>useEffect</a:t>
+            </a:r>
+            <a:endParaRPr lang="pt-BR" sz="4000" dirty="0">
+              <a:solidFill>
+                <a:srgbClr val="FFFFFF"/>
+              </a:solidFill>
+            </a:endParaRPr>
+          </a:p>
+        </p:txBody>
+      </p:sp>
+      <p:graphicFrame>
+        <p:nvGraphicFramePr>
+          <p:cNvPr id="4" name="Espaço Reservado para Conteúdo 3">
+            <a:extLst>
+              <a:ext uri="{FF2B5EF4-FFF2-40B4-BE49-F238E27FC236}">
+                <a16:creationId xmlns:a16="http://schemas.microsoft.com/office/drawing/2014/main" id="{F1BE255C-C9F8-2C7C-68E9-3E7BFF403059}"/>
+              </a:ext>
+            </a:extLst>
+          </p:cNvPr>
+          <p:cNvGraphicFramePr>
+            <a:graphicFrameLocks noGrp="1"/>
+          </p:cNvGraphicFramePr>
+          <p:nvPr>
+            <p:ph idx="1"/>
+            <p:extLst>
+              <p:ext uri="{D42A27DB-BD31-4B8C-83A1-F6EECF244321}">
+                <p14:modId xmlns:p14="http://schemas.microsoft.com/office/powerpoint/2010/main" val="1666921224"/>
+              </p:ext>
+            </p:extLst>
+          </p:nvPr>
+        </p:nvGraphicFramePr>
+        <p:xfrm>
+          <a:off x="1637528" y="3203939"/>
+          <a:ext cx="9571077" cy="3408426"/>
+        </p:xfrm>
+        <a:graphic>
+          <a:graphicData uri="http://schemas.openxmlformats.org/drawingml/2006/table">
+            <a:tbl>
+              <a:tblPr firstRow="1" bandRow="1">
+                <a:tableStyleId>{8EC20E35-A176-4012-BC5E-935CFFF8708E}</a:tableStyleId>
+              </a:tblPr>
+              <a:tblGrid>
+                <a:gridCol w="9571077">
+                  <a:extLst>
+                    <a:ext uri="{9D8B030D-6E8A-4147-A177-3AD203B41FA5}">
+                      <a16:colId xmlns:a16="http://schemas.microsoft.com/office/drawing/2014/main" val="2361666419"/>
+                    </a:ext>
+                  </a:extLst>
+                </a:gridCol>
+              </a:tblGrid>
+              <a:tr h="568071">
+                <a:tc>
+                  <a:txBody>
+                    <a:bodyPr/>
+                    <a:lstStyle/>
+                    <a:p>
+                      <a:pPr algn="ctr" fontAlgn="ctr">
+                        <a:buNone/>
+                      </a:pPr>
+                      <a:r>
+                        <a:rPr lang="pt-BR" sz="3300" b="1" u="none" strike="noStrike" dirty="0">
+                          <a:solidFill>
+                            <a:schemeClr val="bg1"/>
+                          </a:solidFill>
+                          <a:effectLst/>
+                        </a:rPr>
+                        <a:t>Exemplos típicos do uso do </a:t>
+                      </a:r>
+                      <a:r>
+                        <a:rPr lang="pt-BR" sz="3000" b="1" u="none" strike="noStrike" dirty="0" err="1">
+                          <a:solidFill>
+                            <a:schemeClr val="bg1"/>
+                          </a:solidFill>
+                          <a:effectLst/>
+                        </a:rPr>
+                        <a:t>useEffect</a:t>
+                      </a:r>
+                      <a:endParaRPr lang="pt-BR" sz="5400" b="0" i="0" u="none" strike="noStrike" dirty="0">
+                        <a:solidFill>
+                          <a:schemeClr val="bg1"/>
+                        </a:solidFill>
+                        <a:effectLst/>
+                        <a:latin typeface="Arial" panose="020B0604020202020204" pitchFamily="34" charset="0"/>
+                      </a:endParaRPr>
+                    </a:p>
+                  </a:txBody>
+                  <a:tcPr marL="28575" marR="28575" marT="28575" marB="0" anchor="ctr"/>
+                </a:tc>
+                <a:extLst>
+                  <a:ext uri="{0D108BD9-81ED-4DB2-BD59-A6C34878D82A}">
+                    <a16:rowId xmlns:a16="http://schemas.microsoft.com/office/drawing/2014/main" val="1868208897"/>
+                  </a:ext>
+                </a:extLst>
+              </a:tr>
+              <a:tr h="568071">
+                <a:tc>
+                  <a:txBody>
+                    <a:bodyPr/>
+                    <a:lstStyle/>
+                    <a:p>
+                      <a:pPr algn="l" fontAlgn="ctr">
+                        <a:buNone/>
+                      </a:pPr>
+                      <a:r>
+                        <a:rPr lang="pt-BR" sz="3300" b="0" u="none" strike="noStrike">
+                          <a:solidFill>
+                            <a:srgbClr val="000000"/>
+                          </a:solidFill>
+                          <a:effectLst/>
+                        </a:rPr>
+                        <a:t>Buscar dados de uma API (fetch)</a:t>
+                      </a:r>
+                      <a:endParaRPr lang="pt-BR" sz="5400" b="0" i="0" u="none" strike="noStrike">
+                        <a:effectLst/>
+                        <a:latin typeface="Arial" panose="020B0604020202020204" pitchFamily="34" charset="0"/>
+                      </a:endParaRPr>
+                    </a:p>
+                  </a:txBody>
+                  <a:tcPr marL="28575" marR="28575" marT="28575" marB="0" anchor="ctr"/>
+                </a:tc>
+                <a:extLst>
+                  <a:ext uri="{0D108BD9-81ED-4DB2-BD59-A6C34878D82A}">
+                    <a16:rowId xmlns:a16="http://schemas.microsoft.com/office/drawing/2014/main" val="850222032"/>
+                  </a:ext>
+                </a:extLst>
+              </a:tr>
+              <a:tr h="568071">
+                <a:tc>
+                  <a:txBody>
+                    <a:bodyPr/>
+                    <a:lstStyle/>
+                    <a:p>
+                      <a:pPr algn="l" fontAlgn="ctr">
+                        <a:buNone/>
+                      </a:pPr>
+                      <a:r>
+                        <a:rPr lang="pt-BR" sz="3300" b="0" u="none" strike="noStrike">
+                          <a:solidFill>
+                            <a:srgbClr val="000000"/>
+                          </a:solidFill>
+                          <a:effectLst/>
+                        </a:rPr>
+                        <a:t>Atualizar o </a:t>
+                      </a:r>
+                      <a:r>
+                        <a:rPr lang="pt-BR" sz="3000" b="0" u="none" strike="noStrike" err="1">
+                          <a:solidFill>
+                            <a:srgbClr val="000000"/>
+                          </a:solidFill>
+                          <a:effectLst/>
+                        </a:rPr>
+                        <a:t>localStorage</a:t>
+                      </a:r>
+                      <a:endParaRPr lang="pt-BR" sz="5400" b="0" i="0" u="none" strike="noStrike">
+                        <a:effectLst/>
+                        <a:latin typeface="Arial" panose="020B0604020202020204" pitchFamily="34" charset="0"/>
+                      </a:endParaRPr>
+                    </a:p>
+                  </a:txBody>
+                  <a:tcPr marL="28575" marR="28575" marT="28575" marB="0" anchor="ctr"/>
+                </a:tc>
+                <a:extLst>
+                  <a:ext uri="{0D108BD9-81ED-4DB2-BD59-A6C34878D82A}">
+                    <a16:rowId xmlns:a16="http://schemas.microsoft.com/office/drawing/2014/main" val="2511171837"/>
+                  </a:ext>
+                </a:extLst>
+              </a:tr>
+              <a:tr h="568071">
+                <a:tc>
+                  <a:txBody>
+                    <a:bodyPr/>
+                    <a:lstStyle/>
+                    <a:p>
+                      <a:pPr algn="l" fontAlgn="ctr">
+                        <a:buNone/>
+                      </a:pPr>
+                      <a:r>
+                        <a:rPr lang="pt-BR" sz="3300" b="0" u="none" strike="noStrike" dirty="0">
+                          <a:solidFill>
+                            <a:srgbClr val="000000"/>
+                          </a:solidFill>
+                          <a:effectLst/>
+                        </a:rPr>
+                        <a:t>Manipular DOM manualmente</a:t>
+                      </a:r>
+                      <a:endParaRPr lang="pt-BR" sz="5400" b="0" i="0" u="none" strike="noStrike" dirty="0">
+                        <a:effectLst/>
+                        <a:latin typeface="Arial" panose="020B0604020202020204" pitchFamily="34" charset="0"/>
+                      </a:endParaRPr>
+                    </a:p>
+                  </a:txBody>
+                  <a:tcPr marL="28575" marR="28575" marT="28575" marB="0" anchor="ctr"/>
+                </a:tc>
+                <a:extLst>
+                  <a:ext uri="{0D108BD9-81ED-4DB2-BD59-A6C34878D82A}">
+                    <a16:rowId xmlns:a16="http://schemas.microsoft.com/office/drawing/2014/main" val="3567648009"/>
+                  </a:ext>
+                </a:extLst>
+              </a:tr>
+              <a:tr h="568071">
+                <a:tc>
+                  <a:txBody>
+                    <a:bodyPr/>
+                    <a:lstStyle/>
+                    <a:p>
+                      <a:pPr algn="l" fontAlgn="ctr">
+                        <a:buNone/>
+                      </a:pPr>
+                      <a:r>
+                        <a:rPr lang="pt-BR" sz="3300" b="0" u="none" strike="noStrike">
+                          <a:solidFill>
+                            <a:srgbClr val="000000"/>
+                          </a:solidFill>
+                          <a:effectLst/>
+                        </a:rPr>
+                        <a:t>Iniciar ou limpar um timer</a:t>
+                      </a:r>
+                      <a:endParaRPr lang="pt-BR" sz="5400" b="0" i="0" u="none" strike="noStrike">
+                        <a:effectLst/>
+                        <a:latin typeface="Arial" panose="020B0604020202020204" pitchFamily="34" charset="0"/>
+                      </a:endParaRPr>
+                    </a:p>
+                  </a:txBody>
+                  <a:tcPr marL="28575" marR="28575" marT="28575" marB="0" anchor="ctr"/>
+                </a:tc>
+                <a:extLst>
+                  <a:ext uri="{0D108BD9-81ED-4DB2-BD59-A6C34878D82A}">
+                    <a16:rowId xmlns:a16="http://schemas.microsoft.com/office/drawing/2014/main" val="2413303898"/>
+                  </a:ext>
+                </a:extLst>
+              </a:tr>
+              <a:tr h="568071">
+                <a:tc>
+                  <a:txBody>
+                    <a:bodyPr/>
+                    <a:lstStyle/>
+                    <a:p>
+                      <a:pPr algn="l" fontAlgn="ctr">
+                        <a:buNone/>
+                      </a:pPr>
+                      <a:r>
+                        <a:rPr lang="pt-BR" sz="3300" b="0" u="none" strike="noStrike" dirty="0">
+                          <a:solidFill>
+                            <a:srgbClr val="000000"/>
+                          </a:solidFill>
+                          <a:effectLst/>
+                        </a:rPr>
+                        <a:t>Subscrições (</a:t>
+                      </a:r>
+                      <a:r>
+                        <a:rPr lang="pt-BR" sz="3300" b="0" u="none" strike="noStrike" dirty="0" err="1">
+                          <a:solidFill>
+                            <a:srgbClr val="000000"/>
+                          </a:solidFill>
+                          <a:effectLst/>
+                        </a:rPr>
+                        <a:t>WebSocket</a:t>
+                      </a:r>
+                      <a:r>
+                        <a:rPr lang="pt-BR" sz="3300" b="0" u="none" strike="noStrike" dirty="0">
+                          <a:solidFill>
+                            <a:srgbClr val="000000"/>
+                          </a:solidFill>
+                          <a:effectLst/>
+                        </a:rPr>
+                        <a:t>, eventos, etc.)</a:t>
+                      </a:r>
+                      <a:endParaRPr lang="pt-BR" sz="5400" b="0" i="0" u="none" strike="noStrike" dirty="0">
+                        <a:effectLst/>
+                        <a:latin typeface="Arial" panose="020B0604020202020204" pitchFamily="34" charset="0"/>
+                      </a:endParaRPr>
+                    </a:p>
+                  </a:txBody>
+                  <a:tcPr marL="28575" marR="28575" marT="28575" marB="0" anchor="ctr"/>
+                </a:tc>
+                <a:extLst>
+                  <a:ext uri="{0D108BD9-81ED-4DB2-BD59-A6C34878D82A}">
+                    <a16:rowId xmlns:a16="http://schemas.microsoft.com/office/drawing/2014/main" val="3681474007"/>
+                  </a:ext>
+                </a:extLst>
+              </a:tr>
+            </a:tbl>
+          </a:graphicData>
+        </a:graphic>
+      </p:graphicFrame>
+      <p:sp>
+        <p:nvSpPr>
+          <p:cNvPr id="5" name="Rectangle 1">
+            <a:extLst>
+              <a:ext uri="{FF2B5EF4-FFF2-40B4-BE49-F238E27FC236}">
+                <a16:creationId xmlns:a16="http://schemas.microsoft.com/office/drawing/2014/main" id="{602ADE54-99E8-D518-25F2-32DC8739119B}"/>
+              </a:ext>
+            </a:extLst>
+          </p:cNvPr>
+          <p:cNvSpPr>
+            <a:spLocks noChangeArrowheads="1"/>
+          </p:cNvSpPr>
+          <p:nvPr/>
+        </p:nvSpPr>
+        <p:spPr bwMode="auto">
+          <a:xfrm>
+            <a:off x="1637528" y="2588606"/>
+            <a:ext cx="9740984" cy="369332"/>
+          </a:xfrm>
+          <a:prstGeom prst="rect">
+            <a:avLst/>
+          </a:prstGeom>
+          <a:noFill/>
+          <a:ln>
+            <a:noFill/>
+          </a:ln>
+          <a:effectLst/>
+          <a:extLst>
+            <a:ext uri="{909E8E84-426E-40DD-AFC4-6F175D3DCCD1}">
+              <a14:hiddenFill xmlns:a14="http://schemas.microsoft.com/office/drawing/2010/main">
+                <a:solidFill>
+                  <a:schemeClr val="accent1"/>
+                </a:solidFill>
+              </a14:hiddenFill>
+            </a:ext>
+            <a:ext uri="{91240B29-F687-4F45-9708-019B960494DF}">
+              <a14:hiddenLine xmlns:a14="http://schemas.microsoft.com/office/drawing/2010/main" w="9525">
+                <a:solidFill>
+                  <a:schemeClr val="tx1"/>
+                </a:solidFill>
+                <a:miter lim="800000"/>
+                <a:headEnd/>
+                <a:tailEnd/>
+              </a14:hiddenLine>
+            </a:ext>
+            <a:ext uri="{AF507438-7753-43E0-B8FC-AC1667EBCBE1}">
+              <a14:hiddenEffects xmlns:a14="http://schemas.microsoft.com/office/drawing/2010/main">
+                <a:effectLst>
+                  <a:outerShdw dist="35921" dir="2700000" algn="ctr" rotWithShape="0">
+                    <a:schemeClr val="bg2"/>
+                  </a:outerShdw>
+                </a:effectLst>
+              </a14:hiddenEffects>
+            </a:ext>
+          </a:extLst>
+        </p:spPr>
+        <p:txBody>
+          <a:bodyPr vert="horz" wrap="square" lIns="91440" tIns="45720" rIns="91440" bIns="45720" numCol="1" anchor="ctr" anchorCtr="0" compatLnSpc="1">
+            <a:prstTxWarp prst="textNoShape">
+              <a:avLst/>
+            </a:prstTxWarp>
+            <a:spAutoFit/>
+          </a:bodyPr>
+          <a:lstStyle/>
+          <a:p>
+            <a:pPr marL="0" marR="0" lvl="0" indent="0" algn="l" defTabSz="914400" rtl="0" eaLnBrk="0" fontAlgn="base" latinLnBrk="0" hangingPunct="0">
+              <a:lnSpc>
+                <a:spcPct val="100000"/>
+              </a:lnSpc>
+              <a:spcBef>
+                <a:spcPct val="0"/>
+              </a:spcBef>
+              <a:spcAft>
+                <a:spcPct val="0"/>
+              </a:spcAft>
+              <a:buClrTx/>
+              <a:buSzTx/>
+              <a:buFontTx/>
+              <a:buNone/>
+              <a:tabLst/>
+            </a:pPr>
+            <a:r>
+              <a:rPr kumimoji="0" lang="pt-BR" altLang="pt-BR" b="0" i="0" u="none" strike="noStrike" cap="none" normalizeH="0" baseline="0" dirty="0">
+                <a:ln>
+                  <a:noFill/>
+                </a:ln>
+                <a:solidFill>
+                  <a:schemeClr val="tx1"/>
+                </a:solidFill>
+                <a:effectLst/>
+                <a:latin typeface="Arial" panose="020B0604020202020204" pitchFamily="34" charset="0"/>
+              </a:rPr>
+              <a:t>Você só precisa do </a:t>
+            </a:r>
+            <a:r>
+              <a:rPr kumimoji="0" lang="pt-BR" altLang="pt-BR" b="0" i="0" u="none" strike="noStrike" cap="none" normalizeH="0" baseline="0" dirty="0" err="1">
+                <a:ln>
+                  <a:noFill/>
+                </a:ln>
+                <a:solidFill>
+                  <a:schemeClr val="tx1"/>
+                </a:solidFill>
+                <a:effectLst/>
+                <a:latin typeface="Arial Unicode MS"/>
+              </a:rPr>
+              <a:t>useEffect</a:t>
+            </a:r>
+            <a:r>
+              <a:rPr kumimoji="0" lang="pt-BR" altLang="pt-BR" b="0" i="0" u="none" strike="noStrike" cap="none" normalizeH="0" baseline="0" dirty="0">
+                <a:ln>
+                  <a:noFill/>
+                </a:ln>
+                <a:solidFill>
+                  <a:schemeClr val="tx1"/>
+                </a:solidFill>
+                <a:effectLst/>
+              </a:rPr>
+              <a:t> quando quiser executar </a:t>
+            </a:r>
+            <a:r>
+              <a:rPr kumimoji="0" lang="pt-BR" altLang="pt-BR" b="1" i="0" u="none" strike="noStrike" cap="none" normalizeH="0" baseline="0" dirty="0">
+                <a:ln>
+                  <a:noFill/>
+                </a:ln>
+                <a:solidFill>
+                  <a:schemeClr val="tx1"/>
+                </a:solidFill>
+                <a:effectLst/>
+                <a:latin typeface="Arial" panose="020B0604020202020204" pitchFamily="34" charset="0"/>
+              </a:rPr>
+              <a:t>efeitos colaterais</a:t>
+            </a:r>
+            <a:r>
+              <a:rPr kumimoji="0" lang="pt-BR" altLang="pt-BR" b="0" i="0" u="none" strike="noStrike" cap="none" normalizeH="0" baseline="0" dirty="0">
+                <a:ln>
+                  <a:noFill/>
+                </a:ln>
+                <a:solidFill>
+                  <a:schemeClr val="tx1"/>
+                </a:solidFill>
+                <a:effectLst/>
+                <a:latin typeface="Arial" panose="020B0604020202020204" pitchFamily="34" charset="0"/>
+              </a:rPr>
+              <a:t> (</a:t>
+            </a:r>
+            <a:r>
+              <a:rPr kumimoji="0" lang="pt-BR" altLang="pt-BR" b="0" i="0" u="none" strike="noStrike" cap="none" normalizeH="0" baseline="0" dirty="0" err="1">
+                <a:ln>
+                  <a:noFill/>
+                </a:ln>
+                <a:solidFill>
+                  <a:schemeClr val="tx1"/>
+                </a:solidFill>
+                <a:effectLst/>
+                <a:latin typeface="Arial" panose="020B0604020202020204" pitchFamily="34" charset="0"/>
+              </a:rPr>
+              <a:t>side</a:t>
+            </a:r>
+            <a:r>
+              <a:rPr kumimoji="0" lang="pt-BR" altLang="pt-BR" b="0" i="0" u="none" strike="noStrike" cap="none" normalizeH="0" baseline="0" dirty="0">
+                <a:ln>
+                  <a:noFill/>
+                </a:ln>
+                <a:solidFill>
+                  <a:schemeClr val="tx1"/>
+                </a:solidFill>
+                <a:effectLst/>
+                <a:latin typeface="Arial" panose="020B0604020202020204" pitchFamily="34" charset="0"/>
+              </a:rPr>
+              <a:t> </a:t>
+            </a:r>
+            <a:r>
+              <a:rPr kumimoji="0" lang="pt-BR" altLang="pt-BR" b="0" i="0" u="none" strike="noStrike" cap="none" normalizeH="0" baseline="0" dirty="0" err="1">
+                <a:ln>
+                  <a:noFill/>
+                </a:ln>
+                <a:solidFill>
+                  <a:schemeClr val="tx1"/>
+                </a:solidFill>
+                <a:effectLst/>
+                <a:latin typeface="Arial" panose="020B0604020202020204" pitchFamily="34" charset="0"/>
+              </a:rPr>
+              <a:t>effects</a:t>
+            </a:r>
+            <a:r>
+              <a:rPr kumimoji="0" lang="pt-BR" altLang="pt-BR" b="0" i="0" u="none" strike="noStrike" cap="none" normalizeH="0" baseline="0" dirty="0">
+                <a:ln>
+                  <a:noFill/>
+                </a:ln>
+                <a:solidFill>
+                  <a:schemeClr val="tx1"/>
+                </a:solidFill>
+                <a:effectLst/>
+                <a:latin typeface="Arial" panose="020B0604020202020204" pitchFamily="34" charset="0"/>
+              </a:rPr>
+              <a:t>) como: </a:t>
+            </a:r>
+          </a:p>
+        </p:txBody>
+      </p:sp>
+    </p:spTree>
+    <p:extLst>
+      <p:ext uri="{BB962C8B-B14F-4D97-AF65-F5344CB8AC3E}">
+        <p14:creationId xmlns:p14="http://schemas.microsoft.com/office/powerpoint/2010/main" val="905413936"/>
+      </p:ext>
+    </p:extLst>
+  </p:cSld>
+  <p:clrMapOvr>
+    <a:masterClrMapping/>
+  </p:clrMapOvr>
+</p:sld>
+</file>
+
 <file path=ppt/slides/slide3.xml><?xml version="1.0" encoding="utf-8"?>
 <p:sld xmlns:a="http://schemas.openxmlformats.org/drawingml/2006/main" xmlns:r="http://schemas.openxmlformats.org/officeDocument/2006/relationships" xmlns:p="http://schemas.openxmlformats.org/presentationml/2006/main">
   <p:cSld>
@@ -11864,6 +12729,492 @@
     <p:extLst>
       <p:ext uri="{BB962C8B-B14F-4D97-AF65-F5344CB8AC3E}">
         <p14:creationId xmlns:p14="http://schemas.microsoft.com/office/powerpoint/2010/main" val="3461168417"/>
+      </p:ext>
+    </p:extLst>
+  </p:cSld>
+  <p:clrMapOvr>
+    <a:masterClrMapping/>
+  </p:clrMapOvr>
+</p:sld>
+</file>
+
+<file path=ppt/slides/slide30.xml><?xml version="1.0" encoding="utf-8"?>
+<p:sld xmlns:a="http://schemas.openxmlformats.org/drawingml/2006/main" xmlns:r="http://schemas.openxmlformats.org/officeDocument/2006/relationships" xmlns:p="http://schemas.openxmlformats.org/presentationml/2006/main">
+  <p:cSld>
+    <p:spTree>
+      <p:nvGrpSpPr>
+        <p:cNvPr id="1" name=""/>
+        <p:cNvGrpSpPr/>
+        <p:nvPr/>
+      </p:nvGrpSpPr>
+      <p:grpSpPr>
+        <a:xfrm>
+          <a:off x="0" y="0"/>
+          <a:ext cx="0" cy="0"/>
+          <a:chOff x="0" y="0"/>
+          <a:chExt cx="0" cy="0"/>
+        </a:xfrm>
+      </p:grpSpPr>
+      <p:sp>
+        <p:nvSpPr>
+          <p:cNvPr id="2" name="Título 1">
+            <a:extLst>
+              <a:ext uri="{FF2B5EF4-FFF2-40B4-BE49-F238E27FC236}">
+                <a16:creationId xmlns:a16="http://schemas.microsoft.com/office/drawing/2014/main" id="{2CD6E568-F082-9A96-2CC4-DE752740E6D6}"/>
+              </a:ext>
+            </a:extLst>
+          </p:cNvPr>
+          <p:cNvSpPr>
+            <a:spLocks noGrp="1"/>
+          </p:cNvSpPr>
+          <p:nvPr>
+            <p:ph type="title"/>
+          </p:nvPr>
+        </p:nvSpPr>
+        <p:spPr/>
+        <p:txBody>
+          <a:bodyPr/>
+          <a:lstStyle/>
+          <a:p>
+            <a:r>
+              <a:rPr lang="pt-BR" dirty="0"/>
+              <a:t>Adicionar dados</a:t>
+            </a:r>
+          </a:p>
+        </p:txBody>
+      </p:sp>
+      <p:sp>
+        <p:nvSpPr>
+          <p:cNvPr id="3" name="Espaço Reservado para Conteúdo 2">
+            <a:extLst>
+              <a:ext uri="{FF2B5EF4-FFF2-40B4-BE49-F238E27FC236}">
+                <a16:creationId xmlns:a16="http://schemas.microsoft.com/office/drawing/2014/main" id="{C67318D5-4F00-D0C0-D807-F88C7917E1E4}"/>
+              </a:ext>
+            </a:extLst>
+          </p:cNvPr>
+          <p:cNvSpPr>
+            <a:spLocks noGrp="1"/>
+          </p:cNvSpPr>
+          <p:nvPr>
+            <p:ph idx="1"/>
+          </p:nvPr>
+        </p:nvSpPr>
+        <p:spPr/>
+        <p:txBody>
+          <a:bodyPr/>
+          <a:lstStyle/>
+          <a:p>
+            <a:endParaRPr lang="pt-BR" dirty="0"/>
+          </a:p>
+        </p:txBody>
+      </p:sp>
+    </p:spTree>
+    <p:extLst>
+      <p:ext uri="{BB962C8B-B14F-4D97-AF65-F5344CB8AC3E}">
+        <p14:creationId xmlns:p14="http://schemas.microsoft.com/office/powerpoint/2010/main" val="594171424"/>
+      </p:ext>
+    </p:extLst>
+  </p:cSld>
+  <p:clrMapOvr>
+    <a:masterClrMapping/>
+  </p:clrMapOvr>
+</p:sld>
+</file>
+
+<file path=ppt/slides/slide31.xml><?xml version="1.0" encoding="utf-8"?>
+<p:sld xmlns:a="http://schemas.openxmlformats.org/drawingml/2006/main" xmlns:r="http://schemas.openxmlformats.org/officeDocument/2006/relationships" xmlns:p="http://schemas.openxmlformats.org/presentationml/2006/main">
+  <p:cSld>
+    <p:spTree>
+      <p:nvGrpSpPr>
+        <p:cNvPr id="1" name=""/>
+        <p:cNvGrpSpPr/>
+        <p:nvPr/>
+      </p:nvGrpSpPr>
+      <p:grpSpPr>
+        <a:xfrm>
+          <a:off x="0" y="0"/>
+          <a:ext cx="0" cy="0"/>
+          <a:chOff x="0" y="0"/>
+          <a:chExt cx="0" cy="0"/>
+        </a:xfrm>
+      </p:grpSpPr>
+      <p:sp>
+        <p:nvSpPr>
+          <p:cNvPr id="2" name="Título 1">
+            <a:extLst>
+              <a:ext uri="{FF2B5EF4-FFF2-40B4-BE49-F238E27FC236}">
+                <a16:creationId xmlns:a16="http://schemas.microsoft.com/office/drawing/2014/main" id="{5436FB06-44CD-6BCA-5779-F5151585A408}"/>
+              </a:ext>
+            </a:extLst>
+          </p:cNvPr>
+          <p:cNvSpPr>
+            <a:spLocks noGrp="1"/>
+          </p:cNvSpPr>
+          <p:nvPr>
+            <p:ph type="title"/>
+          </p:nvPr>
+        </p:nvSpPr>
+        <p:spPr/>
+        <p:txBody>
+          <a:bodyPr/>
+          <a:lstStyle/>
+          <a:p>
+            <a:r>
+              <a:rPr lang="pt-BR" dirty="0"/>
+              <a:t>Atualizando dados</a:t>
+            </a:r>
+          </a:p>
+        </p:txBody>
+      </p:sp>
+      <p:sp>
+        <p:nvSpPr>
+          <p:cNvPr id="3" name="Espaço Reservado para Conteúdo 2">
+            <a:extLst>
+              <a:ext uri="{FF2B5EF4-FFF2-40B4-BE49-F238E27FC236}">
+                <a16:creationId xmlns:a16="http://schemas.microsoft.com/office/drawing/2014/main" id="{4E32439D-0FCE-8243-0FB3-BEAAD3A45492}"/>
+              </a:ext>
+            </a:extLst>
+          </p:cNvPr>
+          <p:cNvSpPr>
+            <a:spLocks noGrp="1"/>
+          </p:cNvSpPr>
+          <p:nvPr>
+            <p:ph idx="1"/>
+          </p:nvPr>
+        </p:nvSpPr>
+        <p:spPr>
+          <a:xfrm>
+            <a:off x="209550" y="1825625"/>
+            <a:ext cx="11487150" cy="4351338"/>
+          </a:xfrm>
+        </p:spPr>
+        <p:txBody>
+          <a:bodyPr/>
+          <a:lstStyle/>
+          <a:p>
+            <a:pPr>
+              <a:lnSpc>
+                <a:spcPts val="2325"/>
+              </a:lnSpc>
+              <a:buNone/>
+            </a:pPr>
+            <a:r>
+              <a:rPr lang="pt-BR" b="0" dirty="0">
+                <a:solidFill>
+                  <a:srgbClr val="6A9955"/>
+                </a:solidFill>
+                <a:effectLst/>
+                <a:latin typeface="Consolas" panose="020B0609020204030204" pitchFamily="49" charset="0"/>
+              </a:rPr>
+              <a:t>// 3) Carregamento dinâmico </a:t>
+            </a:r>
+            <a:endParaRPr lang="pt-BR" b="0" dirty="0">
+              <a:solidFill>
+                <a:srgbClr val="CCCCCC"/>
+              </a:solidFill>
+              <a:effectLst/>
+              <a:latin typeface="Consolas" panose="020B0609020204030204" pitchFamily="49" charset="0"/>
+            </a:endParaRPr>
+          </a:p>
+          <a:p>
+            <a:pPr>
+              <a:lnSpc>
+                <a:spcPts val="2325"/>
+              </a:lnSpc>
+              <a:buNone/>
+            </a:pPr>
+            <a:r>
+              <a:rPr lang="pt-BR" b="0" dirty="0" err="1">
+                <a:solidFill>
+                  <a:srgbClr val="569CD6"/>
+                </a:solidFill>
+                <a:effectLst/>
+                <a:latin typeface="Consolas" panose="020B0609020204030204" pitchFamily="49" charset="0"/>
+              </a:rPr>
+              <a:t>const</a:t>
+            </a:r>
+            <a:r>
+              <a:rPr lang="pt-BR" b="0" dirty="0">
+                <a:solidFill>
+                  <a:srgbClr val="CCCCCC"/>
+                </a:solidFill>
+                <a:effectLst/>
+                <a:latin typeface="Consolas" panose="020B0609020204030204" pitchFamily="49" charset="0"/>
+              </a:rPr>
+              <a:t> </a:t>
+            </a:r>
+            <a:r>
+              <a:rPr lang="pt-BR" b="0" dirty="0" err="1">
+                <a:solidFill>
+                  <a:srgbClr val="4FC1FF"/>
+                </a:solidFill>
+                <a:effectLst/>
+                <a:latin typeface="Consolas" panose="020B0609020204030204" pitchFamily="49" charset="0"/>
+              </a:rPr>
+              <a:t>addProduct</a:t>
+            </a:r>
+            <a:r>
+              <a:rPr lang="pt-BR" b="0" dirty="0">
+                <a:solidFill>
+                  <a:srgbClr val="D4D4D4"/>
+                </a:solidFill>
+                <a:effectLst/>
+                <a:latin typeface="Consolas" panose="020B0609020204030204" pitchFamily="49" charset="0"/>
+              </a:rPr>
+              <a:t>=</a:t>
+            </a:r>
+            <a:r>
+              <a:rPr lang="pt-BR" b="0" dirty="0">
+                <a:solidFill>
+                  <a:srgbClr val="CCCCCC"/>
+                </a:solidFill>
+                <a:effectLst/>
+                <a:latin typeface="Consolas" panose="020B0609020204030204" pitchFamily="49" charset="0"/>
+              </a:rPr>
+              <a:t> </a:t>
+            </a:r>
+            <a:r>
+              <a:rPr lang="pt-BR" b="0" dirty="0" err="1">
+                <a:solidFill>
+                  <a:srgbClr val="C586C0"/>
+                </a:solidFill>
+                <a:effectLst/>
+                <a:latin typeface="Consolas" panose="020B0609020204030204" pitchFamily="49" charset="0"/>
+              </a:rPr>
+              <a:t>await</a:t>
+            </a:r>
+            <a:r>
+              <a:rPr lang="pt-BR" b="0" dirty="0">
+                <a:solidFill>
+                  <a:srgbClr val="CCCCCC"/>
+                </a:solidFill>
+                <a:effectLst/>
+                <a:latin typeface="Consolas" panose="020B0609020204030204" pitchFamily="49" charset="0"/>
+              </a:rPr>
+              <a:t> </a:t>
+            </a:r>
+            <a:r>
+              <a:rPr lang="pt-BR" b="0" dirty="0" err="1">
+                <a:solidFill>
+                  <a:srgbClr val="4FC1FF"/>
+                </a:solidFill>
+                <a:effectLst/>
+                <a:latin typeface="Consolas" panose="020B0609020204030204" pitchFamily="49" charset="0"/>
+              </a:rPr>
+              <a:t>res</a:t>
+            </a:r>
+            <a:r>
+              <a:rPr lang="pt-BR" b="0" dirty="0" err="1">
+                <a:solidFill>
+                  <a:srgbClr val="CCCCCC"/>
+                </a:solidFill>
+                <a:effectLst/>
+                <a:latin typeface="Consolas" panose="020B0609020204030204" pitchFamily="49" charset="0"/>
+              </a:rPr>
+              <a:t>.</a:t>
+            </a:r>
+            <a:r>
+              <a:rPr lang="pt-BR" b="0" dirty="0" err="1">
+                <a:solidFill>
+                  <a:srgbClr val="DCDCAA"/>
+                </a:solidFill>
+                <a:effectLst/>
+                <a:latin typeface="Consolas" panose="020B0609020204030204" pitchFamily="49" charset="0"/>
+              </a:rPr>
+              <a:t>json</a:t>
+            </a:r>
+            <a:r>
+              <a:rPr lang="pt-BR" b="0" dirty="0">
+                <a:solidFill>
+                  <a:srgbClr val="CCCCCC"/>
+                </a:solidFill>
+                <a:effectLst/>
+                <a:latin typeface="Consolas" panose="020B0609020204030204" pitchFamily="49" charset="0"/>
+              </a:rPr>
+              <a:t>();</a:t>
+            </a:r>
+          </a:p>
+          <a:p>
+            <a:pPr>
+              <a:lnSpc>
+                <a:spcPts val="2325"/>
+              </a:lnSpc>
+              <a:buNone/>
+            </a:pPr>
+            <a:br>
+              <a:rPr lang="pt-BR" b="0" dirty="0">
+                <a:solidFill>
+                  <a:srgbClr val="CCCCCC"/>
+                </a:solidFill>
+                <a:effectLst/>
+                <a:latin typeface="Consolas" panose="020B0609020204030204" pitchFamily="49" charset="0"/>
+              </a:rPr>
+            </a:br>
+            <a:r>
+              <a:rPr lang="pt-BR" b="0" dirty="0">
+                <a:solidFill>
+                  <a:srgbClr val="6A9955"/>
+                </a:solidFill>
+                <a:effectLst/>
+                <a:latin typeface="Consolas" panose="020B0609020204030204" pitchFamily="49" charset="0"/>
+              </a:rPr>
+              <a:t>// Ele vai acessar o modificador de estado, pegar o antigo estado e </a:t>
+            </a:r>
+            <a:r>
+              <a:rPr lang="pt-BR" b="0" dirty="0" err="1">
+                <a:solidFill>
+                  <a:srgbClr val="6A9955"/>
+                </a:solidFill>
+                <a:effectLst/>
+                <a:latin typeface="Consolas" panose="020B0609020204030204" pitchFamily="49" charset="0"/>
+              </a:rPr>
+              <a:t>add</a:t>
+            </a:r>
+            <a:r>
+              <a:rPr lang="pt-BR" b="0" dirty="0">
+                <a:solidFill>
+                  <a:srgbClr val="6A9955"/>
+                </a:solidFill>
+                <a:effectLst/>
+                <a:latin typeface="Consolas" panose="020B0609020204030204" pitchFamily="49" charset="0"/>
+              </a:rPr>
+              <a:t> o novo valor junto com o antigo </a:t>
+            </a:r>
+            <a:endParaRPr lang="pt-BR" b="0" dirty="0">
+              <a:solidFill>
+                <a:srgbClr val="CCCCCC"/>
+              </a:solidFill>
+              <a:effectLst/>
+              <a:latin typeface="Consolas" panose="020B0609020204030204" pitchFamily="49" charset="0"/>
+            </a:endParaRPr>
+          </a:p>
+          <a:p>
+            <a:pPr marL="0" indent="0">
+              <a:lnSpc>
+                <a:spcPts val="2325"/>
+              </a:lnSpc>
+              <a:buNone/>
+            </a:pPr>
+            <a:r>
+              <a:rPr lang="pt-BR" b="0" dirty="0" err="1">
+                <a:solidFill>
+                  <a:srgbClr val="DCDCAA"/>
+                </a:solidFill>
+                <a:effectLst/>
+                <a:latin typeface="Consolas" panose="020B0609020204030204" pitchFamily="49" charset="0"/>
+              </a:rPr>
+              <a:t>setProduct</a:t>
+            </a:r>
+            <a:r>
+              <a:rPr lang="pt-BR" b="0" dirty="0">
+                <a:solidFill>
+                  <a:srgbClr val="CCCCCC"/>
+                </a:solidFill>
+                <a:effectLst/>
+                <a:latin typeface="Consolas" panose="020B0609020204030204" pitchFamily="49" charset="0"/>
+              </a:rPr>
+              <a:t>((</a:t>
+            </a:r>
+            <a:r>
+              <a:rPr lang="pt-BR" b="0" dirty="0" err="1">
+                <a:solidFill>
+                  <a:srgbClr val="9CDCFE"/>
+                </a:solidFill>
+                <a:effectLst/>
+                <a:latin typeface="Consolas" panose="020B0609020204030204" pitchFamily="49" charset="0"/>
+              </a:rPr>
+              <a:t>prevProduct</a:t>
+            </a:r>
+            <a:r>
+              <a:rPr lang="pt-BR" b="0" dirty="0">
+                <a:solidFill>
+                  <a:srgbClr val="CCCCCC"/>
+                </a:solidFill>
+                <a:effectLst/>
+                <a:latin typeface="Consolas" panose="020B0609020204030204" pitchFamily="49" charset="0"/>
+              </a:rPr>
+              <a:t>)</a:t>
+            </a:r>
+            <a:r>
+              <a:rPr lang="pt-BR" b="0" dirty="0">
+                <a:solidFill>
+                  <a:srgbClr val="569CD6"/>
+                </a:solidFill>
+                <a:effectLst/>
+                <a:latin typeface="Consolas" panose="020B0609020204030204" pitchFamily="49" charset="0"/>
+              </a:rPr>
+              <a:t>=&gt;</a:t>
+            </a:r>
+            <a:r>
+              <a:rPr lang="pt-BR" b="0" dirty="0">
+                <a:solidFill>
+                  <a:srgbClr val="CCCCCC"/>
+                </a:solidFill>
+                <a:effectLst/>
+                <a:latin typeface="Consolas" panose="020B0609020204030204" pitchFamily="49" charset="0"/>
+              </a:rPr>
+              <a:t>[</a:t>
+            </a:r>
+            <a:r>
+              <a:rPr lang="pt-BR" b="0" dirty="0">
+                <a:solidFill>
+                  <a:srgbClr val="D4D4D4"/>
+                </a:solidFill>
+                <a:effectLst/>
+                <a:latin typeface="Consolas" panose="020B0609020204030204" pitchFamily="49" charset="0"/>
+              </a:rPr>
+              <a:t>...</a:t>
+            </a:r>
+            <a:r>
+              <a:rPr lang="pt-BR" b="0" dirty="0" err="1">
+                <a:solidFill>
+                  <a:srgbClr val="9CDCFE"/>
+                </a:solidFill>
+                <a:effectLst/>
+                <a:latin typeface="Consolas" panose="020B0609020204030204" pitchFamily="49" charset="0"/>
+              </a:rPr>
+              <a:t>prevProduct</a:t>
+            </a:r>
+            <a:r>
+              <a:rPr lang="pt-BR" b="0" dirty="0" err="1">
+                <a:solidFill>
+                  <a:srgbClr val="CCCCCC"/>
+                </a:solidFill>
+                <a:effectLst/>
+                <a:latin typeface="Consolas" panose="020B0609020204030204" pitchFamily="49" charset="0"/>
+              </a:rPr>
+              <a:t>,</a:t>
+            </a:r>
+            <a:r>
+              <a:rPr lang="pt-BR" b="0" dirty="0" err="1">
+                <a:solidFill>
+                  <a:srgbClr val="4FC1FF"/>
+                </a:solidFill>
+                <a:effectLst/>
+                <a:latin typeface="Consolas" panose="020B0609020204030204" pitchFamily="49" charset="0"/>
+              </a:rPr>
+              <a:t>addProduct</a:t>
+            </a:r>
+            <a:r>
+              <a:rPr lang="pt-BR" b="0" dirty="0">
+                <a:solidFill>
+                  <a:srgbClr val="CCCCCC"/>
+                </a:solidFill>
+                <a:effectLst/>
+                <a:latin typeface="Consolas" panose="020B0609020204030204" pitchFamily="49" charset="0"/>
+              </a:rPr>
+              <a:t>])</a:t>
+            </a:r>
+          </a:p>
+          <a:p>
+            <a:endParaRPr lang="pt-BR" dirty="0"/>
+          </a:p>
+        </p:txBody>
+      </p:sp>
+    </p:spTree>
+    <p:extLst>
+      <p:ext uri="{BB962C8B-B14F-4D97-AF65-F5344CB8AC3E}">
+        <p14:creationId xmlns:p14="http://schemas.microsoft.com/office/powerpoint/2010/main" val="1405165259"/>
       </p:ext>
     </p:extLst>
   </p:cSld>

--- a/React.pptx
+++ b/React.pptx
@@ -36,6 +36,7 @@
     <p:sldId id="284" r:id="rId30"/>
     <p:sldId id="285" r:id="rId31"/>
     <p:sldId id="286" r:id="rId32"/>
+    <p:sldId id="287" r:id="rId33"/>
   </p:sldIdLst>
   <p:sldSz cx="12192000" cy="6858000"/>
   <p:notesSz cx="6858000" cy="9144000"/>
@@ -3756,7 +3757,7 @@
           <a:p>
             <a:fld id="{EFE63C55-2C78-4637-A6E7-BF8B7B1798D2}" type="datetimeFigureOut">
               <a:rPr lang="pt-BR" smtClean="0"/>
-              <a:t>20/03/2025</a:t>
+              <a:t>28/03/2025</a:t>
             </a:fld>
             <a:endParaRPr lang="pt-BR"/>
           </a:p>
@@ -3954,7 +3955,7 @@
           <a:p>
             <a:fld id="{EFE63C55-2C78-4637-A6E7-BF8B7B1798D2}" type="datetimeFigureOut">
               <a:rPr lang="pt-BR" smtClean="0"/>
-              <a:t>20/03/2025</a:t>
+              <a:t>28/03/2025</a:t>
             </a:fld>
             <a:endParaRPr lang="pt-BR"/>
           </a:p>
@@ -4162,7 +4163,7 @@
           <a:p>
             <a:fld id="{EFE63C55-2C78-4637-A6E7-BF8B7B1798D2}" type="datetimeFigureOut">
               <a:rPr lang="pt-BR" smtClean="0"/>
-              <a:t>20/03/2025</a:t>
+              <a:t>28/03/2025</a:t>
             </a:fld>
             <a:endParaRPr lang="pt-BR"/>
           </a:p>
@@ -4360,7 +4361,7 @@
           <a:p>
             <a:fld id="{EFE63C55-2C78-4637-A6E7-BF8B7B1798D2}" type="datetimeFigureOut">
               <a:rPr lang="pt-BR" smtClean="0"/>
-              <a:t>20/03/2025</a:t>
+              <a:t>28/03/2025</a:t>
             </a:fld>
             <a:endParaRPr lang="pt-BR"/>
           </a:p>
@@ -4635,7 +4636,7 @@
           <a:p>
             <a:fld id="{EFE63C55-2C78-4637-A6E7-BF8B7B1798D2}" type="datetimeFigureOut">
               <a:rPr lang="pt-BR" smtClean="0"/>
-              <a:t>20/03/2025</a:t>
+              <a:t>28/03/2025</a:t>
             </a:fld>
             <a:endParaRPr lang="pt-BR"/>
           </a:p>
@@ -4900,7 +4901,7 @@
           <a:p>
             <a:fld id="{EFE63C55-2C78-4637-A6E7-BF8B7B1798D2}" type="datetimeFigureOut">
               <a:rPr lang="pt-BR" smtClean="0"/>
-              <a:t>20/03/2025</a:t>
+              <a:t>28/03/2025</a:t>
             </a:fld>
             <a:endParaRPr lang="pt-BR"/>
           </a:p>
@@ -5312,7 +5313,7 @@
           <a:p>
             <a:fld id="{EFE63C55-2C78-4637-A6E7-BF8B7B1798D2}" type="datetimeFigureOut">
               <a:rPr lang="pt-BR" smtClean="0"/>
-              <a:t>20/03/2025</a:t>
+              <a:t>28/03/2025</a:t>
             </a:fld>
             <a:endParaRPr lang="pt-BR"/>
           </a:p>
@@ -5453,7 +5454,7 @@
           <a:p>
             <a:fld id="{EFE63C55-2C78-4637-A6E7-BF8B7B1798D2}" type="datetimeFigureOut">
               <a:rPr lang="pt-BR" smtClean="0"/>
-              <a:t>20/03/2025</a:t>
+              <a:t>28/03/2025</a:t>
             </a:fld>
             <a:endParaRPr lang="pt-BR"/>
           </a:p>
@@ -5566,7 +5567,7 @@
           <a:p>
             <a:fld id="{EFE63C55-2C78-4637-A6E7-BF8B7B1798D2}" type="datetimeFigureOut">
               <a:rPr lang="pt-BR" smtClean="0"/>
-              <a:t>20/03/2025</a:t>
+              <a:t>28/03/2025</a:t>
             </a:fld>
             <a:endParaRPr lang="pt-BR"/>
           </a:p>
@@ -5877,7 +5878,7 @@
           <a:p>
             <a:fld id="{EFE63C55-2C78-4637-A6E7-BF8B7B1798D2}" type="datetimeFigureOut">
               <a:rPr lang="pt-BR" smtClean="0"/>
-              <a:t>20/03/2025</a:t>
+              <a:t>28/03/2025</a:t>
             </a:fld>
             <a:endParaRPr lang="pt-BR"/>
           </a:p>
@@ -6165,7 +6166,7 @@
           <a:p>
             <a:fld id="{EFE63C55-2C78-4637-A6E7-BF8B7B1798D2}" type="datetimeFigureOut">
               <a:rPr lang="pt-BR" smtClean="0"/>
-              <a:t>20/03/2025</a:t>
+              <a:t>28/03/2025</a:t>
             </a:fld>
             <a:endParaRPr lang="pt-BR"/>
           </a:p>
@@ -6406,7 +6407,7 @@
           <a:p>
             <a:fld id="{EFE63C55-2C78-4637-A6E7-BF8B7B1798D2}" type="datetimeFigureOut">
               <a:rPr lang="pt-BR" smtClean="0"/>
-              <a:t>20/03/2025</a:t>
+              <a:t>28/03/2025</a:t>
             </a:fld>
             <a:endParaRPr lang="pt-BR"/>
           </a:p>
@@ -13215,6 +13216,116 @@
     <p:extLst>
       <p:ext uri="{BB962C8B-B14F-4D97-AF65-F5344CB8AC3E}">
         <p14:creationId xmlns:p14="http://schemas.microsoft.com/office/powerpoint/2010/main" val="1405165259"/>
+      </p:ext>
+    </p:extLst>
+  </p:cSld>
+  <p:clrMapOvr>
+    <a:masterClrMapping/>
+  </p:clrMapOvr>
+</p:sld>
+</file>
+
+<file path=ppt/slides/slide32.xml><?xml version="1.0" encoding="utf-8"?>
+<p:sld xmlns:a="http://schemas.openxmlformats.org/drawingml/2006/main" xmlns:r="http://schemas.openxmlformats.org/officeDocument/2006/relationships" xmlns:p="http://schemas.openxmlformats.org/presentationml/2006/main">
+  <p:cSld>
+    <p:spTree>
+      <p:nvGrpSpPr>
+        <p:cNvPr id="1" name=""/>
+        <p:cNvGrpSpPr/>
+        <p:nvPr/>
+      </p:nvGrpSpPr>
+      <p:grpSpPr>
+        <a:xfrm>
+          <a:off x="0" y="0"/>
+          <a:ext cx="0" cy="0"/>
+          <a:chOff x="0" y="0"/>
+          <a:chExt cx="0" cy="0"/>
+        </a:xfrm>
+      </p:grpSpPr>
+      <p:sp>
+        <p:nvSpPr>
+          <p:cNvPr id="2" name="Título 1">
+            <a:extLst>
+              <a:ext uri="{FF2B5EF4-FFF2-40B4-BE49-F238E27FC236}">
+                <a16:creationId xmlns:a16="http://schemas.microsoft.com/office/drawing/2014/main" id="{B6BF6DD0-9705-D99B-0EB3-0EBEC31F7CEA}"/>
+              </a:ext>
+            </a:extLst>
+          </p:cNvPr>
+          <p:cNvSpPr>
+            <a:spLocks noGrp="1"/>
+          </p:cNvSpPr>
+          <p:nvPr>
+            <p:ph type="title"/>
+          </p:nvPr>
+        </p:nvSpPr>
+        <p:spPr/>
+        <p:txBody>
+          <a:bodyPr/>
+          <a:lstStyle/>
+          <a:p>
+            <a:r>
+              <a:rPr lang="pt-BR" b="1" dirty="0"/>
+              <a:t>Custom </a:t>
+            </a:r>
+            <a:r>
+              <a:rPr lang="pt-BR" b="1" dirty="0" err="1"/>
+              <a:t>hooks</a:t>
+            </a:r>
+            <a:endParaRPr lang="pt-BR" b="1" dirty="0"/>
+          </a:p>
+        </p:txBody>
+      </p:sp>
+      <p:sp>
+        <p:nvSpPr>
+          <p:cNvPr id="3" name="Espaço Reservado para Conteúdo 2">
+            <a:extLst>
+              <a:ext uri="{FF2B5EF4-FFF2-40B4-BE49-F238E27FC236}">
+                <a16:creationId xmlns:a16="http://schemas.microsoft.com/office/drawing/2014/main" id="{5AB05B68-122F-33BC-C2EF-515A0E7E2F30}"/>
+              </a:ext>
+            </a:extLst>
+          </p:cNvPr>
+          <p:cNvSpPr>
+            <a:spLocks noGrp="1"/>
+          </p:cNvSpPr>
+          <p:nvPr>
+            <p:ph idx="1"/>
+          </p:nvPr>
+        </p:nvSpPr>
+        <p:spPr/>
+        <p:txBody>
+          <a:bodyPr/>
+          <a:lstStyle/>
+          <a:p>
+            <a:r>
+              <a:rPr lang="pt-BR" dirty="0"/>
+              <a:t>Podemos criar nossos próprios </a:t>
+            </a:r>
+            <a:r>
+              <a:rPr lang="pt-BR" dirty="0" err="1"/>
+              <a:t>hooks</a:t>
+            </a:r>
+            <a:r>
+              <a:rPr lang="pt-BR" dirty="0"/>
+              <a:t> </a:t>
+            </a:r>
+          </a:p>
+          <a:p>
+            <a:r>
+              <a:rPr lang="pt-BR" dirty="0"/>
+              <a:t>Eles devem ficar na pasta </a:t>
+            </a:r>
+            <a:r>
+              <a:rPr lang="pt-BR" dirty="0" err="1"/>
+              <a:t>hook</a:t>
+            </a:r>
+            <a:endParaRPr lang="pt-BR" dirty="0"/>
+          </a:p>
+        </p:txBody>
+      </p:sp>
+    </p:spTree>
+    <p:extLst>
+      <p:ext uri="{BB962C8B-B14F-4D97-AF65-F5344CB8AC3E}">
+        <p14:creationId xmlns:p14="http://schemas.microsoft.com/office/powerpoint/2010/main" val="2815429611"/>
       </p:ext>
     </p:extLst>
   </p:cSld>

--- a/React.pptx
+++ b/React.pptx
@@ -45,14 +45,17 @@
     <p:sldId id="303" r:id="rId39"/>
     <p:sldId id="301" r:id="rId40"/>
     <p:sldId id="302" r:id="rId41"/>
-    <p:sldId id="280" r:id="rId42"/>
-    <p:sldId id="281" r:id="rId43"/>
-    <p:sldId id="282" r:id="rId44"/>
-    <p:sldId id="283" r:id="rId45"/>
-    <p:sldId id="284" r:id="rId46"/>
-    <p:sldId id="285" r:id="rId47"/>
-    <p:sldId id="286" r:id="rId48"/>
-    <p:sldId id="287" r:id="rId49"/>
+    <p:sldId id="304" r:id="rId42"/>
+    <p:sldId id="305" r:id="rId43"/>
+    <p:sldId id="306" r:id="rId44"/>
+    <p:sldId id="280" r:id="rId45"/>
+    <p:sldId id="281" r:id="rId46"/>
+    <p:sldId id="282" r:id="rId47"/>
+    <p:sldId id="283" r:id="rId48"/>
+    <p:sldId id="284" r:id="rId49"/>
+    <p:sldId id="285" r:id="rId50"/>
+    <p:sldId id="286" r:id="rId51"/>
+    <p:sldId id="287" r:id="rId52"/>
   </p:sldIdLst>
   <p:sldSz cx="12192000" cy="6858000"/>
   <p:notesSz cx="6858000" cy="9144000"/>
@@ -20163,6 +20166,930 @@
 <file path=ppt/slides/slide41.xml><?xml version="1.0" encoding="utf-8"?>
 <p:sld xmlns:a="http://schemas.openxmlformats.org/drawingml/2006/main" xmlns:r="http://schemas.openxmlformats.org/officeDocument/2006/relationships" xmlns:p="http://schemas.openxmlformats.org/presentationml/2006/main">
   <p:cSld>
+    <p:bg>
+      <p:bgPr>
+        <a:solidFill>
+          <a:schemeClr val="bg1"/>
+        </a:solidFill>
+        <a:effectLst/>
+      </p:bgPr>
+    </p:bg>
+    <p:spTree>
+      <p:nvGrpSpPr>
+        <p:cNvPr id="1" name=""/>
+        <p:cNvGrpSpPr/>
+        <p:nvPr/>
+      </p:nvGrpSpPr>
+      <p:grpSpPr>
+        <a:xfrm>
+          <a:off x="0" y="0"/>
+          <a:ext cx="0" cy="0"/>
+          <a:chOff x="0" y="0"/>
+          <a:chExt cx="0" cy="0"/>
+        </a:xfrm>
+      </p:grpSpPr>
+      <p:sp useBgFill="1">
+        <p:nvSpPr>
+          <p:cNvPr id="10" name="Rectangle 9">
+            <a:extLst>
+              <a:ext uri="{FF2B5EF4-FFF2-40B4-BE49-F238E27FC236}">
+                <a16:creationId xmlns:a16="http://schemas.microsoft.com/office/drawing/2014/main" id="{743AA782-23D1-4521-8CAD-47662984AA08}"/>
+              </a:ext>
+              <a:ext uri="{C183D7F6-B498-43B3-948B-1728B52AA6E4}">
+                <adec:decorative xmlns:adec="http://schemas.microsoft.com/office/drawing/2017/decorative" val="1"/>
+              </a:ext>
+            </a:extLst>
+          </p:cNvPr>
+          <p:cNvSpPr>
+            <a:spLocks noGrp="1" noRot="1" noChangeAspect="1" noMove="1" noResize="1" noEditPoints="1" noAdjustHandles="1" noChangeArrowheads="1" noChangeShapeType="1" noTextEdit="1"/>
+          </p:cNvSpPr>
+          <p:nvPr>
+            <p:extLst>
+              <p:ext uri="{386F3935-93C4-4BCD-93E2-E3B085C9AB24}">
+                <p16:designElem xmlns:p16="http://schemas.microsoft.com/office/powerpoint/2015/main" val="1"/>
+              </p:ext>
+            </p:extLst>
+          </p:nvPr>
+        </p:nvSpPr>
+        <p:spPr>
+          <a:xfrm>
+            <a:off x="0" y="0"/>
+            <a:ext cx="12192000" cy="6858000"/>
+          </a:xfrm>
+          <a:prstGeom prst="rect">
+            <a:avLst/>
+          </a:prstGeom>
+          <a:ln>
+            <a:noFill/>
+          </a:ln>
+        </p:spPr>
+        <p:style>
+          <a:lnRef idx="2">
+            <a:schemeClr val="accent1">
+              <a:shade val="50000"/>
+            </a:schemeClr>
+          </a:lnRef>
+          <a:fillRef idx="1">
+            <a:schemeClr val="accent1"/>
+          </a:fillRef>
+          <a:effectRef idx="0">
+            <a:schemeClr val="accent1"/>
+          </a:effectRef>
+          <a:fontRef idx="minor">
+            <a:schemeClr val="lt1"/>
+          </a:fontRef>
+        </p:style>
+        <p:txBody>
+          <a:bodyPr rtlCol="0" anchor="ctr"/>
+          <a:lstStyle/>
+          <a:p>
+            <a:pPr algn="ctr"/>
+            <a:endParaRPr lang="en-US"/>
+          </a:p>
+        </p:txBody>
+      </p:sp>
+      <p:sp>
+        <p:nvSpPr>
+          <p:cNvPr id="2" name="Título 1">
+            <a:extLst>
+              <a:ext uri="{FF2B5EF4-FFF2-40B4-BE49-F238E27FC236}">
+                <a16:creationId xmlns:a16="http://schemas.microsoft.com/office/drawing/2014/main" id="{58A9CBB9-0278-F1DC-6937-AEE81F4ED92A}"/>
+              </a:ext>
+            </a:extLst>
+          </p:cNvPr>
+          <p:cNvSpPr>
+            <a:spLocks noGrp="1"/>
+          </p:cNvSpPr>
+          <p:nvPr>
+            <p:ph type="title"/>
+          </p:nvPr>
+        </p:nvSpPr>
+        <p:spPr>
+          <a:xfrm>
+            <a:off x="630936" y="640080"/>
+            <a:ext cx="4818888" cy="1481328"/>
+          </a:xfrm>
+        </p:spPr>
+        <p:txBody>
+          <a:bodyPr anchor="b">
+            <a:normAutofit/>
+          </a:bodyPr>
+          <a:lstStyle/>
+          <a:p>
+            <a:r>
+              <a:rPr lang="pt-BR" sz="5000"/>
+              <a:t>TO DO List- Avançado</a:t>
+            </a:r>
+          </a:p>
+        </p:txBody>
+      </p:sp>
+      <p:sp>
+        <p:nvSpPr>
+          <p:cNvPr id="12" name="sketch line">
+            <a:extLst>
+              <a:ext uri="{FF2B5EF4-FFF2-40B4-BE49-F238E27FC236}">
+                <a16:creationId xmlns:a16="http://schemas.microsoft.com/office/drawing/2014/main" id="{71877DBC-BB60-40F0-AC93-2ACDBAAE60CE}"/>
+              </a:ext>
+              <a:ext uri="{C183D7F6-B498-43B3-948B-1728B52AA6E4}">
+                <adec:decorative xmlns:adec="http://schemas.microsoft.com/office/drawing/2017/decorative" val="1"/>
+              </a:ext>
+            </a:extLst>
+          </p:cNvPr>
+          <p:cNvSpPr>
+            <a:spLocks noGrp="1" noRot="1" noChangeAspect="1" noMove="1" noResize="1" noEditPoints="1" noAdjustHandles="1" noChangeArrowheads="1" noChangeShapeType="1" noTextEdit="1"/>
+          </p:cNvSpPr>
+          <p:nvPr>
+            <p:extLst>
+              <p:ext uri="{386F3935-93C4-4BCD-93E2-E3B085C9AB24}">
+                <p16:designElem xmlns:p16="http://schemas.microsoft.com/office/powerpoint/2015/main" val="1"/>
+              </p:ext>
+            </p:extLst>
+          </p:nvPr>
+        </p:nvSpPr>
+        <p:spPr>
+          <a:xfrm>
+            <a:off x="643278" y="2372868"/>
+            <a:ext cx="3255095" cy="18288"/>
+          </a:xfrm>
+          <a:custGeom>
+            <a:avLst/>
+            <a:gdLst>
+              <a:gd name="connsiteX0" fmla="*/ 0 w 3255095"/>
+              <a:gd name="connsiteY0" fmla="*/ 0 h 18288"/>
+              <a:gd name="connsiteX1" fmla="*/ 618468 w 3255095"/>
+              <a:gd name="connsiteY1" fmla="*/ 0 h 18288"/>
+              <a:gd name="connsiteX2" fmla="*/ 1269487 w 3255095"/>
+              <a:gd name="connsiteY2" fmla="*/ 0 h 18288"/>
+              <a:gd name="connsiteX3" fmla="*/ 1953057 w 3255095"/>
+              <a:gd name="connsiteY3" fmla="*/ 0 h 18288"/>
+              <a:gd name="connsiteX4" fmla="*/ 2636627 w 3255095"/>
+              <a:gd name="connsiteY4" fmla="*/ 0 h 18288"/>
+              <a:gd name="connsiteX5" fmla="*/ 3255095 w 3255095"/>
+              <a:gd name="connsiteY5" fmla="*/ 0 h 18288"/>
+              <a:gd name="connsiteX6" fmla="*/ 3255095 w 3255095"/>
+              <a:gd name="connsiteY6" fmla="*/ 18288 h 18288"/>
+              <a:gd name="connsiteX7" fmla="*/ 2538974 w 3255095"/>
+              <a:gd name="connsiteY7" fmla="*/ 18288 h 18288"/>
+              <a:gd name="connsiteX8" fmla="*/ 1822853 w 3255095"/>
+              <a:gd name="connsiteY8" fmla="*/ 18288 h 18288"/>
+              <a:gd name="connsiteX9" fmla="*/ 1171834 w 3255095"/>
+              <a:gd name="connsiteY9" fmla="*/ 18288 h 18288"/>
+              <a:gd name="connsiteX10" fmla="*/ 0 w 3255095"/>
+              <a:gd name="connsiteY10" fmla="*/ 18288 h 18288"/>
+              <a:gd name="connsiteX11" fmla="*/ 0 w 3255095"/>
+              <a:gd name="connsiteY11" fmla="*/ 0 h 18288"/>
+            </a:gdLst>
+            <a:ahLst/>
+            <a:cxnLst>
+              <a:cxn ang="0">
+                <a:pos x="connsiteX0" y="connsiteY0"/>
+              </a:cxn>
+              <a:cxn ang="0">
+                <a:pos x="connsiteX1" y="connsiteY1"/>
+              </a:cxn>
+              <a:cxn ang="0">
+                <a:pos x="connsiteX2" y="connsiteY2"/>
+              </a:cxn>
+              <a:cxn ang="0">
+                <a:pos x="connsiteX3" y="connsiteY3"/>
+              </a:cxn>
+              <a:cxn ang="0">
+                <a:pos x="connsiteX4" y="connsiteY4"/>
+              </a:cxn>
+              <a:cxn ang="0">
+                <a:pos x="connsiteX5" y="connsiteY5"/>
+              </a:cxn>
+              <a:cxn ang="0">
+                <a:pos x="connsiteX6" y="connsiteY6"/>
+              </a:cxn>
+              <a:cxn ang="0">
+                <a:pos x="connsiteX7" y="connsiteY7"/>
+              </a:cxn>
+              <a:cxn ang="0">
+                <a:pos x="connsiteX8" y="connsiteY8"/>
+              </a:cxn>
+              <a:cxn ang="0">
+                <a:pos x="connsiteX9" y="connsiteY9"/>
+              </a:cxn>
+              <a:cxn ang="0">
+                <a:pos x="connsiteX10" y="connsiteY10"/>
+              </a:cxn>
+              <a:cxn ang="0">
+                <a:pos x="connsiteX11" y="connsiteY11"/>
+              </a:cxn>
+            </a:cxnLst>
+            <a:rect l="l" t="t" r="r" b="b"/>
+            <a:pathLst>
+              <a:path w="3255095" h="18288" fill="none" extrusionOk="0">
+                <a:moveTo>
+                  <a:pt x="0" y="0"/>
+                </a:moveTo>
+                <a:cubicBezTo>
+                  <a:pt x="240201" y="-22123"/>
+                  <a:pt x="462021" y="-19623"/>
+                  <a:pt x="618468" y="0"/>
+                </a:cubicBezTo>
+                <a:cubicBezTo>
+                  <a:pt x="774915" y="19623"/>
+                  <a:pt x="974734" y="2035"/>
+                  <a:pt x="1269487" y="0"/>
+                </a:cubicBezTo>
+                <a:cubicBezTo>
+                  <a:pt x="1564240" y="-2035"/>
+                  <a:pt x="1733579" y="10639"/>
+                  <a:pt x="1953057" y="0"/>
+                </a:cubicBezTo>
+                <a:cubicBezTo>
+                  <a:pt x="2172535" y="-10639"/>
+                  <a:pt x="2453962" y="14018"/>
+                  <a:pt x="2636627" y="0"/>
+                </a:cubicBezTo>
+                <a:cubicBezTo>
+                  <a:pt x="2819292" y="-14018"/>
+                  <a:pt x="3121375" y="5399"/>
+                  <a:pt x="3255095" y="0"/>
+                </a:cubicBezTo>
+                <a:cubicBezTo>
+                  <a:pt x="3254386" y="8157"/>
+                  <a:pt x="3254682" y="12125"/>
+                  <a:pt x="3255095" y="18288"/>
+                </a:cubicBezTo>
+                <a:cubicBezTo>
+                  <a:pt x="3088545" y="23203"/>
+                  <a:pt x="2687475" y="7419"/>
+                  <a:pt x="2538974" y="18288"/>
+                </a:cubicBezTo>
+                <a:cubicBezTo>
+                  <a:pt x="2390473" y="29157"/>
+                  <a:pt x="2137381" y="-8959"/>
+                  <a:pt x="1822853" y="18288"/>
+                </a:cubicBezTo>
+                <a:cubicBezTo>
+                  <a:pt x="1508325" y="45535"/>
+                  <a:pt x="1466437" y="20385"/>
+                  <a:pt x="1171834" y="18288"/>
+                </a:cubicBezTo>
+                <a:cubicBezTo>
+                  <a:pt x="877231" y="16191"/>
+                  <a:pt x="561097" y="37643"/>
+                  <a:pt x="0" y="18288"/>
+                </a:cubicBezTo>
+                <a:cubicBezTo>
+                  <a:pt x="-46" y="12483"/>
+                  <a:pt x="-203" y="6491"/>
+                  <a:pt x="0" y="0"/>
+                </a:cubicBezTo>
+                <a:close/>
+              </a:path>
+              <a:path w="3255095" h="18288" stroke="0" extrusionOk="0">
+                <a:moveTo>
+                  <a:pt x="0" y="0"/>
+                </a:moveTo>
+                <a:cubicBezTo>
+                  <a:pt x="291965" y="19429"/>
+                  <a:pt x="363155" y="8568"/>
+                  <a:pt x="618468" y="0"/>
+                </a:cubicBezTo>
+                <a:cubicBezTo>
+                  <a:pt x="873781" y="-8568"/>
+                  <a:pt x="904459" y="-19505"/>
+                  <a:pt x="1171834" y="0"/>
+                </a:cubicBezTo>
+                <a:cubicBezTo>
+                  <a:pt x="1439209" y="19505"/>
+                  <a:pt x="1744369" y="9790"/>
+                  <a:pt x="1887955" y="0"/>
+                </a:cubicBezTo>
+                <a:cubicBezTo>
+                  <a:pt x="2031541" y="-9790"/>
+                  <a:pt x="2346378" y="21240"/>
+                  <a:pt x="2506423" y="0"/>
+                </a:cubicBezTo>
+                <a:cubicBezTo>
+                  <a:pt x="2666468" y="-21240"/>
+                  <a:pt x="2990257" y="30414"/>
+                  <a:pt x="3255095" y="0"/>
+                </a:cubicBezTo>
+                <a:cubicBezTo>
+                  <a:pt x="3254831" y="4493"/>
+                  <a:pt x="3255479" y="9472"/>
+                  <a:pt x="3255095" y="18288"/>
+                </a:cubicBezTo>
+                <a:cubicBezTo>
+                  <a:pt x="3120743" y="16690"/>
+                  <a:pt x="2759628" y="42462"/>
+                  <a:pt x="2604076" y="18288"/>
+                </a:cubicBezTo>
+                <a:cubicBezTo>
+                  <a:pt x="2448524" y="-5886"/>
+                  <a:pt x="2184336" y="19599"/>
+                  <a:pt x="1887955" y="18288"/>
+                </a:cubicBezTo>
+                <a:cubicBezTo>
+                  <a:pt x="1591574" y="16977"/>
+                  <a:pt x="1548845" y="6870"/>
+                  <a:pt x="1334589" y="18288"/>
+                </a:cubicBezTo>
+                <a:cubicBezTo>
+                  <a:pt x="1120333" y="29706"/>
+                  <a:pt x="996014" y="9662"/>
+                  <a:pt x="683570" y="18288"/>
+                </a:cubicBezTo>
+                <a:cubicBezTo>
+                  <a:pt x="371126" y="26914"/>
+                  <a:pt x="198687" y="16167"/>
+                  <a:pt x="0" y="18288"/>
+                </a:cubicBezTo>
+                <a:cubicBezTo>
+                  <a:pt x="843" y="9577"/>
+                  <a:pt x="371" y="6900"/>
+                  <a:pt x="0" y="0"/>
+                </a:cubicBezTo>
+                <a:close/>
+              </a:path>
+            </a:pathLst>
+          </a:custGeom>
+          <a:solidFill>
+            <a:schemeClr val="accent2"/>
+          </a:solidFill>
+          <a:ln w="38100" cap="rnd">
+            <a:solidFill>
+              <a:schemeClr val="accent2"/>
+            </a:solidFill>
+            <a:round/>
+            <a:extLst>
+              <a:ext uri="{C807C97D-BFC1-408E-A445-0C87EB9F89A2}">
+                <ask:lineSketchStyleProps xmlns:ask="http://schemas.microsoft.com/office/drawing/2018/sketchyshapes" sd="1219033472">
+                  <a:prstGeom prst="rect">
+                    <a:avLst/>
+                  </a:prstGeom>
+                  <ask:type>
+                    <ask:lineSketchFreehand/>
+                  </ask:type>
+                </ask:lineSketchStyleProps>
+              </a:ext>
+            </a:extLst>
+          </a:ln>
+        </p:spPr>
+        <p:style>
+          <a:lnRef idx="2">
+            <a:schemeClr val="accent1">
+              <a:shade val="50000"/>
+            </a:schemeClr>
+          </a:lnRef>
+          <a:fillRef idx="1">
+            <a:schemeClr val="accent1"/>
+          </a:fillRef>
+          <a:effectRef idx="0">
+            <a:schemeClr val="accent1"/>
+          </a:effectRef>
+          <a:fontRef idx="minor">
+            <a:schemeClr val="lt1"/>
+          </a:fontRef>
+        </p:style>
+        <p:txBody>
+          <a:bodyPr rtlCol="0" anchor="ctr"/>
+          <a:lstStyle/>
+          <a:p>
+            <a:pPr algn="ctr"/>
+            <a:endParaRPr lang="en-US"/>
+          </a:p>
+        </p:txBody>
+      </p:sp>
+      <p:sp>
+        <p:nvSpPr>
+          <p:cNvPr id="3" name="Espaço Reservado para Conteúdo 2">
+            <a:extLst>
+              <a:ext uri="{FF2B5EF4-FFF2-40B4-BE49-F238E27FC236}">
+                <a16:creationId xmlns:a16="http://schemas.microsoft.com/office/drawing/2014/main" id="{738393F3-09F3-7E13-BD45-6A8689ABBEAF}"/>
+              </a:ext>
+            </a:extLst>
+          </p:cNvPr>
+          <p:cNvSpPr>
+            <a:spLocks noGrp="1"/>
+          </p:cNvSpPr>
+          <p:nvPr>
+            <p:ph idx="1"/>
+          </p:nvPr>
+        </p:nvSpPr>
+        <p:spPr>
+          <a:xfrm>
+            <a:off x="630936" y="2660904"/>
+            <a:ext cx="4818888" cy="3547872"/>
+          </a:xfrm>
+        </p:spPr>
+        <p:txBody>
+          <a:bodyPr anchor="t">
+            <a:normAutofit/>
+          </a:bodyPr>
+          <a:lstStyle/>
+          <a:p>
+            <a:r>
+              <a:rPr lang="pt-BR" sz="2200" dirty="0"/>
+              <a:t>Vamos criar agora o mesmo projeto só que vamos trabalhar com a persistência dos dados via </a:t>
+            </a:r>
+            <a:r>
+              <a:rPr lang="pt-BR" sz="2200" dirty="0" err="1"/>
+              <a:t>Json</a:t>
+            </a:r>
+            <a:r>
+              <a:rPr lang="pt-BR" sz="2200" dirty="0"/>
+              <a:t>, vamos simulando um servidor com uma API.</a:t>
+            </a:r>
+          </a:p>
+        </p:txBody>
+      </p:sp>
+      <p:pic>
+        <p:nvPicPr>
+          <p:cNvPr id="5" name="Imagem 4">
+            <a:extLst>
+              <a:ext uri="{FF2B5EF4-FFF2-40B4-BE49-F238E27FC236}">
+                <a16:creationId xmlns:a16="http://schemas.microsoft.com/office/drawing/2014/main" id="{2A585223-0D11-2C17-03C0-41A6E343A126}"/>
+              </a:ext>
+            </a:extLst>
+          </p:cNvPr>
+          <p:cNvPicPr>
+            <a:picLocks noChangeAspect="1"/>
+          </p:cNvPicPr>
+          <p:nvPr/>
+        </p:nvPicPr>
+        <p:blipFill>
+          <a:blip r:embed="rId2"/>
+          <a:stretch>
+            <a:fillRect/>
+          </a:stretch>
+        </p:blipFill>
+        <p:spPr>
+          <a:xfrm>
+            <a:off x="6099048" y="664068"/>
+            <a:ext cx="5458968" cy="5529863"/>
+          </a:xfrm>
+          <a:prstGeom prst="rect">
+            <a:avLst/>
+          </a:prstGeom>
+        </p:spPr>
+      </p:pic>
+    </p:spTree>
+    <p:extLst>
+      <p:ext uri="{BB962C8B-B14F-4D97-AF65-F5344CB8AC3E}">
+        <p14:creationId xmlns:p14="http://schemas.microsoft.com/office/powerpoint/2010/main" val="3075323832"/>
+      </p:ext>
+    </p:extLst>
+  </p:cSld>
+  <p:clrMapOvr>
+    <a:masterClrMapping/>
+  </p:clrMapOvr>
+</p:sld>
+</file>
+
+<file path=ppt/slides/slide42.xml><?xml version="1.0" encoding="utf-8"?>
+<p:sld xmlns:a="http://schemas.openxmlformats.org/drawingml/2006/main" xmlns:r="http://schemas.openxmlformats.org/officeDocument/2006/relationships" xmlns:p="http://schemas.openxmlformats.org/presentationml/2006/main">
+  <p:cSld>
+    <p:spTree>
+      <p:nvGrpSpPr>
+        <p:cNvPr id="1" name=""/>
+        <p:cNvGrpSpPr/>
+        <p:nvPr/>
+      </p:nvGrpSpPr>
+      <p:grpSpPr>
+        <a:xfrm>
+          <a:off x="0" y="0"/>
+          <a:ext cx="0" cy="0"/>
+          <a:chOff x="0" y="0"/>
+          <a:chExt cx="0" cy="0"/>
+        </a:xfrm>
+      </p:grpSpPr>
+      <p:sp>
+        <p:nvSpPr>
+          <p:cNvPr id="2" name="Título 1">
+            <a:extLst>
+              <a:ext uri="{FF2B5EF4-FFF2-40B4-BE49-F238E27FC236}">
+                <a16:creationId xmlns:a16="http://schemas.microsoft.com/office/drawing/2014/main" id="{B30312CF-7D64-A72B-2EF9-1585FC757EB8}"/>
+              </a:ext>
+            </a:extLst>
+          </p:cNvPr>
+          <p:cNvSpPr>
+            <a:spLocks noGrp="1"/>
+          </p:cNvSpPr>
+          <p:nvPr>
+            <p:ph type="title"/>
+          </p:nvPr>
+        </p:nvSpPr>
+        <p:spPr/>
+        <p:txBody>
+          <a:bodyPr/>
+          <a:lstStyle/>
+          <a:p>
+            <a:r>
+              <a:rPr lang="pt-BR" dirty="0"/>
+              <a:t>Criando o </a:t>
+            </a:r>
+            <a:r>
+              <a:rPr lang="pt-BR" dirty="0" err="1"/>
+              <a:t>Json</a:t>
+            </a:r>
+            <a:r>
+              <a:rPr lang="pt-BR" dirty="0"/>
+              <a:t> – </a:t>
+            </a:r>
+            <a:r>
+              <a:rPr lang="pt-BR" b="1" dirty="0" err="1">
+                <a:solidFill>
+                  <a:srgbClr val="FF0000"/>
+                </a:solidFill>
+              </a:rPr>
+              <a:t>tarefas.json</a:t>
+            </a:r>
+            <a:endParaRPr lang="pt-BR" b="1" dirty="0">
+              <a:solidFill>
+                <a:srgbClr val="FF0000"/>
+              </a:solidFill>
+            </a:endParaRPr>
+          </a:p>
+        </p:txBody>
+      </p:sp>
+      <p:sp>
+        <p:nvSpPr>
+          <p:cNvPr id="3" name="Espaço Reservado para Conteúdo 2">
+            <a:extLst>
+              <a:ext uri="{FF2B5EF4-FFF2-40B4-BE49-F238E27FC236}">
+                <a16:creationId xmlns:a16="http://schemas.microsoft.com/office/drawing/2014/main" id="{8B731567-9FAD-80C3-A6CF-3CECC7678A29}"/>
+              </a:ext>
+            </a:extLst>
+          </p:cNvPr>
+          <p:cNvSpPr>
+            <a:spLocks noGrp="1"/>
+          </p:cNvSpPr>
+          <p:nvPr>
+            <p:ph idx="1"/>
+          </p:nvPr>
+        </p:nvSpPr>
+        <p:spPr>
+          <a:xfrm>
+            <a:off x="838200" y="1825624"/>
+            <a:ext cx="10515600" cy="4879975"/>
+          </a:xfrm>
+        </p:spPr>
+        <p:txBody>
+          <a:bodyPr>
+            <a:normAutofit lnSpcReduction="10000"/>
+          </a:bodyPr>
+          <a:lstStyle/>
+          <a:p>
+            <a:pPr marL="0" indent="0">
+              <a:buNone/>
+            </a:pPr>
+            <a:r>
+              <a:rPr lang="pt-BR" dirty="0"/>
+              <a:t>{</a:t>
+            </a:r>
+          </a:p>
+          <a:p>
+            <a:pPr marL="0" indent="0">
+              <a:buNone/>
+            </a:pPr>
+            <a:r>
+              <a:rPr lang="pt-BR" dirty="0"/>
+              <a:t>  "1716230912345": {</a:t>
+            </a:r>
+          </a:p>
+          <a:p>
+            <a:pPr marL="0" indent="0">
+              <a:buNone/>
+            </a:pPr>
+            <a:r>
+              <a:rPr lang="pt-BR" dirty="0"/>
+              <a:t>    "</a:t>
+            </a:r>
+            <a:r>
+              <a:rPr lang="pt-BR" dirty="0" err="1"/>
+              <a:t>key_tarefa</a:t>
+            </a:r>
+            <a:r>
+              <a:rPr lang="pt-BR" dirty="0"/>
+              <a:t>": "Estudar </a:t>
+            </a:r>
+            <a:r>
+              <a:rPr lang="pt-BR" dirty="0" err="1"/>
+              <a:t>React</a:t>
+            </a:r>
+            <a:r>
+              <a:rPr lang="pt-BR" dirty="0"/>
+              <a:t>",</a:t>
+            </a:r>
+          </a:p>
+          <a:p>
+            <a:pPr marL="0" indent="0">
+              <a:buNone/>
+            </a:pPr>
+            <a:r>
+              <a:rPr lang="pt-BR" dirty="0"/>
+              <a:t>    "</a:t>
+            </a:r>
+            <a:r>
+              <a:rPr lang="pt-BR" dirty="0" err="1"/>
+              <a:t>key_data</a:t>
+            </a:r>
+            <a:r>
+              <a:rPr lang="pt-BR" dirty="0"/>
+              <a:t>": "2025-05-20"</a:t>
+            </a:r>
+          </a:p>
+          <a:p>
+            <a:pPr marL="0" indent="0">
+              <a:buNone/>
+            </a:pPr>
+            <a:r>
+              <a:rPr lang="pt-BR" dirty="0"/>
+              <a:t>  },</a:t>
+            </a:r>
+          </a:p>
+          <a:p>
+            <a:pPr marL="0" indent="0">
+              <a:buNone/>
+            </a:pPr>
+            <a:r>
+              <a:rPr lang="pt-BR" dirty="0"/>
+              <a:t>  "1716230978901": {</a:t>
+            </a:r>
+          </a:p>
+          <a:p>
+            <a:pPr marL="0" indent="0">
+              <a:buNone/>
+            </a:pPr>
+            <a:r>
+              <a:rPr lang="pt-BR" dirty="0"/>
+              <a:t>    "</a:t>
+            </a:r>
+            <a:r>
+              <a:rPr lang="pt-BR" dirty="0" err="1"/>
+              <a:t>key_tarefa</a:t>
+            </a:r>
+            <a:r>
+              <a:rPr lang="pt-BR" dirty="0"/>
+              <a:t>": "Fazer exercício",</a:t>
+            </a:r>
+          </a:p>
+          <a:p>
+            <a:pPr marL="0" indent="0">
+              <a:buNone/>
+            </a:pPr>
+            <a:r>
+              <a:rPr lang="pt-BR" dirty="0"/>
+              <a:t>    "</a:t>
+            </a:r>
+            <a:r>
+              <a:rPr lang="pt-BR" dirty="0" err="1"/>
+              <a:t>key_data</a:t>
+            </a:r>
+            <a:r>
+              <a:rPr lang="pt-BR" dirty="0"/>
+              <a:t>": "2025-05-21"</a:t>
+            </a:r>
+          </a:p>
+          <a:p>
+            <a:pPr marL="0" indent="0">
+              <a:buNone/>
+            </a:pPr>
+            <a:r>
+              <a:rPr lang="pt-BR" dirty="0"/>
+              <a:t>  }</a:t>
+            </a:r>
+          </a:p>
+          <a:p>
+            <a:pPr marL="0" indent="0">
+              <a:buNone/>
+            </a:pPr>
+            <a:r>
+              <a:rPr lang="pt-BR" dirty="0"/>
+              <a:t>}</a:t>
+            </a:r>
+          </a:p>
+        </p:txBody>
+      </p:sp>
+    </p:spTree>
+    <p:extLst>
+      <p:ext uri="{BB962C8B-B14F-4D97-AF65-F5344CB8AC3E}">
+        <p14:creationId xmlns:p14="http://schemas.microsoft.com/office/powerpoint/2010/main" val="4139474668"/>
+      </p:ext>
+    </p:extLst>
+  </p:cSld>
+  <p:clrMapOvr>
+    <a:masterClrMapping/>
+  </p:clrMapOvr>
+</p:sld>
+</file>
+
+<file path=ppt/slides/slide43.xml><?xml version="1.0" encoding="utf-8"?>
+<p:sld xmlns:a="http://schemas.openxmlformats.org/drawingml/2006/main" xmlns:r="http://schemas.openxmlformats.org/officeDocument/2006/relationships" xmlns:p="http://schemas.openxmlformats.org/presentationml/2006/main">
+  <p:cSld>
+    <p:spTree>
+      <p:nvGrpSpPr>
+        <p:cNvPr id="1" name=""/>
+        <p:cNvGrpSpPr/>
+        <p:nvPr/>
+      </p:nvGrpSpPr>
+      <p:grpSpPr>
+        <a:xfrm>
+          <a:off x="0" y="0"/>
+          <a:ext cx="0" cy="0"/>
+          <a:chOff x="0" y="0"/>
+          <a:chExt cx="0" cy="0"/>
+        </a:xfrm>
+      </p:grpSpPr>
+      <p:sp>
+        <p:nvSpPr>
+          <p:cNvPr id="2" name="Título 1">
+            <a:extLst>
+              <a:ext uri="{FF2B5EF4-FFF2-40B4-BE49-F238E27FC236}">
+                <a16:creationId xmlns:a16="http://schemas.microsoft.com/office/drawing/2014/main" id="{D8457FCD-BF95-D8BB-4ABB-71E841826913}"/>
+              </a:ext>
+            </a:extLst>
+          </p:cNvPr>
+          <p:cNvSpPr>
+            <a:spLocks noGrp="1"/>
+          </p:cNvSpPr>
+          <p:nvPr>
+            <p:ph type="title"/>
+          </p:nvPr>
+        </p:nvSpPr>
+        <p:spPr/>
+        <p:txBody>
+          <a:bodyPr/>
+          <a:lstStyle/>
+          <a:p>
+            <a:r>
+              <a:rPr lang="pt-BR" dirty="0"/>
+              <a:t>Importando o </a:t>
+            </a:r>
+            <a:r>
+              <a:rPr lang="pt-BR" dirty="0" err="1"/>
+              <a:t>Json</a:t>
+            </a:r>
+            <a:r>
+              <a:rPr lang="pt-BR" dirty="0"/>
+              <a:t> dentro do APP</a:t>
+            </a:r>
+          </a:p>
+        </p:txBody>
+      </p:sp>
+      <p:sp>
+        <p:nvSpPr>
+          <p:cNvPr id="3" name="Espaço Reservado para Conteúdo 2">
+            <a:extLst>
+              <a:ext uri="{FF2B5EF4-FFF2-40B4-BE49-F238E27FC236}">
+                <a16:creationId xmlns:a16="http://schemas.microsoft.com/office/drawing/2014/main" id="{64E665D6-941B-0C65-A5FE-75FE72906274}"/>
+              </a:ext>
+            </a:extLst>
+          </p:cNvPr>
+          <p:cNvSpPr>
+            <a:spLocks noGrp="1"/>
+          </p:cNvSpPr>
+          <p:nvPr>
+            <p:ph idx="1"/>
+          </p:nvPr>
+        </p:nvSpPr>
+        <p:spPr/>
+        <p:txBody>
+          <a:bodyPr/>
+          <a:lstStyle/>
+          <a:p>
+            <a:pPr marL="0" indent="0">
+              <a:buNone/>
+            </a:pPr>
+            <a:r>
+              <a:rPr lang="pt-BR" dirty="0" err="1"/>
+              <a:t>import</a:t>
+            </a:r>
+            <a:r>
+              <a:rPr lang="pt-BR" dirty="0"/>
+              <a:t> { </a:t>
+            </a:r>
+            <a:r>
+              <a:rPr lang="pt-BR" dirty="0" err="1"/>
+              <a:t>useState</a:t>
+            </a:r>
+            <a:r>
+              <a:rPr lang="pt-BR" dirty="0"/>
+              <a:t> } </a:t>
+            </a:r>
+            <a:r>
+              <a:rPr lang="pt-BR" dirty="0" err="1"/>
+              <a:t>from</a:t>
+            </a:r>
+            <a:r>
+              <a:rPr lang="pt-BR" dirty="0"/>
+              <a:t> '</a:t>
+            </a:r>
+            <a:r>
+              <a:rPr lang="pt-BR" dirty="0" err="1"/>
+              <a:t>react</a:t>
+            </a:r>
+            <a:r>
+              <a:rPr lang="pt-BR" dirty="0"/>
+              <a:t>';</a:t>
+            </a:r>
+          </a:p>
+          <a:p>
+            <a:pPr marL="0" indent="0">
+              <a:buNone/>
+            </a:pPr>
+            <a:r>
+              <a:rPr lang="pt-BR" dirty="0" err="1"/>
+              <a:t>import</a:t>
+            </a:r>
+            <a:r>
+              <a:rPr lang="pt-BR" dirty="0"/>
+              <a:t> </a:t>
+            </a:r>
+            <a:r>
+              <a:rPr lang="pt-BR" dirty="0" err="1"/>
+              <a:t>Formulario</a:t>
+            </a:r>
+            <a:r>
+              <a:rPr lang="pt-BR" dirty="0"/>
+              <a:t> </a:t>
+            </a:r>
+            <a:r>
+              <a:rPr lang="pt-BR" dirty="0" err="1"/>
+              <a:t>from</a:t>
+            </a:r>
+            <a:r>
+              <a:rPr lang="pt-BR" dirty="0"/>
+              <a:t> './</a:t>
+            </a:r>
+            <a:r>
+              <a:rPr lang="pt-BR" dirty="0" err="1"/>
+              <a:t>components</a:t>
+            </a:r>
+            <a:r>
+              <a:rPr lang="pt-BR" dirty="0"/>
+              <a:t>/</a:t>
+            </a:r>
+            <a:r>
+              <a:rPr lang="pt-BR" dirty="0" err="1"/>
+              <a:t>Formulario</a:t>
+            </a:r>
+            <a:r>
+              <a:rPr lang="pt-BR" dirty="0"/>
+              <a:t>';</a:t>
+            </a:r>
+          </a:p>
+          <a:p>
+            <a:pPr marL="0" indent="0">
+              <a:buNone/>
+            </a:pPr>
+            <a:r>
+              <a:rPr lang="pt-BR" b="1" dirty="0" err="1"/>
+              <a:t>import</a:t>
+            </a:r>
+            <a:r>
+              <a:rPr lang="pt-BR" b="1" dirty="0"/>
+              <a:t> </a:t>
+            </a:r>
+            <a:r>
+              <a:rPr lang="pt-BR" b="1" dirty="0" err="1"/>
+              <a:t>tarefasIniciais</a:t>
+            </a:r>
+            <a:r>
+              <a:rPr lang="pt-BR" b="1" dirty="0"/>
+              <a:t> </a:t>
+            </a:r>
+            <a:r>
+              <a:rPr lang="pt-BR" b="1" dirty="0" err="1"/>
+              <a:t>from</a:t>
+            </a:r>
+            <a:r>
+              <a:rPr lang="pt-BR" b="1" dirty="0"/>
+              <a:t> '../dados/</a:t>
+            </a:r>
+            <a:r>
+              <a:rPr lang="pt-BR" b="1" dirty="0" err="1"/>
+              <a:t>tarefas.json</a:t>
+            </a:r>
+            <a:r>
+              <a:rPr lang="pt-BR" b="1" dirty="0"/>
+              <a:t>'; </a:t>
+            </a:r>
+          </a:p>
+        </p:txBody>
+      </p:sp>
+    </p:spTree>
+    <p:extLst>
+      <p:ext uri="{BB962C8B-B14F-4D97-AF65-F5344CB8AC3E}">
+        <p14:creationId xmlns:p14="http://schemas.microsoft.com/office/powerpoint/2010/main" val="3157270044"/>
+      </p:ext>
+    </p:extLst>
+  </p:cSld>
+  <p:clrMapOvr>
+    <a:masterClrMapping/>
+  </p:clrMapOvr>
+</p:sld>
+</file>
+
+<file path=ppt/slides/slide44.xml><?xml version="1.0" encoding="utf-8"?>
+<p:sld xmlns:a="http://schemas.openxmlformats.org/drawingml/2006/main" xmlns:r="http://schemas.openxmlformats.org/officeDocument/2006/relationships" xmlns:p="http://schemas.openxmlformats.org/presentationml/2006/main">
+  <p:cSld>
     <p:spTree>
       <p:nvGrpSpPr>
         <p:cNvPr id="1" name=""/>
@@ -21086,7 +22013,7 @@
 </p:sld>
 </file>
 
-<file path=ppt/slides/slide42.xml><?xml version="1.0" encoding="utf-8"?>
+<file path=ppt/slides/slide45.xml><?xml version="1.0" encoding="utf-8"?>
 <p:sld xmlns:a="http://schemas.openxmlformats.org/drawingml/2006/main" xmlns:r="http://schemas.openxmlformats.org/officeDocument/2006/relationships" xmlns:p="http://schemas.openxmlformats.org/presentationml/2006/main">
   <p:cSld>
     <p:spTree>
@@ -21202,7 +22129,7 @@
 </p:sld>
 </file>
 
-<file path=ppt/slides/slide43.xml><?xml version="1.0" encoding="utf-8"?>
+<file path=ppt/slides/slide46.xml><?xml version="1.0" encoding="utf-8"?>
 <p:sld xmlns:a="http://schemas.openxmlformats.org/drawingml/2006/main" xmlns:r="http://schemas.openxmlformats.org/officeDocument/2006/relationships" xmlns:p="http://schemas.openxmlformats.org/presentationml/2006/main">
   <p:cSld>
     <p:bg>
@@ -21652,7 +22579,7 @@
 </p:sld>
 </file>
 
-<file path=ppt/slides/slide44.xml><?xml version="1.0" encoding="utf-8"?>
+<file path=ppt/slides/slide47.xml><?xml version="1.0" encoding="utf-8"?>
 <p:sld xmlns:a="http://schemas.openxmlformats.org/drawingml/2006/main" xmlns:r="http://schemas.openxmlformats.org/officeDocument/2006/relationships" xmlns:p="http://schemas.openxmlformats.org/presentationml/2006/main">
   <p:cSld>
     <p:spTree>
@@ -21793,7 +22720,7 @@
 </p:sld>
 </file>
 
-<file path=ppt/slides/slide45.xml><?xml version="1.0" encoding="utf-8"?>
+<file path=ppt/slides/slide48.xml><?xml version="1.0" encoding="utf-8"?>
 <p:sld xmlns:a="http://schemas.openxmlformats.org/drawingml/2006/main" xmlns:r="http://schemas.openxmlformats.org/officeDocument/2006/relationships" xmlns:p="http://schemas.openxmlformats.org/presentationml/2006/main">
   <p:cSld>
     <p:bg>
@@ -22655,7 +23582,7 @@
 </p:sld>
 </file>
 
-<file path=ppt/slides/slide46.xml><?xml version="1.0" encoding="utf-8"?>
+<file path=ppt/slides/slide49.xml><?xml version="1.0" encoding="utf-8"?>
 <p:sld xmlns:a="http://schemas.openxmlformats.org/drawingml/2006/main" xmlns:r="http://schemas.openxmlformats.org/officeDocument/2006/relationships" xmlns:p="http://schemas.openxmlformats.org/presentationml/2006/main">
   <p:cSld>
     <p:spTree>
@@ -22729,519 +23656,6 @@
     <p:extLst>
       <p:ext uri="{BB962C8B-B14F-4D97-AF65-F5344CB8AC3E}">
         <p14:creationId xmlns:p14="http://schemas.microsoft.com/office/powerpoint/2010/main" val="594171424"/>
-      </p:ext>
-    </p:extLst>
-  </p:cSld>
-  <p:clrMapOvr>
-    <a:masterClrMapping/>
-  </p:clrMapOvr>
-</p:sld>
-</file>
-
-<file path=ppt/slides/slide47.xml><?xml version="1.0" encoding="utf-8"?>
-<p:sld xmlns:a="http://schemas.openxmlformats.org/drawingml/2006/main" xmlns:r="http://schemas.openxmlformats.org/officeDocument/2006/relationships" xmlns:p="http://schemas.openxmlformats.org/presentationml/2006/main">
-  <p:cSld>
-    <p:spTree>
-      <p:nvGrpSpPr>
-        <p:cNvPr id="1" name=""/>
-        <p:cNvGrpSpPr/>
-        <p:nvPr/>
-      </p:nvGrpSpPr>
-      <p:grpSpPr>
-        <a:xfrm>
-          <a:off x="0" y="0"/>
-          <a:ext cx="0" cy="0"/>
-          <a:chOff x="0" y="0"/>
-          <a:chExt cx="0" cy="0"/>
-        </a:xfrm>
-      </p:grpSpPr>
-      <p:sp>
-        <p:nvSpPr>
-          <p:cNvPr id="2" name="Título 1">
-            <a:extLst>
-              <a:ext uri="{FF2B5EF4-FFF2-40B4-BE49-F238E27FC236}">
-                <a16:creationId xmlns:a16="http://schemas.microsoft.com/office/drawing/2014/main" id="{5436FB06-44CD-6BCA-5779-F5151585A408}"/>
-              </a:ext>
-            </a:extLst>
-          </p:cNvPr>
-          <p:cNvSpPr>
-            <a:spLocks noGrp="1"/>
-          </p:cNvSpPr>
-          <p:nvPr>
-            <p:ph type="title"/>
-          </p:nvPr>
-        </p:nvSpPr>
-        <p:spPr/>
-        <p:txBody>
-          <a:bodyPr/>
-          <a:lstStyle/>
-          <a:p>
-            <a:r>
-              <a:rPr lang="pt-BR" dirty="0"/>
-              <a:t>Atualizando dados</a:t>
-            </a:r>
-          </a:p>
-        </p:txBody>
-      </p:sp>
-      <p:sp>
-        <p:nvSpPr>
-          <p:cNvPr id="3" name="Espaço Reservado para Conteúdo 2">
-            <a:extLst>
-              <a:ext uri="{FF2B5EF4-FFF2-40B4-BE49-F238E27FC236}">
-                <a16:creationId xmlns:a16="http://schemas.microsoft.com/office/drawing/2014/main" id="{4E32439D-0FCE-8243-0FB3-BEAAD3A45492}"/>
-              </a:ext>
-            </a:extLst>
-          </p:cNvPr>
-          <p:cNvSpPr>
-            <a:spLocks noGrp="1"/>
-          </p:cNvSpPr>
-          <p:nvPr>
-            <p:ph idx="1"/>
-          </p:nvPr>
-        </p:nvSpPr>
-        <p:spPr>
-          <a:xfrm>
-            <a:off x="209550" y="1825625"/>
-            <a:ext cx="11487150" cy="4351338"/>
-          </a:xfrm>
-        </p:spPr>
-        <p:txBody>
-          <a:bodyPr/>
-          <a:lstStyle/>
-          <a:p>
-            <a:pPr>
-              <a:lnSpc>
-                <a:spcPts val="2325"/>
-              </a:lnSpc>
-              <a:buNone/>
-            </a:pPr>
-            <a:r>
-              <a:rPr lang="pt-BR" b="0" dirty="0">
-                <a:solidFill>
-                  <a:srgbClr val="6A9955"/>
-                </a:solidFill>
-                <a:effectLst/>
-                <a:latin typeface="Consolas" panose="020B0609020204030204" pitchFamily="49" charset="0"/>
-              </a:rPr>
-              <a:t>// 3) Carregamento dinâmico </a:t>
-            </a:r>
-            <a:endParaRPr lang="pt-BR" b="0" dirty="0">
-              <a:solidFill>
-                <a:srgbClr val="CCCCCC"/>
-              </a:solidFill>
-              <a:effectLst/>
-              <a:latin typeface="Consolas" panose="020B0609020204030204" pitchFamily="49" charset="0"/>
-            </a:endParaRPr>
-          </a:p>
-          <a:p>
-            <a:pPr>
-              <a:lnSpc>
-                <a:spcPts val="2325"/>
-              </a:lnSpc>
-              <a:buNone/>
-            </a:pPr>
-            <a:r>
-              <a:rPr lang="pt-BR" b="0" dirty="0" err="1">
-                <a:solidFill>
-                  <a:srgbClr val="569CD6"/>
-                </a:solidFill>
-                <a:effectLst/>
-                <a:latin typeface="Consolas" panose="020B0609020204030204" pitchFamily="49" charset="0"/>
-              </a:rPr>
-              <a:t>const</a:t>
-            </a:r>
-            <a:r>
-              <a:rPr lang="pt-BR" b="0" dirty="0">
-                <a:solidFill>
-                  <a:srgbClr val="CCCCCC"/>
-                </a:solidFill>
-                <a:effectLst/>
-                <a:latin typeface="Consolas" panose="020B0609020204030204" pitchFamily="49" charset="0"/>
-              </a:rPr>
-              <a:t> </a:t>
-            </a:r>
-            <a:r>
-              <a:rPr lang="pt-BR" b="0" dirty="0" err="1">
-                <a:solidFill>
-                  <a:srgbClr val="4FC1FF"/>
-                </a:solidFill>
-                <a:effectLst/>
-                <a:latin typeface="Consolas" panose="020B0609020204030204" pitchFamily="49" charset="0"/>
-              </a:rPr>
-              <a:t>addProduct</a:t>
-            </a:r>
-            <a:r>
-              <a:rPr lang="pt-BR" b="0" dirty="0">
-                <a:solidFill>
-                  <a:srgbClr val="D4D4D4"/>
-                </a:solidFill>
-                <a:effectLst/>
-                <a:latin typeface="Consolas" panose="020B0609020204030204" pitchFamily="49" charset="0"/>
-              </a:rPr>
-              <a:t>=</a:t>
-            </a:r>
-            <a:r>
-              <a:rPr lang="pt-BR" b="0" dirty="0">
-                <a:solidFill>
-                  <a:srgbClr val="CCCCCC"/>
-                </a:solidFill>
-                <a:effectLst/>
-                <a:latin typeface="Consolas" panose="020B0609020204030204" pitchFamily="49" charset="0"/>
-              </a:rPr>
-              <a:t> </a:t>
-            </a:r>
-            <a:r>
-              <a:rPr lang="pt-BR" b="0" dirty="0" err="1">
-                <a:solidFill>
-                  <a:srgbClr val="C586C0"/>
-                </a:solidFill>
-                <a:effectLst/>
-                <a:latin typeface="Consolas" panose="020B0609020204030204" pitchFamily="49" charset="0"/>
-              </a:rPr>
-              <a:t>await</a:t>
-            </a:r>
-            <a:r>
-              <a:rPr lang="pt-BR" b="0" dirty="0">
-                <a:solidFill>
-                  <a:srgbClr val="CCCCCC"/>
-                </a:solidFill>
-                <a:effectLst/>
-                <a:latin typeface="Consolas" panose="020B0609020204030204" pitchFamily="49" charset="0"/>
-              </a:rPr>
-              <a:t> </a:t>
-            </a:r>
-            <a:r>
-              <a:rPr lang="pt-BR" b="0" dirty="0" err="1">
-                <a:solidFill>
-                  <a:srgbClr val="4FC1FF"/>
-                </a:solidFill>
-                <a:effectLst/>
-                <a:latin typeface="Consolas" panose="020B0609020204030204" pitchFamily="49" charset="0"/>
-              </a:rPr>
-              <a:t>res</a:t>
-            </a:r>
-            <a:r>
-              <a:rPr lang="pt-BR" b="0" dirty="0" err="1">
-                <a:solidFill>
-                  <a:srgbClr val="CCCCCC"/>
-                </a:solidFill>
-                <a:effectLst/>
-                <a:latin typeface="Consolas" panose="020B0609020204030204" pitchFamily="49" charset="0"/>
-              </a:rPr>
-              <a:t>.</a:t>
-            </a:r>
-            <a:r>
-              <a:rPr lang="pt-BR" b="0" dirty="0" err="1">
-                <a:solidFill>
-                  <a:srgbClr val="DCDCAA"/>
-                </a:solidFill>
-                <a:effectLst/>
-                <a:latin typeface="Consolas" panose="020B0609020204030204" pitchFamily="49" charset="0"/>
-              </a:rPr>
-              <a:t>json</a:t>
-            </a:r>
-            <a:r>
-              <a:rPr lang="pt-BR" b="0" dirty="0">
-                <a:solidFill>
-                  <a:srgbClr val="CCCCCC"/>
-                </a:solidFill>
-                <a:effectLst/>
-                <a:latin typeface="Consolas" panose="020B0609020204030204" pitchFamily="49" charset="0"/>
-              </a:rPr>
-              <a:t>();</a:t>
-            </a:r>
-          </a:p>
-          <a:p>
-            <a:pPr>
-              <a:lnSpc>
-                <a:spcPts val="2325"/>
-              </a:lnSpc>
-              <a:buNone/>
-            </a:pPr>
-            <a:br>
-              <a:rPr lang="pt-BR" b="0" dirty="0">
-                <a:solidFill>
-                  <a:srgbClr val="CCCCCC"/>
-                </a:solidFill>
-                <a:effectLst/>
-                <a:latin typeface="Consolas" panose="020B0609020204030204" pitchFamily="49" charset="0"/>
-              </a:rPr>
-            </a:br>
-            <a:r>
-              <a:rPr lang="pt-BR" b="0" dirty="0">
-                <a:solidFill>
-                  <a:srgbClr val="6A9955"/>
-                </a:solidFill>
-                <a:effectLst/>
-                <a:latin typeface="Consolas" panose="020B0609020204030204" pitchFamily="49" charset="0"/>
-              </a:rPr>
-              <a:t>// Ele vai acessar o modificador de estado, pegar o antigo estado e </a:t>
-            </a:r>
-            <a:r>
-              <a:rPr lang="pt-BR" b="0" dirty="0" err="1">
-                <a:solidFill>
-                  <a:srgbClr val="6A9955"/>
-                </a:solidFill>
-                <a:effectLst/>
-                <a:latin typeface="Consolas" panose="020B0609020204030204" pitchFamily="49" charset="0"/>
-              </a:rPr>
-              <a:t>add</a:t>
-            </a:r>
-            <a:r>
-              <a:rPr lang="pt-BR" b="0" dirty="0">
-                <a:solidFill>
-                  <a:srgbClr val="6A9955"/>
-                </a:solidFill>
-                <a:effectLst/>
-                <a:latin typeface="Consolas" panose="020B0609020204030204" pitchFamily="49" charset="0"/>
-              </a:rPr>
-              <a:t> o novo valor junto com o antigo </a:t>
-            </a:r>
-            <a:endParaRPr lang="pt-BR" b="0" dirty="0">
-              <a:solidFill>
-                <a:srgbClr val="CCCCCC"/>
-              </a:solidFill>
-              <a:effectLst/>
-              <a:latin typeface="Consolas" panose="020B0609020204030204" pitchFamily="49" charset="0"/>
-            </a:endParaRPr>
-          </a:p>
-          <a:p>
-            <a:pPr marL="0" indent="0">
-              <a:lnSpc>
-                <a:spcPts val="2325"/>
-              </a:lnSpc>
-              <a:buNone/>
-            </a:pPr>
-            <a:r>
-              <a:rPr lang="pt-BR" b="0" dirty="0" err="1">
-                <a:solidFill>
-                  <a:srgbClr val="DCDCAA"/>
-                </a:solidFill>
-                <a:effectLst/>
-                <a:latin typeface="Consolas" panose="020B0609020204030204" pitchFamily="49" charset="0"/>
-              </a:rPr>
-              <a:t>setProduct</a:t>
-            </a:r>
-            <a:r>
-              <a:rPr lang="pt-BR" b="0" dirty="0">
-                <a:solidFill>
-                  <a:srgbClr val="CCCCCC"/>
-                </a:solidFill>
-                <a:effectLst/>
-                <a:latin typeface="Consolas" panose="020B0609020204030204" pitchFamily="49" charset="0"/>
-              </a:rPr>
-              <a:t>((</a:t>
-            </a:r>
-            <a:r>
-              <a:rPr lang="pt-BR" b="0" dirty="0" err="1">
-                <a:solidFill>
-                  <a:srgbClr val="9CDCFE"/>
-                </a:solidFill>
-                <a:effectLst/>
-                <a:latin typeface="Consolas" panose="020B0609020204030204" pitchFamily="49" charset="0"/>
-              </a:rPr>
-              <a:t>prevProduct</a:t>
-            </a:r>
-            <a:r>
-              <a:rPr lang="pt-BR" b="0" dirty="0">
-                <a:solidFill>
-                  <a:srgbClr val="CCCCCC"/>
-                </a:solidFill>
-                <a:effectLst/>
-                <a:latin typeface="Consolas" panose="020B0609020204030204" pitchFamily="49" charset="0"/>
-              </a:rPr>
-              <a:t>)</a:t>
-            </a:r>
-            <a:r>
-              <a:rPr lang="pt-BR" b="0" dirty="0">
-                <a:solidFill>
-                  <a:srgbClr val="569CD6"/>
-                </a:solidFill>
-                <a:effectLst/>
-                <a:latin typeface="Consolas" panose="020B0609020204030204" pitchFamily="49" charset="0"/>
-              </a:rPr>
-              <a:t>=&gt;</a:t>
-            </a:r>
-            <a:r>
-              <a:rPr lang="pt-BR" b="0" dirty="0">
-                <a:solidFill>
-                  <a:srgbClr val="CCCCCC"/>
-                </a:solidFill>
-                <a:effectLst/>
-                <a:latin typeface="Consolas" panose="020B0609020204030204" pitchFamily="49" charset="0"/>
-              </a:rPr>
-              <a:t>[</a:t>
-            </a:r>
-            <a:r>
-              <a:rPr lang="pt-BR" b="0" dirty="0">
-                <a:solidFill>
-                  <a:srgbClr val="D4D4D4"/>
-                </a:solidFill>
-                <a:effectLst/>
-                <a:latin typeface="Consolas" panose="020B0609020204030204" pitchFamily="49" charset="0"/>
-              </a:rPr>
-              <a:t>...</a:t>
-            </a:r>
-            <a:r>
-              <a:rPr lang="pt-BR" b="0" dirty="0" err="1">
-                <a:solidFill>
-                  <a:srgbClr val="9CDCFE"/>
-                </a:solidFill>
-                <a:effectLst/>
-                <a:latin typeface="Consolas" panose="020B0609020204030204" pitchFamily="49" charset="0"/>
-              </a:rPr>
-              <a:t>prevProduct</a:t>
-            </a:r>
-            <a:r>
-              <a:rPr lang="pt-BR" b="0" dirty="0" err="1">
-                <a:solidFill>
-                  <a:srgbClr val="CCCCCC"/>
-                </a:solidFill>
-                <a:effectLst/>
-                <a:latin typeface="Consolas" panose="020B0609020204030204" pitchFamily="49" charset="0"/>
-              </a:rPr>
-              <a:t>,</a:t>
-            </a:r>
-            <a:r>
-              <a:rPr lang="pt-BR" b="0" dirty="0" err="1">
-                <a:solidFill>
-                  <a:srgbClr val="4FC1FF"/>
-                </a:solidFill>
-                <a:effectLst/>
-                <a:latin typeface="Consolas" panose="020B0609020204030204" pitchFamily="49" charset="0"/>
-              </a:rPr>
-              <a:t>addProduct</a:t>
-            </a:r>
-            <a:r>
-              <a:rPr lang="pt-BR" b="0" dirty="0">
-                <a:solidFill>
-                  <a:srgbClr val="CCCCCC"/>
-                </a:solidFill>
-                <a:effectLst/>
-                <a:latin typeface="Consolas" panose="020B0609020204030204" pitchFamily="49" charset="0"/>
-              </a:rPr>
-              <a:t>])</a:t>
-            </a:r>
-          </a:p>
-          <a:p>
-            <a:endParaRPr lang="pt-BR" dirty="0"/>
-          </a:p>
-        </p:txBody>
-      </p:sp>
-    </p:spTree>
-    <p:extLst>
-      <p:ext uri="{BB962C8B-B14F-4D97-AF65-F5344CB8AC3E}">
-        <p14:creationId xmlns:p14="http://schemas.microsoft.com/office/powerpoint/2010/main" val="1405165259"/>
-      </p:ext>
-    </p:extLst>
-  </p:cSld>
-  <p:clrMapOvr>
-    <a:masterClrMapping/>
-  </p:clrMapOvr>
-</p:sld>
-</file>
-
-<file path=ppt/slides/slide48.xml><?xml version="1.0" encoding="utf-8"?>
-<p:sld xmlns:a="http://schemas.openxmlformats.org/drawingml/2006/main" xmlns:r="http://schemas.openxmlformats.org/officeDocument/2006/relationships" xmlns:p="http://schemas.openxmlformats.org/presentationml/2006/main">
-  <p:cSld>
-    <p:spTree>
-      <p:nvGrpSpPr>
-        <p:cNvPr id="1" name=""/>
-        <p:cNvGrpSpPr/>
-        <p:nvPr/>
-      </p:nvGrpSpPr>
-      <p:grpSpPr>
-        <a:xfrm>
-          <a:off x="0" y="0"/>
-          <a:ext cx="0" cy="0"/>
-          <a:chOff x="0" y="0"/>
-          <a:chExt cx="0" cy="0"/>
-        </a:xfrm>
-      </p:grpSpPr>
-      <p:sp>
-        <p:nvSpPr>
-          <p:cNvPr id="2" name="Título 1">
-            <a:extLst>
-              <a:ext uri="{FF2B5EF4-FFF2-40B4-BE49-F238E27FC236}">
-                <a16:creationId xmlns:a16="http://schemas.microsoft.com/office/drawing/2014/main" id="{B6BF6DD0-9705-D99B-0EB3-0EBEC31F7CEA}"/>
-              </a:ext>
-            </a:extLst>
-          </p:cNvPr>
-          <p:cNvSpPr>
-            <a:spLocks noGrp="1"/>
-          </p:cNvSpPr>
-          <p:nvPr>
-            <p:ph type="title"/>
-          </p:nvPr>
-        </p:nvSpPr>
-        <p:spPr/>
-        <p:txBody>
-          <a:bodyPr/>
-          <a:lstStyle/>
-          <a:p>
-            <a:r>
-              <a:rPr lang="pt-BR" b="1" dirty="0"/>
-              <a:t>Custom </a:t>
-            </a:r>
-            <a:r>
-              <a:rPr lang="pt-BR" b="1" dirty="0" err="1"/>
-              <a:t>hooks</a:t>
-            </a:r>
-            <a:endParaRPr lang="pt-BR" b="1" dirty="0"/>
-          </a:p>
-        </p:txBody>
-      </p:sp>
-      <p:sp>
-        <p:nvSpPr>
-          <p:cNvPr id="3" name="Espaço Reservado para Conteúdo 2">
-            <a:extLst>
-              <a:ext uri="{FF2B5EF4-FFF2-40B4-BE49-F238E27FC236}">
-                <a16:creationId xmlns:a16="http://schemas.microsoft.com/office/drawing/2014/main" id="{5AB05B68-122F-33BC-C2EF-515A0E7E2F30}"/>
-              </a:ext>
-            </a:extLst>
-          </p:cNvPr>
-          <p:cNvSpPr>
-            <a:spLocks noGrp="1"/>
-          </p:cNvSpPr>
-          <p:nvPr>
-            <p:ph idx="1"/>
-          </p:nvPr>
-        </p:nvSpPr>
-        <p:spPr/>
-        <p:txBody>
-          <a:bodyPr/>
-          <a:lstStyle/>
-          <a:p>
-            <a:r>
-              <a:rPr lang="pt-BR" dirty="0"/>
-              <a:t>Podemos criar nossos próprios </a:t>
-            </a:r>
-            <a:r>
-              <a:rPr lang="pt-BR" dirty="0" err="1"/>
-              <a:t>hooks</a:t>
-            </a:r>
-            <a:r>
-              <a:rPr lang="pt-BR" dirty="0"/>
-              <a:t> </a:t>
-            </a:r>
-          </a:p>
-          <a:p>
-            <a:r>
-              <a:rPr lang="pt-BR" dirty="0"/>
-              <a:t>Eles devem ficar na pasta </a:t>
-            </a:r>
-            <a:r>
-              <a:rPr lang="pt-BR" dirty="0" err="1"/>
-              <a:t>hook</a:t>
-            </a:r>
-            <a:endParaRPr lang="pt-BR" dirty="0"/>
-          </a:p>
-        </p:txBody>
-      </p:sp>
-    </p:spTree>
-    <p:extLst>
-      <p:ext uri="{BB962C8B-B14F-4D97-AF65-F5344CB8AC3E}">
-        <p14:creationId xmlns:p14="http://schemas.microsoft.com/office/powerpoint/2010/main" val="2815429611"/>
       </p:ext>
     </p:extLst>
   </p:cSld>
@@ -24137,6 +24551,519 @@
     <p:extLst>
       <p:ext uri="{BB962C8B-B14F-4D97-AF65-F5344CB8AC3E}">
         <p14:creationId xmlns:p14="http://schemas.microsoft.com/office/powerpoint/2010/main" val="2360681569"/>
+      </p:ext>
+    </p:extLst>
+  </p:cSld>
+  <p:clrMapOvr>
+    <a:masterClrMapping/>
+  </p:clrMapOvr>
+</p:sld>
+</file>
+
+<file path=ppt/slides/slide50.xml><?xml version="1.0" encoding="utf-8"?>
+<p:sld xmlns:a="http://schemas.openxmlformats.org/drawingml/2006/main" xmlns:r="http://schemas.openxmlformats.org/officeDocument/2006/relationships" xmlns:p="http://schemas.openxmlformats.org/presentationml/2006/main">
+  <p:cSld>
+    <p:spTree>
+      <p:nvGrpSpPr>
+        <p:cNvPr id="1" name=""/>
+        <p:cNvGrpSpPr/>
+        <p:nvPr/>
+      </p:nvGrpSpPr>
+      <p:grpSpPr>
+        <a:xfrm>
+          <a:off x="0" y="0"/>
+          <a:ext cx="0" cy="0"/>
+          <a:chOff x="0" y="0"/>
+          <a:chExt cx="0" cy="0"/>
+        </a:xfrm>
+      </p:grpSpPr>
+      <p:sp>
+        <p:nvSpPr>
+          <p:cNvPr id="2" name="Título 1">
+            <a:extLst>
+              <a:ext uri="{FF2B5EF4-FFF2-40B4-BE49-F238E27FC236}">
+                <a16:creationId xmlns:a16="http://schemas.microsoft.com/office/drawing/2014/main" id="{5436FB06-44CD-6BCA-5779-F5151585A408}"/>
+              </a:ext>
+            </a:extLst>
+          </p:cNvPr>
+          <p:cNvSpPr>
+            <a:spLocks noGrp="1"/>
+          </p:cNvSpPr>
+          <p:nvPr>
+            <p:ph type="title"/>
+          </p:nvPr>
+        </p:nvSpPr>
+        <p:spPr/>
+        <p:txBody>
+          <a:bodyPr/>
+          <a:lstStyle/>
+          <a:p>
+            <a:r>
+              <a:rPr lang="pt-BR" dirty="0"/>
+              <a:t>Atualizando dados</a:t>
+            </a:r>
+          </a:p>
+        </p:txBody>
+      </p:sp>
+      <p:sp>
+        <p:nvSpPr>
+          <p:cNvPr id="3" name="Espaço Reservado para Conteúdo 2">
+            <a:extLst>
+              <a:ext uri="{FF2B5EF4-FFF2-40B4-BE49-F238E27FC236}">
+                <a16:creationId xmlns:a16="http://schemas.microsoft.com/office/drawing/2014/main" id="{4E32439D-0FCE-8243-0FB3-BEAAD3A45492}"/>
+              </a:ext>
+            </a:extLst>
+          </p:cNvPr>
+          <p:cNvSpPr>
+            <a:spLocks noGrp="1"/>
+          </p:cNvSpPr>
+          <p:nvPr>
+            <p:ph idx="1"/>
+          </p:nvPr>
+        </p:nvSpPr>
+        <p:spPr>
+          <a:xfrm>
+            <a:off x="209550" y="1825625"/>
+            <a:ext cx="11487150" cy="4351338"/>
+          </a:xfrm>
+        </p:spPr>
+        <p:txBody>
+          <a:bodyPr/>
+          <a:lstStyle/>
+          <a:p>
+            <a:pPr>
+              <a:lnSpc>
+                <a:spcPts val="2325"/>
+              </a:lnSpc>
+              <a:buNone/>
+            </a:pPr>
+            <a:r>
+              <a:rPr lang="pt-BR" b="0" dirty="0">
+                <a:solidFill>
+                  <a:srgbClr val="6A9955"/>
+                </a:solidFill>
+                <a:effectLst/>
+                <a:latin typeface="Consolas" panose="020B0609020204030204" pitchFamily="49" charset="0"/>
+              </a:rPr>
+              <a:t>// 3) Carregamento dinâmico </a:t>
+            </a:r>
+            <a:endParaRPr lang="pt-BR" b="0" dirty="0">
+              <a:solidFill>
+                <a:srgbClr val="CCCCCC"/>
+              </a:solidFill>
+              <a:effectLst/>
+              <a:latin typeface="Consolas" panose="020B0609020204030204" pitchFamily="49" charset="0"/>
+            </a:endParaRPr>
+          </a:p>
+          <a:p>
+            <a:pPr>
+              <a:lnSpc>
+                <a:spcPts val="2325"/>
+              </a:lnSpc>
+              <a:buNone/>
+            </a:pPr>
+            <a:r>
+              <a:rPr lang="pt-BR" b="0" dirty="0" err="1">
+                <a:solidFill>
+                  <a:srgbClr val="569CD6"/>
+                </a:solidFill>
+                <a:effectLst/>
+                <a:latin typeface="Consolas" panose="020B0609020204030204" pitchFamily="49" charset="0"/>
+              </a:rPr>
+              <a:t>const</a:t>
+            </a:r>
+            <a:r>
+              <a:rPr lang="pt-BR" b="0" dirty="0">
+                <a:solidFill>
+                  <a:srgbClr val="CCCCCC"/>
+                </a:solidFill>
+                <a:effectLst/>
+                <a:latin typeface="Consolas" panose="020B0609020204030204" pitchFamily="49" charset="0"/>
+              </a:rPr>
+              <a:t> </a:t>
+            </a:r>
+            <a:r>
+              <a:rPr lang="pt-BR" b="0" dirty="0" err="1">
+                <a:solidFill>
+                  <a:srgbClr val="4FC1FF"/>
+                </a:solidFill>
+                <a:effectLst/>
+                <a:latin typeface="Consolas" panose="020B0609020204030204" pitchFamily="49" charset="0"/>
+              </a:rPr>
+              <a:t>addProduct</a:t>
+            </a:r>
+            <a:r>
+              <a:rPr lang="pt-BR" b="0" dirty="0">
+                <a:solidFill>
+                  <a:srgbClr val="D4D4D4"/>
+                </a:solidFill>
+                <a:effectLst/>
+                <a:latin typeface="Consolas" panose="020B0609020204030204" pitchFamily="49" charset="0"/>
+              </a:rPr>
+              <a:t>=</a:t>
+            </a:r>
+            <a:r>
+              <a:rPr lang="pt-BR" b="0" dirty="0">
+                <a:solidFill>
+                  <a:srgbClr val="CCCCCC"/>
+                </a:solidFill>
+                <a:effectLst/>
+                <a:latin typeface="Consolas" panose="020B0609020204030204" pitchFamily="49" charset="0"/>
+              </a:rPr>
+              <a:t> </a:t>
+            </a:r>
+            <a:r>
+              <a:rPr lang="pt-BR" b="0" dirty="0" err="1">
+                <a:solidFill>
+                  <a:srgbClr val="C586C0"/>
+                </a:solidFill>
+                <a:effectLst/>
+                <a:latin typeface="Consolas" panose="020B0609020204030204" pitchFamily="49" charset="0"/>
+              </a:rPr>
+              <a:t>await</a:t>
+            </a:r>
+            <a:r>
+              <a:rPr lang="pt-BR" b="0" dirty="0">
+                <a:solidFill>
+                  <a:srgbClr val="CCCCCC"/>
+                </a:solidFill>
+                <a:effectLst/>
+                <a:latin typeface="Consolas" panose="020B0609020204030204" pitchFamily="49" charset="0"/>
+              </a:rPr>
+              <a:t> </a:t>
+            </a:r>
+            <a:r>
+              <a:rPr lang="pt-BR" b="0" dirty="0" err="1">
+                <a:solidFill>
+                  <a:srgbClr val="4FC1FF"/>
+                </a:solidFill>
+                <a:effectLst/>
+                <a:latin typeface="Consolas" panose="020B0609020204030204" pitchFamily="49" charset="0"/>
+              </a:rPr>
+              <a:t>res</a:t>
+            </a:r>
+            <a:r>
+              <a:rPr lang="pt-BR" b="0" dirty="0" err="1">
+                <a:solidFill>
+                  <a:srgbClr val="CCCCCC"/>
+                </a:solidFill>
+                <a:effectLst/>
+                <a:latin typeface="Consolas" panose="020B0609020204030204" pitchFamily="49" charset="0"/>
+              </a:rPr>
+              <a:t>.</a:t>
+            </a:r>
+            <a:r>
+              <a:rPr lang="pt-BR" b="0" dirty="0" err="1">
+                <a:solidFill>
+                  <a:srgbClr val="DCDCAA"/>
+                </a:solidFill>
+                <a:effectLst/>
+                <a:latin typeface="Consolas" panose="020B0609020204030204" pitchFamily="49" charset="0"/>
+              </a:rPr>
+              <a:t>json</a:t>
+            </a:r>
+            <a:r>
+              <a:rPr lang="pt-BR" b="0" dirty="0">
+                <a:solidFill>
+                  <a:srgbClr val="CCCCCC"/>
+                </a:solidFill>
+                <a:effectLst/>
+                <a:latin typeface="Consolas" panose="020B0609020204030204" pitchFamily="49" charset="0"/>
+              </a:rPr>
+              <a:t>();</a:t>
+            </a:r>
+          </a:p>
+          <a:p>
+            <a:pPr>
+              <a:lnSpc>
+                <a:spcPts val="2325"/>
+              </a:lnSpc>
+              <a:buNone/>
+            </a:pPr>
+            <a:br>
+              <a:rPr lang="pt-BR" b="0" dirty="0">
+                <a:solidFill>
+                  <a:srgbClr val="CCCCCC"/>
+                </a:solidFill>
+                <a:effectLst/>
+                <a:latin typeface="Consolas" panose="020B0609020204030204" pitchFamily="49" charset="0"/>
+              </a:rPr>
+            </a:br>
+            <a:r>
+              <a:rPr lang="pt-BR" b="0" dirty="0">
+                <a:solidFill>
+                  <a:srgbClr val="6A9955"/>
+                </a:solidFill>
+                <a:effectLst/>
+                <a:latin typeface="Consolas" panose="020B0609020204030204" pitchFamily="49" charset="0"/>
+              </a:rPr>
+              <a:t>// Ele vai acessar o modificador de estado, pegar o antigo estado e </a:t>
+            </a:r>
+            <a:r>
+              <a:rPr lang="pt-BR" b="0" dirty="0" err="1">
+                <a:solidFill>
+                  <a:srgbClr val="6A9955"/>
+                </a:solidFill>
+                <a:effectLst/>
+                <a:latin typeface="Consolas" panose="020B0609020204030204" pitchFamily="49" charset="0"/>
+              </a:rPr>
+              <a:t>add</a:t>
+            </a:r>
+            <a:r>
+              <a:rPr lang="pt-BR" b="0" dirty="0">
+                <a:solidFill>
+                  <a:srgbClr val="6A9955"/>
+                </a:solidFill>
+                <a:effectLst/>
+                <a:latin typeface="Consolas" panose="020B0609020204030204" pitchFamily="49" charset="0"/>
+              </a:rPr>
+              <a:t> o novo valor junto com o antigo </a:t>
+            </a:r>
+            <a:endParaRPr lang="pt-BR" b="0" dirty="0">
+              <a:solidFill>
+                <a:srgbClr val="CCCCCC"/>
+              </a:solidFill>
+              <a:effectLst/>
+              <a:latin typeface="Consolas" panose="020B0609020204030204" pitchFamily="49" charset="0"/>
+            </a:endParaRPr>
+          </a:p>
+          <a:p>
+            <a:pPr marL="0" indent="0">
+              <a:lnSpc>
+                <a:spcPts val="2325"/>
+              </a:lnSpc>
+              <a:buNone/>
+            </a:pPr>
+            <a:r>
+              <a:rPr lang="pt-BR" b="0" dirty="0" err="1">
+                <a:solidFill>
+                  <a:srgbClr val="DCDCAA"/>
+                </a:solidFill>
+                <a:effectLst/>
+                <a:latin typeface="Consolas" panose="020B0609020204030204" pitchFamily="49" charset="0"/>
+              </a:rPr>
+              <a:t>setProduct</a:t>
+            </a:r>
+            <a:r>
+              <a:rPr lang="pt-BR" b="0" dirty="0">
+                <a:solidFill>
+                  <a:srgbClr val="CCCCCC"/>
+                </a:solidFill>
+                <a:effectLst/>
+                <a:latin typeface="Consolas" panose="020B0609020204030204" pitchFamily="49" charset="0"/>
+              </a:rPr>
+              <a:t>((</a:t>
+            </a:r>
+            <a:r>
+              <a:rPr lang="pt-BR" b="0" dirty="0" err="1">
+                <a:solidFill>
+                  <a:srgbClr val="9CDCFE"/>
+                </a:solidFill>
+                <a:effectLst/>
+                <a:latin typeface="Consolas" panose="020B0609020204030204" pitchFamily="49" charset="0"/>
+              </a:rPr>
+              <a:t>prevProduct</a:t>
+            </a:r>
+            <a:r>
+              <a:rPr lang="pt-BR" b="0" dirty="0">
+                <a:solidFill>
+                  <a:srgbClr val="CCCCCC"/>
+                </a:solidFill>
+                <a:effectLst/>
+                <a:latin typeface="Consolas" panose="020B0609020204030204" pitchFamily="49" charset="0"/>
+              </a:rPr>
+              <a:t>)</a:t>
+            </a:r>
+            <a:r>
+              <a:rPr lang="pt-BR" b="0" dirty="0">
+                <a:solidFill>
+                  <a:srgbClr val="569CD6"/>
+                </a:solidFill>
+                <a:effectLst/>
+                <a:latin typeface="Consolas" panose="020B0609020204030204" pitchFamily="49" charset="0"/>
+              </a:rPr>
+              <a:t>=&gt;</a:t>
+            </a:r>
+            <a:r>
+              <a:rPr lang="pt-BR" b="0" dirty="0">
+                <a:solidFill>
+                  <a:srgbClr val="CCCCCC"/>
+                </a:solidFill>
+                <a:effectLst/>
+                <a:latin typeface="Consolas" panose="020B0609020204030204" pitchFamily="49" charset="0"/>
+              </a:rPr>
+              <a:t>[</a:t>
+            </a:r>
+            <a:r>
+              <a:rPr lang="pt-BR" b="0" dirty="0">
+                <a:solidFill>
+                  <a:srgbClr val="D4D4D4"/>
+                </a:solidFill>
+                <a:effectLst/>
+                <a:latin typeface="Consolas" panose="020B0609020204030204" pitchFamily="49" charset="0"/>
+              </a:rPr>
+              <a:t>...</a:t>
+            </a:r>
+            <a:r>
+              <a:rPr lang="pt-BR" b="0" dirty="0" err="1">
+                <a:solidFill>
+                  <a:srgbClr val="9CDCFE"/>
+                </a:solidFill>
+                <a:effectLst/>
+                <a:latin typeface="Consolas" panose="020B0609020204030204" pitchFamily="49" charset="0"/>
+              </a:rPr>
+              <a:t>prevProduct</a:t>
+            </a:r>
+            <a:r>
+              <a:rPr lang="pt-BR" b="0" dirty="0" err="1">
+                <a:solidFill>
+                  <a:srgbClr val="CCCCCC"/>
+                </a:solidFill>
+                <a:effectLst/>
+                <a:latin typeface="Consolas" panose="020B0609020204030204" pitchFamily="49" charset="0"/>
+              </a:rPr>
+              <a:t>,</a:t>
+            </a:r>
+            <a:r>
+              <a:rPr lang="pt-BR" b="0" dirty="0" err="1">
+                <a:solidFill>
+                  <a:srgbClr val="4FC1FF"/>
+                </a:solidFill>
+                <a:effectLst/>
+                <a:latin typeface="Consolas" panose="020B0609020204030204" pitchFamily="49" charset="0"/>
+              </a:rPr>
+              <a:t>addProduct</a:t>
+            </a:r>
+            <a:r>
+              <a:rPr lang="pt-BR" b="0" dirty="0">
+                <a:solidFill>
+                  <a:srgbClr val="CCCCCC"/>
+                </a:solidFill>
+                <a:effectLst/>
+                <a:latin typeface="Consolas" panose="020B0609020204030204" pitchFamily="49" charset="0"/>
+              </a:rPr>
+              <a:t>])</a:t>
+            </a:r>
+          </a:p>
+          <a:p>
+            <a:endParaRPr lang="pt-BR" dirty="0"/>
+          </a:p>
+        </p:txBody>
+      </p:sp>
+    </p:spTree>
+    <p:extLst>
+      <p:ext uri="{BB962C8B-B14F-4D97-AF65-F5344CB8AC3E}">
+        <p14:creationId xmlns:p14="http://schemas.microsoft.com/office/powerpoint/2010/main" val="1405165259"/>
+      </p:ext>
+    </p:extLst>
+  </p:cSld>
+  <p:clrMapOvr>
+    <a:masterClrMapping/>
+  </p:clrMapOvr>
+</p:sld>
+</file>
+
+<file path=ppt/slides/slide51.xml><?xml version="1.0" encoding="utf-8"?>
+<p:sld xmlns:a="http://schemas.openxmlformats.org/drawingml/2006/main" xmlns:r="http://schemas.openxmlformats.org/officeDocument/2006/relationships" xmlns:p="http://schemas.openxmlformats.org/presentationml/2006/main">
+  <p:cSld>
+    <p:spTree>
+      <p:nvGrpSpPr>
+        <p:cNvPr id="1" name=""/>
+        <p:cNvGrpSpPr/>
+        <p:nvPr/>
+      </p:nvGrpSpPr>
+      <p:grpSpPr>
+        <a:xfrm>
+          <a:off x="0" y="0"/>
+          <a:ext cx="0" cy="0"/>
+          <a:chOff x="0" y="0"/>
+          <a:chExt cx="0" cy="0"/>
+        </a:xfrm>
+      </p:grpSpPr>
+      <p:sp>
+        <p:nvSpPr>
+          <p:cNvPr id="2" name="Título 1">
+            <a:extLst>
+              <a:ext uri="{FF2B5EF4-FFF2-40B4-BE49-F238E27FC236}">
+                <a16:creationId xmlns:a16="http://schemas.microsoft.com/office/drawing/2014/main" id="{B6BF6DD0-9705-D99B-0EB3-0EBEC31F7CEA}"/>
+              </a:ext>
+            </a:extLst>
+          </p:cNvPr>
+          <p:cNvSpPr>
+            <a:spLocks noGrp="1"/>
+          </p:cNvSpPr>
+          <p:nvPr>
+            <p:ph type="title"/>
+          </p:nvPr>
+        </p:nvSpPr>
+        <p:spPr/>
+        <p:txBody>
+          <a:bodyPr/>
+          <a:lstStyle/>
+          <a:p>
+            <a:r>
+              <a:rPr lang="pt-BR" b="1" dirty="0"/>
+              <a:t>Custom </a:t>
+            </a:r>
+            <a:r>
+              <a:rPr lang="pt-BR" b="1" dirty="0" err="1"/>
+              <a:t>hooks</a:t>
+            </a:r>
+            <a:endParaRPr lang="pt-BR" b="1" dirty="0"/>
+          </a:p>
+        </p:txBody>
+      </p:sp>
+      <p:sp>
+        <p:nvSpPr>
+          <p:cNvPr id="3" name="Espaço Reservado para Conteúdo 2">
+            <a:extLst>
+              <a:ext uri="{FF2B5EF4-FFF2-40B4-BE49-F238E27FC236}">
+                <a16:creationId xmlns:a16="http://schemas.microsoft.com/office/drawing/2014/main" id="{5AB05B68-122F-33BC-C2EF-515A0E7E2F30}"/>
+              </a:ext>
+            </a:extLst>
+          </p:cNvPr>
+          <p:cNvSpPr>
+            <a:spLocks noGrp="1"/>
+          </p:cNvSpPr>
+          <p:nvPr>
+            <p:ph idx="1"/>
+          </p:nvPr>
+        </p:nvSpPr>
+        <p:spPr/>
+        <p:txBody>
+          <a:bodyPr/>
+          <a:lstStyle/>
+          <a:p>
+            <a:r>
+              <a:rPr lang="pt-BR" dirty="0"/>
+              <a:t>Podemos criar nossos próprios </a:t>
+            </a:r>
+            <a:r>
+              <a:rPr lang="pt-BR" dirty="0" err="1"/>
+              <a:t>hooks</a:t>
+            </a:r>
+            <a:r>
+              <a:rPr lang="pt-BR" dirty="0"/>
+              <a:t> </a:t>
+            </a:r>
+          </a:p>
+          <a:p>
+            <a:r>
+              <a:rPr lang="pt-BR" dirty="0"/>
+              <a:t>Eles devem ficar na pasta </a:t>
+            </a:r>
+            <a:r>
+              <a:rPr lang="pt-BR" dirty="0" err="1"/>
+              <a:t>hook</a:t>
+            </a:r>
+            <a:endParaRPr lang="pt-BR" dirty="0"/>
+          </a:p>
+        </p:txBody>
+      </p:sp>
+    </p:spTree>
+    <p:extLst>
+      <p:ext uri="{BB962C8B-B14F-4D97-AF65-F5344CB8AC3E}">
+        <p14:creationId xmlns:p14="http://schemas.microsoft.com/office/powerpoint/2010/main" val="2815429611"/>
       </p:ext>
     </p:extLst>
   </p:cSld>
